--- a/2020-09-17_Ansible_for_nettverksautomasjon/Ansible for nettverksautomasjon.pptx
+++ b/2020-09-17_Ansible_for_nettverksautomasjon/Ansible for nettverksautomasjon.pptx
@@ -5,10 +5,10 @@
     <p:sldMasterId id="2147483648" r:id="rId1"/>
   </p:sldMasterIdLst>
   <p:notesMasterIdLst>
-    <p:notesMasterId r:id="rId29"/>
+    <p:notesMasterId r:id="rId30"/>
   </p:notesMasterIdLst>
   <p:handoutMasterIdLst>
-    <p:handoutMasterId r:id="rId30"/>
+    <p:handoutMasterId r:id="rId31"/>
   </p:handoutMasterIdLst>
   <p:sldIdLst>
     <p:sldId id="258" r:id="rId2"/>
@@ -27,17 +27,18 @@
     <p:sldId id="300" r:id="rId15"/>
     <p:sldId id="303" r:id="rId16"/>
     <p:sldId id="313" r:id="rId17"/>
-    <p:sldId id="304" r:id="rId18"/>
-    <p:sldId id="298" r:id="rId19"/>
-    <p:sldId id="305" r:id="rId20"/>
-    <p:sldId id="307" r:id="rId21"/>
-    <p:sldId id="309" r:id="rId22"/>
-    <p:sldId id="311" r:id="rId23"/>
-    <p:sldId id="312" r:id="rId24"/>
-    <p:sldId id="315" r:id="rId25"/>
-    <p:sldId id="314" r:id="rId26"/>
-    <p:sldId id="316" r:id="rId27"/>
-    <p:sldId id="317" r:id="rId28"/>
+    <p:sldId id="322" r:id="rId18"/>
+    <p:sldId id="304" r:id="rId19"/>
+    <p:sldId id="298" r:id="rId20"/>
+    <p:sldId id="305" r:id="rId21"/>
+    <p:sldId id="307" r:id="rId22"/>
+    <p:sldId id="309" r:id="rId23"/>
+    <p:sldId id="311" r:id="rId24"/>
+    <p:sldId id="312" r:id="rId25"/>
+    <p:sldId id="315" r:id="rId26"/>
+    <p:sldId id="314" r:id="rId27"/>
+    <p:sldId id="316" r:id="rId28"/>
+    <p:sldId id="317" r:id="rId29"/>
   </p:sldIdLst>
   <p:sldSz cx="12192000" cy="6858000"/>
   <p:notesSz cx="6858000" cy="9144000"/>
@@ -2375,328 +2376,9 @@
           <a:lstStyle/>
           <a:p>
             <a:r>
-              <a:rPr lang="nb-NO" dirty="0"/>
-              <a:t>---</a:t>
-            </a:r>
-          </a:p>
-          <a:p>
-            <a:r>
-              <a:rPr lang="nb-NO" dirty="0"/>
-              <a:t>- </a:t>
-            </a:r>
-            <a:r>
-              <a:rPr lang="nb-NO" dirty="0" err="1"/>
-              <a:t>name</a:t>
-            </a:r>
-            <a:r>
-              <a:rPr lang="nb-NO" dirty="0"/>
-              <a:t>: </a:t>
-            </a:r>
-            <a:r>
-              <a:rPr lang="nb-NO" dirty="0" err="1"/>
-              <a:t>Configure</a:t>
-            </a:r>
-            <a:r>
-              <a:rPr lang="nb-NO" dirty="0"/>
-              <a:t> logging</a:t>
-            </a:r>
-          </a:p>
-          <a:p>
-            <a:r>
-              <a:rPr lang="nb-NO" dirty="0"/>
-              <a:t>  hosts: </a:t>
-            </a:r>
-            <a:r>
-              <a:rPr lang="nb-NO" dirty="0" err="1"/>
-              <a:t>nxos</a:t>
-            </a:r>
-            <a:endParaRPr lang="nb-NO" dirty="0"/>
-          </a:p>
-          <a:p>
-            <a:r>
-              <a:rPr lang="nb-NO" dirty="0"/>
-              <a:t>  </a:t>
-            </a:r>
-            <a:r>
-              <a:rPr lang="nb-NO" dirty="0" err="1"/>
-              <a:t>gather_facts</a:t>
-            </a:r>
-            <a:r>
-              <a:rPr lang="nb-NO" dirty="0"/>
-              <a:t>: False</a:t>
-            </a:r>
-          </a:p>
-          <a:p>
-            <a:r>
-              <a:rPr lang="nb-NO" dirty="0"/>
-              <a:t>  </a:t>
-            </a:r>
-            <a:r>
-              <a:rPr lang="nb-NO" dirty="0" err="1"/>
-              <a:t>tasks</a:t>
-            </a:r>
-            <a:r>
-              <a:rPr lang="nb-NO" dirty="0"/>
-              <a:t>:</a:t>
-            </a:r>
-          </a:p>
-          <a:p>
-            <a:endParaRPr lang="nb-NO" dirty="0"/>
-          </a:p>
-          <a:p>
-            <a:r>
-              <a:rPr lang="nb-NO" dirty="0"/>
-              <a:t>    - </a:t>
-            </a:r>
-            <a:r>
-              <a:rPr lang="nb-NO" dirty="0" err="1"/>
-              <a:t>name</a:t>
-            </a:r>
-            <a:r>
-              <a:rPr lang="nb-NO" dirty="0"/>
-              <a:t>: </a:t>
-            </a:r>
-            <a:r>
-              <a:rPr lang="nb-NO" dirty="0" err="1"/>
-              <a:t>Configure</a:t>
-            </a:r>
-            <a:r>
-              <a:rPr lang="nb-NO" dirty="0"/>
-              <a:t> </a:t>
-            </a:r>
-            <a:r>
-              <a:rPr lang="nb-NO" dirty="0" err="1"/>
-              <a:t>syslog</a:t>
-            </a:r>
-            <a:endParaRPr lang="nb-NO" dirty="0"/>
-          </a:p>
-          <a:p>
-            <a:r>
-              <a:rPr lang="nb-NO" dirty="0"/>
-              <a:t>      </a:t>
-            </a:r>
-            <a:r>
-              <a:rPr lang="nb-NO" dirty="0" err="1"/>
-              <a:t>nxos_config</a:t>
-            </a:r>
-            <a:r>
-              <a:rPr lang="nb-NO" dirty="0"/>
-              <a:t>:</a:t>
-            </a:r>
-          </a:p>
-          <a:p>
-            <a:r>
-              <a:rPr lang="nb-NO" dirty="0"/>
-              <a:t>        lines:</a:t>
-            </a:r>
-          </a:p>
-          <a:p>
-            <a:r>
-              <a:rPr lang="nb-NO" dirty="0"/>
-              <a:t>          - logging server 10.203.12.101 6 port 11001 </a:t>
-            </a:r>
-            <a:r>
-              <a:rPr lang="nb-NO" dirty="0" err="1"/>
-              <a:t>use-vrf</a:t>
-            </a:r>
-            <a:r>
-              <a:rPr lang="nb-NO" dirty="0"/>
-              <a:t> management</a:t>
-            </a:r>
-          </a:p>
-          <a:p>
-            <a:r>
-              <a:rPr lang="nb-NO" dirty="0"/>
-              <a:t>          - logging </a:t>
-            </a:r>
-            <a:r>
-              <a:rPr lang="nb-NO" dirty="0" err="1"/>
-              <a:t>origin</a:t>
-            </a:r>
-            <a:r>
-              <a:rPr lang="nb-NO" dirty="0"/>
-              <a:t>-id </a:t>
-            </a:r>
-            <a:r>
-              <a:rPr lang="nb-NO" dirty="0" err="1"/>
-              <a:t>hostname</a:t>
-            </a:r>
-            <a:endParaRPr lang="nb-NO" dirty="0"/>
-          </a:p>
-          <a:p>
-            <a:endParaRPr lang="nb-NO" dirty="0"/>
-          </a:p>
-          <a:p>
-            <a:r>
-              <a:rPr lang="nb-NO" dirty="0"/>
-              <a:t>Snakke litt om </a:t>
-            </a:r>
-            <a:r>
-              <a:rPr lang="nb-NO" dirty="0" err="1"/>
-              <a:t>idempotency</a:t>
-            </a:r>
-            <a:endParaRPr lang="nb-NO" dirty="0"/>
-          </a:p>
-          <a:p>
-            <a:r>
-              <a:rPr lang="nb-NO" dirty="0"/>
-              <a:t>An </a:t>
-            </a:r>
-            <a:r>
-              <a:rPr lang="nb-NO" dirty="0" err="1"/>
-              <a:t>operation</a:t>
-            </a:r>
-            <a:r>
-              <a:rPr lang="nb-NO" dirty="0"/>
-              <a:t> is </a:t>
-            </a:r>
-            <a:r>
-              <a:rPr lang="nb-NO" dirty="0" err="1"/>
-              <a:t>idemporten</a:t>
-            </a:r>
-            <a:r>
-              <a:rPr lang="nb-NO" dirty="0"/>
-              <a:t> </a:t>
-            </a:r>
-            <a:r>
-              <a:rPr lang="nb-NO" dirty="0" err="1"/>
-              <a:t>if</a:t>
-            </a:r>
-            <a:r>
-              <a:rPr lang="nb-NO" dirty="0"/>
-              <a:t> </a:t>
-            </a:r>
-            <a:r>
-              <a:rPr lang="nb-NO" dirty="0" err="1"/>
-              <a:t>the</a:t>
-            </a:r>
-            <a:r>
-              <a:rPr lang="nb-NO" dirty="0"/>
-              <a:t> </a:t>
-            </a:r>
-            <a:r>
-              <a:rPr lang="nb-NO" dirty="0" err="1"/>
-              <a:t>result</a:t>
-            </a:r>
-            <a:r>
-              <a:rPr lang="nb-NO" dirty="0"/>
-              <a:t> </a:t>
-            </a:r>
-            <a:r>
-              <a:rPr lang="nb-NO" dirty="0" err="1"/>
-              <a:t>of</a:t>
-            </a:r>
-            <a:r>
-              <a:rPr lang="nb-NO" dirty="0"/>
-              <a:t> </a:t>
-            </a:r>
-            <a:r>
-              <a:rPr lang="nb-NO" dirty="0" err="1"/>
-              <a:t>performing</a:t>
-            </a:r>
-            <a:r>
-              <a:rPr lang="nb-NO" dirty="0"/>
-              <a:t> it </a:t>
-            </a:r>
-            <a:r>
-              <a:rPr lang="nb-NO" dirty="0" err="1"/>
-              <a:t>once</a:t>
-            </a:r>
-            <a:r>
-              <a:rPr lang="nb-NO" dirty="0"/>
-              <a:t> is </a:t>
-            </a:r>
-            <a:r>
-              <a:rPr lang="nb-NO" dirty="0" err="1"/>
-              <a:t>exactly</a:t>
-            </a:r>
-            <a:r>
-              <a:rPr lang="nb-NO" dirty="0"/>
-              <a:t> </a:t>
-            </a:r>
-            <a:r>
-              <a:rPr lang="nb-NO" dirty="0" err="1"/>
-              <a:t>the</a:t>
-            </a:r>
-            <a:r>
-              <a:rPr lang="nb-NO" dirty="0"/>
-              <a:t> same as </a:t>
-            </a:r>
-            <a:r>
-              <a:rPr lang="nb-NO" dirty="0" err="1"/>
-              <a:t>the</a:t>
-            </a:r>
-            <a:r>
-              <a:rPr lang="nb-NO" dirty="0"/>
-              <a:t> </a:t>
-            </a:r>
-            <a:r>
-              <a:rPr lang="nb-NO" dirty="0" err="1"/>
-              <a:t>result</a:t>
-            </a:r>
-            <a:r>
-              <a:rPr lang="nb-NO" dirty="0"/>
-              <a:t> </a:t>
-            </a:r>
-            <a:r>
-              <a:rPr lang="nb-NO" dirty="0" err="1"/>
-              <a:t>of</a:t>
-            </a:r>
-            <a:r>
-              <a:rPr lang="nb-NO" dirty="0"/>
-              <a:t> </a:t>
-            </a:r>
-            <a:r>
-              <a:rPr lang="nb-NO" dirty="0" err="1"/>
-              <a:t>prerforming</a:t>
-            </a:r>
-            <a:r>
-              <a:rPr lang="nb-NO" dirty="0"/>
-              <a:t> it </a:t>
-            </a:r>
-            <a:r>
-              <a:rPr lang="nb-NO" dirty="0" err="1"/>
-              <a:t>repeatedly</a:t>
-            </a:r>
-            <a:r>
-              <a:rPr lang="nb-NO" dirty="0"/>
-              <a:t> </a:t>
-            </a:r>
-            <a:r>
-              <a:rPr lang="nb-NO" dirty="0" err="1"/>
-              <a:t>without</a:t>
-            </a:r>
-            <a:r>
-              <a:rPr lang="nb-NO" dirty="0"/>
-              <a:t> </a:t>
-            </a:r>
-            <a:r>
-              <a:rPr lang="nb-NO" dirty="0" err="1"/>
-              <a:t>any</a:t>
-            </a:r>
-            <a:r>
-              <a:rPr lang="nb-NO" dirty="0"/>
-              <a:t> </a:t>
-            </a:r>
-            <a:r>
-              <a:rPr lang="nb-NO" dirty="0" err="1"/>
-              <a:t>intervening</a:t>
-            </a:r>
-            <a:r>
-              <a:rPr lang="nb-NO" dirty="0"/>
-              <a:t> </a:t>
-            </a:r>
-            <a:r>
-              <a:rPr lang="nb-NO" dirty="0" err="1"/>
-              <a:t>actions</a:t>
-            </a:r>
-            <a:r>
-              <a:rPr lang="nb-NO"/>
-              <a:t>.</a:t>
-            </a:r>
-          </a:p>
-          <a:p>
-            <a:endParaRPr lang="nb-NO" dirty="0"/>
+              <a:rPr lang="en-GB" dirty="0"/>
+              <a:t>Disclaimer</a:t>
+            </a:r>
           </a:p>
         </p:txBody>
       </p:sp>
@@ -2707,7 +2389,7 @@
             <a:spLocks noGrp="1"/>
           </p:cNvSpPr>
           <p:nvPr>
-            <p:ph type="sldNum" sz="quarter" idx="5"/>
+            <p:ph type="sldNum" sz="quarter" idx="10"/>
           </p:nvPr>
         </p:nvSpPr>
         <p:spPr/>
@@ -2716,7 +2398,7 @@
           <a:lstStyle/>
           <a:p>
             <a:fld id="{3E72E711-34EA-4ED1-992E-A79C5D60A060}" type="slidenum">
-              <a:rPr lang="en-GB" smtClean="0"/>
+              <a:rPr lang="en-GB"/>
               <a:t>17</a:t>
             </a:fld>
             <a:endParaRPr lang="en-GB" dirty="0"/>
@@ -2726,7 +2408,7 @@
     </p:spTree>
     <p:extLst>
       <p:ext uri="{BB962C8B-B14F-4D97-AF65-F5344CB8AC3E}">
-        <p14:creationId xmlns:p14="http://schemas.microsoft.com/office/powerpoint/2010/main" val="4113648986"/>
+        <p14:creationId xmlns:p14="http://schemas.microsoft.com/office/powerpoint/2010/main" val="636323417"/>
       </p:ext>
     </p:extLst>
   </p:cSld>
@@ -2780,46 +2462,329 @@
           <a:bodyPr/>
           <a:lstStyle/>
           <a:p>
-            <a:endParaRPr lang="en-GB" dirty="0"/>
-          </a:p>
-          <a:p>
-            <a:r>
-              <a:rPr lang="en-GB" dirty="0"/>
-              <a:t>Variables:</a:t>
-            </a:r>
-          </a:p>
-          <a:p>
-            <a:r>
-              <a:rPr lang="en-GB" dirty="0"/>
-              <a:t>inventory, </a:t>
-            </a:r>
-            <a:r>
-              <a:rPr lang="en-GB" dirty="0" err="1"/>
-              <a:t>group_vars</a:t>
-            </a:r>
-            <a:r>
-              <a:rPr lang="en-GB" dirty="0"/>
-              <a:t>, </a:t>
-            </a:r>
-            <a:r>
-              <a:rPr lang="en-GB" dirty="0" err="1"/>
-              <a:t>host_vars</a:t>
-            </a:r>
-            <a:r>
-              <a:rPr lang="en-GB" dirty="0"/>
-              <a:t>, ansible facts, from </a:t>
-            </a:r>
-            <a:r>
-              <a:rPr lang="en-GB" dirty="0" err="1"/>
-              <a:t>yaml</a:t>
-            </a:r>
-            <a:r>
-              <a:rPr lang="en-GB" dirty="0"/>
-              <a:t> file, or directly in playbook</a:t>
-            </a:r>
-          </a:p>
-          <a:p>
-            <a:endParaRPr lang="en-GB" dirty="0"/>
+            <a:r>
+              <a:rPr lang="nb-NO" dirty="0"/>
+              <a:t>---</a:t>
+            </a:r>
+          </a:p>
+          <a:p>
+            <a:r>
+              <a:rPr lang="nb-NO" dirty="0"/>
+              <a:t>- </a:t>
+            </a:r>
+            <a:r>
+              <a:rPr lang="nb-NO" dirty="0" err="1"/>
+              <a:t>name</a:t>
+            </a:r>
+            <a:r>
+              <a:rPr lang="nb-NO" dirty="0"/>
+              <a:t>: </a:t>
+            </a:r>
+            <a:r>
+              <a:rPr lang="nb-NO" dirty="0" err="1"/>
+              <a:t>Configure</a:t>
+            </a:r>
+            <a:r>
+              <a:rPr lang="nb-NO" dirty="0"/>
+              <a:t> logging</a:t>
+            </a:r>
+          </a:p>
+          <a:p>
+            <a:r>
+              <a:rPr lang="nb-NO" dirty="0"/>
+              <a:t>  hosts: </a:t>
+            </a:r>
+            <a:r>
+              <a:rPr lang="nb-NO" dirty="0" err="1"/>
+              <a:t>nxos</a:t>
+            </a:r>
+            <a:endParaRPr lang="nb-NO" dirty="0"/>
+          </a:p>
+          <a:p>
+            <a:r>
+              <a:rPr lang="nb-NO" dirty="0"/>
+              <a:t>  </a:t>
+            </a:r>
+            <a:r>
+              <a:rPr lang="nb-NO" dirty="0" err="1"/>
+              <a:t>gather_facts</a:t>
+            </a:r>
+            <a:r>
+              <a:rPr lang="nb-NO" dirty="0"/>
+              <a:t>: False</a:t>
+            </a:r>
+          </a:p>
+          <a:p>
+            <a:r>
+              <a:rPr lang="nb-NO" dirty="0"/>
+              <a:t>  </a:t>
+            </a:r>
+            <a:r>
+              <a:rPr lang="nb-NO" dirty="0" err="1"/>
+              <a:t>tasks</a:t>
+            </a:r>
+            <a:r>
+              <a:rPr lang="nb-NO" dirty="0"/>
+              <a:t>:</a:t>
+            </a:r>
+          </a:p>
+          <a:p>
+            <a:endParaRPr lang="nb-NO" dirty="0"/>
+          </a:p>
+          <a:p>
+            <a:r>
+              <a:rPr lang="nb-NO" dirty="0"/>
+              <a:t>    - </a:t>
+            </a:r>
+            <a:r>
+              <a:rPr lang="nb-NO" dirty="0" err="1"/>
+              <a:t>name</a:t>
+            </a:r>
+            <a:r>
+              <a:rPr lang="nb-NO" dirty="0"/>
+              <a:t>: </a:t>
+            </a:r>
+            <a:r>
+              <a:rPr lang="nb-NO" dirty="0" err="1"/>
+              <a:t>Configure</a:t>
+            </a:r>
+            <a:r>
+              <a:rPr lang="nb-NO" dirty="0"/>
+              <a:t> </a:t>
+            </a:r>
+            <a:r>
+              <a:rPr lang="nb-NO" dirty="0" err="1"/>
+              <a:t>syslog</a:t>
+            </a:r>
+            <a:endParaRPr lang="nb-NO" dirty="0"/>
+          </a:p>
+          <a:p>
+            <a:r>
+              <a:rPr lang="nb-NO" dirty="0"/>
+              <a:t>      </a:t>
+            </a:r>
+            <a:r>
+              <a:rPr lang="nb-NO" dirty="0" err="1"/>
+              <a:t>nxos_config</a:t>
+            </a:r>
+            <a:r>
+              <a:rPr lang="nb-NO" dirty="0"/>
+              <a:t>:</a:t>
+            </a:r>
+          </a:p>
+          <a:p>
+            <a:r>
+              <a:rPr lang="nb-NO" dirty="0"/>
+              <a:t>        lines:</a:t>
+            </a:r>
+          </a:p>
+          <a:p>
+            <a:r>
+              <a:rPr lang="nb-NO" dirty="0"/>
+              <a:t>          - logging server 10.203.12.101 6 port 11001 </a:t>
+            </a:r>
+            <a:r>
+              <a:rPr lang="nb-NO" dirty="0" err="1"/>
+              <a:t>use-vrf</a:t>
+            </a:r>
+            <a:r>
+              <a:rPr lang="nb-NO" dirty="0"/>
+              <a:t> management</a:t>
+            </a:r>
+          </a:p>
+          <a:p>
+            <a:r>
+              <a:rPr lang="nb-NO" dirty="0"/>
+              <a:t>          - logging </a:t>
+            </a:r>
+            <a:r>
+              <a:rPr lang="nb-NO" dirty="0" err="1"/>
+              <a:t>origin</a:t>
+            </a:r>
+            <a:r>
+              <a:rPr lang="nb-NO" dirty="0"/>
+              <a:t>-id </a:t>
+            </a:r>
+            <a:r>
+              <a:rPr lang="nb-NO" dirty="0" err="1"/>
+              <a:t>hostname</a:t>
+            </a:r>
+            <a:endParaRPr lang="nb-NO" dirty="0"/>
+          </a:p>
+          <a:p>
+            <a:endParaRPr lang="nb-NO" dirty="0"/>
+          </a:p>
+          <a:p>
+            <a:r>
+              <a:rPr lang="nb-NO" dirty="0"/>
+              <a:t>Snakke litt om </a:t>
+            </a:r>
+            <a:r>
+              <a:rPr lang="nb-NO" dirty="0" err="1"/>
+              <a:t>idempotency</a:t>
+            </a:r>
+            <a:endParaRPr lang="nb-NO" dirty="0"/>
+          </a:p>
+          <a:p>
+            <a:r>
+              <a:rPr lang="nb-NO" dirty="0"/>
+              <a:t>An </a:t>
+            </a:r>
+            <a:r>
+              <a:rPr lang="nb-NO" dirty="0" err="1"/>
+              <a:t>operation</a:t>
+            </a:r>
+            <a:r>
+              <a:rPr lang="nb-NO" dirty="0"/>
+              <a:t> is </a:t>
+            </a:r>
+            <a:r>
+              <a:rPr lang="nb-NO" dirty="0" err="1"/>
+              <a:t>idemporten</a:t>
+            </a:r>
+            <a:r>
+              <a:rPr lang="nb-NO" dirty="0"/>
+              <a:t> </a:t>
+            </a:r>
+            <a:r>
+              <a:rPr lang="nb-NO" dirty="0" err="1"/>
+              <a:t>if</a:t>
+            </a:r>
+            <a:r>
+              <a:rPr lang="nb-NO" dirty="0"/>
+              <a:t> </a:t>
+            </a:r>
+            <a:r>
+              <a:rPr lang="nb-NO" dirty="0" err="1"/>
+              <a:t>the</a:t>
+            </a:r>
+            <a:r>
+              <a:rPr lang="nb-NO" dirty="0"/>
+              <a:t> </a:t>
+            </a:r>
+            <a:r>
+              <a:rPr lang="nb-NO" dirty="0" err="1"/>
+              <a:t>result</a:t>
+            </a:r>
+            <a:r>
+              <a:rPr lang="nb-NO" dirty="0"/>
+              <a:t> </a:t>
+            </a:r>
+            <a:r>
+              <a:rPr lang="nb-NO" dirty="0" err="1"/>
+              <a:t>of</a:t>
+            </a:r>
+            <a:r>
+              <a:rPr lang="nb-NO" dirty="0"/>
+              <a:t> </a:t>
+            </a:r>
+            <a:r>
+              <a:rPr lang="nb-NO" dirty="0" err="1"/>
+              <a:t>performing</a:t>
+            </a:r>
+            <a:r>
+              <a:rPr lang="nb-NO" dirty="0"/>
+              <a:t> it </a:t>
+            </a:r>
+            <a:r>
+              <a:rPr lang="nb-NO" dirty="0" err="1"/>
+              <a:t>once</a:t>
+            </a:r>
+            <a:r>
+              <a:rPr lang="nb-NO" dirty="0"/>
+              <a:t> is </a:t>
+            </a:r>
+            <a:r>
+              <a:rPr lang="nb-NO" dirty="0" err="1"/>
+              <a:t>exactly</a:t>
+            </a:r>
+            <a:r>
+              <a:rPr lang="nb-NO" dirty="0"/>
+              <a:t> </a:t>
+            </a:r>
+            <a:r>
+              <a:rPr lang="nb-NO" dirty="0" err="1"/>
+              <a:t>the</a:t>
+            </a:r>
+            <a:r>
+              <a:rPr lang="nb-NO" dirty="0"/>
+              <a:t> same as </a:t>
+            </a:r>
+            <a:r>
+              <a:rPr lang="nb-NO" dirty="0" err="1"/>
+              <a:t>the</a:t>
+            </a:r>
+            <a:r>
+              <a:rPr lang="nb-NO" dirty="0"/>
+              <a:t> </a:t>
+            </a:r>
+            <a:r>
+              <a:rPr lang="nb-NO" dirty="0" err="1"/>
+              <a:t>result</a:t>
+            </a:r>
+            <a:r>
+              <a:rPr lang="nb-NO" dirty="0"/>
+              <a:t> </a:t>
+            </a:r>
+            <a:r>
+              <a:rPr lang="nb-NO" dirty="0" err="1"/>
+              <a:t>of</a:t>
+            </a:r>
+            <a:r>
+              <a:rPr lang="nb-NO" dirty="0"/>
+              <a:t> </a:t>
+            </a:r>
+            <a:r>
+              <a:rPr lang="nb-NO" dirty="0" err="1"/>
+              <a:t>prerforming</a:t>
+            </a:r>
+            <a:r>
+              <a:rPr lang="nb-NO" dirty="0"/>
+              <a:t> it </a:t>
+            </a:r>
+            <a:r>
+              <a:rPr lang="nb-NO" dirty="0" err="1"/>
+              <a:t>repeatedly</a:t>
+            </a:r>
+            <a:r>
+              <a:rPr lang="nb-NO" dirty="0"/>
+              <a:t> </a:t>
+            </a:r>
+            <a:r>
+              <a:rPr lang="nb-NO" dirty="0" err="1"/>
+              <a:t>without</a:t>
+            </a:r>
+            <a:r>
+              <a:rPr lang="nb-NO" dirty="0"/>
+              <a:t> </a:t>
+            </a:r>
+            <a:r>
+              <a:rPr lang="nb-NO" dirty="0" err="1"/>
+              <a:t>any</a:t>
+            </a:r>
+            <a:r>
+              <a:rPr lang="nb-NO" dirty="0"/>
+              <a:t> </a:t>
+            </a:r>
+            <a:r>
+              <a:rPr lang="nb-NO" dirty="0" err="1"/>
+              <a:t>intervening</a:t>
+            </a:r>
+            <a:r>
+              <a:rPr lang="nb-NO" dirty="0"/>
+              <a:t> </a:t>
+            </a:r>
+            <a:r>
+              <a:rPr lang="nb-NO" dirty="0" err="1"/>
+              <a:t>actions</a:t>
+            </a:r>
+            <a:r>
+              <a:rPr lang="nb-NO"/>
+              <a:t>.</a:t>
+            </a:r>
+          </a:p>
+          <a:p>
+            <a:endParaRPr lang="nb-NO" dirty="0"/>
           </a:p>
         </p:txBody>
       </p:sp>
@@ -2830,7 +2795,7 @@
             <a:spLocks noGrp="1"/>
           </p:cNvSpPr>
           <p:nvPr>
-            <p:ph type="sldNum" sz="quarter" idx="10"/>
+            <p:ph type="sldNum" sz="quarter" idx="5"/>
           </p:nvPr>
         </p:nvSpPr>
         <p:spPr/>
@@ -2839,7 +2804,7 @@
           <a:lstStyle/>
           <a:p>
             <a:fld id="{3E72E711-34EA-4ED1-992E-A79C5D60A060}" type="slidenum">
-              <a:rPr lang="en-GB"/>
+              <a:rPr lang="en-GB" smtClean="0"/>
               <a:t>18</a:t>
             </a:fld>
             <a:endParaRPr lang="en-GB" dirty="0"/>
@@ -2849,7 +2814,7 @@
     </p:spTree>
     <p:extLst>
       <p:ext uri="{BB962C8B-B14F-4D97-AF65-F5344CB8AC3E}">
-        <p14:creationId xmlns:p14="http://schemas.microsoft.com/office/powerpoint/2010/main" val="600775593"/>
+        <p14:creationId xmlns:p14="http://schemas.microsoft.com/office/powerpoint/2010/main" val="4113648986"/>
       </p:ext>
     </p:extLst>
   </p:cSld>
@@ -2903,7 +2868,46 @@
           <a:bodyPr/>
           <a:lstStyle/>
           <a:p>
-            <a:endParaRPr lang="nb-NO" dirty="0"/>
+            <a:endParaRPr lang="en-GB" dirty="0"/>
+          </a:p>
+          <a:p>
+            <a:r>
+              <a:rPr lang="en-GB" dirty="0"/>
+              <a:t>Variables:</a:t>
+            </a:r>
+          </a:p>
+          <a:p>
+            <a:r>
+              <a:rPr lang="en-GB" dirty="0"/>
+              <a:t>inventory, </a:t>
+            </a:r>
+            <a:r>
+              <a:rPr lang="en-GB" dirty="0" err="1"/>
+              <a:t>group_vars</a:t>
+            </a:r>
+            <a:r>
+              <a:rPr lang="en-GB" dirty="0"/>
+              <a:t>, </a:t>
+            </a:r>
+            <a:r>
+              <a:rPr lang="en-GB" dirty="0" err="1"/>
+              <a:t>host_vars</a:t>
+            </a:r>
+            <a:r>
+              <a:rPr lang="en-GB" dirty="0"/>
+              <a:t>, ansible facts, from </a:t>
+            </a:r>
+            <a:r>
+              <a:rPr lang="en-GB" dirty="0" err="1"/>
+              <a:t>yaml</a:t>
+            </a:r>
+            <a:r>
+              <a:rPr lang="en-GB" dirty="0"/>
+              <a:t> file, or directly in playbook</a:t>
+            </a:r>
+          </a:p>
+          <a:p>
+            <a:endParaRPr lang="en-GB" dirty="0"/>
           </a:p>
         </p:txBody>
       </p:sp>
@@ -2914,7 +2918,7 @@
             <a:spLocks noGrp="1"/>
           </p:cNvSpPr>
           <p:nvPr>
-            <p:ph type="sldNum" sz="quarter" idx="5"/>
+            <p:ph type="sldNum" sz="quarter" idx="10"/>
           </p:nvPr>
         </p:nvSpPr>
         <p:spPr/>
@@ -2923,7 +2927,7 @@
           <a:lstStyle/>
           <a:p>
             <a:fld id="{3E72E711-34EA-4ED1-992E-A79C5D60A060}" type="slidenum">
-              <a:rPr lang="en-GB" smtClean="0"/>
+              <a:rPr lang="en-GB"/>
               <a:t>19</a:t>
             </a:fld>
             <a:endParaRPr lang="en-GB" dirty="0"/>
@@ -2933,7 +2937,7 @@
     </p:spTree>
     <p:extLst>
       <p:ext uri="{BB962C8B-B14F-4D97-AF65-F5344CB8AC3E}">
-        <p14:creationId xmlns:p14="http://schemas.microsoft.com/office/powerpoint/2010/main" val="2181019882"/>
+        <p14:creationId xmlns:p14="http://schemas.microsoft.com/office/powerpoint/2010/main" val="600775593"/>
       </p:ext>
     </p:extLst>
   </p:cSld>
@@ -2987,173 +2991,7 @@
           <a:bodyPr/>
           <a:lstStyle/>
           <a:p>
-            <a:r>
-              <a:rPr lang="nb-NO" dirty="0"/>
-              <a:t>Snakke litt om </a:t>
-            </a:r>
-            <a:r>
-              <a:rPr lang="nb-NO" dirty="0" err="1"/>
-              <a:t>idempotency</a:t>
-            </a:r>
             <a:endParaRPr lang="nb-NO" dirty="0"/>
-          </a:p>
-          <a:p>
-            <a:r>
-              <a:rPr lang="nb-NO" dirty="0"/>
-              <a:t>An </a:t>
-            </a:r>
-            <a:r>
-              <a:rPr lang="nb-NO" dirty="0" err="1"/>
-              <a:t>operation</a:t>
-            </a:r>
-            <a:r>
-              <a:rPr lang="nb-NO" dirty="0"/>
-              <a:t> is </a:t>
-            </a:r>
-            <a:r>
-              <a:rPr lang="nb-NO" dirty="0" err="1"/>
-              <a:t>idemporten</a:t>
-            </a:r>
-            <a:r>
-              <a:rPr lang="nb-NO" dirty="0"/>
-              <a:t> </a:t>
-            </a:r>
-            <a:r>
-              <a:rPr lang="nb-NO" dirty="0" err="1"/>
-              <a:t>if</a:t>
-            </a:r>
-            <a:r>
-              <a:rPr lang="nb-NO" dirty="0"/>
-              <a:t> </a:t>
-            </a:r>
-            <a:r>
-              <a:rPr lang="nb-NO" dirty="0" err="1"/>
-              <a:t>the</a:t>
-            </a:r>
-            <a:r>
-              <a:rPr lang="nb-NO" dirty="0"/>
-              <a:t> </a:t>
-            </a:r>
-            <a:r>
-              <a:rPr lang="nb-NO" dirty="0" err="1"/>
-              <a:t>result</a:t>
-            </a:r>
-            <a:r>
-              <a:rPr lang="nb-NO" dirty="0"/>
-              <a:t> </a:t>
-            </a:r>
-            <a:r>
-              <a:rPr lang="nb-NO" dirty="0" err="1"/>
-              <a:t>of</a:t>
-            </a:r>
-            <a:r>
-              <a:rPr lang="nb-NO" dirty="0"/>
-              <a:t> </a:t>
-            </a:r>
-            <a:r>
-              <a:rPr lang="nb-NO" dirty="0" err="1"/>
-              <a:t>performing</a:t>
-            </a:r>
-            <a:r>
-              <a:rPr lang="nb-NO" dirty="0"/>
-              <a:t> it </a:t>
-            </a:r>
-            <a:r>
-              <a:rPr lang="nb-NO" dirty="0" err="1"/>
-              <a:t>once</a:t>
-            </a:r>
-            <a:r>
-              <a:rPr lang="nb-NO" dirty="0"/>
-              <a:t> is </a:t>
-            </a:r>
-            <a:r>
-              <a:rPr lang="nb-NO" dirty="0" err="1"/>
-              <a:t>exactly</a:t>
-            </a:r>
-            <a:r>
-              <a:rPr lang="nb-NO" dirty="0"/>
-              <a:t> </a:t>
-            </a:r>
-            <a:r>
-              <a:rPr lang="nb-NO" dirty="0" err="1"/>
-              <a:t>the</a:t>
-            </a:r>
-            <a:r>
-              <a:rPr lang="nb-NO" dirty="0"/>
-              <a:t> same as </a:t>
-            </a:r>
-            <a:r>
-              <a:rPr lang="nb-NO" dirty="0" err="1"/>
-              <a:t>the</a:t>
-            </a:r>
-            <a:r>
-              <a:rPr lang="nb-NO" dirty="0"/>
-              <a:t> </a:t>
-            </a:r>
-            <a:r>
-              <a:rPr lang="nb-NO" dirty="0" err="1"/>
-              <a:t>result</a:t>
-            </a:r>
-            <a:r>
-              <a:rPr lang="nb-NO" dirty="0"/>
-              <a:t> </a:t>
-            </a:r>
-            <a:r>
-              <a:rPr lang="nb-NO" dirty="0" err="1"/>
-              <a:t>of</a:t>
-            </a:r>
-            <a:r>
-              <a:rPr lang="nb-NO" dirty="0"/>
-              <a:t> </a:t>
-            </a:r>
-            <a:r>
-              <a:rPr lang="nb-NO" dirty="0" err="1"/>
-              <a:t>prerforming</a:t>
-            </a:r>
-            <a:r>
-              <a:rPr lang="nb-NO" dirty="0"/>
-              <a:t> it </a:t>
-            </a:r>
-            <a:r>
-              <a:rPr lang="nb-NO" dirty="0" err="1"/>
-              <a:t>repeatedly</a:t>
-            </a:r>
-            <a:r>
-              <a:rPr lang="nb-NO" dirty="0"/>
-              <a:t> </a:t>
-            </a:r>
-            <a:r>
-              <a:rPr lang="nb-NO" dirty="0" err="1"/>
-              <a:t>without</a:t>
-            </a:r>
-            <a:r>
-              <a:rPr lang="nb-NO" dirty="0"/>
-              <a:t> </a:t>
-            </a:r>
-            <a:r>
-              <a:rPr lang="nb-NO" dirty="0" err="1"/>
-              <a:t>any</a:t>
-            </a:r>
-            <a:r>
-              <a:rPr lang="nb-NO" dirty="0"/>
-              <a:t> </a:t>
-            </a:r>
-            <a:r>
-              <a:rPr lang="nb-NO" dirty="0" err="1"/>
-              <a:t>intervening</a:t>
-            </a:r>
-            <a:r>
-              <a:rPr lang="nb-NO" dirty="0"/>
-              <a:t> </a:t>
-            </a:r>
-            <a:r>
-              <a:rPr lang="nb-NO" dirty="0" err="1"/>
-              <a:t>actions</a:t>
-            </a:r>
-            <a:r>
-              <a:rPr lang="nb-NO" dirty="0"/>
-              <a:t>.</a:t>
-            </a:r>
           </a:p>
         </p:txBody>
       </p:sp>
@@ -3183,7 +3021,7 @@
     </p:spTree>
     <p:extLst>
       <p:ext uri="{BB962C8B-B14F-4D97-AF65-F5344CB8AC3E}">
-        <p14:creationId xmlns:p14="http://schemas.microsoft.com/office/powerpoint/2010/main" val="1435646773"/>
+        <p14:creationId xmlns:p14="http://schemas.microsoft.com/office/powerpoint/2010/main" val="2181019882"/>
       </p:ext>
     </p:extLst>
   </p:cSld>
@@ -3323,15 +3161,170 @@
           <a:p>
             <a:r>
               <a:rPr lang="nb-NO" dirty="0"/>
-              <a:t>Endre </a:t>
-            </a:r>
-            <a:r>
-              <a:rPr lang="nb-NO" dirty="0" err="1"/>
-              <a:t>syslog_server</a:t>
-            </a:r>
-            <a:r>
-              <a:rPr lang="nb-NO" dirty="0"/>
-              <a:t> til 10.203.12.101</a:t>
+              <a:t>Snakke litt om </a:t>
+            </a:r>
+            <a:r>
+              <a:rPr lang="nb-NO" dirty="0" err="1"/>
+              <a:t>idempotency</a:t>
+            </a:r>
+            <a:endParaRPr lang="nb-NO" dirty="0"/>
+          </a:p>
+          <a:p>
+            <a:r>
+              <a:rPr lang="nb-NO" dirty="0"/>
+              <a:t>An </a:t>
+            </a:r>
+            <a:r>
+              <a:rPr lang="nb-NO" dirty="0" err="1"/>
+              <a:t>operation</a:t>
+            </a:r>
+            <a:r>
+              <a:rPr lang="nb-NO" dirty="0"/>
+              <a:t> is </a:t>
+            </a:r>
+            <a:r>
+              <a:rPr lang="nb-NO" dirty="0" err="1"/>
+              <a:t>idemporten</a:t>
+            </a:r>
+            <a:r>
+              <a:rPr lang="nb-NO" dirty="0"/>
+              <a:t> </a:t>
+            </a:r>
+            <a:r>
+              <a:rPr lang="nb-NO" dirty="0" err="1"/>
+              <a:t>if</a:t>
+            </a:r>
+            <a:r>
+              <a:rPr lang="nb-NO" dirty="0"/>
+              <a:t> </a:t>
+            </a:r>
+            <a:r>
+              <a:rPr lang="nb-NO" dirty="0" err="1"/>
+              <a:t>the</a:t>
+            </a:r>
+            <a:r>
+              <a:rPr lang="nb-NO" dirty="0"/>
+              <a:t> </a:t>
+            </a:r>
+            <a:r>
+              <a:rPr lang="nb-NO" dirty="0" err="1"/>
+              <a:t>result</a:t>
+            </a:r>
+            <a:r>
+              <a:rPr lang="nb-NO" dirty="0"/>
+              <a:t> </a:t>
+            </a:r>
+            <a:r>
+              <a:rPr lang="nb-NO" dirty="0" err="1"/>
+              <a:t>of</a:t>
+            </a:r>
+            <a:r>
+              <a:rPr lang="nb-NO" dirty="0"/>
+              <a:t> </a:t>
+            </a:r>
+            <a:r>
+              <a:rPr lang="nb-NO" dirty="0" err="1"/>
+              <a:t>performing</a:t>
+            </a:r>
+            <a:r>
+              <a:rPr lang="nb-NO" dirty="0"/>
+              <a:t> it </a:t>
+            </a:r>
+            <a:r>
+              <a:rPr lang="nb-NO" dirty="0" err="1"/>
+              <a:t>once</a:t>
+            </a:r>
+            <a:r>
+              <a:rPr lang="nb-NO" dirty="0"/>
+              <a:t> is </a:t>
+            </a:r>
+            <a:r>
+              <a:rPr lang="nb-NO" dirty="0" err="1"/>
+              <a:t>exactly</a:t>
+            </a:r>
+            <a:r>
+              <a:rPr lang="nb-NO" dirty="0"/>
+              <a:t> </a:t>
+            </a:r>
+            <a:r>
+              <a:rPr lang="nb-NO" dirty="0" err="1"/>
+              <a:t>the</a:t>
+            </a:r>
+            <a:r>
+              <a:rPr lang="nb-NO" dirty="0"/>
+              <a:t> same as </a:t>
+            </a:r>
+            <a:r>
+              <a:rPr lang="nb-NO" dirty="0" err="1"/>
+              <a:t>the</a:t>
+            </a:r>
+            <a:r>
+              <a:rPr lang="nb-NO" dirty="0"/>
+              <a:t> </a:t>
+            </a:r>
+            <a:r>
+              <a:rPr lang="nb-NO" dirty="0" err="1"/>
+              <a:t>result</a:t>
+            </a:r>
+            <a:r>
+              <a:rPr lang="nb-NO" dirty="0"/>
+              <a:t> </a:t>
+            </a:r>
+            <a:r>
+              <a:rPr lang="nb-NO" dirty="0" err="1"/>
+              <a:t>of</a:t>
+            </a:r>
+            <a:r>
+              <a:rPr lang="nb-NO" dirty="0"/>
+              <a:t> </a:t>
+            </a:r>
+            <a:r>
+              <a:rPr lang="nb-NO" dirty="0" err="1"/>
+              <a:t>prerforming</a:t>
+            </a:r>
+            <a:r>
+              <a:rPr lang="nb-NO" dirty="0"/>
+              <a:t> it </a:t>
+            </a:r>
+            <a:r>
+              <a:rPr lang="nb-NO" dirty="0" err="1"/>
+              <a:t>repeatedly</a:t>
+            </a:r>
+            <a:r>
+              <a:rPr lang="nb-NO" dirty="0"/>
+              <a:t> </a:t>
+            </a:r>
+            <a:r>
+              <a:rPr lang="nb-NO" dirty="0" err="1"/>
+              <a:t>without</a:t>
+            </a:r>
+            <a:r>
+              <a:rPr lang="nb-NO" dirty="0"/>
+              <a:t> </a:t>
+            </a:r>
+            <a:r>
+              <a:rPr lang="nb-NO" dirty="0" err="1"/>
+              <a:t>any</a:t>
+            </a:r>
+            <a:r>
+              <a:rPr lang="nb-NO" dirty="0"/>
+              <a:t> </a:t>
+            </a:r>
+            <a:r>
+              <a:rPr lang="nb-NO" dirty="0" err="1"/>
+              <a:t>intervening</a:t>
+            </a:r>
+            <a:r>
+              <a:rPr lang="nb-NO" dirty="0"/>
+              <a:t> </a:t>
+            </a:r>
+            <a:r>
+              <a:rPr lang="nb-NO" dirty="0" err="1"/>
+              <a:t>actions</a:t>
+            </a:r>
+            <a:r>
+              <a:rPr lang="nb-NO" dirty="0"/>
+              <a:t>.</a:t>
             </a:r>
           </a:p>
         </p:txBody>
@@ -3362,7 +3355,7 @@
     </p:spTree>
     <p:extLst>
       <p:ext uri="{BB962C8B-B14F-4D97-AF65-F5344CB8AC3E}">
-        <p14:creationId xmlns:p14="http://schemas.microsoft.com/office/powerpoint/2010/main" val="737579985"/>
+        <p14:creationId xmlns:p14="http://schemas.microsoft.com/office/powerpoint/2010/main" val="1435646773"/>
       </p:ext>
     </p:extLst>
   </p:cSld>
@@ -3418,23 +3411,15 @@
           <a:p>
             <a:r>
               <a:rPr lang="nb-NO" dirty="0"/>
-              <a:t>NXOS5 har ikke IP i VRF </a:t>
-            </a:r>
-            <a:r>
-              <a:rPr lang="nb-NO" dirty="0" err="1"/>
-              <a:t>managment</a:t>
-            </a:r>
-            <a:r>
-              <a:rPr lang="nb-NO" dirty="0"/>
-              <a:t>, denne </a:t>
-            </a:r>
-            <a:r>
-              <a:rPr lang="nb-NO" dirty="0" err="1"/>
-              <a:t>playbooken</a:t>
-            </a:r>
-            <a:r>
-              <a:rPr lang="nb-NO" dirty="0"/>
-              <a:t> løser det</a:t>
+              <a:t>Endre </a:t>
+            </a:r>
+            <a:r>
+              <a:rPr lang="nb-NO" dirty="0" err="1"/>
+              <a:t>syslog_server</a:t>
+            </a:r>
+            <a:r>
+              <a:rPr lang="nb-NO" dirty="0"/>
+              <a:t> til 10.203.12.101</a:t>
             </a:r>
           </a:p>
         </p:txBody>
@@ -3465,7 +3450,7 @@
     </p:spTree>
     <p:extLst>
       <p:ext uri="{BB962C8B-B14F-4D97-AF65-F5344CB8AC3E}">
-        <p14:creationId xmlns:p14="http://schemas.microsoft.com/office/powerpoint/2010/main" val="2106897520"/>
+        <p14:creationId xmlns:p14="http://schemas.microsoft.com/office/powerpoint/2010/main" val="737579985"/>
       </p:ext>
     </p:extLst>
   </p:cSld>
@@ -3521,203 +3506,7 @@
           <a:p>
             <a:r>
               <a:rPr lang="nb-NO" dirty="0"/>
-              <a:t>logging_nxos_5.yml </a:t>
-            </a:r>
-          </a:p>
-          <a:p>
-            <a:r>
-              <a:rPr lang="nb-NO" dirty="0"/>
-              <a:t>---</a:t>
-            </a:r>
-          </a:p>
-          <a:p>
-            <a:r>
-              <a:rPr lang="nb-NO" dirty="0"/>
-              <a:t>- </a:t>
-            </a:r>
-            <a:r>
-              <a:rPr lang="nb-NO" dirty="0" err="1"/>
-              <a:t>name</a:t>
-            </a:r>
-            <a:r>
-              <a:rPr lang="nb-NO" dirty="0"/>
-              <a:t>: </a:t>
-            </a:r>
-            <a:r>
-              <a:rPr lang="nb-NO" dirty="0" err="1"/>
-              <a:t>Configure</a:t>
-            </a:r>
-            <a:r>
-              <a:rPr lang="nb-NO" dirty="0"/>
-              <a:t> logging</a:t>
-            </a:r>
-          </a:p>
-          <a:p>
-            <a:r>
-              <a:rPr lang="nb-NO" dirty="0"/>
-              <a:t>  hosts: </a:t>
-            </a:r>
-            <a:r>
-              <a:rPr lang="nb-NO" dirty="0" err="1"/>
-              <a:t>nxos</a:t>
-            </a:r>
-            <a:endParaRPr lang="nb-NO" dirty="0"/>
-          </a:p>
-          <a:p>
-            <a:r>
-              <a:rPr lang="nb-NO" dirty="0"/>
-              <a:t>  </a:t>
-            </a:r>
-            <a:r>
-              <a:rPr lang="nb-NO" dirty="0" err="1"/>
-              <a:t>gather_facts</a:t>
-            </a:r>
-            <a:r>
-              <a:rPr lang="nb-NO" dirty="0"/>
-              <a:t>: False</a:t>
-            </a:r>
-          </a:p>
-          <a:p>
-            <a:r>
-              <a:rPr lang="nb-NO" dirty="0"/>
-              <a:t>  </a:t>
-            </a:r>
-            <a:r>
-              <a:rPr lang="nb-NO" dirty="0" err="1"/>
-              <a:t>tasks</a:t>
-            </a:r>
-            <a:r>
-              <a:rPr lang="nb-NO" dirty="0"/>
-              <a:t>:</a:t>
-            </a:r>
-          </a:p>
-          <a:p>
-            <a:endParaRPr lang="nb-NO" dirty="0"/>
-          </a:p>
-          <a:p>
-            <a:r>
-              <a:rPr lang="nb-NO" dirty="0"/>
-              <a:t>    - </a:t>
-            </a:r>
-            <a:r>
-              <a:rPr lang="nb-NO" dirty="0" err="1"/>
-              <a:t>name</a:t>
-            </a:r>
-            <a:r>
-              <a:rPr lang="nb-NO" dirty="0"/>
-              <a:t>: Check for IP </a:t>
-            </a:r>
-            <a:r>
-              <a:rPr lang="nb-NO" dirty="0" err="1"/>
-              <a:t>on</a:t>
-            </a:r>
-            <a:r>
-              <a:rPr lang="nb-NO" dirty="0"/>
-              <a:t> </a:t>
-            </a:r>
-            <a:r>
-              <a:rPr lang="nb-NO" dirty="0" err="1"/>
-              <a:t>int</a:t>
-            </a:r>
-            <a:r>
-              <a:rPr lang="nb-NO" dirty="0"/>
-              <a:t> mgmt0</a:t>
-            </a:r>
-          </a:p>
-          <a:p>
-            <a:r>
-              <a:rPr lang="nb-NO" dirty="0"/>
-              <a:t>      </a:t>
-            </a:r>
-            <a:r>
-              <a:rPr lang="nb-NO" dirty="0" err="1"/>
-              <a:t>nxos_command</a:t>
-            </a:r>
-            <a:r>
-              <a:rPr lang="nb-NO" dirty="0"/>
-              <a:t>:</a:t>
-            </a:r>
-          </a:p>
-          <a:p>
-            <a:r>
-              <a:rPr lang="nb-NO" dirty="0"/>
-              <a:t>        </a:t>
-            </a:r>
-            <a:r>
-              <a:rPr lang="nb-NO" dirty="0" err="1"/>
-              <a:t>commands</a:t>
-            </a:r>
-            <a:r>
-              <a:rPr lang="nb-NO" dirty="0"/>
-              <a:t>: "</a:t>
-            </a:r>
-            <a:r>
-              <a:rPr lang="nb-NO" dirty="0" err="1"/>
-              <a:t>sh</a:t>
-            </a:r>
-            <a:r>
-              <a:rPr lang="nb-NO" dirty="0"/>
-              <a:t> run </a:t>
-            </a:r>
-            <a:r>
-              <a:rPr lang="nb-NO" dirty="0" err="1"/>
-              <a:t>int</a:t>
-            </a:r>
-            <a:r>
-              <a:rPr lang="nb-NO" dirty="0"/>
-              <a:t> mgmt0 | i </a:t>
-            </a:r>
-            <a:r>
-              <a:rPr lang="nb-NO" dirty="0" err="1"/>
-              <a:t>ip</a:t>
-            </a:r>
-            <a:r>
-              <a:rPr lang="nb-NO" dirty="0"/>
-              <a:t>"</a:t>
-            </a:r>
-          </a:p>
-          <a:p>
-            <a:r>
-              <a:rPr lang="nb-NO" dirty="0"/>
-              <a:t>      register: </a:t>
-            </a:r>
-            <a:r>
-              <a:rPr lang="nb-NO" dirty="0" err="1"/>
-              <a:t>vrf_management</a:t>
-            </a:r>
-            <a:endParaRPr lang="nb-NO" dirty="0"/>
-          </a:p>
-          <a:p>
-            <a:endParaRPr lang="nb-NO" dirty="0"/>
-          </a:p>
-          <a:p>
-            <a:r>
-              <a:rPr lang="nb-NO" dirty="0"/>
-              <a:t>    - </a:t>
-            </a:r>
-            <a:r>
-              <a:rPr lang="nb-NO" dirty="0" err="1"/>
-              <a:t>name</a:t>
-            </a:r>
-            <a:r>
-              <a:rPr lang="nb-NO" dirty="0"/>
-              <a:t>: </a:t>
-            </a:r>
-            <a:r>
-              <a:rPr lang="nb-NO" dirty="0" err="1"/>
-              <a:t>Add</a:t>
-            </a:r>
-            <a:r>
-              <a:rPr lang="nb-NO" dirty="0"/>
-              <a:t> </a:t>
-            </a:r>
-            <a:r>
-              <a:rPr lang="nb-NO" dirty="0" err="1"/>
-              <a:t>use-vrf</a:t>
-            </a:r>
-            <a:r>
-              <a:rPr lang="nb-NO" dirty="0"/>
-              <a:t> </a:t>
+              <a:t>NXOS5 har ikke IP i VRF </a:t>
             </a:r>
             <a:r>
               <a:rPr lang="nb-NO" dirty="0" err="1"/>
@@ -3725,605 +3514,16 @@
             </a:r>
             <a:r>
               <a:rPr lang="nb-NO" dirty="0"/>
-              <a:t> </a:t>
-            </a:r>
-            <a:r>
-              <a:rPr lang="nb-NO" dirty="0" err="1"/>
-              <a:t>if</a:t>
-            </a:r>
-            <a:r>
-              <a:rPr lang="nb-NO" dirty="0"/>
-              <a:t> </a:t>
-            </a:r>
-            <a:r>
-              <a:rPr lang="nb-NO" dirty="0" err="1"/>
-              <a:t>needed</a:t>
-            </a:r>
-            <a:endParaRPr lang="nb-NO" dirty="0"/>
-          </a:p>
-          <a:p>
-            <a:r>
-              <a:rPr lang="nb-NO" dirty="0"/>
-              <a:t>      </a:t>
-            </a:r>
-            <a:r>
-              <a:rPr lang="nb-NO" dirty="0" err="1"/>
-              <a:t>set_fact</a:t>
-            </a:r>
-            <a:r>
-              <a:rPr lang="nb-NO" dirty="0"/>
-              <a:t>:</a:t>
-            </a:r>
-          </a:p>
-          <a:p>
-            <a:r>
-              <a:rPr lang="nb-NO" dirty="0"/>
-              <a:t>        </a:t>
-            </a:r>
-            <a:r>
-              <a:rPr lang="nb-NO" dirty="0" err="1"/>
-              <a:t>logg_config</a:t>
-            </a:r>
-            <a:r>
-              <a:rPr lang="nb-NO" dirty="0"/>
-              <a:t>: "{{ </a:t>
-            </a:r>
-            <a:r>
-              <a:rPr lang="nb-NO" dirty="0" err="1"/>
-              <a:t>logg_config_vrf</a:t>
-            </a:r>
-            <a:r>
-              <a:rPr lang="nb-NO" dirty="0"/>
-              <a:t> }}"</a:t>
-            </a:r>
-          </a:p>
-          <a:p>
-            <a:r>
-              <a:rPr lang="nb-NO" dirty="0"/>
-              <a:t>      </a:t>
-            </a:r>
-            <a:r>
-              <a:rPr lang="nb-NO" dirty="0" err="1"/>
-              <a:t>when</a:t>
-            </a:r>
-            <a:r>
-              <a:rPr lang="nb-NO" dirty="0"/>
-              <a:t>: "'</a:t>
-            </a:r>
-            <a:r>
-              <a:rPr lang="nb-NO" dirty="0" err="1"/>
-              <a:t>ip</a:t>
-            </a:r>
-            <a:r>
-              <a:rPr lang="nb-NO" dirty="0"/>
-              <a:t>' in </a:t>
-            </a:r>
-            <a:r>
-              <a:rPr lang="nb-NO" dirty="0" err="1"/>
-              <a:t>vrf_management.stdout</a:t>
-            </a:r>
-            <a:r>
-              <a:rPr lang="nb-NO" dirty="0"/>
-              <a:t>[0]"</a:t>
-            </a:r>
-          </a:p>
-          <a:p>
-            <a:endParaRPr lang="nb-NO" dirty="0"/>
-          </a:p>
-          <a:p>
-            <a:r>
-              <a:rPr lang="nb-NO" dirty="0"/>
-              <a:t>    - </a:t>
-            </a:r>
-            <a:r>
-              <a:rPr lang="nb-NO" dirty="0" err="1"/>
-              <a:t>name</a:t>
-            </a:r>
-            <a:r>
-              <a:rPr lang="nb-NO" dirty="0"/>
-              <a:t>: </a:t>
-            </a:r>
-            <a:r>
-              <a:rPr lang="nb-NO" dirty="0" err="1"/>
-              <a:t>Configure</a:t>
-            </a:r>
-            <a:r>
-              <a:rPr lang="nb-NO" dirty="0"/>
-              <a:t> </a:t>
-            </a:r>
-            <a:r>
-              <a:rPr lang="nb-NO" dirty="0" err="1"/>
-              <a:t>syslog</a:t>
-            </a:r>
-            <a:endParaRPr lang="nb-NO" dirty="0"/>
-          </a:p>
-          <a:p>
-            <a:r>
-              <a:rPr lang="nb-NO" dirty="0"/>
-              <a:t>      </a:t>
-            </a:r>
-            <a:r>
-              <a:rPr lang="nb-NO" dirty="0" err="1"/>
-              <a:t>nxos_config</a:t>
-            </a:r>
-            <a:r>
-              <a:rPr lang="nb-NO" dirty="0"/>
-              <a:t>:</a:t>
-            </a:r>
-          </a:p>
-          <a:p>
-            <a:r>
-              <a:rPr lang="nb-NO" dirty="0"/>
-              <a:t>        lines: "{{ </a:t>
-            </a:r>
-            <a:r>
-              <a:rPr lang="nb-NO" dirty="0" err="1"/>
-              <a:t>logg_config</a:t>
-            </a:r>
-            <a:r>
-              <a:rPr lang="nb-NO" dirty="0"/>
-              <a:t> }}"</a:t>
-            </a:r>
-          </a:p>
-          <a:p>
-            <a:r>
-              <a:rPr lang="nb-NO" dirty="0"/>
-              <a:t>        </a:t>
-            </a:r>
-            <a:r>
-              <a:rPr lang="nb-NO" dirty="0" err="1"/>
-              <a:t>save_when</a:t>
-            </a:r>
-            <a:r>
-              <a:rPr lang="nb-NO" dirty="0"/>
-              <a:t>: </a:t>
-            </a:r>
-            <a:r>
-              <a:rPr lang="nb-NO" dirty="0" err="1"/>
-              <a:t>changed</a:t>
-            </a:r>
-            <a:endParaRPr lang="nb-NO" dirty="0"/>
-          </a:p>
-          <a:p>
-            <a:endParaRPr lang="nb-NO" dirty="0"/>
-          </a:p>
-          <a:p>
-            <a:r>
-              <a:rPr lang="nb-NO" dirty="0"/>
-              <a:t>    - </a:t>
-            </a:r>
-            <a:r>
-              <a:rPr lang="nb-NO" dirty="0" err="1"/>
-              <a:t>name</a:t>
-            </a:r>
-            <a:r>
-              <a:rPr lang="nb-NO" dirty="0"/>
-              <a:t>: </a:t>
-            </a:r>
-            <a:r>
-              <a:rPr lang="nb-NO" dirty="0" err="1"/>
-              <a:t>Get</a:t>
-            </a:r>
-            <a:r>
-              <a:rPr lang="nb-NO" dirty="0"/>
-              <a:t> </a:t>
-            </a:r>
-            <a:r>
-              <a:rPr lang="nb-NO" dirty="0" err="1"/>
-              <a:t>current</a:t>
-            </a:r>
-            <a:r>
-              <a:rPr lang="nb-NO" dirty="0"/>
-              <a:t> </a:t>
-            </a:r>
-            <a:r>
-              <a:rPr lang="nb-NO" dirty="0" err="1"/>
-              <a:t>syslog</a:t>
-            </a:r>
-            <a:r>
-              <a:rPr lang="nb-NO" dirty="0"/>
-              <a:t> </a:t>
-            </a:r>
-            <a:r>
-              <a:rPr lang="nb-NO" dirty="0" err="1"/>
-              <a:t>config</a:t>
-            </a:r>
-            <a:endParaRPr lang="nb-NO" dirty="0"/>
-          </a:p>
-          <a:p>
-            <a:r>
-              <a:rPr lang="nb-NO" dirty="0"/>
-              <a:t>      </a:t>
-            </a:r>
-            <a:r>
-              <a:rPr lang="nb-NO" dirty="0" err="1"/>
-              <a:t>nxos_command</a:t>
-            </a:r>
-            <a:r>
-              <a:rPr lang="nb-NO" dirty="0"/>
-              <a:t>:</a:t>
-            </a:r>
-          </a:p>
-          <a:p>
-            <a:r>
-              <a:rPr lang="nb-NO" dirty="0"/>
-              <a:t>        </a:t>
-            </a:r>
-            <a:r>
-              <a:rPr lang="nb-NO" dirty="0" err="1"/>
-              <a:t>commands</a:t>
-            </a:r>
-            <a:r>
-              <a:rPr lang="nb-NO" dirty="0"/>
-              <a:t>: "show run | i ^logging"</a:t>
-            </a:r>
-          </a:p>
-          <a:p>
-            <a:r>
-              <a:rPr lang="nb-NO" dirty="0"/>
-              <a:t>      register: output</a:t>
-            </a:r>
-          </a:p>
-          <a:p>
-            <a:endParaRPr lang="nb-NO" dirty="0"/>
-          </a:p>
-          <a:p>
-            <a:r>
-              <a:rPr lang="nb-NO" dirty="0"/>
-              <a:t>    - </a:t>
-            </a:r>
-            <a:r>
-              <a:rPr lang="nb-NO" dirty="0" err="1"/>
-              <a:t>set_fact</a:t>
-            </a:r>
-            <a:r>
-              <a:rPr lang="nb-NO" dirty="0"/>
-              <a:t>:</a:t>
-            </a:r>
-          </a:p>
-          <a:p>
-            <a:r>
-              <a:rPr lang="nb-NO" dirty="0"/>
-              <a:t>        </a:t>
-            </a:r>
-            <a:r>
-              <a:rPr lang="nb-NO" dirty="0" err="1"/>
-              <a:t>current_logging</a:t>
-            </a:r>
-            <a:r>
-              <a:rPr lang="nb-NO" dirty="0"/>
-              <a:t>: "{{ </a:t>
-            </a:r>
-            <a:r>
-              <a:rPr lang="nb-NO" dirty="0" err="1"/>
-              <a:t>output.stdout_lines</a:t>
-            </a:r>
-            <a:r>
-              <a:rPr lang="nb-NO" dirty="0"/>
-              <a:t>[0] }}"</a:t>
-            </a:r>
-          </a:p>
-          <a:p>
-            <a:endParaRPr lang="nb-NO" dirty="0"/>
-          </a:p>
-          <a:p>
-            <a:r>
-              <a:rPr lang="nb-NO" dirty="0"/>
-              <a:t>    - </a:t>
-            </a:r>
-            <a:r>
-              <a:rPr lang="nb-NO" dirty="0" err="1"/>
-              <a:t>name</a:t>
-            </a:r>
-            <a:r>
-              <a:rPr lang="nb-NO" dirty="0"/>
-              <a:t>: </a:t>
-            </a:r>
-            <a:r>
-              <a:rPr lang="nb-NO" dirty="0" err="1"/>
-              <a:t>Find</a:t>
-            </a:r>
-            <a:r>
-              <a:rPr lang="nb-NO" dirty="0"/>
-              <a:t> </a:t>
-            </a:r>
-            <a:r>
-              <a:rPr lang="nb-NO" dirty="0" err="1"/>
-              <a:t>extra</a:t>
-            </a:r>
-            <a:r>
-              <a:rPr lang="nb-NO" dirty="0"/>
-              <a:t> </a:t>
-            </a:r>
-            <a:r>
-              <a:rPr lang="nb-NO" dirty="0" err="1"/>
-              <a:t>unneded</a:t>
-            </a:r>
-            <a:r>
-              <a:rPr lang="nb-NO" dirty="0"/>
-              <a:t> lines</a:t>
-            </a:r>
-          </a:p>
-          <a:p>
-            <a:r>
-              <a:rPr lang="nb-NO" dirty="0"/>
-              <a:t>      </a:t>
-            </a:r>
-            <a:r>
-              <a:rPr lang="nb-NO" dirty="0" err="1"/>
-              <a:t>set_fact</a:t>
-            </a:r>
-            <a:r>
-              <a:rPr lang="nb-NO" dirty="0"/>
-              <a:t>:</a:t>
-            </a:r>
-          </a:p>
-          <a:p>
-            <a:r>
-              <a:rPr lang="nb-NO" dirty="0"/>
-              <a:t>       </a:t>
-            </a:r>
-            <a:r>
-              <a:rPr lang="nb-NO" dirty="0" err="1"/>
-              <a:t>extra_logging</a:t>
-            </a:r>
-            <a:r>
-              <a:rPr lang="nb-NO" dirty="0"/>
-              <a:t>: "{{ </a:t>
-            </a:r>
-            <a:r>
-              <a:rPr lang="nb-NO" dirty="0" err="1"/>
-              <a:t>current_logging</a:t>
-            </a:r>
-            <a:r>
-              <a:rPr lang="nb-NO" dirty="0"/>
-              <a:t> | </a:t>
-            </a:r>
-            <a:r>
-              <a:rPr lang="nb-NO" dirty="0" err="1"/>
-              <a:t>difference</a:t>
-            </a:r>
-            <a:r>
-              <a:rPr lang="nb-NO" dirty="0"/>
-              <a:t>(</a:t>
-            </a:r>
-            <a:r>
-              <a:rPr lang="nb-NO" dirty="0" err="1"/>
-              <a:t>logg_config</a:t>
-            </a:r>
-            <a:r>
-              <a:rPr lang="nb-NO" dirty="0"/>
-              <a:t>) | list }}"</a:t>
-            </a:r>
-          </a:p>
-          <a:p>
-            <a:endParaRPr lang="nb-NO" dirty="0"/>
-          </a:p>
-          <a:p>
-            <a:r>
-              <a:rPr lang="nb-NO" dirty="0"/>
-              <a:t>    - </a:t>
-            </a:r>
-            <a:r>
-              <a:rPr lang="nb-NO" dirty="0" err="1"/>
-              <a:t>name</a:t>
-            </a:r>
-            <a:r>
-              <a:rPr lang="nb-NO" dirty="0"/>
-              <a:t>: "</a:t>
-            </a:r>
-            <a:r>
-              <a:rPr lang="nb-NO" dirty="0" err="1"/>
-              <a:t>Construct</a:t>
-            </a:r>
-            <a:r>
-              <a:rPr lang="nb-NO" dirty="0"/>
-              <a:t> </a:t>
-            </a:r>
-            <a:r>
-              <a:rPr lang="nb-NO" dirty="0" err="1"/>
-              <a:t>the</a:t>
-            </a:r>
-            <a:r>
-              <a:rPr lang="nb-NO" dirty="0"/>
-              <a:t> '</a:t>
-            </a:r>
-            <a:r>
-              <a:rPr lang="nb-NO" dirty="0" err="1"/>
-              <a:t>no</a:t>
-            </a:r>
-            <a:r>
-              <a:rPr lang="nb-NO" dirty="0"/>
-              <a:t> logging...' </a:t>
-            </a:r>
-            <a:r>
-              <a:rPr lang="nb-NO" dirty="0" err="1"/>
-              <a:t>command</a:t>
-            </a:r>
-            <a:r>
-              <a:rPr lang="nb-NO" dirty="0"/>
-              <a:t> to </a:t>
-            </a:r>
-            <a:r>
-              <a:rPr lang="nb-NO" dirty="0" err="1"/>
-              <a:t>remove</a:t>
-            </a:r>
-            <a:r>
-              <a:rPr lang="nb-NO" dirty="0"/>
-              <a:t> </a:t>
-            </a:r>
-            <a:r>
-              <a:rPr lang="nb-NO" dirty="0" err="1"/>
-              <a:t>unneeded</a:t>
-            </a:r>
-            <a:r>
-              <a:rPr lang="nb-NO" dirty="0"/>
-              <a:t> lines"</a:t>
-            </a:r>
-          </a:p>
-          <a:p>
-            <a:r>
-              <a:rPr lang="nb-NO" dirty="0"/>
-              <a:t>      </a:t>
-            </a:r>
-            <a:r>
-              <a:rPr lang="nb-NO" dirty="0" err="1"/>
-              <a:t>set_fact</a:t>
-            </a:r>
-            <a:r>
-              <a:rPr lang="nb-NO" dirty="0"/>
-              <a:t>:</a:t>
-            </a:r>
-          </a:p>
-          <a:p>
-            <a:r>
-              <a:rPr lang="nb-NO" dirty="0"/>
-              <a:t>        </a:t>
-            </a:r>
-            <a:r>
-              <a:rPr lang="nb-NO" dirty="0" err="1"/>
-              <a:t>no_logging</a:t>
-            </a:r>
-            <a:r>
-              <a:rPr lang="nb-NO" dirty="0"/>
-              <a:t>: "{{ </a:t>
-            </a:r>
-            <a:r>
-              <a:rPr lang="nb-NO" dirty="0" err="1"/>
-              <a:t>lookup</a:t>
-            </a:r>
-            <a:r>
-              <a:rPr lang="nb-NO" dirty="0"/>
-              <a:t>('</a:t>
-            </a:r>
-            <a:r>
-              <a:rPr lang="nb-NO" dirty="0" err="1"/>
-              <a:t>template</a:t>
-            </a:r>
-            <a:r>
-              <a:rPr lang="nb-NO" dirty="0"/>
-              <a:t>', './TEMPLATES/no_logging.j2') | </a:t>
-            </a:r>
-            <a:r>
-              <a:rPr lang="nb-NO" dirty="0" err="1"/>
-              <a:t>from_yaml</a:t>
-            </a:r>
-            <a:r>
-              <a:rPr lang="nb-NO" dirty="0"/>
-              <a:t> }}"</a:t>
-            </a:r>
-          </a:p>
-          <a:p>
-            <a:endParaRPr lang="nb-NO" dirty="0"/>
-          </a:p>
-          <a:p>
-            <a:r>
-              <a:rPr lang="nb-NO" dirty="0"/>
-              <a:t>    - </a:t>
-            </a:r>
-            <a:r>
-              <a:rPr lang="nb-NO" dirty="0" err="1"/>
-              <a:t>name</a:t>
-            </a:r>
-            <a:r>
-              <a:rPr lang="nb-NO" dirty="0"/>
-              <a:t>: </a:t>
-            </a:r>
-            <a:r>
-              <a:rPr lang="nb-NO" dirty="0" err="1"/>
-              <a:t>Remove</a:t>
-            </a:r>
-            <a:r>
-              <a:rPr lang="nb-NO" dirty="0"/>
-              <a:t> </a:t>
-            </a:r>
-            <a:r>
-              <a:rPr lang="nb-NO" dirty="0" err="1"/>
-              <a:t>unneeded</a:t>
-            </a:r>
-            <a:r>
-              <a:rPr lang="nb-NO" dirty="0"/>
-              <a:t> log </a:t>
-            </a:r>
-            <a:r>
-              <a:rPr lang="nb-NO" dirty="0" err="1"/>
-              <a:t>confiuration</a:t>
-            </a:r>
-            <a:endParaRPr lang="nb-NO" dirty="0"/>
-          </a:p>
-          <a:p>
-            <a:r>
-              <a:rPr lang="nb-NO" dirty="0"/>
-              <a:t>      </a:t>
-            </a:r>
-            <a:r>
-              <a:rPr lang="nb-NO" dirty="0" err="1"/>
-              <a:t>nxos_config</a:t>
-            </a:r>
-            <a:r>
-              <a:rPr lang="nb-NO" dirty="0"/>
-              <a:t>:</a:t>
-            </a:r>
-          </a:p>
-          <a:p>
-            <a:r>
-              <a:rPr lang="nb-NO" dirty="0"/>
-              <a:t>        lines: "{{ </a:t>
-            </a:r>
-            <a:r>
-              <a:rPr lang="nb-NO" dirty="0" err="1"/>
-              <a:t>no_logging</a:t>
-            </a:r>
-            <a:r>
-              <a:rPr lang="nb-NO" dirty="0"/>
-              <a:t> }}"</a:t>
-            </a:r>
-          </a:p>
-          <a:p>
-            <a:r>
-              <a:rPr lang="nb-NO" dirty="0"/>
-              <a:t>        </a:t>
-            </a:r>
-            <a:r>
-              <a:rPr lang="nb-NO" dirty="0" err="1"/>
-              <a:t>save_when</a:t>
-            </a:r>
-            <a:r>
-              <a:rPr lang="nb-NO" dirty="0"/>
-              <a:t>: </a:t>
-            </a:r>
-            <a:r>
-              <a:rPr lang="nb-NO" dirty="0" err="1"/>
-              <a:t>changed</a:t>
-            </a:r>
-            <a:endParaRPr lang="nb-NO" dirty="0"/>
-          </a:p>
-          <a:p>
-            <a:r>
-              <a:rPr lang="nb-NO" dirty="0"/>
-              <a:t>      </a:t>
-            </a:r>
-            <a:r>
-              <a:rPr lang="nb-NO" dirty="0" err="1"/>
-              <a:t>when</a:t>
-            </a:r>
-            <a:r>
-              <a:rPr lang="nb-NO" dirty="0"/>
-              <a:t>: </a:t>
-            </a:r>
-            <a:r>
-              <a:rPr lang="nb-NO" dirty="0" err="1"/>
-              <a:t>no_logging</a:t>
-            </a:r>
-            <a:r>
-              <a:rPr lang="nb-NO" dirty="0"/>
-              <a:t> is </a:t>
-            </a:r>
-            <a:r>
-              <a:rPr lang="nb-NO" dirty="0" err="1"/>
-              <a:t>defined</a:t>
-            </a:r>
-            <a:endParaRPr lang="nb-NO" dirty="0"/>
+              <a:t>, denne </a:t>
+            </a:r>
+            <a:r>
+              <a:rPr lang="nb-NO" dirty="0" err="1"/>
+              <a:t>playbooken</a:t>
+            </a:r>
+            <a:r>
+              <a:rPr lang="nb-NO" dirty="0"/>
+              <a:t> løser det</a:t>
+            </a:r>
           </a:p>
         </p:txBody>
       </p:sp>
@@ -4353,7 +3553,7 @@
     </p:spTree>
     <p:extLst>
       <p:ext uri="{BB962C8B-B14F-4D97-AF65-F5344CB8AC3E}">
-        <p14:creationId xmlns:p14="http://schemas.microsoft.com/office/powerpoint/2010/main" val="2622727297"/>
+        <p14:creationId xmlns:p14="http://schemas.microsoft.com/office/powerpoint/2010/main" val="2106897520"/>
       </p:ext>
     </p:extLst>
   </p:cSld>
@@ -4408,16 +3608,808 @@
           <a:lstStyle/>
           <a:p>
             <a:r>
-              <a:rPr lang="nb-NO" dirty="0" err="1"/>
-              <a:t>ansible</a:t>
-            </a:r>
-            <a:r>
-              <a:rPr lang="nb-NO" dirty="0"/>
-              <a:t>-hosts-</a:t>
-            </a:r>
-            <a:r>
-              <a:rPr lang="nb-NO" dirty="0" err="1"/>
-              <a:t>children</a:t>
+              <a:rPr lang="nb-NO" dirty="0"/>
+              <a:t>logging_nxos_5.yml </a:t>
+            </a:r>
+          </a:p>
+          <a:p>
+            <a:r>
+              <a:rPr lang="nb-NO" dirty="0"/>
+              <a:t>---</a:t>
+            </a:r>
+          </a:p>
+          <a:p>
+            <a:r>
+              <a:rPr lang="nb-NO" dirty="0"/>
+              <a:t>- </a:t>
+            </a:r>
+            <a:r>
+              <a:rPr lang="nb-NO" dirty="0" err="1"/>
+              <a:t>name</a:t>
+            </a:r>
+            <a:r>
+              <a:rPr lang="nb-NO" dirty="0"/>
+              <a:t>: </a:t>
+            </a:r>
+            <a:r>
+              <a:rPr lang="nb-NO" dirty="0" err="1"/>
+              <a:t>Configure</a:t>
+            </a:r>
+            <a:r>
+              <a:rPr lang="nb-NO" dirty="0"/>
+              <a:t> logging</a:t>
+            </a:r>
+          </a:p>
+          <a:p>
+            <a:r>
+              <a:rPr lang="nb-NO" dirty="0"/>
+              <a:t>  hosts: </a:t>
+            </a:r>
+            <a:r>
+              <a:rPr lang="nb-NO" dirty="0" err="1"/>
+              <a:t>nxos</a:t>
+            </a:r>
+            <a:endParaRPr lang="nb-NO" dirty="0"/>
+          </a:p>
+          <a:p>
+            <a:r>
+              <a:rPr lang="nb-NO" dirty="0"/>
+              <a:t>  </a:t>
+            </a:r>
+            <a:r>
+              <a:rPr lang="nb-NO" dirty="0" err="1"/>
+              <a:t>gather_facts</a:t>
+            </a:r>
+            <a:r>
+              <a:rPr lang="nb-NO" dirty="0"/>
+              <a:t>: False</a:t>
+            </a:r>
+          </a:p>
+          <a:p>
+            <a:r>
+              <a:rPr lang="nb-NO" dirty="0"/>
+              <a:t>  </a:t>
+            </a:r>
+            <a:r>
+              <a:rPr lang="nb-NO" dirty="0" err="1"/>
+              <a:t>tasks</a:t>
+            </a:r>
+            <a:r>
+              <a:rPr lang="nb-NO" dirty="0"/>
+              <a:t>:</a:t>
+            </a:r>
+          </a:p>
+          <a:p>
+            <a:endParaRPr lang="nb-NO" dirty="0"/>
+          </a:p>
+          <a:p>
+            <a:r>
+              <a:rPr lang="nb-NO" dirty="0"/>
+              <a:t>    - </a:t>
+            </a:r>
+            <a:r>
+              <a:rPr lang="nb-NO" dirty="0" err="1"/>
+              <a:t>name</a:t>
+            </a:r>
+            <a:r>
+              <a:rPr lang="nb-NO" dirty="0"/>
+              <a:t>: Check for IP </a:t>
+            </a:r>
+            <a:r>
+              <a:rPr lang="nb-NO" dirty="0" err="1"/>
+              <a:t>on</a:t>
+            </a:r>
+            <a:r>
+              <a:rPr lang="nb-NO" dirty="0"/>
+              <a:t> </a:t>
+            </a:r>
+            <a:r>
+              <a:rPr lang="nb-NO" dirty="0" err="1"/>
+              <a:t>int</a:t>
+            </a:r>
+            <a:r>
+              <a:rPr lang="nb-NO" dirty="0"/>
+              <a:t> mgmt0</a:t>
+            </a:r>
+          </a:p>
+          <a:p>
+            <a:r>
+              <a:rPr lang="nb-NO" dirty="0"/>
+              <a:t>      </a:t>
+            </a:r>
+            <a:r>
+              <a:rPr lang="nb-NO" dirty="0" err="1"/>
+              <a:t>nxos_command</a:t>
+            </a:r>
+            <a:r>
+              <a:rPr lang="nb-NO" dirty="0"/>
+              <a:t>:</a:t>
+            </a:r>
+          </a:p>
+          <a:p>
+            <a:r>
+              <a:rPr lang="nb-NO" dirty="0"/>
+              <a:t>        </a:t>
+            </a:r>
+            <a:r>
+              <a:rPr lang="nb-NO" dirty="0" err="1"/>
+              <a:t>commands</a:t>
+            </a:r>
+            <a:r>
+              <a:rPr lang="nb-NO" dirty="0"/>
+              <a:t>: "</a:t>
+            </a:r>
+            <a:r>
+              <a:rPr lang="nb-NO" dirty="0" err="1"/>
+              <a:t>sh</a:t>
+            </a:r>
+            <a:r>
+              <a:rPr lang="nb-NO" dirty="0"/>
+              <a:t> run </a:t>
+            </a:r>
+            <a:r>
+              <a:rPr lang="nb-NO" dirty="0" err="1"/>
+              <a:t>int</a:t>
+            </a:r>
+            <a:r>
+              <a:rPr lang="nb-NO" dirty="0"/>
+              <a:t> mgmt0 | i </a:t>
+            </a:r>
+            <a:r>
+              <a:rPr lang="nb-NO" dirty="0" err="1"/>
+              <a:t>ip</a:t>
+            </a:r>
+            <a:r>
+              <a:rPr lang="nb-NO" dirty="0"/>
+              <a:t>"</a:t>
+            </a:r>
+          </a:p>
+          <a:p>
+            <a:r>
+              <a:rPr lang="nb-NO" dirty="0"/>
+              <a:t>      register: </a:t>
+            </a:r>
+            <a:r>
+              <a:rPr lang="nb-NO" dirty="0" err="1"/>
+              <a:t>vrf_management</a:t>
+            </a:r>
+            <a:endParaRPr lang="nb-NO" dirty="0"/>
+          </a:p>
+          <a:p>
+            <a:endParaRPr lang="nb-NO" dirty="0"/>
+          </a:p>
+          <a:p>
+            <a:r>
+              <a:rPr lang="nb-NO" dirty="0"/>
+              <a:t>    - </a:t>
+            </a:r>
+            <a:r>
+              <a:rPr lang="nb-NO" dirty="0" err="1"/>
+              <a:t>name</a:t>
+            </a:r>
+            <a:r>
+              <a:rPr lang="nb-NO" dirty="0"/>
+              <a:t>: </a:t>
+            </a:r>
+            <a:r>
+              <a:rPr lang="nb-NO" dirty="0" err="1"/>
+              <a:t>Add</a:t>
+            </a:r>
+            <a:r>
+              <a:rPr lang="nb-NO" dirty="0"/>
+              <a:t> </a:t>
+            </a:r>
+            <a:r>
+              <a:rPr lang="nb-NO" dirty="0" err="1"/>
+              <a:t>use-vrf</a:t>
+            </a:r>
+            <a:r>
+              <a:rPr lang="nb-NO" dirty="0"/>
+              <a:t> </a:t>
+            </a:r>
+            <a:r>
+              <a:rPr lang="nb-NO" dirty="0" err="1"/>
+              <a:t>managment</a:t>
+            </a:r>
+            <a:r>
+              <a:rPr lang="nb-NO" dirty="0"/>
+              <a:t> </a:t>
+            </a:r>
+            <a:r>
+              <a:rPr lang="nb-NO" dirty="0" err="1"/>
+              <a:t>if</a:t>
+            </a:r>
+            <a:r>
+              <a:rPr lang="nb-NO" dirty="0"/>
+              <a:t> </a:t>
+            </a:r>
+            <a:r>
+              <a:rPr lang="nb-NO" dirty="0" err="1"/>
+              <a:t>needed</a:t>
+            </a:r>
+            <a:endParaRPr lang="nb-NO" dirty="0"/>
+          </a:p>
+          <a:p>
+            <a:r>
+              <a:rPr lang="nb-NO" dirty="0"/>
+              <a:t>      </a:t>
+            </a:r>
+            <a:r>
+              <a:rPr lang="nb-NO" dirty="0" err="1"/>
+              <a:t>set_fact</a:t>
+            </a:r>
+            <a:r>
+              <a:rPr lang="nb-NO" dirty="0"/>
+              <a:t>:</a:t>
+            </a:r>
+          </a:p>
+          <a:p>
+            <a:r>
+              <a:rPr lang="nb-NO" dirty="0"/>
+              <a:t>        </a:t>
+            </a:r>
+            <a:r>
+              <a:rPr lang="nb-NO" dirty="0" err="1"/>
+              <a:t>logg_config</a:t>
+            </a:r>
+            <a:r>
+              <a:rPr lang="nb-NO" dirty="0"/>
+              <a:t>: "{{ </a:t>
+            </a:r>
+            <a:r>
+              <a:rPr lang="nb-NO" dirty="0" err="1"/>
+              <a:t>logg_config_vrf</a:t>
+            </a:r>
+            <a:r>
+              <a:rPr lang="nb-NO" dirty="0"/>
+              <a:t> }}"</a:t>
+            </a:r>
+          </a:p>
+          <a:p>
+            <a:r>
+              <a:rPr lang="nb-NO" dirty="0"/>
+              <a:t>      </a:t>
+            </a:r>
+            <a:r>
+              <a:rPr lang="nb-NO" dirty="0" err="1"/>
+              <a:t>when</a:t>
+            </a:r>
+            <a:r>
+              <a:rPr lang="nb-NO" dirty="0"/>
+              <a:t>: "'</a:t>
+            </a:r>
+            <a:r>
+              <a:rPr lang="nb-NO" dirty="0" err="1"/>
+              <a:t>ip</a:t>
+            </a:r>
+            <a:r>
+              <a:rPr lang="nb-NO" dirty="0"/>
+              <a:t>' in </a:t>
+            </a:r>
+            <a:r>
+              <a:rPr lang="nb-NO" dirty="0" err="1"/>
+              <a:t>vrf_management.stdout</a:t>
+            </a:r>
+            <a:r>
+              <a:rPr lang="nb-NO" dirty="0"/>
+              <a:t>[0]"</a:t>
+            </a:r>
+          </a:p>
+          <a:p>
+            <a:endParaRPr lang="nb-NO" dirty="0"/>
+          </a:p>
+          <a:p>
+            <a:r>
+              <a:rPr lang="nb-NO" dirty="0"/>
+              <a:t>    - </a:t>
+            </a:r>
+            <a:r>
+              <a:rPr lang="nb-NO" dirty="0" err="1"/>
+              <a:t>name</a:t>
+            </a:r>
+            <a:r>
+              <a:rPr lang="nb-NO" dirty="0"/>
+              <a:t>: </a:t>
+            </a:r>
+            <a:r>
+              <a:rPr lang="nb-NO" dirty="0" err="1"/>
+              <a:t>Configure</a:t>
+            </a:r>
+            <a:r>
+              <a:rPr lang="nb-NO" dirty="0"/>
+              <a:t> </a:t>
+            </a:r>
+            <a:r>
+              <a:rPr lang="nb-NO" dirty="0" err="1"/>
+              <a:t>syslog</a:t>
+            </a:r>
+            <a:endParaRPr lang="nb-NO" dirty="0"/>
+          </a:p>
+          <a:p>
+            <a:r>
+              <a:rPr lang="nb-NO" dirty="0"/>
+              <a:t>      </a:t>
+            </a:r>
+            <a:r>
+              <a:rPr lang="nb-NO" dirty="0" err="1"/>
+              <a:t>nxos_config</a:t>
+            </a:r>
+            <a:r>
+              <a:rPr lang="nb-NO" dirty="0"/>
+              <a:t>:</a:t>
+            </a:r>
+          </a:p>
+          <a:p>
+            <a:r>
+              <a:rPr lang="nb-NO" dirty="0"/>
+              <a:t>        lines: "{{ </a:t>
+            </a:r>
+            <a:r>
+              <a:rPr lang="nb-NO" dirty="0" err="1"/>
+              <a:t>logg_config</a:t>
+            </a:r>
+            <a:r>
+              <a:rPr lang="nb-NO" dirty="0"/>
+              <a:t> }}"</a:t>
+            </a:r>
+          </a:p>
+          <a:p>
+            <a:r>
+              <a:rPr lang="nb-NO" dirty="0"/>
+              <a:t>        </a:t>
+            </a:r>
+            <a:r>
+              <a:rPr lang="nb-NO" dirty="0" err="1"/>
+              <a:t>save_when</a:t>
+            </a:r>
+            <a:r>
+              <a:rPr lang="nb-NO" dirty="0"/>
+              <a:t>: </a:t>
+            </a:r>
+            <a:r>
+              <a:rPr lang="nb-NO" dirty="0" err="1"/>
+              <a:t>changed</a:t>
+            </a:r>
+            <a:endParaRPr lang="nb-NO" dirty="0"/>
+          </a:p>
+          <a:p>
+            <a:endParaRPr lang="nb-NO" dirty="0"/>
+          </a:p>
+          <a:p>
+            <a:r>
+              <a:rPr lang="nb-NO" dirty="0"/>
+              <a:t>    - </a:t>
+            </a:r>
+            <a:r>
+              <a:rPr lang="nb-NO" dirty="0" err="1"/>
+              <a:t>name</a:t>
+            </a:r>
+            <a:r>
+              <a:rPr lang="nb-NO" dirty="0"/>
+              <a:t>: </a:t>
+            </a:r>
+            <a:r>
+              <a:rPr lang="nb-NO" dirty="0" err="1"/>
+              <a:t>Get</a:t>
+            </a:r>
+            <a:r>
+              <a:rPr lang="nb-NO" dirty="0"/>
+              <a:t> </a:t>
+            </a:r>
+            <a:r>
+              <a:rPr lang="nb-NO" dirty="0" err="1"/>
+              <a:t>current</a:t>
+            </a:r>
+            <a:r>
+              <a:rPr lang="nb-NO" dirty="0"/>
+              <a:t> </a:t>
+            </a:r>
+            <a:r>
+              <a:rPr lang="nb-NO" dirty="0" err="1"/>
+              <a:t>syslog</a:t>
+            </a:r>
+            <a:r>
+              <a:rPr lang="nb-NO" dirty="0"/>
+              <a:t> </a:t>
+            </a:r>
+            <a:r>
+              <a:rPr lang="nb-NO" dirty="0" err="1"/>
+              <a:t>config</a:t>
+            </a:r>
+            <a:endParaRPr lang="nb-NO" dirty="0"/>
+          </a:p>
+          <a:p>
+            <a:r>
+              <a:rPr lang="nb-NO" dirty="0"/>
+              <a:t>      </a:t>
+            </a:r>
+            <a:r>
+              <a:rPr lang="nb-NO" dirty="0" err="1"/>
+              <a:t>nxos_command</a:t>
+            </a:r>
+            <a:r>
+              <a:rPr lang="nb-NO" dirty="0"/>
+              <a:t>:</a:t>
+            </a:r>
+          </a:p>
+          <a:p>
+            <a:r>
+              <a:rPr lang="nb-NO" dirty="0"/>
+              <a:t>        </a:t>
+            </a:r>
+            <a:r>
+              <a:rPr lang="nb-NO" dirty="0" err="1"/>
+              <a:t>commands</a:t>
+            </a:r>
+            <a:r>
+              <a:rPr lang="nb-NO" dirty="0"/>
+              <a:t>: "show run | i ^logging"</a:t>
+            </a:r>
+          </a:p>
+          <a:p>
+            <a:r>
+              <a:rPr lang="nb-NO" dirty="0"/>
+              <a:t>      register: output</a:t>
+            </a:r>
+          </a:p>
+          <a:p>
+            <a:endParaRPr lang="nb-NO" dirty="0"/>
+          </a:p>
+          <a:p>
+            <a:r>
+              <a:rPr lang="nb-NO" dirty="0"/>
+              <a:t>    - </a:t>
+            </a:r>
+            <a:r>
+              <a:rPr lang="nb-NO" dirty="0" err="1"/>
+              <a:t>set_fact</a:t>
+            </a:r>
+            <a:r>
+              <a:rPr lang="nb-NO" dirty="0"/>
+              <a:t>:</a:t>
+            </a:r>
+          </a:p>
+          <a:p>
+            <a:r>
+              <a:rPr lang="nb-NO" dirty="0"/>
+              <a:t>        </a:t>
+            </a:r>
+            <a:r>
+              <a:rPr lang="nb-NO" dirty="0" err="1"/>
+              <a:t>current_logging</a:t>
+            </a:r>
+            <a:r>
+              <a:rPr lang="nb-NO" dirty="0"/>
+              <a:t>: "{{ </a:t>
+            </a:r>
+            <a:r>
+              <a:rPr lang="nb-NO" dirty="0" err="1"/>
+              <a:t>output.stdout_lines</a:t>
+            </a:r>
+            <a:r>
+              <a:rPr lang="nb-NO" dirty="0"/>
+              <a:t>[0] }}"</a:t>
+            </a:r>
+          </a:p>
+          <a:p>
+            <a:endParaRPr lang="nb-NO" dirty="0"/>
+          </a:p>
+          <a:p>
+            <a:r>
+              <a:rPr lang="nb-NO" dirty="0"/>
+              <a:t>    - </a:t>
+            </a:r>
+            <a:r>
+              <a:rPr lang="nb-NO" dirty="0" err="1"/>
+              <a:t>name</a:t>
+            </a:r>
+            <a:r>
+              <a:rPr lang="nb-NO" dirty="0"/>
+              <a:t>: </a:t>
+            </a:r>
+            <a:r>
+              <a:rPr lang="nb-NO" dirty="0" err="1"/>
+              <a:t>Find</a:t>
+            </a:r>
+            <a:r>
+              <a:rPr lang="nb-NO" dirty="0"/>
+              <a:t> </a:t>
+            </a:r>
+            <a:r>
+              <a:rPr lang="nb-NO" dirty="0" err="1"/>
+              <a:t>extra</a:t>
+            </a:r>
+            <a:r>
+              <a:rPr lang="nb-NO" dirty="0"/>
+              <a:t> </a:t>
+            </a:r>
+            <a:r>
+              <a:rPr lang="nb-NO" dirty="0" err="1"/>
+              <a:t>unneded</a:t>
+            </a:r>
+            <a:r>
+              <a:rPr lang="nb-NO" dirty="0"/>
+              <a:t> lines</a:t>
+            </a:r>
+          </a:p>
+          <a:p>
+            <a:r>
+              <a:rPr lang="nb-NO" dirty="0"/>
+              <a:t>      </a:t>
+            </a:r>
+            <a:r>
+              <a:rPr lang="nb-NO" dirty="0" err="1"/>
+              <a:t>set_fact</a:t>
+            </a:r>
+            <a:r>
+              <a:rPr lang="nb-NO" dirty="0"/>
+              <a:t>:</a:t>
+            </a:r>
+          </a:p>
+          <a:p>
+            <a:r>
+              <a:rPr lang="nb-NO" dirty="0"/>
+              <a:t>       </a:t>
+            </a:r>
+            <a:r>
+              <a:rPr lang="nb-NO" dirty="0" err="1"/>
+              <a:t>extra_logging</a:t>
+            </a:r>
+            <a:r>
+              <a:rPr lang="nb-NO" dirty="0"/>
+              <a:t>: "{{ </a:t>
+            </a:r>
+            <a:r>
+              <a:rPr lang="nb-NO" dirty="0" err="1"/>
+              <a:t>current_logging</a:t>
+            </a:r>
+            <a:r>
+              <a:rPr lang="nb-NO" dirty="0"/>
+              <a:t> | </a:t>
+            </a:r>
+            <a:r>
+              <a:rPr lang="nb-NO" dirty="0" err="1"/>
+              <a:t>difference</a:t>
+            </a:r>
+            <a:r>
+              <a:rPr lang="nb-NO" dirty="0"/>
+              <a:t>(</a:t>
+            </a:r>
+            <a:r>
+              <a:rPr lang="nb-NO" dirty="0" err="1"/>
+              <a:t>logg_config</a:t>
+            </a:r>
+            <a:r>
+              <a:rPr lang="nb-NO" dirty="0"/>
+              <a:t>) | list }}"</a:t>
+            </a:r>
+          </a:p>
+          <a:p>
+            <a:endParaRPr lang="nb-NO" dirty="0"/>
+          </a:p>
+          <a:p>
+            <a:r>
+              <a:rPr lang="nb-NO" dirty="0"/>
+              <a:t>    - </a:t>
+            </a:r>
+            <a:r>
+              <a:rPr lang="nb-NO" dirty="0" err="1"/>
+              <a:t>name</a:t>
+            </a:r>
+            <a:r>
+              <a:rPr lang="nb-NO" dirty="0"/>
+              <a:t>: "</a:t>
+            </a:r>
+            <a:r>
+              <a:rPr lang="nb-NO" dirty="0" err="1"/>
+              <a:t>Construct</a:t>
+            </a:r>
+            <a:r>
+              <a:rPr lang="nb-NO" dirty="0"/>
+              <a:t> </a:t>
+            </a:r>
+            <a:r>
+              <a:rPr lang="nb-NO" dirty="0" err="1"/>
+              <a:t>the</a:t>
+            </a:r>
+            <a:r>
+              <a:rPr lang="nb-NO" dirty="0"/>
+              <a:t> '</a:t>
+            </a:r>
+            <a:r>
+              <a:rPr lang="nb-NO" dirty="0" err="1"/>
+              <a:t>no</a:t>
+            </a:r>
+            <a:r>
+              <a:rPr lang="nb-NO" dirty="0"/>
+              <a:t> logging...' </a:t>
+            </a:r>
+            <a:r>
+              <a:rPr lang="nb-NO" dirty="0" err="1"/>
+              <a:t>command</a:t>
+            </a:r>
+            <a:r>
+              <a:rPr lang="nb-NO" dirty="0"/>
+              <a:t> to </a:t>
+            </a:r>
+            <a:r>
+              <a:rPr lang="nb-NO" dirty="0" err="1"/>
+              <a:t>remove</a:t>
+            </a:r>
+            <a:r>
+              <a:rPr lang="nb-NO" dirty="0"/>
+              <a:t> </a:t>
+            </a:r>
+            <a:r>
+              <a:rPr lang="nb-NO" dirty="0" err="1"/>
+              <a:t>unneeded</a:t>
+            </a:r>
+            <a:r>
+              <a:rPr lang="nb-NO" dirty="0"/>
+              <a:t> lines"</a:t>
+            </a:r>
+          </a:p>
+          <a:p>
+            <a:r>
+              <a:rPr lang="nb-NO" dirty="0"/>
+              <a:t>      </a:t>
+            </a:r>
+            <a:r>
+              <a:rPr lang="nb-NO" dirty="0" err="1"/>
+              <a:t>set_fact</a:t>
+            </a:r>
+            <a:r>
+              <a:rPr lang="nb-NO" dirty="0"/>
+              <a:t>:</a:t>
+            </a:r>
+          </a:p>
+          <a:p>
+            <a:r>
+              <a:rPr lang="nb-NO" dirty="0"/>
+              <a:t>        </a:t>
+            </a:r>
+            <a:r>
+              <a:rPr lang="nb-NO" dirty="0" err="1"/>
+              <a:t>no_logging</a:t>
+            </a:r>
+            <a:r>
+              <a:rPr lang="nb-NO" dirty="0"/>
+              <a:t>: "{{ </a:t>
+            </a:r>
+            <a:r>
+              <a:rPr lang="nb-NO" dirty="0" err="1"/>
+              <a:t>lookup</a:t>
+            </a:r>
+            <a:r>
+              <a:rPr lang="nb-NO" dirty="0"/>
+              <a:t>('</a:t>
+            </a:r>
+            <a:r>
+              <a:rPr lang="nb-NO" dirty="0" err="1"/>
+              <a:t>template</a:t>
+            </a:r>
+            <a:r>
+              <a:rPr lang="nb-NO" dirty="0"/>
+              <a:t>', './TEMPLATES/no_logging.j2') | </a:t>
+            </a:r>
+            <a:r>
+              <a:rPr lang="nb-NO" dirty="0" err="1"/>
+              <a:t>from_yaml</a:t>
+            </a:r>
+            <a:r>
+              <a:rPr lang="nb-NO" dirty="0"/>
+              <a:t> }}"</a:t>
+            </a:r>
+          </a:p>
+          <a:p>
+            <a:endParaRPr lang="nb-NO" dirty="0"/>
+          </a:p>
+          <a:p>
+            <a:r>
+              <a:rPr lang="nb-NO" dirty="0"/>
+              <a:t>    - </a:t>
+            </a:r>
+            <a:r>
+              <a:rPr lang="nb-NO" dirty="0" err="1"/>
+              <a:t>name</a:t>
+            </a:r>
+            <a:r>
+              <a:rPr lang="nb-NO" dirty="0"/>
+              <a:t>: </a:t>
+            </a:r>
+            <a:r>
+              <a:rPr lang="nb-NO" dirty="0" err="1"/>
+              <a:t>Remove</a:t>
+            </a:r>
+            <a:r>
+              <a:rPr lang="nb-NO" dirty="0"/>
+              <a:t> </a:t>
+            </a:r>
+            <a:r>
+              <a:rPr lang="nb-NO" dirty="0" err="1"/>
+              <a:t>unneeded</a:t>
+            </a:r>
+            <a:r>
+              <a:rPr lang="nb-NO" dirty="0"/>
+              <a:t> log </a:t>
+            </a:r>
+            <a:r>
+              <a:rPr lang="nb-NO" dirty="0" err="1"/>
+              <a:t>confiuration</a:t>
+            </a:r>
+            <a:endParaRPr lang="nb-NO" dirty="0"/>
+          </a:p>
+          <a:p>
+            <a:r>
+              <a:rPr lang="nb-NO" dirty="0"/>
+              <a:t>      </a:t>
+            </a:r>
+            <a:r>
+              <a:rPr lang="nb-NO" dirty="0" err="1"/>
+              <a:t>nxos_config</a:t>
+            </a:r>
+            <a:r>
+              <a:rPr lang="nb-NO" dirty="0"/>
+              <a:t>:</a:t>
+            </a:r>
+          </a:p>
+          <a:p>
+            <a:r>
+              <a:rPr lang="nb-NO" dirty="0"/>
+              <a:t>        lines: "{{ </a:t>
+            </a:r>
+            <a:r>
+              <a:rPr lang="nb-NO" dirty="0" err="1"/>
+              <a:t>no_logging</a:t>
+            </a:r>
+            <a:r>
+              <a:rPr lang="nb-NO" dirty="0"/>
+              <a:t> }}"</a:t>
+            </a:r>
+          </a:p>
+          <a:p>
+            <a:r>
+              <a:rPr lang="nb-NO" dirty="0"/>
+              <a:t>        </a:t>
+            </a:r>
+            <a:r>
+              <a:rPr lang="nb-NO" dirty="0" err="1"/>
+              <a:t>save_when</a:t>
+            </a:r>
+            <a:r>
+              <a:rPr lang="nb-NO" dirty="0"/>
+              <a:t>: </a:t>
+            </a:r>
+            <a:r>
+              <a:rPr lang="nb-NO" dirty="0" err="1"/>
+              <a:t>changed</a:t>
+            </a:r>
+            <a:endParaRPr lang="nb-NO" dirty="0"/>
+          </a:p>
+          <a:p>
+            <a:r>
+              <a:rPr lang="nb-NO" dirty="0"/>
+              <a:t>      </a:t>
+            </a:r>
+            <a:r>
+              <a:rPr lang="nb-NO" dirty="0" err="1"/>
+              <a:t>when</a:t>
+            </a:r>
+            <a:r>
+              <a:rPr lang="nb-NO" dirty="0"/>
+              <a:t>: </a:t>
+            </a:r>
+            <a:r>
+              <a:rPr lang="nb-NO" dirty="0" err="1"/>
+              <a:t>no_logging</a:t>
+            </a:r>
+            <a:r>
+              <a:rPr lang="nb-NO" dirty="0"/>
+              <a:t> is </a:t>
+            </a:r>
+            <a:r>
+              <a:rPr lang="nb-NO" dirty="0" err="1"/>
+              <a:t>defined</a:t>
             </a:r>
             <a:endParaRPr lang="nb-NO" dirty="0"/>
           </a:p>
@@ -4449,7 +4441,7 @@
     </p:spTree>
     <p:extLst>
       <p:ext uri="{BB962C8B-B14F-4D97-AF65-F5344CB8AC3E}">
-        <p14:creationId xmlns:p14="http://schemas.microsoft.com/office/powerpoint/2010/main" val="3475032758"/>
+        <p14:creationId xmlns:p14="http://schemas.microsoft.com/office/powerpoint/2010/main" val="2622727297"/>
       </p:ext>
     </p:extLst>
   </p:cSld>
@@ -4504,1047 +4496,16 @@
           <a:lstStyle/>
           <a:p>
             <a:r>
-              <a:rPr lang="en-US" b="0" i="0" dirty="0">
-                <a:solidFill>
-                  <a:srgbClr val="404040"/>
-                </a:solidFill>
-                <a:effectLst/>
-                <a:latin typeface="Lato"/>
-              </a:rPr>
-              <a:t>parents: The ordered set of parents that uniquely identify the section or hierarchy the commands should be checked against.</a:t>
-            </a:r>
-          </a:p>
-          <a:p>
-            <a:r>
-              <a:rPr lang="en-US" b="0" i="0" dirty="0">
-                <a:solidFill>
-                  <a:srgbClr val="404040"/>
-                </a:solidFill>
-                <a:effectLst/>
-                <a:latin typeface="Lato"/>
-              </a:rPr>
-              <a:t>match:  If match is set to </a:t>
-            </a:r>
-            <a:r>
-              <a:rPr lang="en-US" b="0" i="1" dirty="0">
-                <a:solidFill>
-                  <a:srgbClr val="404040"/>
-                </a:solidFill>
-                <a:effectLst/>
-                <a:latin typeface="Lato"/>
-              </a:rPr>
-              <a:t>exact</a:t>
-            </a:r>
-            <a:r>
-              <a:rPr lang="en-US" b="0" i="0" dirty="0">
-                <a:solidFill>
-                  <a:srgbClr val="404040"/>
-                </a:solidFill>
-                <a:effectLst/>
-                <a:latin typeface="Lato"/>
-              </a:rPr>
-              <a:t>, command lines must be an equal match. (default = line)  </a:t>
-            </a:r>
-            <a:r>
-              <a:rPr lang="en-US" b="0" i="1" dirty="0">
-                <a:solidFill>
-                  <a:srgbClr val="404040"/>
-                </a:solidFill>
-                <a:effectLst/>
-                <a:latin typeface="Lato"/>
-              </a:rPr>
-              <a:t>line</a:t>
-            </a:r>
-            <a:r>
-              <a:rPr lang="en-US" b="0" i="0" dirty="0">
-                <a:solidFill>
-                  <a:srgbClr val="404040"/>
-                </a:solidFill>
-                <a:effectLst/>
-                <a:latin typeface="Lato"/>
-              </a:rPr>
-              <a:t>, commands are matched line by line. </a:t>
-            </a:r>
-          </a:p>
-          <a:p>
-            <a:r>
-              <a:rPr lang="en-US" b="0" i="0" dirty="0">
-                <a:solidFill>
-                  <a:srgbClr val="404040"/>
-                </a:solidFill>
-                <a:effectLst/>
-                <a:latin typeface="Lato"/>
-              </a:rPr>
-              <a:t>replace: If the replace argument is set to </a:t>
-            </a:r>
-            <a:r>
-              <a:rPr lang="en-US" b="0" i="1" dirty="0">
-                <a:solidFill>
-                  <a:srgbClr val="404040"/>
-                </a:solidFill>
-                <a:effectLst/>
-                <a:latin typeface="Lato"/>
-              </a:rPr>
-              <a:t>block</a:t>
-            </a:r>
-            <a:r>
-              <a:rPr lang="en-US" b="0" i="0" dirty="0">
-                <a:solidFill>
-                  <a:srgbClr val="404040"/>
-                </a:solidFill>
-                <a:effectLst/>
-                <a:latin typeface="Lato"/>
-              </a:rPr>
-              <a:t> then the entire command block is pushed to the device in configuration mode if any line is not correct.</a:t>
-            </a:r>
-          </a:p>
-          <a:p>
-            <a:r>
-              <a:rPr lang="en-US" b="0" i="0" dirty="0">
-                <a:solidFill>
-                  <a:srgbClr val="404040"/>
-                </a:solidFill>
-                <a:effectLst/>
-                <a:latin typeface="Lato"/>
-              </a:rPr>
-              <a:t>before: </a:t>
-            </a:r>
-            <a:r>
-              <a:rPr lang="en-US" b="0" i="0" dirty="0" err="1">
-                <a:solidFill>
-                  <a:srgbClr val="404040"/>
-                </a:solidFill>
-                <a:effectLst/>
-                <a:latin typeface="Lato"/>
-              </a:rPr>
-              <a:t>kommando</a:t>
-            </a:r>
-            <a:r>
-              <a:rPr lang="en-US" b="0" i="0" dirty="0">
-                <a:solidFill>
-                  <a:srgbClr val="404040"/>
-                </a:solidFill>
-                <a:effectLst/>
-                <a:latin typeface="Lato"/>
-              </a:rPr>
-              <a:t> </a:t>
-            </a:r>
-            <a:r>
-              <a:rPr lang="en-US" b="0" i="0" dirty="0" err="1">
-                <a:solidFill>
-                  <a:srgbClr val="404040"/>
-                </a:solidFill>
-                <a:effectLst/>
-                <a:latin typeface="Lato"/>
-              </a:rPr>
-              <a:t>som</a:t>
-            </a:r>
-            <a:r>
-              <a:rPr lang="en-US" b="0" i="0" dirty="0">
-                <a:solidFill>
-                  <a:srgbClr val="404040"/>
-                </a:solidFill>
-                <a:effectLst/>
-                <a:latin typeface="Lato"/>
-              </a:rPr>
-              <a:t> </a:t>
-            </a:r>
-            <a:r>
-              <a:rPr lang="en-US" b="0" i="0" dirty="0" err="1">
-                <a:solidFill>
-                  <a:srgbClr val="404040"/>
-                </a:solidFill>
-                <a:effectLst/>
-                <a:latin typeface="Lato"/>
-              </a:rPr>
-              <a:t>blir</a:t>
-            </a:r>
-            <a:r>
-              <a:rPr lang="en-US" b="0" i="0" dirty="0">
-                <a:solidFill>
-                  <a:srgbClr val="404040"/>
-                </a:solidFill>
-                <a:effectLst/>
-                <a:latin typeface="Lato"/>
-              </a:rPr>
-              <a:t> </a:t>
-            </a:r>
-            <a:r>
-              <a:rPr lang="en-US" b="0" i="0" dirty="0" err="1">
-                <a:solidFill>
-                  <a:srgbClr val="404040"/>
-                </a:solidFill>
-                <a:effectLst/>
-                <a:latin typeface="Lato"/>
-              </a:rPr>
-              <a:t>sendt</a:t>
-            </a:r>
-            <a:r>
-              <a:rPr lang="en-US" b="0" i="0" dirty="0">
-                <a:solidFill>
-                  <a:srgbClr val="404040"/>
-                </a:solidFill>
-                <a:effectLst/>
-                <a:latin typeface="Lato"/>
-              </a:rPr>
-              <a:t> </a:t>
-            </a:r>
-            <a:r>
-              <a:rPr lang="en-US" b="0" i="0" dirty="0" err="1">
-                <a:solidFill>
-                  <a:srgbClr val="404040"/>
-                </a:solidFill>
-                <a:effectLst/>
-                <a:latin typeface="Lato"/>
-              </a:rPr>
-              <a:t>før</a:t>
-            </a:r>
-            <a:r>
-              <a:rPr lang="en-US" b="0" i="0" dirty="0">
-                <a:solidFill>
-                  <a:srgbClr val="404040"/>
-                </a:solidFill>
-                <a:effectLst/>
-                <a:latin typeface="Lato"/>
-              </a:rPr>
-              <a:t> config </a:t>
-            </a:r>
-            <a:r>
-              <a:rPr lang="en-US" b="0" i="0" dirty="0" err="1">
-                <a:solidFill>
-                  <a:srgbClr val="404040"/>
-                </a:solidFill>
-                <a:effectLst/>
-                <a:latin typeface="Lato"/>
-              </a:rPr>
-              <a:t>blir</a:t>
-            </a:r>
-            <a:r>
-              <a:rPr lang="en-US" b="0" i="0" dirty="0">
-                <a:solidFill>
-                  <a:srgbClr val="404040"/>
-                </a:solidFill>
-                <a:effectLst/>
-                <a:latin typeface="Lato"/>
-              </a:rPr>
-              <a:t> </a:t>
-            </a:r>
-            <a:r>
-              <a:rPr lang="en-US" b="0" i="0" dirty="0" err="1">
-                <a:solidFill>
-                  <a:srgbClr val="404040"/>
-                </a:solidFill>
-                <a:effectLst/>
-                <a:latin typeface="Lato"/>
-              </a:rPr>
-              <a:t>lagt</a:t>
-            </a:r>
-            <a:r>
-              <a:rPr lang="en-US" b="0" i="0" dirty="0">
-                <a:solidFill>
-                  <a:srgbClr val="404040"/>
-                </a:solidFill>
-                <a:effectLst/>
-                <a:latin typeface="Lato"/>
-              </a:rPr>
-              <a:t> inn </a:t>
-            </a:r>
-            <a:r>
-              <a:rPr lang="en-US" b="0" i="0" dirty="0" err="1">
-                <a:solidFill>
-                  <a:srgbClr val="404040"/>
-                </a:solidFill>
-                <a:effectLst/>
-                <a:latin typeface="Lato"/>
-              </a:rPr>
-              <a:t>i</a:t>
-            </a:r>
-            <a:r>
-              <a:rPr lang="en-US" b="0" i="0" dirty="0">
-                <a:solidFill>
-                  <a:srgbClr val="404040"/>
-                </a:solidFill>
-                <a:effectLst/>
-                <a:latin typeface="Lato"/>
-              </a:rPr>
-              <a:t> parents</a:t>
-            </a:r>
-            <a:endParaRPr lang="nb-NO" dirty="0"/>
-          </a:p>
-          <a:p>
-            <a:endParaRPr lang="nb-NO" dirty="0"/>
-          </a:p>
-          <a:p>
-            <a:r>
-              <a:rPr lang="nb-NO" dirty="0"/>
-              <a:t>Vise at forskjellige </a:t>
-            </a:r>
-            <a:r>
-              <a:rPr lang="nb-NO" dirty="0" err="1"/>
-              <a:t>snmp_locations</a:t>
-            </a:r>
-            <a:r>
-              <a:rPr lang="nb-NO" dirty="0"/>
-              <a:t> er definert i </a:t>
-            </a:r>
-            <a:r>
-              <a:rPr lang="nb-NO" dirty="0" err="1"/>
-              <a:t>group_vars</a:t>
-            </a:r>
-            <a:endParaRPr lang="nb-NO" dirty="0"/>
-          </a:p>
-          <a:p>
-            <a:r>
-              <a:rPr lang="nb-NO" dirty="0"/>
-              <a:t>Vise eksempler på forskjellige </a:t>
-            </a:r>
-            <a:r>
-              <a:rPr lang="nb-NO" dirty="0" err="1"/>
-              <a:t>snmp_networks</a:t>
-            </a:r>
-            <a:r>
-              <a:rPr lang="nb-NO" dirty="0"/>
-              <a:t> i </a:t>
-            </a:r>
-            <a:r>
-              <a:rPr lang="nb-NO" dirty="0" err="1"/>
-              <a:t>group_vars</a:t>
-            </a:r>
-            <a:r>
-              <a:rPr lang="nb-NO" dirty="0"/>
-              <a:t> eller host vars (som genererer </a:t>
-            </a:r>
-            <a:r>
-              <a:rPr lang="nb-NO" dirty="0" err="1"/>
-              <a:t>forkjellige</a:t>
-            </a:r>
-            <a:r>
-              <a:rPr lang="nb-NO" dirty="0"/>
-              <a:t> ACL)</a:t>
-            </a:r>
-          </a:p>
-          <a:p>
-            <a:endParaRPr lang="nb-NO" dirty="0"/>
-          </a:p>
-          <a:p>
-            <a:r>
-              <a:rPr lang="nb-NO" dirty="0"/>
-              <a:t>---</a:t>
-            </a:r>
-          </a:p>
-          <a:p>
-            <a:r>
-              <a:rPr lang="nb-NO" dirty="0"/>
-              <a:t>{% for </a:t>
-            </a:r>
-            <a:r>
-              <a:rPr lang="nb-NO" dirty="0" err="1"/>
-              <a:t>snmp_entry</a:t>
-            </a:r>
-            <a:r>
-              <a:rPr lang="nb-NO" dirty="0"/>
-              <a:t> in </a:t>
-            </a:r>
-            <a:r>
-              <a:rPr lang="nb-NO" dirty="0" err="1"/>
-              <a:t>snmp_networks</a:t>
-            </a:r>
-            <a:r>
-              <a:rPr lang="nb-NO" dirty="0"/>
-              <a:t> %}</a:t>
-            </a:r>
-          </a:p>
-          <a:p>
-            <a:r>
-              <a:rPr lang="nb-NO" dirty="0"/>
-              <a:t>{% </a:t>
-            </a:r>
-            <a:r>
-              <a:rPr lang="nb-NO" dirty="0" err="1"/>
-              <a:t>set</a:t>
-            </a:r>
-            <a:r>
-              <a:rPr lang="nb-NO" dirty="0"/>
-              <a:t> </a:t>
-            </a:r>
-            <a:r>
-              <a:rPr lang="nb-NO" dirty="0" err="1"/>
-              <a:t>acl_entry</a:t>
-            </a:r>
-            <a:r>
-              <a:rPr lang="nb-NO" dirty="0"/>
-              <a:t> = </a:t>
-            </a:r>
-            <a:r>
-              <a:rPr lang="nb-NO" dirty="0" err="1"/>
-              <a:t>loop.index</a:t>
-            </a:r>
-            <a:r>
-              <a:rPr lang="nb-NO" dirty="0"/>
-              <a:t> %}</a:t>
-            </a:r>
-          </a:p>
-          <a:p>
-            <a:r>
-              <a:rPr lang="nb-NO" dirty="0"/>
-              <a:t>{% </a:t>
-            </a:r>
-            <a:r>
-              <a:rPr lang="nb-NO" dirty="0" err="1"/>
-              <a:t>if</a:t>
-            </a:r>
-            <a:r>
-              <a:rPr lang="nb-NO" dirty="0"/>
-              <a:t> </a:t>
-            </a:r>
-            <a:r>
-              <a:rPr lang="nb-NO" dirty="0" err="1"/>
-              <a:t>snmp_entry</a:t>
-            </a:r>
-            <a:r>
-              <a:rPr lang="nb-NO" dirty="0"/>
-              <a:t> | </a:t>
-            </a:r>
-            <a:r>
-              <a:rPr lang="nb-NO" dirty="0" err="1"/>
-              <a:t>regex_search</a:t>
-            </a:r>
-            <a:r>
-              <a:rPr lang="nb-NO" dirty="0"/>
-              <a:t>('^(?:[0-9]{1,3}\.){3}[0-9]{1,3}$') %}</a:t>
-            </a:r>
-          </a:p>
-          <a:p>
-            <a:r>
-              <a:rPr lang="nb-NO" dirty="0"/>
-              <a:t>  - {{</a:t>
-            </a:r>
-            <a:r>
-              <a:rPr lang="nb-NO" dirty="0" err="1"/>
-              <a:t>acl_entry</a:t>
-            </a:r>
-            <a:r>
-              <a:rPr lang="nb-NO" dirty="0"/>
-              <a:t>}}0 </a:t>
-            </a:r>
-            <a:r>
-              <a:rPr lang="nb-NO" dirty="0" err="1"/>
-              <a:t>permit</a:t>
-            </a:r>
-            <a:r>
-              <a:rPr lang="nb-NO" dirty="0"/>
-              <a:t> </a:t>
-            </a:r>
-            <a:r>
-              <a:rPr lang="nb-NO" dirty="0" err="1"/>
-              <a:t>ip</a:t>
-            </a:r>
-            <a:r>
-              <a:rPr lang="nb-NO" dirty="0"/>
-              <a:t> {{</a:t>
-            </a:r>
-            <a:r>
-              <a:rPr lang="nb-NO" dirty="0" err="1"/>
-              <a:t>snmp_entry</a:t>
-            </a:r>
-            <a:r>
-              <a:rPr lang="nb-NO" dirty="0"/>
-              <a:t>}}/32 </a:t>
-            </a:r>
-            <a:r>
-              <a:rPr lang="nb-NO" dirty="0" err="1"/>
-              <a:t>any</a:t>
-            </a:r>
-            <a:endParaRPr lang="nb-NO" dirty="0"/>
-          </a:p>
-          <a:p>
-            <a:r>
-              <a:rPr lang="nb-NO" dirty="0"/>
-              <a:t>{% </a:t>
-            </a:r>
-            <a:r>
-              <a:rPr lang="nb-NO" dirty="0" err="1"/>
-              <a:t>else</a:t>
-            </a:r>
-            <a:r>
-              <a:rPr lang="nb-NO" dirty="0"/>
-              <a:t> %}</a:t>
-            </a:r>
-          </a:p>
-          <a:p>
-            <a:r>
-              <a:rPr lang="nb-NO" dirty="0"/>
-              <a:t>  - {{</a:t>
-            </a:r>
-            <a:r>
-              <a:rPr lang="nb-NO" dirty="0" err="1"/>
-              <a:t>acl_entry</a:t>
-            </a:r>
-            <a:r>
-              <a:rPr lang="nb-NO" dirty="0"/>
-              <a:t>}}0 </a:t>
-            </a:r>
-            <a:r>
-              <a:rPr lang="nb-NO" dirty="0" err="1"/>
-              <a:t>permit</a:t>
-            </a:r>
-            <a:r>
-              <a:rPr lang="nb-NO" dirty="0"/>
-              <a:t> </a:t>
-            </a:r>
-            <a:r>
-              <a:rPr lang="nb-NO" dirty="0" err="1"/>
-              <a:t>ip</a:t>
-            </a:r>
-            <a:r>
-              <a:rPr lang="nb-NO" dirty="0"/>
-              <a:t> {{</a:t>
-            </a:r>
-            <a:r>
-              <a:rPr lang="nb-NO" dirty="0" err="1"/>
-              <a:t>snmp_entry</a:t>
-            </a:r>
-            <a:r>
-              <a:rPr lang="nb-NO" dirty="0"/>
-              <a:t>}} </a:t>
-            </a:r>
-            <a:r>
-              <a:rPr lang="nb-NO" dirty="0" err="1"/>
-              <a:t>any</a:t>
-            </a:r>
-            <a:endParaRPr lang="nb-NO" dirty="0"/>
-          </a:p>
-          <a:p>
-            <a:r>
-              <a:rPr lang="nb-NO" dirty="0"/>
-              <a:t>{% </a:t>
-            </a:r>
-            <a:r>
-              <a:rPr lang="nb-NO" dirty="0" err="1"/>
-              <a:t>endif</a:t>
-            </a:r>
-            <a:r>
-              <a:rPr lang="nb-NO" dirty="0"/>
-              <a:t> %}</a:t>
-            </a:r>
-          </a:p>
-          <a:p>
-            <a:r>
-              <a:rPr lang="nb-NO" dirty="0"/>
-              <a:t>{% </a:t>
-            </a:r>
-            <a:r>
-              <a:rPr lang="nb-NO" dirty="0" err="1"/>
-              <a:t>endfor</a:t>
-            </a:r>
-            <a:r>
-              <a:rPr lang="nb-NO" dirty="0"/>
-              <a:t> %}</a:t>
-            </a:r>
-          </a:p>
-          <a:p>
-            <a:endParaRPr lang="nb-NO" dirty="0"/>
-          </a:p>
-          <a:p>
-            <a:r>
-              <a:rPr lang="nb-NO" dirty="0"/>
-              <a:t>---</a:t>
-            </a:r>
-          </a:p>
-          <a:p>
-            <a:r>
-              <a:rPr lang="nb-NO" dirty="0"/>
-              <a:t>- </a:t>
-            </a:r>
-            <a:r>
-              <a:rPr lang="nb-NO" dirty="0" err="1"/>
-              <a:t>name</a:t>
-            </a:r>
-            <a:r>
-              <a:rPr lang="nb-NO" dirty="0"/>
-              <a:t>: </a:t>
-            </a:r>
-            <a:r>
-              <a:rPr lang="nb-NO" dirty="0" err="1"/>
-              <a:t>Configure</a:t>
-            </a:r>
-            <a:r>
-              <a:rPr lang="nb-NO" dirty="0"/>
-              <a:t> SNMP </a:t>
-            </a:r>
-            <a:r>
-              <a:rPr lang="nb-NO" dirty="0" err="1"/>
-              <a:t>on</a:t>
-            </a:r>
-            <a:r>
-              <a:rPr lang="nb-NO" dirty="0"/>
-              <a:t> NX-OS </a:t>
-            </a:r>
-            <a:r>
-              <a:rPr lang="nb-NO" dirty="0" err="1"/>
-              <a:t>switches</a:t>
-            </a:r>
-            <a:endParaRPr lang="nb-NO" dirty="0"/>
-          </a:p>
-          <a:p>
-            <a:r>
-              <a:rPr lang="nb-NO" dirty="0"/>
-              <a:t>  hosts: </a:t>
-            </a:r>
-            <a:r>
-              <a:rPr lang="nb-NO" dirty="0" err="1"/>
-              <a:t>nxos</a:t>
-            </a:r>
-            <a:endParaRPr lang="nb-NO" dirty="0"/>
-          </a:p>
-          <a:p>
-            <a:r>
-              <a:rPr lang="nb-NO" dirty="0"/>
-              <a:t>  </a:t>
-            </a:r>
-            <a:r>
-              <a:rPr lang="nb-NO" dirty="0" err="1"/>
-              <a:t>gather_facts</a:t>
-            </a:r>
-            <a:r>
-              <a:rPr lang="nb-NO" dirty="0"/>
-              <a:t>: False</a:t>
-            </a:r>
-          </a:p>
-          <a:p>
-            <a:r>
-              <a:rPr lang="nb-NO" dirty="0"/>
-              <a:t>  </a:t>
-            </a:r>
-            <a:r>
-              <a:rPr lang="nb-NO" dirty="0" err="1"/>
-              <a:t>tasks</a:t>
-            </a:r>
-            <a:r>
-              <a:rPr lang="nb-NO" dirty="0"/>
-              <a:t>:</a:t>
-            </a:r>
-          </a:p>
-          <a:p>
-            <a:endParaRPr lang="nb-NO" dirty="0"/>
-          </a:p>
-          <a:p>
-            <a:r>
-              <a:rPr lang="nb-NO" dirty="0"/>
-              <a:t>    - </a:t>
-            </a:r>
-            <a:r>
-              <a:rPr lang="nb-NO" dirty="0" err="1"/>
-              <a:t>name</a:t>
-            </a:r>
-            <a:r>
-              <a:rPr lang="nb-NO" dirty="0"/>
-              <a:t>: </a:t>
-            </a:r>
-            <a:r>
-              <a:rPr lang="nb-NO" dirty="0" err="1"/>
-              <a:t>Generate</a:t>
-            </a:r>
-            <a:r>
-              <a:rPr lang="nb-NO" dirty="0"/>
-              <a:t> SNMP-ACL NX-OS</a:t>
-            </a:r>
-          </a:p>
-          <a:p>
-            <a:r>
-              <a:rPr lang="nb-NO" dirty="0"/>
-              <a:t>      </a:t>
-            </a:r>
-            <a:r>
-              <a:rPr lang="nb-NO" dirty="0" err="1"/>
-              <a:t>set_fact</a:t>
-            </a:r>
-            <a:r>
-              <a:rPr lang="nb-NO" dirty="0"/>
-              <a:t>:</a:t>
-            </a:r>
-          </a:p>
-          <a:p>
-            <a:r>
-              <a:rPr lang="nb-NO" dirty="0"/>
-              <a:t>        </a:t>
-            </a:r>
-            <a:r>
-              <a:rPr lang="nb-NO" dirty="0" err="1"/>
-              <a:t>snmp_acl_nxos</a:t>
-            </a:r>
-            <a:r>
-              <a:rPr lang="nb-NO" dirty="0"/>
-              <a:t>: "{{ </a:t>
-            </a:r>
-            <a:r>
-              <a:rPr lang="nb-NO" dirty="0" err="1"/>
-              <a:t>lookup</a:t>
-            </a:r>
-            <a:r>
-              <a:rPr lang="nb-NO" dirty="0"/>
-              <a:t>('</a:t>
-            </a:r>
-            <a:r>
-              <a:rPr lang="nb-NO" dirty="0" err="1"/>
-              <a:t>template</a:t>
-            </a:r>
-            <a:r>
-              <a:rPr lang="nb-NO" dirty="0"/>
-              <a:t>', './TEMPLATES/snmp_acl_nxos.j2') | </a:t>
-            </a:r>
-            <a:r>
-              <a:rPr lang="nb-NO" dirty="0" err="1"/>
-              <a:t>from_yaml</a:t>
-            </a:r>
-            <a:r>
-              <a:rPr lang="nb-NO" dirty="0"/>
-              <a:t> }}"</a:t>
-            </a:r>
-          </a:p>
-          <a:p>
-            <a:endParaRPr lang="nb-NO" dirty="0"/>
-          </a:p>
-          <a:p>
-            <a:r>
-              <a:rPr lang="nb-NO" dirty="0"/>
-              <a:t>    - </a:t>
-            </a:r>
-            <a:r>
-              <a:rPr lang="nb-NO" dirty="0" err="1"/>
-              <a:t>name</a:t>
-            </a:r>
-            <a:r>
-              <a:rPr lang="nb-NO" dirty="0"/>
-              <a:t>: </a:t>
-            </a:r>
-            <a:r>
-              <a:rPr lang="nb-NO" dirty="0" err="1"/>
-              <a:t>Configure</a:t>
-            </a:r>
-            <a:r>
-              <a:rPr lang="nb-NO" dirty="0"/>
-              <a:t> SNMP-ACL NX-OS</a:t>
-            </a:r>
-          </a:p>
-          <a:p>
-            <a:r>
-              <a:rPr lang="nb-NO" dirty="0"/>
-              <a:t>      </a:t>
-            </a:r>
-            <a:r>
-              <a:rPr lang="nb-NO" dirty="0" err="1"/>
-              <a:t>nxos_config</a:t>
-            </a:r>
-            <a:r>
-              <a:rPr lang="nb-NO" dirty="0"/>
-              <a:t>:</a:t>
-            </a:r>
-          </a:p>
-          <a:p>
-            <a:r>
-              <a:rPr lang="nb-NO" dirty="0"/>
-              <a:t>        </a:t>
-            </a:r>
-            <a:r>
-              <a:rPr lang="nb-NO" dirty="0" err="1"/>
-              <a:t>parents</a:t>
-            </a:r>
-            <a:r>
-              <a:rPr lang="nb-NO" dirty="0"/>
-              <a:t>: "</a:t>
-            </a:r>
-            <a:r>
-              <a:rPr lang="nb-NO" dirty="0" err="1"/>
-              <a:t>ip</a:t>
-            </a:r>
-            <a:r>
-              <a:rPr lang="nb-NO" dirty="0"/>
-              <a:t> </a:t>
-            </a:r>
-            <a:r>
-              <a:rPr lang="nb-NO" dirty="0" err="1"/>
-              <a:t>access</a:t>
-            </a:r>
-            <a:r>
-              <a:rPr lang="nb-NO" dirty="0"/>
-              <a:t>-list SNMP-ACL"</a:t>
-            </a:r>
-          </a:p>
-          <a:p>
-            <a:r>
-              <a:rPr lang="nb-NO" dirty="0"/>
-              <a:t>        lines: "{{ </a:t>
-            </a:r>
-            <a:r>
-              <a:rPr lang="nb-NO" dirty="0" err="1"/>
-              <a:t>snmp_acl_nxos</a:t>
-            </a:r>
-            <a:r>
-              <a:rPr lang="nb-NO" dirty="0"/>
-              <a:t> }}"</a:t>
-            </a:r>
-          </a:p>
-          <a:p>
-            <a:r>
-              <a:rPr lang="nb-NO" dirty="0"/>
-              <a:t>        match: </a:t>
-            </a:r>
-            <a:r>
-              <a:rPr lang="nb-NO" dirty="0" err="1"/>
-              <a:t>exact</a:t>
-            </a:r>
-            <a:endParaRPr lang="nb-NO" dirty="0"/>
-          </a:p>
-          <a:p>
-            <a:r>
-              <a:rPr lang="nb-NO" dirty="0"/>
-              <a:t>        </a:t>
-            </a:r>
-            <a:r>
-              <a:rPr lang="nb-NO" dirty="0" err="1"/>
-              <a:t>replace</a:t>
-            </a:r>
-            <a:r>
-              <a:rPr lang="nb-NO" dirty="0"/>
-              <a:t>: </a:t>
-            </a:r>
-            <a:r>
-              <a:rPr lang="nb-NO" dirty="0" err="1"/>
-              <a:t>block</a:t>
-            </a:r>
-            <a:endParaRPr lang="nb-NO" dirty="0"/>
-          </a:p>
-          <a:p>
-            <a:r>
-              <a:rPr lang="nb-NO" dirty="0"/>
-              <a:t>        </a:t>
-            </a:r>
-            <a:r>
-              <a:rPr lang="nb-NO" dirty="0" err="1"/>
-              <a:t>before</a:t>
-            </a:r>
-            <a:r>
-              <a:rPr lang="nb-NO" dirty="0"/>
-              <a:t>: "</a:t>
-            </a:r>
-            <a:r>
-              <a:rPr lang="nb-NO" dirty="0" err="1"/>
-              <a:t>no</a:t>
-            </a:r>
-            <a:r>
-              <a:rPr lang="nb-NO" dirty="0"/>
-              <a:t> </a:t>
-            </a:r>
-            <a:r>
-              <a:rPr lang="nb-NO" dirty="0" err="1"/>
-              <a:t>ip</a:t>
-            </a:r>
-            <a:r>
-              <a:rPr lang="nb-NO" dirty="0"/>
-              <a:t> </a:t>
-            </a:r>
-            <a:r>
-              <a:rPr lang="nb-NO" dirty="0" err="1"/>
-              <a:t>access</a:t>
-            </a:r>
-            <a:r>
-              <a:rPr lang="nb-NO" dirty="0"/>
-              <a:t>-list SNMP-ACL"</a:t>
-            </a:r>
-          </a:p>
-          <a:p>
-            <a:r>
-              <a:rPr lang="nb-NO" dirty="0"/>
-              <a:t>        </a:t>
-            </a:r>
-            <a:r>
-              <a:rPr lang="nb-NO" dirty="0" err="1"/>
-              <a:t>save_when</a:t>
-            </a:r>
-            <a:r>
-              <a:rPr lang="nb-NO" dirty="0"/>
-              <a:t>: </a:t>
-            </a:r>
-            <a:r>
-              <a:rPr lang="nb-NO" dirty="0" err="1"/>
-              <a:t>changed</a:t>
-            </a:r>
-            <a:endParaRPr lang="nb-NO" dirty="0"/>
-          </a:p>
-          <a:p>
-            <a:endParaRPr lang="nb-NO" dirty="0"/>
-          </a:p>
-          <a:p>
-            <a:r>
-              <a:rPr lang="nb-NO" dirty="0"/>
-              <a:t>    - </a:t>
-            </a:r>
-            <a:r>
-              <a:rPr lang="nb-NO" dirty="0" err="1"/>
-              <a:t>name</a:t>
-            </a:r>
-            <a:r>
-              <a:rPr lang="nb-NO" dirty="0"/>
-              <a:t>: </a:t>
-            </a:r>
-            <a:r>
-              <a:rPr lang="nb-NO" dirty="0" err="1"/>
-              <a:t>Configure</a:t>
-            </a:r>
-            <a:r>
-              <a:rPr lang="nb-NO" dirty="0"/>
-              <a:t> SNMP NX-OS</a:t>
-            </a:r>
-          </a:p>
-          <a:p>
-            <a:r>
-              <a:rPr lang="nb-NO" dirty="0"/>
-              <a:t>      </a:t>
-            </a:r>
-            <a:r>
-              <a:rPr lang="nb-NO" dirty="0" err="1"/>
-              <a:t>nxos_config</a:t>
-            </a:r>
-            <a:r>
-              <a:rPr lang="nb-NO" dirty="0"/>
-              <a:t>:</a:t>
-            </a:r>
-          </a:p>
-          <a:p>
-            <a:r>
-              <a:rPr lang="nb-NO" dirty="0"/>
-              <a:t>        lines:</a:t>
-            </a:r>
-          </a:p>
-          <a:p>
-            <a:r>
-              <a:rPr lang="nb-NO" dirty="0"/>
-              <a:t>          - "</a:t>
-            </a:r>
-            <a:r>
-              <a:rPr lang="nb-NO" dirty="0" err="1"/>
-              <a:t>snmp</a:t>
-            </a:r>
-            <a:r>
-              <a:rPr lang="nb-NO" dirty="0"/>
-              <a:t>-server </a:t>
-            </a:r>
-            <a:r>
-              <a:rPr lang="nb-NO" dirty="0" err="1"/>
-              <a:t>contact</a:t>
-            </a:r>
-            <a:r>
-              <a:rPr lang="nb-NO" dirty="0"/>
-              <a:t> admin@admin.com"</a:t>
-            </a:r>
-          </a:p>
-          <a:p>
-            <a:r>
-              <a:rPr lang="nb-NO" dirty="0"/>
-              <a:t>          - "</a:t>
-            </a:r>
-            <a:r>
-              <a:rPr lang="nb-NO" dirty="0" err="1"/>
-              <a:t>snmp</a:t>
-            </a:r>
-            <a:r>
-              <a:rPr lang="nb-NO" dirty="0"/>
-              <a:t>-server location {{ </a:t>
-            </a:r>
-            <a:r>
-              <a:rPr lang="nb-NO" dirty="0" err="1"/>
-              <a:t>snmp_location</a:t>
-            </a:r>
-            <a:r>
-              <a:rPr lang="nb-NO" dirty="0"/>
-              <a:t> }}"</a:t>
-            </a:r>
-          </a:p>
-          <a:p>
-            <a:r>
-              <a:rPr lang="nb-NO" dirty="0"/>
-              <a:t>          - "</a:t>
-            </a:r>
-            <a:r>
-              <a:rPr lang="nb-NO" dirty="0" err="1"/>
-              <a:t>snmp</a:t>
-            </a:r>
-            <a:r>
-              <a:rPr lang="nb-NO" dirty="0"/>
-              <a:t>-server </a:t>
-            </a:r>
-            <a:r>
-              <a:rPr lang="nb-NO" dirty="0" err="1"/>
-              <a:t>community</a:t>
-            </a:r>
-            <a:r>
-              <a:rPr lang="nb-NO" dirty="0"/>
-              <a:t> </a:t>
-            </a:r>
-            <a:r>
-              <a:rPr lang="nb-NO" dirty="0" err="1"/>
-              <a:t>notpublic</a:t>
-            </a:r>
-            <a:r>
-              <a:rPr lang="nb-NO" dirty="0"/>
-              <a:t> group </a:t>
-            </a:r>
-            <a:r>
-              <a:rPr lang="nb-NO" dirty="0" err="1"/>
-              <a:t>network</a:t>
-            </a:r>
-            <a:r>
-              <a:rPr lang="nb-NO" dirty="0"/>
-              <a:t>-operator"</a:t>
-            </a:r>
-          </a:p>
-          <a:p>
-            <a:r>
-              <a:rPr lang="nb-NO" dirty="0"/>
-              <a:t>          - "</a:t>
-            </a:r>
-            <a:r>
-              <a:rPr lang="nb-NO" dirty="0" err="1"/>
-              <a:t>snmp</a:t>
-            </a:r>
-            <a:r>
-              <a:rPr lang="nb-NO" dirty="0"/>
-              <a:t>-server </a:t>
-            </a:r>
-            <a:r>
-              <a:rPr lang="nb-NO" dirty="0" err="1"/>
-              <a:t>community</a:t>
-            </a:r>
-            <a:r>
-              <a:rPr lang="nb-NO" dirty="0"/>
-              <a:t> </a:t>
-            </a:r>
-            <a:r>
-              <a:rPr lang="nb-NO" dirty="0" err="1"/>
-              <a:t>notpublic</a:t>
-            </a:r>
-            <a:r>
-              <a:rPr lang="nb-NO" dirty="0"/>
-              <a:t> use-ipv4acl SNMP-ACL"</a:t>
-            </a:r>
-          </a:p>
-          <a:p>
-            <a:r>
-              <a:rPr lang="nb-NO" dirty="0"/>
-              <a:t>        </a:t>
-            </a:r>
-            <a:r>
-              <a:rPr lang="nb-NO" dirty="0" err="1"/>
-              <a:t>save_when</a:t>
-            </a:r>
-            <a:r>
-              <a:rPr lang="nb-NO" dirty="0"/>
-              <a:t>: </a:t>
-            </a:r>
-            <a:r>
-              <a:rPr lang="nb-NO" dirty="0" err="1"/>
-              <a:t>changed</a:t>
+              <a:rPr lang="nb-NO" dirty="0" err="1"/>
+              <a:t>ansible</a:t>
+            </a:r>
+            <a:r>
+              <a:rPr lang="nb-NO" dirty="0"/>
+              <a:t>-hosts-</a:t>
+            </a:r>
+            <a:r>
+              <a:rPr lang="nb-NO" dirty="0" err="1"/>
+              <a:t>children</a:t>
             </a:r>
             <a:endParaRPr lang="nb-NO" dirty="0"/>
           </a:p>
@@ -5576,7 +4537,7 @@
     </p:spTree>
     <p:extLst>
       <p:ext uri="{BB962C8B-B14F-4D97-AF65-F5344CB8AC3E}">
-        <p14:creationId xmlns:p14="http://schemas.microsoft.com/office/powerpoint/2010/main" val="2084380750"/>
+        <p14:creationId xmlns:p14="http://schemas.microsoft.com/office/powerpoint/2010/main" val="3475032758"/>
       </p:ext>
     </p:extLst>
   </p:cSld>
@@ -5631,39 +4592,364 @@
           <a:lstStyle/>
           <a:p>
             <a:r>
-              <a:rPr lang="nb-NO" dirty="0" err="1"/>
-              <a:t>ansible-vault</a:t>
-            </a:r>
-            <a:r>
-              <a:rPr lang="nb-NO" dirty="0"/>
+              <a:rPr lang="en-US" b="0" i="0" dirty="0">
+                <a:solidFill>
+                  <a:srgbClr val="404040"/>
+                </a:solidFill>
+                <a:effectLst/>
+                <a:latin typeface="Lato"/>
+              </a:rPr>
+              <a:t>parents: The ordered set of parents that uniquely identify the section or hierarchy the commands should be checked against.</a:t>
+            </a:r>
+          </a:p>
+          <a:p>
+            <a:r>
+              <a:rPr lang="en-US" b="0" i="0" dirty="0">
+                <a:solidFill>
+                  <a:srgbClr val="404040"/>
+                </a:solidFill>
+                <a:effectLst/>
+                <a:latin typeface="Lato"/>
+              </a:rPr>
+              <a:t>match:  If match is set to </a:t>
+            </a:r>
+            <a:r>
+              <a:rPr lang="en-US" b="0" i="1" dirty="0">
+                <a:solidFill>
+                  <a:srgbClr val="404040"/>
+                </a:solidFill>
+                <a:effectLst/>
+                <a:latin typeface="Lato"/>
+              </a:rPr>
+              <a:t>exact</a:t>
+            </a:r>
+            <a:r>
+              <a:rPr lang="en-US" b="0" i="0" dirty="0">
+                <a:solidFill>
+                  <a:srgbClr val="404040"/>
+                </a:solidFill>
+                <a:effectLst/>
+                <a:latin typeface="Lato"/>
+              </a:rPr>
+              <a:t>, command lines must be an equal match. (default = line)  </a:t>
+            </a:r>
+            <a:r>
+              <a:rPr lang="en-US" b="0" i="1" dirty="0">
+                <a:solidFill>
+                  <a:srgbClr val="404040"/>
+                </a:solidFill>
+                <a:effectLst/>
+                <a:latin typeface="Lato"/>
+              </a:rPr>
+              <a:t>line</a:t>
+            </a:r>
+            <a:r>
+              <a:rPr lang="en-US" b="0" i="0" dirty="0">
+                <a:solidFill>
+                  <a:srgbClr val="404040"/>
+                </a:solidFill>
+                <a:effectLst/>
+                <a:latin typeface="Lato"/>
+              </a:rPr>
+              <a:t>, commands are matched line by line. </a:t>
+            </a:r>
+          </a:p>
+          <a:p>
+            <a:r>
+              <a:rPr lang="en-US" b="0" i="0" dirty="0">
+                <a:solidFill>
+                  <a:srgbClr val="404040"/>
+                </a:solidFill>
+                <a:effectLst/>
+                <a:latin typeface="Lato"/>
+              </a:rPr>
+              <a:t>replace: If the replace argument is set to </a:t>
+            </a:r>
+            <a:r>
+              <a:rPr lang="en-US" b="0" i="1" dirty="0">
+                <a:solidFill>
+                  <a:srgbClr val="404040"/>
+                </a:solidFill>
+                <a:effectLst/>
+                <a:latin typeface="Lato"/>
+              </a:rPr>
+              <a:t>block</a:t>
+            </a:r>
+            <a:r>
+              <a:rPr lang="en-US" b="0" i="0" dirty="0">
+                <a:solidFill>
+                  <a:srgbClr val="404040"/>
+                </a:solidFill>
+                <a:effectLst/>
+                <a:latin typeface="Lato"/>
+              </a:rPr>
+              <a:t> then the entire command block is pushed to the device in configuration mode if any line is not correct.</a:t>
+            </a:r>
+          </a:p>
+          <a:p>
+            <a:r>
+              <a:rPr lang="en-US" b="0" i="0" dirty="0">
+                <a:solidFill>
+                  <a:srgbClr val="404040"/>
+                </a:solidFill>
+                <a:effectLst/>
+                <a:latin typeface="Lato"/>
+              </a:rPr>
+              <a:t>before: </a:t>
+            </a:r>
+            <a:r>
+              <a:rPr lang="en-US" b="0" i="0" dirty="0" err="1">
+                <a:solidFill>
+                  <a:srgbClr val="404040"/>
+                </a:solidFill>
+                <a:effectLst/>
+                <a:latin typeface="Lato"/>
+              </a:rPr>
+              <a:t>kommando</a:t>
+            </a:r>
+            <a:r>
+              <a:rPr lang="en-US" b="0" i="0" dirty="0">
+                <a:solidFill>
+                  <a:srgbClr val="404040"/>
+                </a:solidFill>
+                <a:effectLst/>
+                <a:latin typeface="Lato"/>
+              </a:rPr>
               <a:t> </a:t>
             </a:r>
             <a:r>
-              <a:rPr lang="nb-NO" dirty="0" err="1"/>
-              <a:t>encrypt</a:t>
-            </a:r>
-            <a:r>
-              <a:rPr lang="nb-NO" dirty="0"/>
+              <a:rPr lang="en-US" b="0" i="0" dirty="0" err="1">
+                <a:solidFill>
+                  <a:srgbClr val="404040"/>
+                </a:solidFill>
+                <a:effectLst/>
+                <a:latin typeface="Lato"/>
+              </a:rPr>
+              <a:t>som</a:t>
+            </a:r>
+            <a:r>
+              <a:rPr lang="en-US" b="0" i="0" dirty="0">
+                <a:solidFill>
+                  <a:srgbClr val="404040"/>
+                </a:solidFill>
+                <a:effectLst/>
+                <a:latin typeface="Lato"/>
+              </a:rPr>
               <a:t> </a:t>
             </a:r>
             <a:r>
-              <a:rPr lang="nb-NO" dirty="0" err="1"/>
-              <a:t>ansible</a:t>
-            </a:r>
-            <a:r>
-              <a:rPr lang="nb-NO" dirty="0"/>
-              <a:t>-hosts-</a:t>
-            </a:r>
-            <a:r>
-              <a:rPr lang="nb-NO" dirty="0" err="1"/>
-              <a:t>nxapi</a:t>
+              <a:rPr lang="en-US" b="0" i="0" dirty="0" err="1">
+                <a:solidFill>
+                  <a:srgbClr val="404040"/>
+                </a:solidFill>
+                <a:effectLst/>
+                <a:latin typeface="Lato"/>
+              </a:rPr>
+              <a:t>blir</a:t>
+            </a:r>
+            <a:r>
+              <a:rPr lang="en-US" b="0" i="0" dirty="0">
+                <a:solidFill>
+                  <a:srgbClr val="404040"/>
+                </a:solidFill>
+                <a:effectLst/>
+                <a:latin typeface="Lato"/>
+              </a:rPr>
+              <a:t> </a:t>
+            </a:r>
+            <a:r>
+              <a:rPr lang="en-US" b="0" i="0" dirty="0" err="1">
+                <a:solidFill>
+                  <a:srgbClr val="404040"/>
+                </a:solidFill>
+                <a:effectLst/>
+                <a:latin typeface="Lato"/>
+              </a:rPr>
+              <a:t>sendt</a:t>
+            </a:r>
+            <a:r>
+              <a:rPr lang="en-US" b="0" i="0" dirty="0">
+                <a:solidFill>
+                  <a:srgbClr val="404040"/>
+                </a:solidFill>
+                <a:effectLst/>
+                <a:latin typeface="Lato"/>
+              </a:rPr>
+              <a:t> </a:t>
+            </a:r>
+            <a:r>
+              <a:rPr lang="en-US" b="0" i="0" dirty="0" err="1">
+                <a:solidFill>
+                  <a:srgbClr val="404040"/>
+                </a:solidFill>
+                <a:effectLst/>
+                <a:latin typeface="Lato"/>
+              </a:rPr>
+              <a:t>før</a:t>
+            </a:r>
+            <a:r>
+              <a:rPr lang="en-US" b="0" i="0" dirty="0">
+                <a:solidFill>
+                  <a:srgbClr val="404040"/>
+                </a:solidFill>
+                <a:effectLst/>
+                <a:latin typeface="Lato"/>
+              </a:rPr>
+              <a:t> config </a:t>
+            </a:r>
+            <a:r>
+              <a:rPr lang="en-US" b="0" i="0" dirty="0" err="1">
+                <a:solidFill>
+                  <a:srgbClr val="404040"/>
+                </a:solidFill>
+                <a:effectLst/>
+                <a:latin typeface="Lato"/>
+              </a:rPr>
+              <a:t>blir</a:t>
+            </a:r>
+            <a:r>
+              <a:rPr lang="en-US" b="0" i="0" dirty="0">
+                <a:solidFill>
+                  <a:srgbClr val="404040"/>
+                </a:solidFill>
+                <a:effectLst/>
+                <a:latin typeface="Lato"/>
+              </a:rPr>
+              <a:t> </a:t>
+            </a:r>
+            <a:r>
+              <a:rPr lang="en-US" b="0" i="0" dirty="0" err="1">
+                <a:solidFill>
+                  <a:srgbClr val="404040"/>
+                </a:solidFill>
+                <a:effectLst/>
+                <a:latin typeface="Lato"/>
+              </a:rPr>
+              <a:t>lagt</a:t>
+            </a:r>
+            <a:r>
+              <a:rPr lang="en-US" b="0" i="0" dirty="0">
+                <a:solidFill>
+                  <a:srgbClr val="404040"/>
+                </a:solidFill>
+                <a:effectLst/>
+                <a:latin typeface="Lato"/>
+              </a:rPr>
+              <a:t> inn </a:t>
+            </a:r>
+            <a:r>
+              <a:rPr lang="en-US" b="0" i="0" dirty="0" err="1">
+                <a:solidFill>
+                  <a:srgbClr val="404040"/>
+                </a:solidFill>
+                <a:effectLst/>
+                <a:latin typeface="Lato"/>
+              </a:rPr>
+              <a:t>i</a:t>
+            </a:r>
+            <a:r>
+              <a:rPr lang="en-US" b="0" i="0" dirty="0">
+                <a:solidFill>
+                  <a:srgbClr val="404040"/>
+                </a:solidFill>
+                <a:effectLst/>
+                <a:latin typeface="Lato"/>
+              </a:rPr>
+              <a:t> parents</a:t>
             </a:r>
             <a:endParaRPr lang="nb-NO" dirty="0"/>
           </a:p>
           <a:p>
-            <a:r>
-              <a:rPr lang="nb-NO" dirty="0" err="1"/>
-              <a:t>ansible-vault</a:t>
+            <a:endParaRPr lang="nb-NO" dirty="0"/>
+          </a:p>
+          <a:p>
+            <a:r>
+              <a:rPr lang="nb-NO" dirty="0"/>
+              <a:t>Vise at forskjellige </a:t>
+            </a:r>
+            <a:r>
+              <a:rPr lang="nb-NO" dirty="0" err="1"/>
+              <a:t>snmp_locations</a:t>
+            </a:r>
+            <a:r>
+              <a:rPr lang="nb-NO" dirty="0"/>
+              <a:t> er definert i </a:t>
+            </a:r>
+            <a:r>
+              <a:rPr lang="nb-NO" dirty="0" err="1"/>
+              <a:t>group_vars</a:t>
+            </a:r>
+            <a:endParaRPr lang="nb-NO" dirty="0"/>
+          </a:p>
+          <a:p>
+            <a:r>
+              <a:rPr lang="nb-NO" dirty="0"/>
+              <a:t>Vise eksempler på forskjellige </a:t>
+            </a:r>
+            <a:r>
+              <a:rPr lang="nb-NO" dirty="0" err="1"/>
+              <a:t>snmp_networks</a:t>
+            </a:r>
+            <a:r>
+              <a:rPr lang="nb-NO" dirty="0"/>
+              <a:t> i </a:t>
+            </a:r>
+            <a:r>
+              <a:rPr lang="nb-NO" dirty="0" err="1"/>
+              <a:t>group_vars</a:t>
+            </a:r>
+            <a:r>
+              <a:rPr lang="nb-NO" dirty="0"/>
+              <a:t> eller host vars (som genererer </a:t>
+            </a:r>
+            <a:r>
+              <a:rPr lang="nb-NO" dirty="0" err="1"/>
+              <a:t>forkjellige</a:t>
+            </a:r>
+            <a:r>
+              <a:rPr lang="nb-NO" dirty="0"/>
+              <a:t> ACL)</a:t>
+            </a:r>
+          </a:p>
+          <a:p>
+            <a:endParaRPr lang="nb-NO" dirty="0"/>
+          </a:p>
+          <a:p>
+            <a:r>
+              <a:rPr lang="nb-NO" dirty="0"/>
+              <a:t>---</a:t>
+            </a:r>
+          </a:p>
+          <a:p>
+            <a:r>
+              <a:rPr lang="nb-NO" dirty="0"/>
+              <a:t>{% for </a:t>
+            </a:r>
+            <a:r>
+              <a:rPr lang="nb-NO" dirty="0" err="1"/>
+              <a:t>snmp_entry</a:t>
+            </a:r>
+            <a:r>
+              <a:rPr lang="nb-NO" dirty="0"/>
+              <a:t> in </a:t>
+            </a:r>
+            <a:r>
+              <a:rPr lang="nb-NO" dirty="0" err="1"/>
+              <a:t>snmp_networks</a:t>
+            </a:r>
+            <a:r>
+              <a:rPr lang="nb-NO" dirty="0"/>
+              <a:t> %}</a:t>
+            </a:r>
+          </a:p>
+          <a:p>
+            <a:r>
+              <a:rPr lang="nb-NO" dirty="0"/>
+              <a:t>{% </a:t>
+            </a:r>
+            <a:r>
+              <a:rPr lang="nb-NO" dirty="0" err="1"/>
+              <a:t>set</a:t>
             </a:r>
             <a:r>
               <a:rPr lang="nb-NO" dirty="0"/>
@@ -5671,7 +4957,29 @@
             </a:r>
             <a:r>
               <a:rPr lang="nb-NO" dirty="0" err="1"/>
-              <a:t>edit</a:t>
+              <a:t>acl_entry</a:t>
+            </a:r>
+            <a:r>
+              <a:rPr lang="nb-NO" dirty="0"/>
+              <a:t> = </a:t>
+            </a:r>
+            <a:r>
+              <a:rPr lang="nb-NO" dirty="0" err="1"/>
+              <a:t>loop.index</a:t>
+            </a:r>
+            <a:r>
+              <a:rPr lang="nb-NO" dirty="0"/>
+              <a:t> %}</a:t>
+            </a:r>
+          </a:p>
+          <a:p>
+            <a:r>
+              <a:rPr lang="nb-NO" dirty="0"/>
+              <a:t>{% </a:t>
+            </a:r>
+            <a:r>
+              <a:rPr lang="nb-NO" dirty="0" err="1"/>
+              <a:t>if</a:t>
             </a:r>
             <a:r>
               <a:rPr lang="nb-NO" dirty="0"/>
@@ -5679,39 +4987,94 @@
             </a:r>
             <a:r>
               <a:rPr lang="nb-NO" dirty="0" err="1"/>
-              <a:t>ansible</a:t>
-            </a:r>
-            <a:r>
-              <a:rPr lang="nb-NO" dirty="0"/>
-              <a:t>-hosts-</a:t>
-            </a:r>
-            <a:r>
-              <a:rPr lang="nb-NO" dirty="0" err="1"/>
-              <a:t>nxapi</a:t>
+              <a:t>snmp_entry</a:t>
+            </a:r>
+            <a:r>
+              <a:rPr lang="nb-NO" dirty="0"/>
+              <a:t> | </a:t>
+            </a:r>
+            <a:r>
+              <a:rPr lang="nb-NO" dirty="0" err="1"/>
+              <a:t>regex_search</a:t>
+            </a:r>
+            <a:r>
+              <a:rPr lang="nb-NO" dirty="0"/>
+              <a:t>('^(?:[0-9]{1,3}\.){3}[0-9]{1,3}$') %}</a:t>
+            </a:r>
+          </a:p>
+          <a:p>
+            <a:r>
+              <a:rPr lang="nb-NO" dirty="0"/>
+              <a:t>  - {{</a:t>
+            </a:r>
+            <a:r>
+              <a:rPr lang="nb-NO" dirty="0" err="1"/>
+              <a:t>acl_entry</a:t>
+            </a:r>
+            <a:r>
+              <a:rPr lang="nb-NO" dirty="0"/>
+              <a:t>}}0 </a:t>
+            </a:r>
+            <a:r>
+              <a:rPr lang="nb-NO" dirty="0" err="1"/>
+              <a:t>permit</a:t>
+            </a:r>
+            <a:r>
+              <a:rPr lang="nb-NO" dirty="0"/>
+              <a:t> </a:t>
+            </a:r>
+            <a:r>
+              <a:rPr lang="nb-NO" dirty="0" err="1"/>
+              <a:t>ip</a:t>
+            </a:r>
+            <a:r>
+              <a:rPr lang="nb-NO" dirty="0"/>
+              <a:t> {{</a:t>
+            </a:r>
+            <a:r>
+              <a:rPr lang="nb-NO" dirty="0" err="1"/>
+              <a:t>snmp_entry</a:t>
+            </a:r>
+            <a:r>
+              <a:rPr lang="nb-NO" dirty="0"/>
+              <a:t>}}/32 </a:t>
+            </a:r>
+            <a:r>
+              <a:rPr lang="nb-NO" dirty="0" err="1"/>
+              <a:t>any</a:t>
             </a:r>
             <a:endParaRPr lang="nb-NO" dirty="0"/>
           </a:p>
           <a:p>
-            <a:pPr marL="0" marR="0" lvl="0" indent="0" algn="l" defTabSz="914400" rtl="0" eaLnBrk="1" fontAlgn="auto" latinLnBrk="0" hangingPunct="1">
-              <a:lnSpc>
-                <a:spcPct val="100000"/>
-              </a:lnSpc>
-              <a:spcBef>
-                <a:spcPts val="0"/>
-              </a:spcBef>
-              <a:spcAft>
-                <a:spcPts val="0"/>
-              </a:spcAft>
-              <a:buClrTx/>
-              <a:buSzTx/>
-              <a:buFontTx/>
-              <a:buNone/>
-              <a:tabLst/>
-              <a:defRPr/>
-            </a:pPr>
-            <a:r>
-              <a:rPr lang="nb-NO" dirty="0" err="1"/>
-              <a:t>ansible-vault</a:t>
+            <a:r>
+              <a:rPr lang="nb-NO" dirty="0"/>
+              <a:t>{% </a:t>
+            </a:r>
+            <a:r>
+              <a:rPr lang="nb-NO" dirty="0" err="1"/>
+              <a:t>else</a:t>
+            </a:r>
+            <a:r>
+              <a:rPr lang="nb-NO" dirty="0"/>
+              <a:t> %}</a:t>
+            </a:r>
+          </a:p>
+          <a:p>
+            <a:r>
+              <a:rPr lang="nb-NO" dirty="0"/>
+              <a:t>  - {{</a:t>
+            </a:r>
+            <a:r>
+              <a:rPr lang="nb-NO" dirty="0" err="1"/>
+              <a:t>acl_entry</a:t>
+            </a:r>
+            <a:r>
+              <a:rPr lang="nb-NO" dirty="0"/>
+              <a:t>}}0 </a:t>
+            </a:r>
+            <a:r>
+              <a:rPr lang="nb-NO" dirty="0" err="1"/>
+              <a:t>permit</a:t>
             </a:r>
             <a:r>
               <a:rPr lang="nb-NO" dirty="0"/>
@@ -5719,7 +5082,269 @@
             </a:r>
             <a:r>
               <a:rPr lang="nb-NO" dirty="0" err="1"/>
-              <a:t>view</a:t>
+              <a:t>ip</a:t>
+            </a:r>
+            <a:r>
+              <a:rPr lang="nb-NO" dirty="0"/>
+              <a:t> {{</a:t>
+            </a:r>
+            <a:r>
+              <a:rPr lang="nb-NO" dirty="0" err="1"/>
+              <a:t>snmp_entry</a:t>
+            </a:r>
+            <a:r>
+              <a:rPr lang="nb-NO" dirty="0"/>
+              <a:t>}} </a:t>
+            </a:r>
+            <a:r>
+              <a:rPr lang="nb-NO" dirty="0" err="1"/>
+              <a:t>any</a:t>
+            </a:r>
+            <a:endParaRPr lang="nb-NO" dirty="0"/>
+          </a:p>
+          <a:p>
+            <a:r>
+              <a:rPr lang="nb-NO" dirty="0"/>
+              <a:t>{% </a:t>
+            </a:r>
+            <a:r>
+              <a:rPr lang="nb-NO" dirty="0" err="1"/>
+              <a:t>endif</a:t>
+            </a:r>
+            <a:r>
+              <a:rPr lang="nb-NO" dirty="0"/>
+              <a:t> %}</a:t>
+            </a:r>
+          </a:p>
+          <a:p>
+            <a:r>
+              <a:rPr lang="nb-NO" dirty="0"/>
+              <a:t>{% </a:t>
+            </a:r>
+            <a:r>
+              <a:rPr lang="nb-NO" dirty="0" err="1"/>
+              <a:t>endfor</a:t>
+            </a:r>
+            <a:r>
+              <a:rPr lang="nb-NO" dirty="0"/>
+              <a:t> %}</a:t>
+            </a:r>
+          </a:p>
+          <a:p>
+            <a:endParaRPr lang="nb-NO" dirty="0"/>
+          </a:p>
+          <a:p>
+            <a:r>
+              <a:rPr lang="nb-NO" dirty="0"/>
+              <a:t>---</a:t>
+            </a:r>
+          </a:p>
+          <a:p>
+            <a:r>
+              <a:rPr lang="nb-NO" dirty="0"/>
+              <a:t>- </a:t>
+            </a:r>
+            <a:r>
+              <a:rPr lang="nb-NO" dirty="0" err="1"/>
+              <a:t>name</a:t>
+            </a:r>
+            <a:r>
+              <a:rPr lang="nb-NO" dirty="0"/>
+              <a:t>: </a:t>
+            </a:r>
+            <a:r>
+              <a:rPr lang="nb-NO" dirty="0" err="1"/>
+              <a:t>Configure</a:t>
+            </a:r>
+            <a:r>
+              <a:rPr lang="nb-NO" dirty="0"/>
+              <a:t> SNMP </a:t>
+            </a:r>
+            <a:r>
+              <a:rPr lang="nb-NO" dirty="0" err="1"/>
+              <a:t>on</a:t>
+            </a:r>
+            <a:r>
+              <a:rPr lang="nb-NO" dirty="0"/>
+              <a:t> NX-OS </a:t>
+            </a:r>
+            <a:r>
+              <a:rPr lang="nb-NO" dirty="0" err="1"/>
+              <a:t>switches</a:t>
+            </a:r>
+            <a:endParaRPr lang="nb-NO" dirty="0"/>
+          </a:p>
+          <a:p>
+            <a:r>
+              <a:rPr lang="nb-NO" dirty="0"/>
+              <a:t>  hosts: </a:t>
+            </a:r>
+            <a:r>
+              <a:rPr lang="nb-NO" dirty="0" err="1"/>
+              <a:t>nxos</a:t>
+            </a:r>
+            <a:endParaRPr lang="nb-NO" dirty="0"/>
+          </a:p>
+          <a:p>
+            <a:r>
+              <a:rPr lang="nb-NO" dirty="0"/>
+              <a:t>  </a:t>
+            </a:r>
+            <a:r>
+              <a:rPr lang="nb-NO" dirty="0" err="1"/>
+              <a:t>gather_facts</a:t>
+            </a:r>
+            <a:r>
+              <a:rPr lang="nb-NO" dirty="0"/>
+              <a:t>: False</a:t>
+            </a:r>
+          </a:p>
+          <a:p>
+            <a:r>
+              <a:rPr lang="nb-NO" dirty="0"/>
+              <a:t>  </a:t>
+            </a:r>
+            <a:r>
+              <a:rPr lang="nb-NO" dirty="0" err="1"/>
+              <a:t>tasks</a:t>
+            </a:r>
+            <a:r>
+              <a:rPr lang="nb-NO" dirty="0"/>
+              <a:t>:</a:t>
+            </a:r>
+          </a:p>
+          <a:p>
+            <a:endParaRPr lang="nb-NO" dirty="0"/>
+          </a:p>
+          <a:p>
+            <a:r>
+              <a:rPr lang="nb-NO" dirty="0"/>
+              <a:t>    - </a:t>
+            </a:r>
+            <a:r>
+              <a:rPr lang="nb-NO" dirty="0" err="1"/>
+              <a:t>name</a:t>
+            </a:r>
+            <a:r>
+              <a:rPr lang="nb-NO" dirty="0"/>
+              <a:t>: </a:t>
+            </a:r>
+            <a:r>
+              <a:rPr lang="nb-NO" dirty="0" err="1"/>
+              <a:t>Generate</a:t>
+            </a:r>
+            <a:r>
+              <a:rPr lang="nb-NO" dirty="0"/>
+              <a:t> SNMP-ACL NX-OS</a:t>
+            </a:r>
+          </a:p>
+          <a:p>
+            <a:r>
+              <a:rPr lang="nb-NO" dirty="0"/>
+              <a:t>      </a:t>
+            </a:r>
+            <a:r>
+              <a:rPr lang="nb-NO" dirty="0" err="1"/>
+              <a:t>set_fact</a:t>
+            </a:r>
+            <a:r>
+              <a:rPr lang="nb-NO" dirty="0"/>
+              <a:t>:</a:t>
+            </a:r>
+          </a:p>
+          <a:p>
+            <a:r>
+              <a:rPr lang="nb-NO" dirty="0"/>
+              <a:t>        </a:t>
+            </a:r>
+            <a:r>
+              <a:rPr lang="nb-NO" dirty="0" err="1"/>
+              <a:t>snmp_acl_nxos</a:t>
+            </a:r>
+            <a:r>
+              <a:rPr lang="nb-NO" dirty="0"/>
+              <a:t>: "{{ </a:t>
+            </a:r>
+            <a:r>
+              <a:rPr lang="nb-NO" dirty="0" err="1"/>
+              <a:t>lookup</a:t>
+            </a:r>
+            <a:r>
+              <a:rPr lang="nb-NO" dirty="0"/>
+              <a:t>('</a:t>
+            </a:r>
+            <a:r>
+              <a:rPr lang="nb-NO" dirty="0" err="1"/>
+              <a:t>template</a:t>
+            </a:r>
+            <a:r>
+              <a:rPr lang="nb-NO" dirty="0"/>
+              <a:t>', './TEMPLATES/snmp_acl_nxos.j2') | </a:t>
+            </a:r>
+            <a:r>
+              <a:rPr lang="nb-NO" dirty="0" err="1"/>
+              <a:t>from_yaml</a:t>
+            </a:r>
+            <a:r>
+              <a:rPr lang="nb-NO" dirty="0"/>
+              <a:t> }}"</a:t>
+            </a:r>
+          </a:p>
+          <a:p>
+            <a:endParaRPr lang="nb-NO" dirty="0"/>
+          </a:p>
+          <a:p>
+            <a:r>
+              <a:rPr lang="nb-NO" dirty="0"/>
+              <a:t>    - </a:t>
+            </a:r>
+            <a:r>
+              <a:rPr lang="nb-NO" dirty="0" err="1"/>
+              <a:t>name</a:t>
+            </a:r>
+            <a:r>
+              <a:rPr lang="nb-NO" dirty="0"/>
+              <a:t>: </a:t>
+            </a:r>
+            <a:r>
+              <a:rPr lang="nb-NO" dirty="0" err="1"/>
+              <a:t>Configure</a:t>
+            </a:r>
+            <a:r>
+              <a:rPr lang="nb-NO" dirty="0"/>
+              <a:t> SNMP-ACL NX-OS</a:t>
+            </a:r>
+          </a:p>
+          <a:p>
+            <a:r>
+              <a:rPr lang="nb-NO" dirty="0"/>
+              <a:t>      </a:t>
+            </a:r>
+            <a:r>
+              <a:rPr lang="nb-NO" dirty="0" err="1"/>
+              <a:t>nxos_config</a:t>
+            </a:r>
+            <a:r>
+              <a:rPr lang="nb-NO" dirty="0"/>
+              <a:t>:</a:t>
+            </a:r>
+          </a:p>
+          <a:p>
+            <a:r>
+              <a:rPr lang="nb-NO" dirty="0"/>
+              <a:t>        </a:t>
+            </a:r>
+            <a:r>
+              <a:rPr lang="nb-NO" dirty="0" err="1"/>
+              <a:t>parents</a:t>
+            </a:r>
+            <a:r>
+              <a:rPr lang="nb-NO" dirty="0"/>
+              <a:t>: "</a:t>
+            </a:r>
+            <a:r>
+              <a:rPr lang="nb-NO" dirty="0" err="1"/>
+              <a:t>ip</a:t>
             </a:r>
             <a:r>
               <a:rPr lang="nb-NO" dirty="0"/>
@@ -5727,39 +5352,73 @@
             </a:r>
             <a:r>
               <a:rPr lang="nb-NO" dirty="0" err="1"/>
-              <a:t>ansible</a:t>
-            </a:r>
-            <a:r>
-              <a:rPr lang="nb-NO" dirty="0"/>
-              <a:t>-hosts-</a:t>
-            </a:r>
-            <a:r>
-              <a:rPr lang="nb-NO" dirty="0" err="1"/>
-              <a:t>nxapi</a:t>
+              <a:t>access</a:t>
+            </a:r>
+            <a:r>
+              <a:rPr lang="nb-NO" dirty="0"/>
+              <a:t>-list SNMP-ACL"</a:t>
+            </a:r>
+          </a:p>
+          <a:p>
+            <a:r>
+              <a:rPr lang="nb-NO" dirty="0"/>
+              <a:t>        lines: "{{ </a:t>
+            </a:r>
+            <a:r>
+              <a:rPr lang="nb-NO" dirty="0" err="1"/>
+              <a:t>snmp_acl_nxos</a:t>
+            </a:r>
+            <a:r>
+              <a:rPr lang="nb-NO" dirty="0"/>
+              <a:t> }}"</a:t>
+            </a:r>
+          </a:p>
+          <a:p>
+            <a:r>
+              <a:rPr lang="nb-NO" dirty="0"/>
+              <a:t>        match: </a:t>
+            </a:r>
+            <a:r>
+              <a:rPr lang="nb-NO" dirty="0" err="1"/>
+              <a:t>exact</a:t>
             </a:r>
             <a:endParaRPr lang="nb-NO" dirty="0"/>
           </a:p>
           <a:p>
-            <a:pPr marL="0" marR="0" lvl="0" indent="0" algn="l" defTabSz="914400" rtl="0" eaLnBrk="1" fontAlgn="auto" latinLnBrk="0" hangingPunct="1">
-              <a:lnSpc>
-                <a:spcPct val="100000"/>
-              </a:lnSpc>
-              <a:spcBef>
-                <a:spcPts val="0"/>
-              </a:spcBef>
-              <a:spcAft>
-                <a:spcPts val="0"/>
-              </a:spcAft>
-              <a:buClrTx/>
-              <a:buSzTx/>
-              <a:buFontTx/>
-              <a:buNone/>
-              <a:tabLst/>
-              <a:defRPr/>
-            </a:pPr>
-            <a:r>
-              <a:rPr lang="nb-NO" dirty="0" err="1"/>
-              <a:t>ansible-vault</a:t>
+            <a:r>
+              <a:rPr lang="nb-NO" dirty="0"/>
+              <a:t>        </a:t>
+            </a:r>
+            <a:r>
+              <a:rPr lang="nb-NO" dirty="0" err="1"/>
+              <a:t>replace</a:t>
+            </a:r>
+            <a:r>
+              <a:rPr lang="nb-NO" dirty="0"/>
+              <a:t>: </a:t>
+            </a:r>
+            <a:r>
+              <a:rPr lang="nb-NO" dirty="0" err="1"/>
+              <a:t>block</a:t>
+            </a:r>
+            <a:endParaRPr lang="nb-NO" dirty="0"/>
+          </a:p>
+          <a:p>
+            <a:r>
+              <a:rPr lang="nb-NO" dirty="0"/>
+              <a:t>        </a:t>
+            </a:r>
+            <a:r>
+              <a:rPr lang="nb-NO" dirty="0" err="1"/>
+              <a:t>before</a:t>
+            </a:r>
+            <a:r>
+              <a:rPr lang="nb-NO" dirty="0"/>
+              <a:t>: "</a:t>
+            </a:r>
+            <a:r>
+              <a:rPr lang="nb-NO" dirty="0" err="1"/>
+              <a:t>no</a:t>
             </a:r>
             <a:r>
               <a:rPr lang="nb-NO" dirty="0"/>
@@ -5767,11 +5426,47 @@
             </a:r>
             <a:r>
               <a:rPr lang="nb-NO" dirty="0" err="1"/>
-              <a:t>encrypt_string</a:t>
-            </a:r>
-            <a:r>
-              <a:rPr lang="nb-NO" dirty="0"/>
-              <a:t> 'Atealab123' --</a:t>
+              <a:t>ip</a:t>
+            </a:r>
+            <a:r>
+              <a:rPr lang="nb-NO" dirty="0"/>
+              <a:t> </a:t>
+            </a:r>
+            <a:r>
+              <a:rPr lang="nb-NO" dirty="0" err="1"/>
+              <a:t>access</a:t>
+            </a:r>
+            <a:r>
+              <a:rPr lang="nb-NO" dirty="0"/>
+              <a:t>-list SNMP-ACL"</a:t>
+            </a:r>
+          </a:p>
+          <a:p>
+            <a:r>
+              <a:rPr lang="nb-NO" dirty="0"/>
+              <a:t>        </a:t>
+            </a:r>
+            <a:r>
+              <a:rPr lang="nb-NO" dirty="0" err="1"/>
+              <a:t>save_when</a:t>
+            </a:r>
+            <a:r>
+              <a:rPr lang="nb-NO" dirty="0"/>
+              <a:t>: </a:t>
+            </a:r>
+            <a:r>
+              <a:rPr lang="nb-NO" dirty="0" err="1"/>
+              <a:t>changed</a:t>
+            </a:r>
+            <a:endParaRPr lang="nb-NO" dirty="0"/>
+          </a:p>
+          <a:p>
+            <a:endParaRPr lang="nb-NO" dirty="0"/>
+          </a:p>
+          <a:p>
+            <a:r>
+              <a:rPr lang="nb-NO" dirty="0"/>
+              <a:t>    - </a:t>
             </a:r>
             <a:r>
               <a:rPr lang="nb-NO" dirty="0" err="1"/>
@@ -5779,18 +5474,166 @@
             </a:r>
             <a:r>
               <a:rPr lang="nb-NO" dirty="0"/>
-              <a:t> '</a:t>
-            </a:r>
-            <a:r>
-              <a:rPr lang="nb-NO" dirty="0" err="1"/>
-              <a:t>ansible_password</a:t>
-            </a:r>
-            <a:r>
-              <a:rPr lang="nb-NO" dirty="0"/>
-              <a:t>'</a:t>
-            </a:r>
-          </a:p>
-          <a:p>
+              <a:t>: </a:t>
+            </a:r>
+            <a:r>
+              <a:rPr lang="nb-NO" dirty="0" err="1"/>
+              <a:t>Configure</a:t>
+            </a:r>
+            <a:r>
+              <a:rPr lang="nb-NO" dirty="0"/>
+              <a:t> SNMP NX-OS</a:t>
+            </a:r>
+          </a:p>
+          <a:p>
+            <a:r>
+              <a:rPr lang="nb-NO" dirty="0"/>
+              <a:t>      </a:t>
+            </a:r>
+            <a:r>
+              <a:rPr lang="nb-NO" dirty="0" err="1"/>
+              <a:t>nxos_config</a:t>
+            </a:r>
+            <a:r>
+              <a:rPr lang="nb-NO" dirty="0"/>
+              <a:t>:</a:t>
+            </a:r>
+          </a:p>
+          <a:p>
+            <a:r>
+              <a:rPr lang="nb-NO" dirty="0"/>
+              <a:t>        lines:</a:t>
+            </a:r>
+          </a:p>
+          <a:p>
+            <a:r>
+              <a:rPr lang="nb-NO" dirty="0"/>
+              <a:t>          - "</a:t>
+            </a:r>
+            <a:r>
+              <a:rPr lang="nb-NO" dirty="0" err="1"/>
+              <a:t>snmp</a:t>
+            </a:r>
+            <a:r>
+              <a:rPr lang="nb-NO" dirty="0"/>
+              <a:t>-server </a:t>
+            </a:r>
+            <a:r>
+              <a:rPr lang="nb-NO" dirty="0" err="1"/>
+              <a:t>contact</a:t>
+            </a:r>
+            <a:r>
+              <a:rPr lang="nb-NO" dirty="0"/>
+              <a:t> admin@admin.com"</a:t>
+            </a:r>
+          </a:p>
+          <a:p>
+            <a:r>
+              <a:rPr lang="nb-NO" dirty="0"/>
+              <a:t>          - "</a:t>
+            </a:r>
+            <a:r>
+              <a:rPr lang="nb-NO" dirty="0" err="1"/>
+              <a:t>snmp</a:t>
+            </a:r>
+            <a:r>
+              <a:rPr lang="nb-NO" dirty="0"/>
+              <a:t>-server location {{ </a:t>
+            </a:r>
+            <a:r>
+              <a:rPr lang="nb-NO" dirty="0" err="1"/>
+              <a:t>snmp_location</a:t>
+            </a:r>
+            <a:r>
+              <a:rPr lang="nb-NO" dirty="0"/>
+              <a:t> }}"</a:t>
+            </a:r>
+          </a:p>
+          <a:p>
+            <a:r>
+              <a:rPr lang="nb-NO" dirty="0"/>
+              <a:t>          - "</a:t>
+            </a:r>
+            <a:r>
+              <a:rPr lang="nb-NO" dirty="0" err="1"/>
+              <a:t>snmp</a:t>
+            </a:r>
+            <a:r>
+              <a:rPr lang="nb-NO" dirty="0"/>
+              <a:t>-server </a:t>
+            </a:r>
+            <a:r>
+              <a:rPr lang="nb-NO" dirty="0" err="1"/>
+              <a:t>community</a:t>
+            </a:r>
+            <a:r>
+              <a:rPr lang="nb-NO" dirty="0"/>
+              <a:t> </a:t>
+            </a:r>
+            <a:r>
+              <a:rPr lang="nb-NO" dirty="0" err="1"/>
+              <a:t>notpublic</a:t>
+            </a:r>
+            <a:r>
+              <a:rPr lang="nb-NO" dirty="0"/>
+              <a:t> group </a:t>
+            </a:r>
+            <a:r>
+              <a:rPr lang="nb-NO" dirty="0" err="1"/>
+              <a:t>network</a:t>
+            </a:r>
+            <a:r>
+              <a:rPr lang="nb-NO" dirty="0"/>
+              <a:t>-operator"</a:t>
+            </a:r>
+          </a:p>
+          <a:p>
+            <a:r>
+              <a:rPr lang="nb-NO" dirty="0"/>
+              <a:t>          - "</a:t>
+            </a:r>
+            <a:r>
+              <a:rPr lang="nb-NO" dirty="0" err="1"/>
+              <a:t>snmp</a:t>
+            </a:r>
+            <a:r>
+              <a:rPr lang="nb-NO" dirty="0"/>
+              <a:t>-server </a:t>
+            </a:r>
+            <a:r>
+              <a:rPr lang="nb-NO" dirty="0" err="1"/>
+              <a:t>community</a:t>
+            </a:r>
+            <a:r>
+              <a:rPr lang="nb-NO" dirty="0"/>
+              <a:t> </a:t>
+            </a:r>
+            <a:r>
+              <a:rPr lang="nb-NO" dirty="0" err="1"/>
+              <a:t>notpublic</a:t>
+            </a:r>
+            <a:r>
+              <a:rPr lang="nb-NO" dirty="0"/>
+              <a:t> use-ipv4acl SNMP-ACL"</a:t>
+            </a:r>
+          </a:p>
+          <a:p>
+            <a:r>
+              <a:rPr lang="nb-NO" dirty="0"/>
+              <a:t>        </a:t>
+            </a:r>
+            <a:r>
+              <a:rPr lang="nb-NO" dirty="0" err="1"/>
+              <a:t>save_when</a:t>
+            </a:r>
+            <a:r>
+              <a:rPr lang="nb-NO" dirty="0"/>
+              <a:t>: </a:t>
+            </a:r>
+            <a:r>
+              <a:rPr lang="nb-NO" dirty="0" err="1"/>
+              <a:t>changed</a:t>
+            </a:r>
             <a:endParaRPr lang="nb-NO" dirty="0"/>
           </a:p>
         </p:txBody>
@@ -5821,7 +5664,7 @@
     </p:spTree>
     <p:extLst>
       <p:ext uri="{BB962C8B-B14F-4D97-AF65-F5344CB8AC3E}">
-        <p14:creationId xmlns:p14="http://schemas.microsoft.com/office/powerpoint/2010/main" val="4061438778"/>
+        <p14:creationId xmlns:p14="http://schemas.microsoft.com/office/powerpoint/2010/main" val="2084380750"/>
       </p:ext>
     </p:extLst>
   </p:cSld>
@@ -5876,100 +5719,166 @@
           <a:lstStyle/>
           <a:p>
             <a:r>
-              <a:rPr lang="fr-FR" dirty="0"/>
-              <a:t>ansible-</a:t>
-            </a:r>
-            <a:r>
-              <a:rPr lang="fr-FR" dirty="0" err="1"/>
-              <a:t>galaxy</a:t>
-            </a:r>
-            <a:r>
-              <a:rPr lang="fr-FR" dirty="0"/>
+              <a:rPr lang="nb-NO" dirty="0" err="1"/>
+              <a:t>ansible-vault</a:t>
+            </a:r>
+            <a:r>
+              <a:rPr lang="nb-NO" dirty="0"/>
               <a:t> </a:t>
             </a:r>
             <a:r>
-              <a:rPr lang="fr-FR" dirty="0" err="1"/>
-              <a:t>install</a:t>
-            </a:r>
-            <a:r>
-              <a:rPr lang="fr-FR" dirty="0"/>
-              <a:t> -r </a:t>
-            </a:r>
-            <a:r>
-              <a:rPr lang="fr-FR" dirty="0" err="1"/>
-              <a:t>roles</a:t>
-            </a:r>
-            <a:r>
-              <a:rPr lang="fr-FR" dirty="0"/>
-              <a:t>/</a:t>
-            </a:r>
-            <a:r>
-              <a:rPr lang="fr-FR" dirty="0" err="1"/>
-              <a:t>requirements.yml</a:t>
-            </a:r>
-            <a:endParaRPr lang="fr-FR" dirty="0"/>
-          </a:p>
-          <a:p>
-            <a:r>
-              <a:rPr lang="fr-FR" dirty="0"/>
-              <a:t>ansible-</a:t>
-            </a:r>
-            <a:r>
-              <a:rPr lang="fr-FR" dirty="0" err="1"/>
-              <a:t>playbook</a:t>
-            </a:r>
-            <a:r>
-              <a:rPr lang="fr-FR" dirty="0"/>
+              <a:rPr lang="nb-NO" dirty="0" err="1"/>
+              <a:t>encrypt</a:t>
+            </a:r>
+            <a:r>
+              <a:rPr lang="nb-NO" dirty="0"/>
               <a:t> </a:t>
             </a:r>
             <a:r>
-              <a:rPr lang="fr-FR" dirty="0" err="1"/>
-              <a:t>roles</a:t>
-            </a:r>
-            <a:r>
-              <a:rPr lang="fr-FR" dirty="0"/>
-              <a:t>/</a:t>
-            </a:r>
-            <a:r>
-              <a:rPr lang="fr-FR" dirty="0" err="1"/>
-              <a:t>install-awx.yml</a:t>
-            </a:r>
-            <a:r>
-              <a:rPr lang="fr-FR" dirty="0"/>
-              <a:t> -K</a:t>
-            </a:r>
-          </a:p>
-          <a:p>
-            <a:r>
-              <a:rPr lang="fr-FR" dirty="0" err="1"/>
-              <a:t>sudo</a:t>
-            </a:r>
-            <a:r>
-              <a:rPr lang="fr-FR" dirty="0"/>
-              <a:t> firewall-cmd --zone=public --</a:t>
-            </a:r>
-            <a:r>
-              <a:rPr lang="fr-FR" dirty="0" err="1"/>
-              <a:t>add-masquerade</a:t>
-            </a:r>
-            <a:r>
-              <a:rPr lang="fr-FR" dirty="0"/>
-              <a:t> –permanent</a:t>
-            </a:r>
-          </a:p>
-          <a:p>
-            <a:r>
-              <a:rPr lang="fr-FR" dirty="0" err="1"/>
-              <a:t>sudo</a:t>
-            </a:r>
-            <a:r>
-              <a:rPr lang="fr-FR" dirty="0"/>
-              <a:t> firewall-cmd --</a:t>
-            </a:r>
-            <a:r>
-              <a:rPr lang="fr-FR" dirty="0" err="1"/>
-              <a:t>reload</a:t>
-            </a:r>
+              <a:rPr lang="nb-NO" dirty="0" err="1"/>
+              <a:t>ansible</a:t>
+            </a:r>
+            <a:r>
+              <a:rPr lang="nb-NO" dirty="0"/>
+              <a:t>-hosts-</a:t>
+            </a:r>
+            <a:r>
+              <a:rPr lang="nb-NO" dirty="0" err="1"/>
+              <a:t>nxapi</a:t>
+            </a:r>
+            <a:endParaRPr lang="nb-NO" dirty="0"/>
+          </a:p>
+          <a:p>
+            <a:r>
+              <a:rPr lang="nb-NO" dirty="0" err="1"/>
+              <a:t>ansible-vault</a:t>
+            </a:r>
+            <a:r>
+              <a:rPr lang="nb-NO" dirty="0"/>
+              <a:t> </a:t>
+            </a:r>
+            <a:r>
+              <a:rPr lang="nb-NO" dirty="0" err="1"/>
+              <a:t>edit</a:t>
+            </a:r>
+            <a:r>
+              <a:rPr lang="nb-NO" dirty="0"/>
+              <a:t> </a:t>
+            </a:r>
+            <a:r>
+              <a:rPr lang="nb-NO" dirty="0" err="1"/>
+              <a:t>ansible</a:t>
+            </a:r>
+            <a:r>
+              <a:rPr lang="nb-NO" dirty="0"/>
+              <a:t>-hosts-</a:t>
+            </a:r>
+            <a:r>
+              <a:rPr lang="nb-NO" dirty="0" err="1"/>
+              <a:t>nxapi</a:t>
+            </a:r>
+            <a:endParaRPr lang="nb-NO" dirty="0"/>
+          </a:p>
+          <a:p>
+            <a:pPr marL="0" marR="0" lvl="0" indent="0" algn="l" defTabSz="914400" rtl="0" eaLnBrk="1" fontAlgn="auto" latinLnBrk="0" hangingPunct="1">
+              <a:lnSpc>
+                <a:spcPct val="100000"/>
+              </a:lnSpc>
+              <a:spcBef>
+                <a:spcPts val="0"/>
+              </a:spcBef>
+              <a:spcAft>
+                <a:spcPts val="0"/>
+              </a:spcAft>
+              <a:buClrTx/>
+              <a:buSzTx/>
+              <a:buFontTx/>
+              <a:buNone/>
+              <a:tabLst/>
+              <a:defRPr/>
+            </a:pPr>
+            <a:r>
+              <a:rPr lang="nb-NO" dirty="0" err="1"/>
+              <a:t>ansible-vault</a:t>
+            </a:r>
+            <a:r>
+              <a:rPr lang="nb-NO" dirty="0"/>
+              <a:t> </a:t>
+            </a:r>
+            <a:r>
+              <a:rPr lang="nb-NO" dirty="0" err="1"/>
+              <a:t>view</a:t>
+            </a:r>
+            <a:r>
+              <a:rPr lang="nb-NO" dirty="0"/>
+              <a:t> </a:t>
+            </a:r>
+            <a:r>
+              <a:rPr lang="nb-NO" dirty="0" err="1"/>
+              <a:t>ansible</a:t>
+            </a:r>
+            <a:r>
+              <a:rPr lang="nb-NO" dirty="0"/>
+              <a:t>-hosts-</a:t>
+            </a:r>
+            <a:r>
+              <a:rPr lang="nb-NO" dirty="0" err="1"/>
+              <a:t>nxapi</a:t>
+            </a:r>
+            <a:endParaRPr lang="nb-NO" dirty="0"/>
+          </a:p>
+          <a:p>
+            <a:pPr marL="0" marR="0" lvl="0" indent="0" algn="l" defTabSz="914400" rtl="0" eaLnBrk="1" fontAlgn="auto" latinLnBrk="0" hangingPunct="1">
+              <a:lnSpc>
+                <a:spcPct val="100000"/>
+              </a:lnSpc>
+              <a:spcBef>
+                <a:spcPts val="0"/>
+              </a:spcBef>
+              <a:spcAft>
+                <a:spcPts val="0"/>
+              </a:spcAft>
+              <a:buClrTx/>
+              <a:buSzTx/>
+              <a:buFontTx/>
+              <a:buNone/>
+              <a:tabLst/>
+              <a:defRPr/>
+            </a:pPr>
+            <a:r>
+              <a:rPr lang="nb-NO" dirty="0" err="1"/>
+              <a:t>ansible-vault</a:t>
+            </a:r>
+            <a:r>
+              <a:rPr lang="nb-NO" dirty="0"/>
+              <a:t> </a:t>
+            </a:r>
+            <a:r>
+              <a:rPr lang="nb-NO" dirty="0" err="1"/>
+              <a:t>encrypt_string</a:t>
+            </a:r>
+            <a:r>
+              <a:rPr lang="nb-NO" dirty="0"/>
+              <a:t> 'Atealab123' --</a:t>
+            </a:r>
+            <a:r>
+              <a:rPr lang="nb-NO" dirty="0" err="1"/>
+              <a:t>name</a:t>
+            </a:r>
+            <a:r>
+              <a:rPr lang="nb-NO" dirty="0"/>
+              <a:t> '</a:t>
+            </a:r>
+            <a:r>
+              <a:rPr lang="nb-NO" dirty="0" err="1"/>
+              <a:t>ansible_password</a:t>
+            </a:r>
+            <a:r>
+              <a:rPr lang="nb-NO" dirty="0"/>
+              <a:t>'</a:t>
+            </a:r>
+          </a:p>
+          <a:p>
             <a:endParaRPr lang="nb-NO" dirty="0"/>
           </a:p>
         </p:txBody>
@@ -5992,6 +5901,185 @@
             <a:fld id="{3E72E711-34EA-4ED1-992E-A79C5D60A060}" type="slidenum">
               <a:rPr lang="en-GB" smtClean="0"/>
               <a:t>27</a:t>
+            </a:fld>
+            <a:endParaRPr lang="en-GB" dirty="0"/>
+          </a:p>
+        </p:txBody>
+      </p:sp>
+    </p:spTree>
+    <p:extLst>
+      <p:ext uri="{BB962C8B-B14F-4D97-AF65-F5344CB8AC3E}">
+        <p14:creationId xmlns:p14="http://schemas.microsoft.com/office/powerpoint/2010/main" val="4061438778"/>
+      </p:ext>
+    </p:extLst>
+  </p:cSld>
+  <p:clrMapOvr>
+    <a:masterClrMapping/>
+  </p:clrMapOvr>
+</p:notes>
+</file>
+
+<file path=ppt/notesSlides/notesSlide27.xml><?xml version="1.0" encoding="utf-8"?>
+<p:notes xmlns:a="http://schemas.openxmlformats.org/drawingml/2006/main" xmlns:r="http://schemas.openxmlformats.org/officeDocument/2006/relationships" xmlns:p="http://schemas.openxmlformats.org/presentationml/2006/main">
+  <p:cSld>
+    <p:spTree>
+      <p:nvGrpSpPr>
+        <p:cNvPr id="1" name=""/>
+        <p:cNvGrpSpPr/>
+        <p:nvPr/>
+      </p:nvGrpSpPr>
+      <p:grpSpPr>
+        <a:xfrm>
+          <a:off x="0" y="0"/>
+          <a:ext cx="0" cy="0"/>
+          <a:chOff x="0" y="0"/>
+          <a:chExt cx="0" cy="0"/>
+        </a:xfrm>
+      </p:grpSpPr>
+      <p:sp>
+        <p:nvSpPr>
+          <p:cNvPr id="2" name="Slide Image Placeholder 1"/>
+          <p:cNvSpPr>
+            <a:spLocks noGrp="1" noRot="1" noChangeAspect="1"/>
+          </p:cNvSpPr>
+          <p:nvPr>
+            <p:ph type="sldImg"/>
+          </p:nvPr>
+        </p:nvSpPr>
+        <p:spPr/>
+      </p:sp>
+      <p:sp>
+        <p:nvSpPr>
+          <p:cNvPr id="3" name="Notes Placeholder 2"/>
+          <p:cNvSpPr>
+            <a:spLocks noGrp="1"/>
+          </p:cNvSpPr>
+          <p:nvPr>
+            <p:ph type="body" idx="1"/>
+          </p:nvPr>
+        </p:nvSpPr>
+        <p:spPr/>
+        <p:txBody>
+          <a:bodyPr/>
+          <a:lstStyle/>
+          <a:p>
+            <a:r>
+              <a:rPr lang="fr-FR" dirty="0"/>
+              <a:t>ansible-</a:t>
+            </a:r>
+            <a:r>
+              <a:rPr lang="fr-FR" dirty="0" err="1"/>
+              <a:t>galaxy</a:t>
+            </a:r>
+            <a:r>
+              <a:rPr lang="fr-FR" dirty="0"/>
+              <a:t> </a:t>
+            </a:r>
+            <a:r>
+              <a:rPr lang="fr-FR" dirty="0" err="1"/>
+              <a:t>install</a:t>
+            </a:r>
+            <a:r>
+              <a:rPr lang="fr-FR" dirty="0"/>
+              <a:t> -r </a:t>
+            </a:r>
+            <a:r>
+              <a:rPr lang="fr-FR" dirty="0" err="1"/>
+              <a:t>roles</a:t>
+            </a:r>
+            <a:r>
+              <a:rPr lang="fr-FR" dirty="0"/>
+              <a:t>/</a:t>
+            </a:r>
+            <a:r>
+              <a:rPr lang="fr-FR" dirty="0" err="1"/>
+              <a:t>requirements.yml</a:t>
+            </a:r>
+            <a:endParaRPr lang="fr-FR" dirty="0"/>
+          </a:p>
+          <a:p>
+            <a:r>
+              <a:rPr lang="fr-FR" dirty="0"/>
+              <a:t>ansible-</a:t>
+            </a:r>
+            <a:r>
+              <a:rPr lang="fr-FR" dirty="0" err="1"/>
+              <a:t>playbook</a:t>
+            </a:r>
+            <a:r>
+              <a:rPr lang="fr-FR" dirty="0"/>
+              <a:t> </a:t>
+            </a:r>
+            <a:r>
+              <a:rPr lang="fr-FR" dirty="0" err="1"/>
+              <a:t>roles</a:t>
+            </a:r>
+            <a:r>
+              <a:rPr lang="fr-FR" dirty="0"/>
+              <a:t>/</a:t>
+            </a:r>
+            <a:r>
+              <a:rPr lang="fr-FR" dirty="0" err="1"/>
+              <a:t>install-awx.yml</a:t>
+            </a:r>
+            <a:r>
+              <a:rPr lang="fr-FR" dirty="0"/>
+              <a:t> -K</a:t>
+            </a:r>
+          </a:p>
+          <a:p>
+            <a:r>
+              <a:rPr lang="fr-FR" dirty="0" err="1"/>
+              <a:t>sudo</a:t>
+            </a:r>
+            <a:r>
+              <a:rPr lang="fr-FR" dirty="0"/>
+              <a:t> firewall-cmd --zone=public --</a:t>
+            </a:r>
+            <a:r>
+              <a:rPr lang="fr-FR" dirty="0" err="1"/>
+              <a:t>add-masquerade</a:t>
+            </a:r>
+            <a:r>
+              <a:rPr lang="fr-FR" dirty="0"/>
+              <a:t> –permanent</a:t>
+            </a:r>
+          </a:p>
+          <a:p>
+            <a:r>
+              <a:rPr lang="fr-FR" dirty="0" err="1"/>
+              <a:t>sudo</a:t>
+            </a:r>
+            <a:r>
+              <a:rPr lang="fr-FR" dirty="0"/>
+              <a:t> firewall-cmd --</a:t>
+            </a:r>
+            <a:r>
+              <a:rPr lang="fr-FR" dirty="0" err="1"/>
+              <a:t>reload</a:t>
+            </a:r>
+            <a:endParaRPr lang="nb-NO" dirty="0"/>
+          </a:p>
+        </p:txBody>
+      </p:sp>
+      <p:sp>
+        <p:nvSpPr>
+          <p:cNvPr id="4" name="Slide Number Placeholder 3"/>
+          <p:cNvSpPr>
+            <a:spLocks noGrp="1"/>
+          </p:cNvSpPr>
+          <p:nvPr>
+            <p:ph type="sldNum" sz="quarter" idx="5"/>
+          </p:nvPr>
+        </p:nvSpPr>
+        <p:spPr/>
+        <p:txBody>
+          <a:bodyPr/>
+          <a:lstStyle/>
+          <a:p>
+            <a:fld id="{3E72E711-34EA-4ED1-992E-A79C5D60A060}" type="slidenum">
+              <a:rPr lang="en-GB" smtClean="0"/>
+              <a:t>28</a:t>
             </a:fld>
             <a:endParaRPr lang="en-GB" dirty="0"/>
           </a:p>
@@ -18593,6 +18681,151 @@
       </p:grpSpPr>
       <p:sp>
         <p:nvSpPr>
+          <p:cNvPr id="2" name="Title 1"/>
+          <p:cNvSpPr>
+            <a:spLocks noGrp="1"/>
+          </p:cNvSpPr>
+          <p:nvPr>
+            <p:ph type="ctrTitle"/>
+          </p:nvPr>
+        </p:nvSpPr>
+        <p:spPr/>
+        <p:txBody>
+          <a:bodyPr/>
+          <a:lstStyle/>
+          <a:p>
+            <a:r>
+              <a:rPr lang="en-GB" dirty="0"/>
+              <a:t>Ansible for </a:t>
+            </a:r>
+            <a:r>
+              <a:rPr lang="en-GB" dirty="0" err="1"/>
+              <a:t>nettverksautomasjon</a:t>
+            </a:r>
+            <a:br>
+              <a:rPr lang="en-GB" dirty="0"/>
+            </a:br>
+            <a:r>
+              <a:rPr lang="en-GB" dirty="0"/>
+              <a:t>del 2</a:t>
+            </a:r>
+          </a:p>
+        </p:txBody>
+      </p:sp>
+      <p:sp>
+        <p:nvSpPr>
+          <p:cNvPr id="3" name="Subtitle 2"/>
+          <p:cNvSpPr>
+            <a:spLocks noGrp="1"/>
+          </p:cNvSpPr>
+          <p:nvPr>
+            <p:ph type="subTitle" idx="1"/>
+          </p:nvPr>
+        </p:nvSpPr>
+        <p:spPr/>
+        <p:txBody>
+          <a:bodyPr/>
+          <a:lstStyle/>
+          <a:p>
+            <a:r>
+              <a:rPr lang="en-GB" dirty="0"/>
+              <a:t>Erik Ingeberg</a:t>
+            </a:r>
+          </a:p>
+        </p:txBody>
+      </p:sp>
+      <p:sp>
+        <p:nvSpPr>
+          <p:cNvPr id="4" name="Front page, White background"/>
+          <p:cNvSpPr txBox="1"/>
+          <p:nvPr/>
+        </p:nvSpPr>
+        <p:spPr>
+          <a:xfrm>
+            <a:off x="358775" y="11853936"/>
+            <a:ext cx="5626100" cy="15389"/>
+          </a:xfrm>
+          <a:prstGeom prst="rect">
+            <a:avLst/>
+          </a:prstGeom>
+          <a:noFill/>
+        </p:spPr>
+        <p:txBody>
+          <a:bodyPr wrap="square" lIns="0" tIns="0" rIns="0" bIns="0" rtlCol="0">
+            <a:spAutoFit/>
+          </a:bodyPr>
+          <a:lstStyle/>
+          <a:p>
+            <a:r>
+              <a:rPr lang="en-GB" sz="100" dirty="0">
+                <a:solidFill>
+                  <a:schemeClr val="bg1"/>
+                </a:solidFill>
+              </a:rPr>
+              <a:t>Front page, White background</a:t>
+            </a:r>
+            <a:endParaRPr lang="en-GB" sz="100" noProof="0" dirty="0">
+              <a:solidFill>
+                <a:schemeClr val="bg1"/>
+              </a:solidFill>
+            </a:endParaRPr>
+          </a:p>
+        </p:txBody>
+      </p:sp>
+      <p:sp>
+        <p:nvSpPr>
+          <p:cNvPr id="5" name="Classification"/>
+          <p:cNvSpPr>
+            <a:spLocks noGrp="1"/>
+          </p:cNvSpPr>
+          <p:nvPr>
+            <p:ph type="ftr" sz="quarter" idx="11"/>
+          </p:nvPr>
+        </p:nvSpPr>
+        <p:spPr/>
+        <p:txBody>
+          <a:bodyPr/>
+          <a:lstStyle/>
+          <a:p>
+            <a:endParaRPr lang="da-DK" dirty="0"/>
+          </a:p>
+        </p:txBody>
+      </p:sp>
+    </p:spTree>
+    <p:custDataLst>
+      <p:tags r:id="rId1"/>
+    </p:custDataLst>
+    <p:extLst>
+      <p:ext uri="{BB962C8B-B14F-4D97-AF65-F5344CB8AC3E}">
+        <p14:creationId xmlns:p14="http://schemas.microsoft.com/office/powerpoint/2010/main" val="3881612056"/>
+      </p:ext>
+    </p:extLst>
+  </p:cSld>
+  <p:clrMapOvr>
+    <a:masterClrMapping/>
+  </p:clrMapOvr>
+</p:sld>
+</file>
+
+<file path=ppt/slides/slide18.xml><?xml version="1.0" encoding="utf-8"?>
+<p:sld xmlns:a="http://schemas.openxmlformats.org/drawingml/2006/main" xmlns:r="http://schemas.openxmlformats.org/officeDocument/2006/relationships" xmlns:p="http://schemas.openxmlformats.org/presentationml/2006/main">
+  <p:cSld>
+    <p:spTree>
+      <p:nvGrpSpPr>
+        <p:cNvPr id="1" name=""/>
+        <p:cNvGrpSpPr/>
+        <p:nvPr/>
+      </p:nvGrpSpPr>
+      <p:grpSpPr>
+        <a:xfrm>
+          <a:off x="0" y="0"/>
+          <a:ext cx="0" cy="0"/>
+          <a:chOff x="0" y="0"/>
+          <a:chExt cx="0" cy="0"/>
+        </a:xfrm>
+      </p:grpSpPr>
+      <p:sp>
+        <p:nvSpPr>
           <p:cNvPr id="2" name="Title 1">
             <a:extLst>
               <a:ext uri="{FF2B5EF4-FFF2-40B4-BE49-F238E27FC236}">
@@ -18850,7 +19083,7 @@
 </p:sld>
 </file>
 
-<file path=ppt/slides/slide18.xml><?xml version="1.0" encoding="utf-8"?>
+<file path=ppt/slides/slide19.xml><?xml version="1.0" encoding="utf-8"?>
 <p:sld xmlns:a="http://schemas.openxmlformats.org/drawingml/2006/main" xmlns:r="http://schemas.openxmlformats.org/officeDocument/2006/relationships" xmlns:p="http://schemas.openxmlformats.org/presentationml/2006/main">
   <p:cSld>
     <p:spTree>
@@ -19050,7 +19283,214 @@
 </p:sld>
 </file>
 
-<file path=ppt/slides/slide19.xml><?xml version="1.0" encoding="utf-8"?>
+<file path=ppt/slides/slide2.xml><?xml version="1.0" encoding="utf-8"?>
+<p:sld xmlns:a="http://schemas.openxmlformats.org/drawingml/2006/main" xmlns:r="http://schemas.openxmlformats.org/officeDocument/2006/relationships" xmlns:p="http://schemas.openxmlformats.org/presentationml/2006/main">
+  <p:cSld>
+    <p:spTree>
+      <p:nvGrpSpPr>
+        <p:cNvPr id="1" name=""/>
+        <p:cNvGrpSpPr/>
+        <p:nvPr/>
+      </p:nvGrpSpPr>
+      <p:grpSpPr>
+        <a:xfrm>
+          <a:off x="0" y="0"/>
+          <a:ext cx="0" cy="0"/>
+          <a:chOff x="0" y="0"/>
+          <a:chExt cx="0" cy="0"/>
+        </a:xfrm>
+      </p:grpSpPr>
+      <p:sp>
+        <p:nvSpPr>
+          <p:cNvPr id="2" name="Title 1"/>
+          <p:cNvSpPr>
+            <a:spLocks noGrp="1"/>
+          </p:cNvSpPr>
+          <p:nvPr>
+            <p:ph type="title"/>
+          </p:nvPr>
+        </p:nvSpPr>
+        <p:spPr/>
+        <p:txBody>
+          <a:bodyPr/>
+          <a:lstStyle/>
+          <a:p>
+            <a:r>
+              <a:rPr lang="en-GB" dirty="0" err="1"/>
+              <a:t>Hvorfor</a:t>
+            </a:r>
+            <a:r>
+              <a:rPr lang="en-GB" dirty="0"/>
+              <a:t> </a:t>
+            </a:r>
+            <a:r>
+              <a:rPr lang="en-GB" dirty="0" err="1"/>
+              <a:t>automatisere</a:t>
+            </a:r>
+            <a:r>
+              <a:rPr lang="en-GB" dirty="0"/>
+              <a:t>?</a:t>
+            </a:r>
+          </a:p>
+        </p:txBody>
+      </p:sp>
+      <p:sp>
+        <p:nvSpPr>
+          <p:cNvPr id="3" name="Content Placeholder 2"/>
+          <p:cNvSpPr>
+            <a:spLocks noGrp="1"/>
+          </p:cNvSpPr>
+          <p:nvPr>
+            <p:ph sz="quarter" idx="10"/>
+          </p:nvPr>
+        </p:nvSpPr>
+        <p:spPr/>
+        <p:txBody>
+          <a:bodyPr/>
+          <a:lstStyle/>
+          <a:p>
+            <a:r>
+              <a:rPr lang="nb-NO" dirty="0"/>
+              <a:t>Nettverksadministrasjon har ikke endret seg på 30 år</a:t>
+            </a:r>
+          </a:p>
+          <a:p>
+            <a:endParaRPr lang="nb-NO" dirty="0"/>
+          </a:p>
+          <a:p>
+            <a:r>
+              <a:rPr lang="nb-NO" dirty="0"/>
+              <a:t>Ofte repetitive handlinger, utført manuelt per enhet på mange enheter</a:t>
+            </a:r>
+          </a:p>
+          <a:p>
+            <a:endParaRPr lang="nb-NO" dirty="0"/>
+          </a:p>
+          <a:p>
+            <a:r>
+              <a:rPr lang="nb-NO" dirty="0"/>
+              <a:t>Produsenter bruker forskjellig syntaks, så man må være ekspert i produsentens måte å gjøre ting på. Dette fører til at det oppstår siloer i organisasjoner, med eksperter på hvert produkt.</a:t>
+            </a:r>
+          </a:p>
+          <a:p>
+            <a:endParaRPr lang="nb-NO" dirty="0"/>
+          </a:p>
+          <a:p>
+            <a:r>
+              <a:rPr lang="nb-NO" dirty="0"/>
+              <a:t>Hente data fra «</a:t>
+            </a:r>
+            <a:r>
+              <a:rPr lang="nb-NO" dirty="0" err="1"/>
+              <a:t>source</a:t>
+            </a:r>
+            <a:r>
+              <a:rPr lang="nb-NO" dirty="0"/>
+              <a:t> </a:t>
+            </a:r>
+            <a:r>
+              <a:rPr lang="nb-NO" dirty="0" err="1"/>
+              <a:t>of</a:t>
+            </a:r>
+            <a:r>
+              <a:rPr lang="nb-NO" dirty="0"/>
+              <a:t> </a:t>
+            </a:r>
+            <a:r>
+              <a:rPr lang="nb-NO" dirty="0" err="1"/>
+              <a:t>truth</a:t>
+            </a:r>
+            <a:r>
+              <a:rPr lang="nb-NO" dirty="0"/>
+              <a:t>», bruke «</a:t>
+            </a:r>
+            <a:r>
+              <a:rPr lang="nb-NO" dirty="0" err="1"/>
+              <a:t>version</a:t>
+            </a:r>
+            <a:r>
+              <a:rPr lang="nb-NO" dirty="0"/>
+              <a:t> </a:t>
+            </a:r>
+            <a:r>
+              <a:rPr lang="nb-NO" dirty="0" err="1"/>
+              <a:t>control</a:t>
+            </a:r>
+            <a:r>
+              <a:rPr lang="nb-NO" dirty="0"/>
+              <a:t>» (</a:t>
+            </a:r>
+            <a:r>
+              <a:rPr lang="nb-NO" dirty="0" err="1"/>
+              <a:t>f.eks</a:t>
+            </a:r>
+            <a:r>
+              <a:rPr lang="nb-NO" dirty="0"/>
+              <a:t> </a:t>
+            </a:r>
+            <a:r>
+              <a:rPr lang="nb-NO" dirty="0" err="1"/>
+              <a:t>git</a:t>
+            </a:r>
+            <a:r>
+              <a:rPr lang="nb-NO" dirty="0"/>
+              <a:t>).</a:t>
+            </a:r>
+          </a:p>
+          <a:p>
+            <a:endParaRPr lang="nb-NO" dirty="0"/>
+          </a:p>
+          <a:p>
+            <a:r>
+              <a:rPr lang="nb-NO" dirty="0"/>
+              <a:t>Minske risiko for menneskelige feil</a:t>
+            </a:r>
+            <a:endParaRPr lang="en-GB" dirty="0"/>
+          </a:p>
+          <a:p>
+            <a:endParaRPr lang="en-GB" dirty="0"/>
+          </a:p>
+          <a:p>
+            <a:endParaRPr lang="en-GB" dirty="0"/>
+          </a:p>
+        </p:txBody>
+      </p:sp>
+      <p:sp>
+        <p:nvSpPr>
+          <p:cNvPr id="4" name="Footer Placeholder 3"/>
+          <p:cNvSpPr>
+            <a:spLocks noGrp="1"/>
+          </p:cNvSpPr>
+          <p:nvPr>
+            <p:ph type="ftr" sz="quarter" idx="12"/>
+          </p:nvPr>
+        </p:nvSpPr>
+        <p:spPr/>
+        <p:txBody>
+          <a:bodyPr/>
+          <a:lstStyle/>
+          <a:p>
+            <a:endParaRPr lang="da-DK" dirty="0"/>
+          </a:p>
+        </p:txBody>
+      </p:sp>
+    </p:spTree>
+    <p:custDataLst>
+      <p:tags r:id="rId1"/>
+    </p:custDataLst>
+    <p:extLst>
+      <p:ext uri="{BB962C8B-B14F-4D97-AF65-F5344CB8AC3E}">
+        <p14:creationId xmlns:p14="http://schemas.microsoft.com/office/powerpoint/2010/main" val="1377325525"/>
+      </p:ext>
+    </p:extLst>
+  </p:cSld>
+  <p:clrMapOvr>
+    <a:masterClrMapping/>
+  </p:clrMapOvr>
+</p:sld>
+</file>
+
+<file path=ppt/slides/slide20.xml><?xml version="1.0" encoding="utf-8"?>
 <p:sld xmlns:a="http://schemas.openxmlformats.org/drawingml/2006/main" xmlns:r="http://schemas.openxmlformats.org/officeDocument/2006/relationships" xmlns:p="http://schemas.openxmlformats.org/presentationml/2006/main">
   <p:cSld>
     <p:spTree>
@@ -19228,214 +19668,7 @@
 </p:sld>
 </file>
 
-<file path=ppt/slides/slide2.xml><?xml version="1.0" encoding="utf-8"?>
-<p:sld xmlns:a="http://schemas.openxmlformats.org/drawingml/2006/main" xmlns:r="http://schemas.openxmlformats.org/officeDocument/2006/relationships" xmlns:p="http://schemas.openxmlformats.org/presentationml/2006/main">
-  <p:cSld>
-    <p:spTree>
-      <p:nvGrpSpPr>
-        <p:cNvPr id="1" name=""/>
-        <p:cNvGrpSpPr/>
-        <p:nvPr/>
-      </p:nvGrpSpPr>
-      <p:grpSpPr>
-        <a:xfrm>
-          <a:off x="0" y="0"/>
-          <a:ext cx="0" cy="0"/>
-          <a:chOff x="0" y="0"/>
-          <a:chExt cx="0" cy="0"/>
-        </a:xfrm>
-      </p:grpSpPr>
-      <p:sp>
-        <p:nvSpPr>
-          <p:cNvPr id="2" name="Title 1"/>
-          <p:cNvSpPr>
-            <a:spLocks noGrp="1"/>
-          </p:cNvSpPr>
-          <p:nvPr>
-            <p:ph type="title"/>
-          </p:nvPr>
-        </p:nvSpPr>
-        <p:spPr/>
-        <p:txBody>
-          <a:bodyPr/>
-          <a:lstStyle/>
-          <a:p>
-            <a:r>
-              <a:rPr lang="en-GB" dirty="0" err="1"/>
-              <a:t>Hvorfor</a:t>
-            </a:r>
-            <a:r>
-              <a:rPr lang="en-GB" dirty="0"/>
-              <a:t> </a:t>
-            </a:r>
-            <a:r>
-              <a:rPr lang="en-GB" dirty="0" err="1"/>
-              <a:t>automatisere</a:t>
-            </a:r>
-            <a:r>
-              <a:rPr lang="en-GB" dirty="0"/>
-              <a:t>?</a:t>
-            </a:r>
-          </a:p>
-        </p:txBody>
-      </p:sp>
-      <p:sp>
-        <p:nvSpPr>
-          <p:cNvPr id="3" name="Content Placeholder 2"/>
-          <p:cNvSpPr>
-            <a:spLocks noGrp="1"/>
-          </p:cNvSpPr>
-          <p:nvPr>
-            <p:ph sz="quarter" idx="10"/>
-          </p:nvPr>
-        </p:nvSpPr>
-        <p:spPr/>
-        <p:txBody>
-          <a:bodyPr/>
-          <a:lstStyle/>
-          <a:p>
-            <a:r>
-              <a:rPr lang="nb-NO" dirty="0"/>
-              <a:t>Nettverksadministrasjon har ikke endret seg på 30 år</a:t>
-            </a:r>
-          </a:p>
-          <a:p>
-            <a:endParaRPr lang="nb-NO" dirty="0"/>
-          </a:p>
-          <a:p>
-            <a:r>
-              <a:rPr lang="nb-NO" dirty="0"/>
-              <a:t>Ofte repetitive handlinger, utført manuelt per enhet på mange enheter</a:t>
-            </a:r>
-          </a:p>
-          <a:p>
-            <a:endParaRPr lang="nb-NO" dirty="0"/>
-          </a:p>
-          <a:p>
-            <a:r>
-              <a:rPr lang="nb-NO" dirty="0"/>
-              <a:t>Produsenter bruker forskjellig syntaks, så man må være ekspert i produsentens måte å gjøre ting på. Dette fører til at det oppstår siloer i organisasjoner, med eksperter på hvert produkt.</a:t>
-            </a:r>
-          </a:p>
-          <a:p>
-            <a:endParaRPr lang="nb-NO" dirty="0"/>
-          </a:p>
-          <a:p>
-            <a:r>
-              <a:rPr lang="nb-NO" dirty="0"/>
-              <a:t>Hente data fra «</a:t>
-            </a:r>
-            <a:r>
-              <a:rPr lang="nb-NO" dirty="0" err="1"/>
-              <a:t>source</a:t>
-            </a:r>
-            <a:r>
-              <a:rPr lang="nb-NO" dirty="0"/>
-              <a:t> </a:t>
-            </a:r>
-            <a:r>
-              <a:rPr lang="nb-NO" dirty="0" err="1"/>
-              <a:t>of</a:t>
-            </a:r>
-            <a:r>
-              <a:rPr lang="nb-NO" dirty="0"/>
-              <a:t> </a:t>
-            </a:r>
-            <a:r>
-              <a:rPr lang="nb-NO" dirty="0" err="1"/>
-              <a:t>truth</a:t>
-            </a:r>
-            <a:r>
-              <a:rPr lang="nb-NO" dirty="0"/>
-              <a:t>», bruke «</a:t>
-            </a:r>
-            <a:r>
-              <a:rPr lang="nb-NO" dirty="0" err="1"/>
-              <a:t>version</a:t>
-            </a:r>
-            <a:r>
-              <a:rPr lang="nb-NO" dirty="0"/>
-              <a:t> </a:t>
-            </a:r>
-            <a:r>
-              <a:rPr lang="nb-NO" dirty="0" err="1"/>
-              <a:t>control</a:t>
-            </a:r>
-            <a:r>
-              <a:rPr lang="nb-NO" dirty="0"/>
-              <a:t>» (</a:t>
-            </a:r>
-            <a:r>
-              <a:rPr lang="nb-NO" dirty="0" err="1"/>
-              <a:t>f.eks</a:t>
-            </a:r>
-            <a:r>
-              <a:rPr lang="nb-NO" dirty="0"/>
-              <a:t> </a:t>
-            </a:r>
-            <a:r>
-              <a:rPr lang="nb-NO" dirty="0" err="1"/>
-              <a:t>git</a:t>
-            </a:r>
-            <a:r>
-              <a:rPr lang="nb-NO" dirty="0"/>
-              <a:t>).</a:t>
-            </a:r>
-          </a:p>
-          <a:p>
-            <a:endParaRPr lang="nb-NO" dirty="0"/>
-          </a:p>
-          <a:p>
-            <a:r>
-              <a:rPr lang="nb-NO" dirty="0"/>
-              <a:t>Minske risiko for menneskelige feil</a:t>
-            </a:r>
-            <a:endParaRPr lang="en-GB" dirty="0"/>
-          </a:p>
-          <a:p>
-            <a:endParaRPr lang="en-GB" dirty="0"/>
-          </a:p>
-          <a:p>
-            <a:endParaRPr lang="en-GB" dirty="0"/>
-          </a:p>
-        </p:txBody>
-      </p:sp>
-      <p:sp>
-        <p:nvSpPr>
-          <p:cNvPr id="4" name="Footer Placeholder 3"/>
-          <p:cNvSpPr>
-            <a:spLocks noGrp="1"/>
-          </p:cNvSpPr>
-          <p:nvPr>
-            <p:ph type="ftr" sz="quarter" idx="12"/>
-          </p:nvPr>
-        </p:nvSpPr>
-        <p:spPr/>
-        <p:txBody>
-          <a:bodyPr/>
-          <a:lstStyle/>
-          <a:p>
-            <a:endParaRPr lang="da-DK" dirty="0"/>
-          </a:p>
-        </p:txBody>
-      </p:sp>
-    </p:spTree>
-    <p:custDataLst>
-      <p:tags r:id="rId1"/>
-    </p:custDataLst>
-    <p:extLst>
-      <p:ext uri="{BB962C8B-B14F-4D97-AF65-F5344CB8AC3E}">
-        <p14:creationId xmlns:p14="http://schemas.microsoft.com/office/powerpoint/2010/main" val="1377325525"/>
-      </p:ext>
-    </p:extLst>
-  </p:cSld>
-  <p:clrMapOvr>
-    <a:masterClrMapping/>
-  </p:clrMapOvr>
-</p:sld>
-</file>
-
-<file path=ppt/slides/slide20.xml><?xml version="1.0" encoding="utf-8"?>
+<file path=ppt/slides/slide21.xml><?xml version="1.0" encoding="utf-8"?>
 <p:sld xmlns:a="http://schemas.openxmlformats.org/drawingml/2006/main" xmlns:r="http://schemas.openxmlformats.org/officeDocument/2006/relationships" xmlns:p="http://schemas.openxmlformats.org/presentationml/2006/main">
   <p:cSld>
     <p:spTree>
@@ -19871,7 +20104,7 @@
 </p:sld>
 </file>
 
-<file path=ppt/slides/slide21.xml><?xml version="1.0" encoding="utf-8"?>
+<file path=ppt/slides/slide22.xml><?xml version="1.0" encoding="utf-8"?>
 <p:sld xmlns:a="http://schemas.openxmlformats.org/drawingml/2006/main" xmlns:r="http://schemas.openxmlformats.org/officeDocument/2006/relationships" xmlns:p="http://schemas.openxmlformats.org/presentationml/2006/main">
   <p:cSld>
     <p:spTree>
@@ -20268,7 +20501,7 @@
 </p:sld>
 </file>
 
-<file path=ppt/slides/slide22.xml><?xml version="1.0" encoding="utf-8"?>
+<file path=ppt/slides/slide23.xml><?xml version="1.0" encoding="utf-8"?>
 <p:sld xmlns:a="http://schemas.openxmlformats.org/drawingml/2006/main" xmlns:r="http://schemas.openxmlformats.org/officeDocument/2006/relationships" xmlns:p="http://schemas.openxmlformats.org/presentationml/2006/main">
   <p:cSld>
     <p:spTree>
@@ -20554,7 +20787,7 @@
 </p:sld>
 </file>
 
-<file path=ppt/slides/slide23.xml><?xml version="1.0" encoding="utf-8"?>
+<file path=ppt/slides/slide24.xml><?xml version="1.0" encoding="utf-8"?>
 <p:sld xmlns:a="http://schemas.openxmlformats.org/drawingml/2006/main" xmlns:r="http://schemas.openxmlformats.org/officeDocument/2006/relationships" xmlns:p="http://schemas.openxmlformats.org/presentationml/2006/main">
   <p:cSld>
     <p:spTree>
@@ -20876,7 +21109,7 @@
 </p:sld>
 </file>
 
-<file path=ppt/slides/slide24.xml><?xml version="1.0" encoding="utf-8"?>
+<file path=ppt/slides/slide25.xml><?xml version="1.0" encoding="utf-8"?>
 <p:sld xmlns:a="http://schemas.openxmlformats.org/drawingml/2006/main" xmlns:r="http://schemas.openxmlformats.org/officeDocument/2006/relationships" xmlns:p="http://schemas.openxmlformats.org/presentationml/2006/main">
   <p:cSld>
     <p:spTree>
@@ -21147,7 +21380,7 @@
 </p:sld>
 </file>
 
-<file path=ppt/slides/slide25.xml><?xml version="1.0" encoding="utf-8"?>
+<file path=ppt/slides/slide26.xml><?xml version="1.0" encoding="utf-8"?>
 <p:sld xmlns:a="http://schemas.openxmlformats.org/drawingml/2006/main" xmlns:r="http://schemas.openxmlformats.org/officeDocument/2006/relationships" xmlns:p="http://schemas.openxmlformats.org/presentationml/2006/main">
   <p:cSld>
     <p:spTree>
@@ -21532,7 +21765,7 @@
 </p:sld>
 </file>
 
-<file path=ppt/slides/slide26.xml><?xml version="1.0" encoding="utf-8"?>
+<file path=ppt/slides/slide27.xml><?xml version="1.0" encoding="utf-8"?>
 <p:sld xmlns:a="http://schemas.openxmlformats.org/drawingml/2006/main" xmlns:r="http://schemas.openxmlformats.org/officeDocument/2006/relationships" xmlns:p="http://schemas.openxmlformats.org/presentationml/2006/main">
   <p:cSld>
     <p:spTree>
@@ -21805,7 +22038,7 @@
 </p:sld>
 </file>
 
-<file path=ppt/slides/slide27.xml><?xml version="1.0" encoding="utf-8"?>
+<file path=ppt/slides/slide28.xml><?xml version="1.0" encoding="utf-8"?>
 <p:sld xmlns:a="http://schemas.openxmlformats.org/drawingml/2006/main" xmlns:r="http://schemas.openxmlformats.org/officeDocument/2006/relationships" xmlns:p="http://schemas.openxmlformats.org/presentationml/2006/main">
   <p:cSld>
     <p:spTree>
@@ -23847,6 +24080,12 @@
 </p:tagLst>
 </file>
 
+<file path=ppt/tags/tag10.xml><?xml version="1.0" encoding="utf-8"?>
+<p:tagLst xmlns:a="http://schemas.openxmlformats.org/drawingml/2006/main" xmlns:r="http://schemas.openxmlformats.org/officeDocument/2006/relationships" xmlns:p="http://schemas.openxmlformats.org/presentationml/2006/main">
+  <p:tag name="TEMPLAFYSLIDEID" val="636195699843778824"/>
+</p:tagLst>
+</file>
+
 <file path=ppt/tags/tag2.xml><?xml version="1.0" encoding="utf-8"?>
 <p:tagLst xmlns:a="http://schemas.openxmlformats.org/drawingml/2006/main" xmlns:r="http://schemas.openxmlformats.org/officeDocument/2006/relationships" xmlns:p="http://schemas.openxmlformats.org/presentationml/2006/main">
   <p:tag name="TEMPLAFYSLIDEID" val="636195699843778824"/>
@@ -23891,7 +24130,7 @@
 
 <file path=ppt/tags/tag9.xml><?xml version="1.0" encoding="utf-8"?>
 <p:tagLst xmlns:a="http://schemas.openxmlformats.org/drawingml/2006/main" xmlns:r="http://schemas.openxmlformats.org/officeDocument/2006/relationships" xmlns:p="http://schemas.openxmlformats.org/presentationml/2006/main">
-  <p:tag name="TEMPLAFYSLIDEID" val="636195699843778824"/>
+  <p:tag name="TEMPLAFYSLIDEID" val="636195699843153886"/>
 </p:tagLst>
 </file>
 

--- a/2020-09-17_Ansible_for_nettverksautomasjon/Ansible for nettverksautomasjon.pptx
+++ b/2020-09-17_Ansible_for_nettverksautomasjon/Ansible for nettverksautomasjon.pptx
@@ -5,10 +5,10 @@
     <p:sldMasterId id="2147483648" r:id="rId1"/>
   </p:sldMasterIdLst>
   <p:notesMasterIdLst>
-    <p:notesMasterId r:id="rId30"/>
+    <p:notesMasterId r:id="rId33"/>
   </p:notesMasterIdLst>
   <p:handoutMasterIdLst>
-    <p:handoutMasterId r:id="rId31"/>
+    <p:handoutMasterId r:id="rId34"/>
   </p:handoutMasterIdLst>
   <p:sldIdLst>
     <p:sldId id="258" r:id="rId2"/>
@@ -36,9 +36,12 @@
     <p:sldId id="311" r:id="rId24"/>
     <p:sldId id="312" r:id="rId25"/>
     <p:sldId id="315" r:id="rId26"/>
-    <p:sldId id="314" r:id="rId27"/>
-    <p:sldId id="316" r:id="rId28"/>
-    <p:sldId id="317" r:id="rId29"/>
+    <p:sldId id="323" r:id="rId27"/>
+    <p:sldId id="314" r:id="rId28"/>
+    <p:sldId id="324" r:id="rId29"/>
+    <p:sldId id="325" r:id="rId30"/>
+    <p:sldId id="316" r:id="rId31"/>
+    <p:sldId id="317" r:id="rId32"/>
   </p:sldIdLst>
   <p:sldSz cx="12192000" cy="6858000"/>
   <p:notesSz cx="6858000" cy="9144000"/>
@@ -267,7 +270,7 @@
           <a:p>
             <a:fld id="{D08823B3-E330-4DD2-96EE-DB1914DA4E92}" type="datetimeFigureOut">
               <a:rPr lang="en-GB"/>
-              <a:t>17/09/2020</a:t>
+              <a:t>29/09/2020</a:t>
             </a:fld>
             <a:endParaRPr lang="en-GB" dirty="0"/>
           </a:p>
@@ -432,7 +435,7 @@
           <a:p>
             <a:fld id="{2FBFD012-083A-4920-A768-D90A3AF77F02}" type="datetimeFigureOut">
               <a:rPr lang="en-GB"/>
-              <a:t>17/09/2020</a:t>
+              <a:t>29/09/2020</a:t>
             </a:fld>
             <a:endParaRPr lang="en-GB" dirty="0"/>
           </a:p>
@@ -2464,323 +2467,7 @@
           <a:p>
             <a:r>
               <a:rPr lang="nb-NO" dirty="0"/>
-              <a:t>---</a:t>
-            </a:r>
-          </a:p>
-          <a:p>
-            <a:r>
-              <a:rPr lang="nb-NO" dirty="0"/>
-              <a:t>- </a:t>
-            </a:r>
-            <a:r>
-              <a:rPr lang="nb-NO" dirty="0" err="1"/>
-              <a:t>name</a:t>
-            </a:r>
-            <a:r>
-              <a:rPr lang="nb-NO" dirty="0"/>
-              <a:t>: </a:t>
-            </a:r>
-            <a:r>
-              <a:rPr lang="nb-NO" dirty="0" err="1"/>
-              <a:t>Configure</a:t>
-            </a:r>
-            <a:r>
-              <a:rPr lang="nb-NO" dirty="0"/>
-              <a:t> logging</a:t>
-            </a:r>
-          </a:p>
-          <a:p>
-            <a:r>
-              <a:rPr lang="nb-NO" dirty="0"/>
-              <a:t>  hosts: </a:t>
-            </a:r>
-            <a:r>
-              <a:rPr lang="nb-NO" dirty="0" err="1"/>
-              <a:t>nxos</a:t>
-            </a:r>
-            <a:endParaRPr lang="nb-NO" dirty="0"/>
-          </a:p>
-          <a:p>
-            <a:r>
-              <a:rPr lang="nb-NO" dirty="0"/>
-              <a:t>  </a:t>
-            </a:r>
-            <a:r>
-              <a:rPr lang="nb-NO" dirty="0" err="1"/>
-              <a:t>gather_facts</a:t>
-            </a:r>
-            <a:r>
-              <a:rPr lang="nb-NO" dirty="0"/>
-              <a:t>: False</a:t>
-            </a:r>
-          </a:p>
-          <a:p>
-            <a:r>
-              <a:rPr lang="nb-NO" dirty="0"/>
-              <a:t>  </a:t>
-            </a:r>
-            <a:r>
-              <a:rPr lang="nb-NO" dirty="0" err="1"/>
-              <a:t>tasks</a:t>
-            </a:r>
-            <a:r>
-              <a:rPr lang="nb-NO" dirty="0"/>
-              <a:t>:</a:t>
-            </a:r>
-          </a:p>
-          <a:p>
-            <a:endParaRPr lang="nb-NO" dirty="0"/>
-          </a:p>
-          <a:p>
-            <a:r>
-              <a:rPr lang="nb-NO" dirty="0"/>
-              <a:t>    - </a:t>
-            </a:r>
-            <a:r>
-              <a:rPr lang="nb-NO" dirty="0" err="1"/>
-              <a:t>name</a:t>
-            </a:r>
-            <a:r>
-              <a:rPr lang="nb-NO" dirty="0"/>
-              <a:t>: </a:t>
-            </a:r>
-            <a:r>
-              <a:rPr lang="nb-NO" dirty="0" err="1"/>
-              <a:t>Configure</a:t>
-            </a:r>
-            <a:r>
-              <a:rPr lang="nb-NO" dirty="0"/>
-              <a:t> </a:t>
-            </a:r>
-            <a:r>
-              <a:rPr lang="nb-NO" dirty="0" err="1"/>
-              <a:t>syslog</a:t>
-            </a:r>
-            <a:endParaRPr lang="nb-NO" dirty="0"/>
-          </a:p>
-          <a:p>
-            <a:r>
-              <a:rPr lang="nb-NO" dirty="0"/>
-              <a:t>      </a:t>
-            </a:r>
-            <a:r>
-              <a:rPr lang="nb-NO" dirty="0" err="1"/>
-              <a:t>nxos_config</a:t>
-            </a:r>
-            <a:r>
-              <a:rPr lang="nb-NO" dirty="0"/>
-              <a:t>:</a:t>
-            </a:r>
-          </a:p>
-          <a:p>
-            <a:r>
-              <a:rPr lang="nb-NO" dirty="0"/>
-              <a:t>        lines:</a:t>
-            </a:r>
-          </a:p>
-          <a:p>
-            <a:r>
-              <a:rPr lang="nb-NO" dirty="0"/>
-              <a:t>          - logging server 10.203.12.101 6 port 11001 </a:t>
-            </a:r>
-            <a:r>
-              <a:rPr lang="nb-NO" dirty="0" err="1"/>
-              <a:t>use-vrf</a:t>
-            </a:r>
-            <a:r>
-              <a:rPr lang="nb-NO" dirty="0"/>
-              <a:t> management</a:t>
-            </a:r>
-          </a:p>
-          <a:p>
-            <a:r>
-              <a:rPr lang="nb-NO" dirty="0"/>
-              <a:t>          - logging </a:t>
-            </a:r>
-            <a:r>
-              <a:rPr lang="nb-NO" dirty="0" err="1"/>
-              <a:t>origin</a:t>
-            </a:r>
-            <a:r>
-              <a:rPr lang="nb-NO" dirty="0"/>
-              <a:t>-id </a:t>
-            </a:r>
-            <a:r>
-              <a:rPr lang="nb-NO" dirty="0" err="1"/>
-              <a:t>hostname</a:t>
-            </a:r>
-            <a:endParaRPr lang="nb-NO" dirty="0"/>
-          </a:p>
-          <a:p>
-            <a:endParaRPr lang="nb-NO" dirty="0"/>
-          </a:p>
-          <a:p>
-            <a:r>
-              <a:rPr lang="nb-NO" dirty="0"/>
-              <a:t>Snakke litt om </a:t>
-            </a:r>
-            <a:r>
-              <a:rPr lang="nb-NO" dirty="0" err="1"/>
-              <a:t>idempotency</a:t>
-            </a:r>
-            <a:endParaRPr lang="nb-NO" dirty="0"/>
-          </a:p>
-          <a:p>
-            <a:r>
-              <a:rPr lang="nb-NO" dirty="0"/>
-              <a:t>An </a:t>
-            </a:r>
-            <a:r>
-              <a:rPr lang="nb-NO" dirty="0" err="1"/>
-              <a:t>operation</a:t>
-            </a:r>
-            <a:r>
-              <a:rPr lang="nb-NO" dirty="0"/>
-              <a:t> is </a:t>
-            </a:r>
-            <a:r>
-              <a:rPr lang="nb-NO" dirty="0" err="1"/>
-              <a:t>idemporten</a:t>
-            </a:r>
-            <a:r>
-              <a:rPr lang="nb-NO" dirty="0"/>
-              <a:t> </a:t>
-            </a:r>
-            <a:r>
-              <a:rPr lang="nb-NO" dirty="0" err="1"/>
-              <a:t>if</a:t>
-            </a:r>
-            <a:r>
-              <a:rPr lang="nb-NO" dirty="0"/>
-              <a:t> </a:t>
-            </a:r>
-            <a:r>
-              <a:rPr lang="nb-NO" dirty="0" err="1"/>
-              <a:t>the</a:t>
-            </a:r>
-            <a:r>
-              <a:rPr lang="nb-NO" dirty="0"/>
-              <a:t> </a:t>
-            </a:r>
-            <a:r>
-              <a:rPr lang="nb-NO" dirty="0" err="1"/>
-              <a:t>result</a:t>
-            </a:r>
-            <a:r>
-              <a:rPr lang="nb-NO" dirty="0"/>
-              <a:t> </a:t>
-            </a:r>
-            <a:r>
-              <a:rPr lang="nb-NO" dirty="0" err="1"/>
-              <a:t>of</a:t>
-            </a:r>
-            <a:r>
-              <a:rPr lang="nb-NO" dirty="0"/>
-              <a:t> </a:t>
-            </a:r>
-            <a:r>
-              <a:rPr lang="nb-NO" dirty="0" err="1"/>
-              <a:t>performing</a:t>
-            </a:r>
-            <a:r>
-              <a:rPr lang="nb-NO" dirty="0"/>
-              <a:t> it </a:t>
-            </a:r>
-            <a:r>
-              <a:rPr lang="nb-NO" dirty="0" err="1"/>
-              <a:t>once</a:t>
-            </a:r>
-            <a:r>
-              <a:rPr lang="nb-NO" dirty="0"/>
-              <a:t> is </a:t>
-            </a:r>
-            <a:r>
-              <a:rPr lang="nb-NO" dirty="0" err="1"/>
-              <a:t>exactly</a:t>
-            </a:r>
-            <a:r>
-              <a:rPr lang="nb-NO" dirty="0"/>
-              <a:t> </a:t>
-            </a:r>
-            <a:r>
-              <a:rPr lang="nb-NO" dirty="0" err="1"/>
-              <a:t>the</a:t>
-            </a:r>
-            <a:r>
-              <a:rPr lang="nb-NO" dirty="0"/>
-              <a:t> same as </a:t>
-            </a:r>
-            <a:r>
-              <a:rPr lang="nb-NO" dirty="0" err="1"/>
-              <a:t>the</a:t>
-            </a:r>
-            <a:r>
-              <a:rPr lang="nb-NO" dirty="0"/>
-              <a:t> </a:t>
-            </a:r>
-            <a:r>
-              <a:rPr lang="nb-NO" dirty="0" err="1"/>
-              <a:t>result</a:t>
-            </a:r>
-            <a:r>
-              <a:rPr lang="nb-NO" dirty="0"/>
-              <a:t> </a:t>
-            </a:r>
-            <a:r>
-              <a:rPr lang="nb-NO" dirty="0" err="1"/>
-              <a:t>of</a:t>
-            </a:r>
-            <a:r>
-              <a:rPr lang="nb-NO" dirty="0"/>
-              <a:t> </a:t>
-            </a:r>
-            <a:r>
-              <a:rPr lang="nb-NO" dirty="0" err="1"/>
-              <a:t>prerforming</a:t>
-            </a:r>
-            <a:r>
-              <a:rPr lang="nb-NO" dirty="0"/>
-              <a:t> it </a:t>
-            </a:r>
-            <a:r>
-              <a:rPr lang="nb-NO" dirty="0" err="1"/>
-              <a:t>repeatedly</a:t>
-            </a:r>
-            <a:r>
-              <a:rPr lang="nb-NO" dirty="0"/>
-              <a:t> </a:t>
-            </a:r>
-            <a:r>
-              <a:rPr lang="nb-NO" dirty="0" err="1"/>
-              <a:t>without</a:t>
-            </a:r>
-            <a:r>
-              <a:rPr lang="nb-NO" dirty="0"/>
-              <a:t> </a:t>
-            </a:r>
-            <a:r>
-              <a:rPr lang="nb-NO" dirty="0" err="1"/>
-              <a:t>any</a:t>
-            </a:r>
-            <a:r>
-              <a:rPr lang="nb-NO" dirty="0"/>
-              <a:t> </a:t>
-            </a:r>
-            <a:r>
-              <a:rPr lang="nb-NO" dirty="0" err="1"/>
-              <a:t>intervening</a:t>
-            </a:r>
-            <a:r>
-              <a:rPr lang="nb-NO" dirty="0"/>
-              <a:t> </a:t>
-            </a:r>
-            <a:r>
-              <a:rPr lang="nb-NO" dirty="0" err="1"/>
-              <a:t>actions</a:t>
-            </a:r>
-            <a:r>
-              <a:rPr lang="nb-NO"/>
-              <a:t>.</a:t>
+              <a:t>logging_nxos_1.yml</a:t>
             </a:r>
           </a:p>
           <a:p>
@@ -2991,6 +2678,279 @@
           <a:bodyPr/>
           <a:lstStyle/>
           <a:p>
+            <a:r>
+              <a:rPr lang="nb-NO" dirty="0"/>
+              <a:t>logging_nxos_2.yml</a:t>
+            </a:r>
+          </a:p>
+          <a:p>
+            <a:endParaRPr lang="nb-NO" dirty="0"/>
+          </a:p>
+          <a:p>
+            <a:r>
+              <a:rPr lang="nb-NO" dirty="0"/>
+              <a:t>YAML </a:t>
+            </a:r>
+            <a:r>
+              <a:rPr lang="nb-NO" dirty="0" err="1"/>
+              <a:t>abbreviated</a:t>
+            </a:r>
+            <a:r>
+              <a:rPr lang="nb-NO" dirty="0"/>
+              <a:t> format:</a:t>
+            </a:r>
+          </a:p>
+          <a:p>
+            <a:r>
+              <a:rPr lang="nb-NO" dirty="0"/>
+              <a:t>---</a:t>
+            </a:r>
+          </a:p>
+          <a:p>
+            <a:r>
+              <a:rPr lang="nb-NO" dirty="0"/>
+              <a:t>martin: {</a:t>
+            </a:r>
+            <a:r>
+              <a:rPr lang="nb-NO" dirty="0" err="1"/>
+              <a:t>name</a:t>
+            </a:r>
+            <a:r>
+              <a:rPr lang="nb-NO" dirty="0"/>
+              <a:t>: Martin </a:t>
+            </a:r>
+            <a:r>
+              <a:rPr lang="nb-NO" dirty="0" err="1"/>
+              <a:t>D'vloper</a:t>
+            </a:r>
+            <a:r>
+              <a:rPr lang="nb-NO" dirty="0"/>
+              <a:t>, </a:t>
+            </a:r>
+            <a:r>
+              <a:rPr lang="nb-NO" dirty="0" err="1"/>
+              <a:t>job</a:t>
+            </a:r>
+            <a:r>
+              <a:rPr lang="nb-NO" dirty="0"/>
+              <a:t>: Developer, skill: Elite}</a:t>
+            </a:r>
+          </a:p>
+          <a:p>
+            <a:r>
+              <a:rPr lang="nb-NO" dirty="0"/>
+              <a:t>['Apple', 'Orange', '</a:t>
+            </a:r>
+            <a:r>
+              <a:rPr lang="nb-NO" dirty="0" err="1"/>
+              <a:t>Strawberry</a:t>
+            </a:r>
+            <a:r>
+              <a:rPr lang="nb-NO" dirty="0"/>
+              <a:t>', 'Mango’]</a:t>
+            </a:r>
+          </a:p>
+          <a:p>
+            <a:endParaRPr lang="nb-NO" dirty="0"/>
+          </a:p>
+          <a:p>
+            <a:r>
+              <a:rPr lang="nb-NO" dirty="0"/>
+              <a:t>{{ variabel }} kommer fra Jinja2, trenger «» rundt for at </a:t>
+            </a:r>
+            <a:r>
+              <a:rPr lang="nb-NO" dirty="0" err="1"/>
+              <a:t>Ansible</a:t>
+            </a:r>
+            <a:r>
+              <a:rPr lang="nb-NO" dirty="0"/>
+              <a:t> ikke skal tro det er en </a:t>
+            </a:r>
+            <a:r>
+              <a:rPr lang="nb-NO" dirty="0" err="1"/>
+              <a:t>dictionary</a:t>
+            </a:r>
+            <a:endParaRPr lang="nb-NO" dirty="0"/>
+          </a:p>
+          <a:p>
+            <a:endParaRPr lang="nb-NO" dirty="0"/>
+          </a:p>
+          <a:p>
+            <a:r>
+              <a:rPr lang="nb-NO" dirty="0"/>
+              <a:t>Snakke litt om </a:t>
+            </a:r>
+            <a:r>
+              <a:rPr lang="nb-NO" dirty="0" err="1"/>
+              <a:t>idempotency</a:t>
+            </a:r>
+            <a:endParaRPr lang="nb-NO" dirty="0"/>
+          </a:p>
+          <a:p>
+            <a:r>
+              <a:rPr lang="nb-NO" dirty="0"/>
+              <a:t>An </a:t>
+            </a:r>
+            <a:r>
+              <a:rPr lang="nb-NO" dirty="0" err="1"/>
+              <a:t>operation</a:t>
+            </a:r>
+            <a:r>
+              <a:rPr lang="nb-NO" dirty="0"/>
+              <a:t> is </a:t>
+            </a:r>
+            <a:r>
+              <a:rPr lang="nb-NO" dirty="0" err="1"/>
+              <a:t>idemporten</a:t>
+            </a:r>
+            <a:r>
+              <a:rPr lang="nb-NO" dirty="0"/>
+              <a:t> </a:t>
+            </a:r>
+            <a:r>
+              <a:rPr lang="nb-NO" dirty="0" err="1"/>
+              <a:t>if</a:t>
+            </a:r>
+            <a:r>
+              <a:rPr lang="nb-NO" dirty="0"/>
+              <a:t> </a:t>
+            </a:r>
+            <a:r>
+              <a:rPr lang="nb-NO" dirty="0" err="1"/>
+              <a:t>the</a:t>
+            </a:r>
+            <a:r>
+              <a:rPr lang="nb-NO" dirty="0"/>
+              <a:t> </a:t>
+            </a:r>
+            <a:r>
+              <a:rPr lang="nb-NO" dirty="0" err="1"/>
+              <a:t>result</a:t>
+            </a:r>
+            <a:r>
+              <a:rPr lang="nb-NO" dirty="0"/>
+              <a:t> </a:t>
+            </a:r>
+            <a:r>
+              <a:rPr lang="nb-NO" dirty="0" err="1"/>
+              <a:t>of</a:t>
+            </a:r>
+            <a:r>
+              <a:rPr lang="nb-NO" dirty="0"/>
+              <a:t> </a:t>
+            </a:r>
+            <a:r>
+              <a:rPr lang="nb-NO" dirty="0" err="1"/>
+              <a:t>performing</a:t>
+            </a:r>
+            <a:r>
+              <a:rPr lang="nb-NO" dirty="0"/>
+              <a:t> it </a:t>
+            </a:r>
+            <a:r>
+              <a:rPr lang="nb-NO" dirty="0" err="1"/>
+              <a:t>once</a:t>
+            </a:r>
+            <a:r>
+              <a:rPr lang="nb-NO" dirty="0"/>
+              <a:t> is </a:t>
+            </a:r>
+            <a:r>
+              <a:rPr lang="nb-NO" dirty="0" err="1"/>
+              <a:t>exactly</a:t>
+            </a:r>
+            <a:r>
+              <a:rPr lang="nb-NO" dirty="0"/>
+              <a:t> </a:t>
+            </a:r>
+            <a:r>
+              <a:rPr lang="nb-NO" dirty="0" err="1"/>
+              <a:t>the</a:t>
+            </a:r>
+            <a:r>
+              <a:rPr lang="nb-NO" dirty="0"/>
+              <a:t> same as </a:t>
+            </a:r>
+            <a:r>
+              <a:rPr lang="nb-NO" dirty="0" err="1"/>
+              <a:t>the</a:t>
+            </a:r>
+            <a:r>
+              <a:rPr lang="nb-NO" dirty="0"/>
+              <a:t> </a:t>
+            </a:r>
+            <a:r>
+              <a:rPr lang="nb-NO" dirty="0" err="1"/>
+              <a:t>result</a:t>
+            </a:r>
+            <a:r>
+              <a:rPr lang="nb-NO" dirty="0"/>
+              <a:t> </a:t>
+            </a:r>
+            <a:r>
+              <a:rPr lang="nb-NO" dirty="0" err="1"/>
+              <a:t>of</a:t>
+            </a:r>
+            <a:r>
+              <a:rPr lang="nb-NO" dirty="0"/>
+              <a:t> </a:t>
+            </a:r>
+            <a:r>
+              <a:rPr lang="nb-NO" dirty="0" err="1"/>
+              <a:t>prerforming</a:t>
+            </a:r>
+            <a:r>
+              <a:rPr lang="nb-NO" dirty="0"/>
+              <a:t> it </a:t>
+            </a:r>
+            <a:r>
+              <a:rPr lang="nb-NO" dirty="0" err="1"/>
+              <a:t>repeatedly</a:t>
+            </a:r>
+            <a:r>
+              <a:rPr lang="nb-NO" dirty="0"/>
+              <a:t> </a:t>
+            </a:r>
+            <a:r>
+              <a:rPr lang="nb-NO" dirty="0" err="1"/>
+              <a:t>without</a:t>
+            </a:r>
+            <a:r>
+              <a:rPr lang="nb-NO" dirty="0"/>
+              <a:t> </a:t>
+            </a:r>
+            <a:r>
+              <a:rPr lang="nb-NO" dirty="0" err="1"/>
+              <a:t>any</a:t>
+            </a:r>
+            <a:r>
+              <a:rPr lang="nb-NO" dirty="0"/>
+              <a:t> </a:t>
+            </a:r>
+            <a:r>
+              <a:rPr lang="nb-NO" dirty="0" err="1"/>
+              <a:t>intervening</a:t>
+            </a:r>
+            <a:r>
+              <a:rPr lang="nb-NO" dirty="0"/>
+              <a:t> </a:t>
+            </a:r>
+            <a:r>
+              <a:rPr lang="nb-NO" dirty="0" err="1"/>
+              <a:t>actions</a:t>
+            </a:r>
+            <a:r>
+              <a:rPr lang="nb-NO" dirty="0"/>
+              <a:t>.</a:t>
+            </a:r>
+          </a:p>
+          <a:p>
+            <a:r>
+              <a:rPr lang="nb-NO" dirty="0"/>
+              <a:t>Gjør en endring i CLI og hvis forskjellen</a:t>
+            </a:r>
+          </a:p>
+          <a:p>
             <a:endParaRPr lang="nb-NO" dirty="0"/>
           </a:p>
         </p:txBody>
@@ -3161,170 +3121,7 @@
           <a:p>
             <a:r>
               <a:rPr lang="nb-NO" dirty="0"/>
-              <a:t>Snakke litt om </a:t>
-            </a:r>
-            <a:r>
-              <a:rPr lang="nb-NO" dirty="0" err="1"/>
-              <a:t>idempotency</a:t>
-            </a:r>
-            <a:endParaRPr lang="nb-NO" dirty="0"/>
-          </a:p>
-          <a:p>
-            <a:r>
-              <a:rPr lang="nb-NO" dirty="0"/>
-              <a:t>An </a:t>
-            </a:r>
-            <a:r>
-              <a:rPr lang="nb-NO" dirty="0" err="1"/>
-              <a:t>operation</a:t>
-            </a:r>
-            <a:r>
-              <a:rPr lang="nb-NO" dirty="0"/>
-              <a:t> is </a:t>
-            </a:r>
-            <a:r>
-              <a:rPr lang="nb-NO" dirty="0" err="1"/>
-              <a:t>idemporten</a:t>
-            </a:r>
-            <a:r>
-              <a:rPr lang="nb-NO" dirty="0"/>
-              <a:t> </a:t>
-            </a:r>
-            <a:r>
-              <a:rPr lang="nb-NO" dirty="0" err="1"/>
-              <a:t>if</a:t>
-            </a:r>
-            <a:r>
-              <a:rPr lang="nb-NO" dirty="0"/>
-              <a:t> </a:t>
-            </a:r>
-            <a:r>
-              <a:rPr lang="nb-NO" dirty="0" err="1"/>
-              <a:t>the</a:t>
-            </a:r>
-            <a:r>
-              <a:rPr lang="nb-NO" dirty="0"/>
-              <a:t> </a:t>
-            </a:r>
-            <a:r>
-              <a:rPr lang="nb-NO" dirty="0" err="1"/>
-              <a:t>result</a:t>
-            </a:r>
-            <a:r>
-              <a:rPr lang="nb-NO" dirty="0"/>
-              <a:t> </a:t>
-            </a:r>
-            <a:r>
-              <a:rPr lang="nb-NO" dirty="0" err="1"/>
-              <a:t>of</a:t>
-            </a:r>
-            <a:r>
-              <a:rPr lang="nb-NO" dirty="0"/>
-              <a:t> </a:t>
-            </a:r>
-            <a:r>
-              <a:rPr lang="nb-NO" dirty="0" err="1"/>
-              <a:t>performing</a:t>
-            </a:r>
-            <a:r>
-              <a:rPr lang="nb-NO" dirty="0"/>
-              <a:t> it </a:t>
-            </a:r>
-            <a:r>
-              <a:rPr lang="nb-NO" dirty="0" err="1"/>
-              <a:t>once</a:t>
-            </a:r>
-            <a:r>
-              <a:rPr lang="nb-NO" dirty="0"/>
-              <a:t> is </a:t>
-            </a:r>
-            <a:r>
-              <a:rPr lang="nb-NO" dirty="0" err="1"/>
-              <a:t>exactly</a:t>
-            </a:r>
-            <a:r>
-              <a:rPr lang="nb-NO" dirty="0"/>
-              <a:t> </a:t>
-            </a:r>
-            <a:r>
-              <a:rPr lang="nb-NO" dirty="0" err="1"/>
-              <a:t>the</a:t>
-            </a:r>
-            <a:r>
-              <a:rPr lang="nb-NO" dirty="0"/>
-              <a:t> same as </a:t>
-            </a:r>
-            <a:r>
-              <a:rPr lang="nb-NO" dirty="0" err="1"/>
-              <a:t>the</a:t>
-            </a:r>
-            <a:r>
-              <a:rPr lang="nb-NO" dirty="0"/>
-              <a:t> </a:t>
-            </a:r>
-            <a:r>
-              <a:rPr lang="nb-NO" dirty="0" err="1"/>
-              <a:t>result</a:t>
-            </a:r>
-            <a:r>
-              <a:rPr lang="nb-NO" dirty="0"/>
-              <a:t> </a:t>
-            </a:r>
-            <a:r>
-              <a:rPr lang="nb-NO" dirty="0" err="1"/>
-              <a:t>of</a:t>
-            </a:r>
-            <a:r>
-              <a:rPr lang="nb-NO" dirty="0"/>
-              <a:t> </a:t>
-            </a:r>
-            <a:r>
-              <a:rPr lang="nb-NO" dirty="0" err="1"/>
-              <a:t>prerforming</a:t>
-            </a:r>
-            <a:r>
-              <a:rPr lang="nb-NO" dirty="0"/>
-              <a:t> it </a:t>
-            </a:r>
-            <a:r>
-              <a:rPr lang="nb-NO" dirty="0" err="1"/>
-              <a:t>repeatedly</a:t>
-            </a:r>
-            <a:r>
-              <a:rPr lang="nb-NO" dirty="0"/>
-              <a:t> </a:t>
-            </a:r>
-            <a:r>
-              <a:rPr lang="nb-NO" dirty="0" err="1"/>
-              <a:t>without</a:t>
-            </a:r>
-            <a:r>
-              <a:rPr lang="nb-NO" dirty="0"/>
-              <a:t> </a:t>
-            </a:r>
-            <a:r>
-              <a:rPr lang="nb-NO" dirty="0" err="1"/>
-              <a:t>any</a:t>
-            </a:r>
-            <a:r>
-              <a:rPr lang="nb-NO" dirty="0"/>
-              <a:t> </a:t>
-            </a:r>
-            <a:r>
-              <a:rPr lang="nb-NO" dirty="0" err="1"/>
-              <a:t>intervening</a:t>
-            </a:r>
-            <a:r>
-              <a:rPr lang="nb-NO" dirty="0"/>
-              <a:t> </a:t>
-            </a:r>
-            <a:r>
-              <a:rPr lang="nb-NO" dirty="0" err="1"/>
-              <a:t>actions</a:t>
-            </a:r>
-            <a:r>
-              <a:rPr lang="nb-NO" dirty="0"/>
-              <a:t>.</a:t>
+              <a:t>logging_nxos_3.yml</a:t>
             </a:r>
           </a:p>
         </p:txBody>
@@ -3409,6 +3206,32 @@
           <a:bodyPr/>
           <a:lstStyle/>
           <a:p>
+            <a:pPr marL="0" marR="0" lvl="0" indent="0" algn="l" defTabSz="914400" rtl="0" eaLnBrk="1" fontAlgn="auto" latinLnBrk="0" hangingPunct="1">
+              <a:lnSpc>
+                <a:spcPct val="100000"/>
+              </a:lnSpc>
+              <a:spcBef>
+                <a:spcPts val="0"/>
+              </a:spcBef>
+              <a:spcAft>
+                <a:spcPts val="0"/>
+              </a:spcAft>
+              <a:buClrTx/>
+              <a:buSzTx/>
+              <a:buFontTx/>
+              <a:buNone/>
+              <a:tabLst/>
+              <a:defRPr/>
+            </a:pPr>
+            <a:r>
+              <a:rPr lang="nb-NO" dirty="0"/>
+              <a:t>logging_nxos_3.yml</a:t>
+            </a:r>
+          </a:p>
+          <a:p>
+            <a:endParaRPr lang="nb-NO" dirty="0"/>
+          </a:p>
+          <a:p>
             <a:r>
               <a:rPr lang="nb-NO" dirty="0"/>
               <a:t>Endre </a:t>
@@ -3419,7 +3242,7 @@
             </a:r>
             <a:r>
               <a:rPr lang="nb-NO" dirty="0"/>
-              <a:t> til 10.203.12.101</a:t>
+              <a:t> til 10.203.12.102</a:t>
             </a:r>
           </a:p>
         </p:txBody>
@@ -3506,6 +3329,15 @@
           <a:p>
             <a:r>
               <a:rPr lang="nb-NO" dirty="0"/>
+              <a:t>logging_nxos_4.yml</a:t>
+            </a:r>
+          </a:p>
+          <a:p>
+            <a:endParaRPr lang="nb-NO" dirty="0"/>
+          </a:p>
+          <a:p>
+            <a:r>
+              <a:rPr lang="nb-NO" dirty="0"/>
               <a:t>NXOS5 har ikke IP i VRF </a:t>
             </a:r>
             <a:r>
@@ -3609,809 +3441,17 @@
           <a:p>
             <a:r>
               <a:rPr lang="nb-NO" dirty="0"/>
-              <a:t>logging_nxos_5.yml </a:t>
-            </a:r>
-          </a:p>
-          <a:p>
-            <a:r>
-              <a:rPr lang="nb-NO" dirty="0"/>
-              <a:t>---</a:t>
-            </a:r>
-          </a:p>
-          <a:p>
-            <a:r>
-              <a:rPr lang="nb-NO" dirty="0"/>
-              <a:t>- </a:t>
-            </a:r>
-            <a:r>
-              <a:rPr lang="nb-NO" dirty="0" err="1"/>
-              <a:t>name</a:t>
-            </a:r>
-            <a:r>
-              <a:rPr lang="nb-NO" dirty="0"/>
-              <a:t>: </a:t>
-            </a:r>
-            <a:r>
-              <a:rPr lang="nb-NO" dirty="0" err="1"/>
-              <a:t>Configure</a:t>
-            </a:r>
-            <a:r>
-              <a:rPr lang="nb-NO" dirty="0"/>
-              <a:t> logging</a:t>
-            </a:r>
-          </a:p>
-          <a:p>
-            <a:r>
-              <a:rPr lang="nb-NO" dirty="0"/>
-              <a:t>  hosts: </a:t>
-            </a:r>
-            <a:r>
-              <a:rPr lang="nb-NO" dirty="0" err="1"/>
-              <a:t>nxos</a:t>
-            </a:r>
+              <a:t>logging_nxos_5.yml</a:t>
+            </a:r>
+          </a:p>
+          <a:p>
             <a:endParaRPr lang="nb-NO" dirty="0"/>
           </a:p>
           <a:p>
             <a:r>
               <a:rPr lang="nb-NO" dirty="0"/>
-              <a:t>  </a:t>
-            </a:r>
-            <a:r>
-              <a:rPr lang="nb-NO" dirty="0" err="1"/>
-              <a:t>gather_facts</a:t>
-            </a:r>
-            <a:r>
-              <a:rPr lang="nb-NO" dirty="0"/>
-              <a:t>: False</a:t>
-            </a:r>
-          </a:p>
-          <a:p>
-            <a:r>
-              <a:rPr lang="nb-NO" dirty="0"/>
-              <a:t>  </a:t>
-            </a:r>
-            <a:r>
-              <a:rPr lang="nb-NO" dirty="0" err="1"/>
-              <a:t>tasks</a:t>
-            </a:r>
-            <a:r>
-              <a:rPr lang="nb-NO" dirty="0"/>
-              <a:t>:</a:t>
-            </a:r>
-          </a:p>
-          <a:p>
-            <a:endParaRPr lang="nb-NO" dirty="0"/>
-          </a:p>
-          <a:p>
-            <a:r>
-              <a:rPr lang="nb-NO" dirty="0"/>
-              <a:t>    - </a:t>
-            </a:r>
-            <a:r>
-              <a:rPr lang="nb-NO" dirty="0" err="1"/>
-              <a:t>name</a:t>
-            </a:r>
-            <a:r>
-              <a:rPr lang="nb-NO" dirty="0"/>
-              <a:t>: Check for IP </a:t>
-            </a:r>
-            <a:r>
-              <a:rPr lang="nb-NO" dirty="0" err="1"/>
-              <a:t>on</a:t>
-            </a:r>
-            <a:r>
-              <a:rPr lang="nb-NO" dirty="0"/>
-              <a:t> </a:t>
-            </a:r>
-            <a:r>
-              <a:rPr lang="nb-NO" dirty="0" err="1"/>
-              <a:t>int</a:t>
-            </a:r>
-            <a:r>
-              <a:rPr lang="nb-NO" dirty="0"/>
-              <a:t> mgmt0</a:t>
-            </a:r>
-          </a:p>
-          <a:p>
-            <a:r>
-              <a:rPr lang="nb-NO" dirty="0"/>
-              <a:t>      </a:t>
-            </a:r>
-            <a:r>
-              <a:rPr lang="nb-NO" dirty="0" err="1"/>
-              <a:t>nxos_command</a:t>
-            </a:r>
-            <a:r>
-              <a:rPr lang="nb-NO" dirty="0"/>
-              <a:t>:</a:t>
-            </a:r>
-          </a:p>
-          <a:p>
-            <a:r>
-              <a:rPr lang="nb-NO" dirty="0"/>
-              <a:t>        </a:t>
-            </a:r>
-            <a:r>
-              <a:rPr lang="nb-NO" dirty="0" err="1"/>
-              <a:t>commands</a:t>
-            </a:r>
-            <a:r>
-              <a:rPr lang="nb-NO" dirty="0"/>
-              <a:t>: "</a:t>
-            </a:r>
-            <a:r>
-              <a:rPr lang="nb-NO" dirty="0" err="1"/>
-              <a:t>sh</a:t>
-            </a:r>
-            <a:r>
-              <a:rPr lang="nb-NO" dirty="0"/>
-              <a:t> run </a:t>
-            </a:r>
-            <a:r>
-              <a:rPr lang="nb-NO" dirty="0" err="1"/>
-              <a:t>int</a:t>
-            </a:r>
-            <a:r>
-              <a:rPr lang="nb-NO" dirty="0"/>
-              <a:t> mgmt0 | i </a:t>
-            </a:r>
-            <a:r>
-              <a:rPr lang="nb-NO" dirty="0" err="1"/>
-              <a:t>ip</a:t>
-            </a:r>
-            <a:r>
-              <a:rPr lang="nb-NO" dirty="0"/>
-              <a:t>"</a:t>
-            </a:r>
-          </a:p>
-          <a:p>
-            <a:r>
-              <a:rPr lang="nb-NO" dirty="0"/>
-              <a:t>      register: </a:t>
-            </a:r>
-            <a:r>
-              <a:rPr lang="nb-NO" dirty="0" err="1"/>
-              <a:t>vrf_management</a:t>
-            </a:r>
-            <a:endParaRPr lang="nb-NO" dirty="0"/>
-          </a:p>
-          <a:p>
-            <a:endParaRPr lang="nb-NO" dirty="0"/>
-          </a:p>
-          <a:p>
-            <a:r>
-              <a:rPr lang="nb-NO" dirty="0"/>
-              <a:t>    - </a:t>
-            </a:r>
-            <a:r>
-              <a:rPr lang="nb-NO" dirty="0" err="1"/>
-              <a:t>name</a:t>
-            </a:r>
-            <a:r>
-              <a:rPr lang="nb-NO" dirty="0"/>
-              <a:t>: </a:t>
-            </a:r>
-            <a:r>
-              <a:rPr lang="nb-NO" dirty="0" err="1"/>
-              <a:t>Add</a:t>
-            </a:r>
-            <a:r>
-              <a:rPr lang="nb-NO" dirty="0"/>
-              <a:t> </a:t>
-            </a:r>
-            <a:r>
-              <a:rPr lang="nb-NO" dirty="0" err="1"/>
-              <a:t>use-vrf</a:t>
-            </a:r>
-            <a:r>
-              <a:rPr lang="nb-NO" dirty="0"/>
-              <a:t> </a:t>
-            </a:r>
-            <a:r>
-              <a:rPr lang="nb-NO" dirty="0" err="1"/>
-              <a:t>managment</a:t>
-            </a:r>
-            <a:r>
-              <a:rPr lang="nb-NO" dirty="0"/>
-              <a:t> </a:t>
-            </a:r>
-            <a:r>
-              <a:rPr lang="nb-NO" dirty="0" err="1"/>
-              <a:t>if</a:t>
-            </a:r>
-            <a:r>
-              <a:rPr lang="nb-NO" dirty="0"/>
-              <a:t> </a:t>
-            </a:r>
-            <a:r>
-              <a:rPr lang="nb-NO" dirty="0" err="1"/>
-              <a:t>needed</a:t>
-            </a:r>
-            <a:endParaRPr lang="nb-NO" dirty="0"/>
-          </a:p>
-          <a:p>
-            <a:r>
-              <a:rPr lang="nb-NO" dirty="0"/>
-              <a:t>      </a:t>
-            </a:r>
-            <a:r>
-              <a:rPr lang="nb-NO" dirty="0" err="1"/>
-              <a:t>set_fact</a:t>
-            </a:r>
-            <a:r>
-              <a:rPr lang="nb-NO" dirty="0"/>
-              <a:t>:</a:t>
-            </a:r>
-          </a:p>
-          <a:p>
-            <a:r>
-              <a:rPr lang="nb-NO" dirty="0"/>
-              <a:t>        </a:t>
-            </a:r>
-            <a:r>
-              <a:rPr lang="nb-NO" dirty="0" err="1"/>
-              <a:t>logg_config</a:t>
-            </a:r>
-            <a:r>
-              <a:rPr lang="nb-NO" dirty="0"/>
-              <a:t>: "{{ </a:t>
-            </a:r>
-            <a:r>
-              <a:rPr lang="nb-NO" dirty="0" err="1"/>
-              <a:t>logg_config_vrf</a:t>
-            </a:r>
-            <a:r>
-              <a:rPr lang="nb-NO" dirty="0"/>
-              <a:t> }}"</a:t>
-            </a:r>
-          </a:p>
-          <a:p>
-            <a:r>
-              <a:rPr lang="nb-NO" dirty="0"/>
-              <a:t>      </a:t>
-            </a:r>
-            <a:r>
-              <a:rPr lang="nb-NO" dirty="0" err="1"/>
-              <a:t>when</a:t>
-            </a:r>
-            <a:r>
-              <a:rPr lang="nb-NO" dirty="0"/>
-              <a:t>: "'</a:t>
-            </a:r>
-            <a:r>
-              <a:rPr lang="nb-NO" dirty="0" err="1"/>
-              <a:t>ip</a:t>
-            </a:r>
-            <a:r>
-              <a:rPr lang="nb-NO" dirty="0"/>
-              <a:t>' in </a:t>
-            </a:r>
-            <a:r>
-              <a:rPr lang="nb-NO" dirty="0" err="1"/>
-              <a:t>vrf_management.stdout</a:t>
-            </a:r>
-            <a:r>
-              <a:rPr lang="nb-NO" dirty="0"/>
-              <a:t>[0]"</a:t>
-            </a:r>
-          </a:p>
-          <a:p>
-            <a:endParaRPr lang="nb-NO" dirty="0"/>
-          </a:p>
-          <a:p>
-            <a:r>
-              <a:rPr lang="nb-NO" dirty="0"/>
-              <a:t>    - </a:t>
-            </a:r>
-            <a:r>
-              <a:rPr lang="nb-NO" dirty="0" err="1"/>
-              <a:t>name</a:t>
-            </a:r>
-            <a:r>
-              <a:rPr lang="nb-NO" dirty="0"/>
-              <a:t>: </a:t>
-            </a:r>
-            <a:r>
-              <a:rPr lang="nb-NO" dirty="0" err="1"/>
-              <a:t>Configure</a:t>
-            </a:r>
-            <a:r>
-              <a:rPr lang="nb-NO" dirty="0"/>
-              <a:t> </a:t>
-            </a:r>
-            <a:r>
-              <a:rPr lang="nb-NO" dirty="0" err="1"/>
-              <a:t>syslog</a:t>
-            </a:r>
-            <a:endParaRPr lang="nb-NO" dirty="0"/>
-          </a:p>
-          <a:p>
-            <a:r>
-              <a:rPr lang="nb-NO" dirty="0"/>
-              <a:t>      </a:t>
-            </a:r>
-            <a:r>
-              <a:rPr lang="nb-NO" dirty="0" err="1"/>
-              <a:t>nxos_config</a:t>
-            </a:r>
-            <a:r>
-              <a:rPr lang="nb-NO" dirty="0"/>
-              <a:t>:</a:t>
-            </a:r>
-          </a:p>
-          <a:p>
-            <a:r>
-              <a:rPr lang="nb-NO" dirty="0"/>
-              <a:t>        lines: "{{ </a:t>
-            </a:r>
-            <a:r>
-              <a:rPr lang="nb-NO" dirty="0" err="1"/>
-              <a:t>logg_config</a:t>
-            </a:r>
-            <a:r>
-              <a:rPr lang="nb-NO" dirty="0"/>
-              <a:t> }}"</a:t>
-            </a:r>
-          </a:p>
-          <a:p>
-            <a:r>
-              <a:rPr lang="nb-NO" dirty="0"/>
-              <a:t>        </a:t>
-            </a:r>
-            <a:r>
-              <a:rPr lang="nb-NO" dirty="0" err="1"/>
-              <a:t>save_when</a:t>
-            </a:r>
-            <a:r>
-              <a:rPr lang="nb-NO" dirty="0"/>
-              <a:t>: </a:t>
-            </a:r>
-            <a:r>
-              <a:rPr lang="nb-NO" dirty="0" err="1"/>
-              <a:t>changed</a:t>
-            </a:r>
-            <a:endParaRPr lang="nb-NO" dirty="0"/>
-          </a:p>
-          <a:p>
-            <a:endParaRPr lang="nb-NO" dirty="0"/>
-          </a:p>
-          <a:p>
-            <a:r>
-              <a:rPr lang="nb-NO" dirty="0"/>
-              <a:t>    - </a:t>
-            </a:r>
-            <a:r>
-              <a:rPr lang="nb-NO" dirty="0" err="1"/>
-              <a:t>name</a:t>
-            </a:r>
-            <a:r>
-              <a:rPr lang="nb-NO" dirty="0"/>
-              <a:t>: </a:t>
-            </a:r>
-            <a:r>
-              <a:rPr lang="nb-NO" dirty="0" err="1"/>
-              <a:t>Get</a:t>
-            </a:r>
-            <a:r>
-              <a:rPr lang="nb-NO" dirty="0"/>
-              <a:t> </a:t>
-            </a:r>
-            <a:r>
-              <a:rPr lang="nb-NO" dirty="0" err="1"/>
-              <a:t>current</a:t>
-            </a:r>
-            <a:r>
-              <a:rPr lang="nb-NO" dirty="0"/>
-              <a:t> </a:t>
-            </a:r>
-            <a:r>
-              <a:rPr lang="nb-NO" dirty="0" err="1"/>
-              <a:t>syslog</a:t>
-            </a:r>
-            <a:r>
-              <a:rPr lang="nb-NO" dirty="0"/>
-              <a:t> </a:t>
-            </a:r>
-            <a:r>
-              <a:rPr lang="nb-NO" dirty="0" err="1"/>
-              <a:t>config</a:t>
-            </a:r>
-            <a:endParaRPr lang="nb-NO" dirty="0"/>
-          </a:p>
-          <a:p>
-            <a:r>
-              <a:rPr lang="nb-NO" dirty="0"/>
-              <a:t>      </a:t>
-            </a:r>
-            <a:r>
-              <a:rPr lang="nb-NO" dirty="0" err="1"/>
-              <a:t>nxos_command</a:t>
-            </a:r>
-            <a:r>
-              <a:rPr lang="nb-NO" dirty="0"/>
-              <a:t>:</a:t>
-            </a:r>
-          </a:p>
-          <a:p>
-            <a:r>
-              <a:rPr lang="nb-NO" dirty="0"/>
-              <a:t>        </a:t>
-            </a:r>
-            <a:r>
-              <a:rPr lang="nb-NO" dirty="0" err="1"/>
-              <a:t>commands</a:t>
-            </a:r>
-            <a:r>
-              <a:rPr lang="nb-NO" dirty="0"/>
-              <a:t>: "show run | i ^logging"</a:t>
-            </a:r>
-          </a:p>
-          <a:p>
-            <a:r>
-              <a:rPr lang="nb-NO" dirty="0"/>
-              <a:t>      register: output</a:t>
-            </a:r>
-          </a:p>
-          <a:p>
-            <a:endParaRPr lang="nb-NO" dirty="0"/>
-          </a:p>
-          <a:p>
-            <a:r>
-              <a:rPr lang="nb-NO" dirty="0"/>
-              <a:t>    - </a:t>
-            </a:r>
-            <a:r>
-              <a:rPr lang="nb-NO" dirty="0" err="1"/>
-              <a:t>set_fact</a:t>
-            </a:r>
-            <a:r>
-              <a:rPr lang="nb-NO" dirty="0"/>
-              <a:t>:</a:t>
-            </a:r>
-          </a:p>
-          <a:p>
-            <a:r>
-              <a:rPr lang="nb-NO" dirty="0"/>
-              <a:t>        </a:t>
-            </a:r>
-            <a:r>
-              <a:rPr lang="nb-NO" dirty="0" err="1"/>
-              <a:t>current_logging</a:t>
-            </a:r>
-            <a:r>
-              <a:rPr lang="nb-NO" dirty="0"/>
-              <a:t>: "{{ </a:t>
-            </a:r>
-            <a:r>
-              <a:rPr lang="nb-NO" dirty="0" err="1"/>
-              <a:t>output.stdout_lines</a:t>
-            </a:r>
-            <a:r>
-              <a:rPr lang="nb-NO" dirty="0"/>
-              <a:t>[0] }}"</a:t>
-            </a:r>
-          </a:p>
-          <a:p>
-            <a:endParaRPr lang="nb-NO" dirty="0"/>
-          </a:p>
-          <a:p>
-            <a:r>
-              <a:rPr lang="nb-NO" dirty="0"/>
-              <a:t>    - </a:t>
-            </a:r>
-            <a:r>
-              <a:rPr lang="nb-NO" dirty="0" err="1"/>
-              <a:t>name</a:t>
-            </a:r>
-            <a:r>
-              <a:rPr lang="nb-NO" dirty="0"/>
-              <a:t>: </a:t>
-            </a:r>
-            <a:r>
-              <a:rPr lang="nb-NO" dirty="0" err="1"/>
-              <a:t>Find</a:t>
-            </a:r>
-            <a:r>
-              <a:rPr lang="nb-NO" dirty="0"/>
-              <a:t> </a:t>
-            </a:r>
-            <a:r>
-              <a:rPr lang="nb-NO" dirty="0" err="1"/>
-              <a:t>extra</a:t>
-            </a:r>
-            <a:r>
-              <a:rPr lang="nb-NO" dirty="0"/>
-              <a:t> </a:t>
-            </a:r>
-            <a:r>
-              <a:rPr lang="nb-NO" dirty="0" err="1"/>
-              <a:t>unneded</a:t>
-            </a:r>
-            <a:r>
-              <a:rPr lang="nb-NO" dirty="0"/>
-              <a:t> lines</a:t>
-            </a:r>
-          </a:p>
-          <a:p>
-            <a:r>
-              <a:rPr lang="nb-NO" dirty="0"/>
-              <a:t>      </a:t>
-            </a:r>
-            <a:r>
-              <a:rPr lang="nb-NO" dirty="0" err="1"/>
-              <a:t>set_fact</a:t>
-            </a:r>
-            <a:r>
-              <a:rPr lang="nb-NO" dirty="0"/>
-              <a:t>:</a:t>
-            </a:r>
-          </a:p>
-          <a:p>
-            <a:r>
-              <a:rPr lang="nb-NO" dirty="0"/>
-              <a:t>       </a:t>
-            </a:r>
-            <a:r>
-              <a:rPr lang="nb-NO" dirty="0" err="1"/>
-              <a:t>extra_logging</a:t>
-            </a:r>
-            <a:r>
-              <a:rPr lang="nb-NO" dirty="0"/>
-              <a:t>: "{{ </a:t>
-            </a:r>
-            <a:r>
-              <a:rPr lang="nb-NO" dirty="0" err="1"/>
-              <a:t>current_logging</a:t>
-            </a:r>
-            <a:r>
-              <a:rPr lang="nb-NO" dirty="0"/>
-              <a:t> | </a:t>
-            </a:r>
-            <a:r>
-              <a:rPr lang="nb-NO" dirty="0" err="1"/>
-              <a:t>difference</a:t>
-            </a:r>
-            <a:r>
-              <a:rPr lang="nb-NO" dirty="0"/>
-              <a:t>(</a:t>
-            </a:r>
-            <a:r>
-              <a:rPr lang="nb-NO" dirty="0" err="1"/>
-              <a:t>logg_config</a:t>
-            </a:r>
-            <a:r>
-              <a:rPr lang="nb-NO" dirty="0"/>
-              <a:t>) | list }}"</a:t>
-            </a:r>
-          </a:p>
-          <a:p>
-            <a:endParaRPr lang="nb-NO" dirty="0"/>
-          </a:p>
-          <a:p>
-            <a:r>
-              <a:rPr lang="nb-NO" dirty="0"/>
-              <a:t>    - </a:t>
-            </a:r>
-            <a:r>
-              <a:rPr lang="nb-NO" dirty="0" err="1"/>
-              <a:t>name</a:t>
-            </a:r>
-            <a:r>
-              <a:rPr lang="nb-NO" dirty="0"/>
-              <a:t>: "</a:t>
-            </a:r>
-            <a:r>
-              <a:rPr lang="nb-NO" dirty="0" err="1"/>
-              <a:t>Construct</a:t>
-            </a:r>
-            <a:r>
-              <a:rPr lang="nb-NO" dirty="0"/>
-              <a:t> </a:t>
-            </a:r>
-            <a:r>
-              <a:rPr lang="nb-NO" dirty="0" err="1"/>
-              <a:t>the</a:t>
-            </a:r>
-            <a:r>
-              <a:rPr lang="nb-NO" dirty="0"/>
-              <a:t> '</a:t>
-            </a:r>
-            <a:r>
-              <a:rPr lang="nb-NO" dirty="0" err="1"/>
-              <a:t>no</a:t>
-            </a:r>
-            <a:r>
-              <a:rPr lang="nb-NO" dirty="0"/>
-              <a:t> logging...' </a:t>
-            </a:r>
-            <a:r>
-              <a:rPr lang="nb-NO" dirty="0" err="1"/>
-              <a:t>command</a:t>
-            </a:r>
-            <a:r>
-              <a:rPr lang="nb-NO" dirty="0"/>
-              <a:t> to </a:t>
-            </a:r>
-            <a:r>
-              <a:rPr lang="nb-NO" dirty="0" err="1"/>
-              <a:t>remove</a:t>
-            </a:r>
-            <a:r>
-              <a:rPr lang="nb-NO" dirty="0"/>
-              <a:t> </a:t>
-            </a:r>
-            <a:r>
-              <a:rPr lang="nb-NO" dirty="0" err="1"/>
-              <a:t>unneeded</a:t>
-            </a:r>
-            <a:r>
-              <a:rPr lang="nb-NO" dirty="0"/>
-              <a:t> lines"</a:t>
-            </a:r>
-          </a:p>
-          <a:p>
-            <a:r>
-              <a:rPr lang="nb-NO" dirty="0"/>
-              <a:t>      </a:t>
-            </a:r>
-            <a:r>
-              <a:rPr lang="nb-NO" dirty="0" err="1"/>
-              <a:t>set_fact</a:t>
-            </a:r>
-            <a:r>
-              <a:rPr lang="nb-NO" dirty="0"/>
-              <a:t>:</a:t>
-            </a:r>
-          </a:p>
-          <a:p>
-            <a:r>
-              <a:rPr lang="nb-NO" dirty="0"/>
-              <a:t>        </a:t>
-            </a:r>
-            <a:r>
-              <a:rPr lang="nb-NO" dirty="0" err="1"/>
-              <a:t>no_logging</a:t>
-            </a:r>
-            <a:r>
-              <a:rPr lang="nb-NO" dirty="0"/>
-              <a:t>: "{{ </a:t>
-            </a:r>
-            <a:r>
-              <a:rPr lang="nb-NO" dirty="0" err="1"/>
-              <a:t>lookup</a:t>
-            </a:r>
-            <a:r>
-              <a:rPr lang="nb-NO" dirty="0"/>
-              <a:t>('</a:t>
-            </a:r>
-            <a:r>
-              <a:rPr lang="nb-NO" dirty="0" err="1"/>
-              <a:t>template</a:t>
-            </a:r>
-            <a:r>
-              <a:rPr lang="nb-NO" dirty="0"/>
-              <a:t>', './TEMPLATES/no_logging.j2') | </a:t>
-            </a:r>
-            <a:r>
-              <a:rPr lang="nb-NO" dirty="0" err="1"/>
-              <a:t>from_yaml</a:t>
-            </a:r>
-            <a:r>
-              <a:rPr lang="nb-NO" dirty="0"/>
-              <a:t> }}"</a:t>
-            </a:r>
-          </a:p>
-          <a:p>
-            <a:endParaRPr lang="nb-NO" dirty="0"/>
-          </a:p>
-          <a:p>
-            <a:r>
-              <a:rPr lang="nb-NO" dirty="0"/>
-              <a:t>    - </a:t>
-            </a:r>
-            <a:r>
-              <a:rPr lang="nb-NO" dirty="0" err="1"/>
-              <a:t>name</a:t>
-            </a:r>
-            <a:r>
-              <a:rPr lang="nb-NO" dirty="0"/>
-              <a:t>: </a:t>
-            </a:r>
-            <a:r>
-              <a:rPr lang="nb-NO" dirty="0" err="1"/>
-              <a:t>Remove</a:t>
-            </a:r>
-            <a:r>
-              <a:rPr lang="nb-NO" dirty="0"/>
-              <a:t> </a:t>
-            </a:r>
-            <a:r>
-              <a:rPr lang="nb-NO" dirty="0" err="1"/>
-              <a:t>unneeded</a:t>
-            </a:r>
-            <a:r>
-              <a:rPr lang="nb-NO" dirty="0"/>
-              <a:t> log </a:t>
-            </a:r>
-            <a:r>
-              <a:rPr lang="nb-NO" dirty="0" err="1"/>
-              <a:t>confiuration</a:t>
-            </a:r>
-            <a:endParaRPr lang="nb-NO" dirty="0"/>
-          </a:p>
-          <a:p>
-            <a:r>
-              <a:rPr lang="nb-NO" dirty="0"/>
-              <a:t>      </a:t>
-            </a:r>
-            <a:r>
-              <a:rPr lang="nb-NO" dirty="0" err="1"/>
-              <a:t>nxos_config</a:t>
-            </a:r>
-            <a:r>
-              <a:rPr lang="nb-NO" dirty="0"/>
-              <a:t>:</a:t>
-            </a:r>
-          </a:p>
-          <a:p>
-            <a:r>
-              <a:rPr lang="nb-NO" dirty="0"/>
-              <a:t>        lines: "{{ </a:t>
-            </a:r>
-            <a:r>
-              <a:rPr lang="nb-NO" dirty="0" err="1"/>
-              <a:t>no_logging</a:t>
-            </a:r>
-            <a:r>
-              <a:rPr lang="nb-NO" dirty="0"/>
-              <a:t> }}"</a:t>
-            </a:r>
-          </a:p>
-          <a:p>
-            <a:r>
-              <a:rPr lang="nb-NO" dirty="0"/>
-              <a:t>        </a:t>
-            </a:r>
-            <a:r>
-              <a:rPr lang="nb-NO" dirty="0" err="1"/>
-              <a:t>save_when</a:t>
-            </a:r>
-            <a:r>
-              <a:rPr lang="nb-NO" dirty="0"/>
-              <a:t>: </a:t>
-            </a:r>
-            <a:r>
-              <a:rPr lang="nb-NO" dirty="0" err="1"/>
-              <a:t>changed</a:t>
-            </a:r>
-            <a:endParaRPr lang="nb-NO" dirty="0"/>
-          </a:p>
-          <a:p>
-            <a:r>
-              <a:rPr lang="nb-NO" dirty="0"/>
-              <a:t>      </a:t>
-            </a:r>
-            <a:r>
-              <a:rPr lang="nb-NO" dirty="0" err="1"/>
-              <a:t>when</a:t>
-            </a:r>
-            <a:r>
-              <a:rPr lang="nb-NO" dirty="0"/>
-              <a:t>: </a:t>
-            </a:r>
-            <a:r>
-              <a:rPr lang="nb-NO" dirty="0" err="1"/>
-              <a:t>no_logging</a:t>
-            </a:r>
-            <a:r>
-              <a:rPr lang="nb-NO" dirty="0"/>
-              <a:t> is </a:t>
-            </a:r>
-            <a:r>
-              <a:rPr lang="nb-NO" dirty="0" err="1"/>
-              <a:t>defined</a:t>
-            </a:r>
-            <a:endParaRPr lang="nb-NO" dirty="0"/>
+              <a:t>Gjør endringer i CLI, legg til flere logging servere og hvis at de blir fjernet</a:t>
+            </a:r>
           </a:p>
         </p:txBody>
       </p:sp>
@@ -4592,6 +3632,115 @@
           <a:lstStyle/>
           <a:p>
             <a:r>
+              <a:rPr lang="en-US" b="0" i="0" dirty="0" err="1">
+                <a:solidFill>
+                  <a:srgbClr val="404040"/>
+                </a:solidFill>
+                <a:effectLst/>
+                <a:latin typeface="Lato"/>
+              </a:rPr>
+              <a:t>snmp_config.yml</a:t>
+            </a:r>
+            <a:endParaRPr lang="en-US" b="0" i="0" dirty="0">
+              <a:solidFill>
+                <a:srgbClr val="404040"/>
+              </a:solidFill>
+              <a:effectLst/>
+              <a:latin typeface="Lato"/>
+            </a:endParaRPr>
+          </a:p>
+          <a:p>
+            <a:r>
+              <a:rPr lang="en-US" b="0" i="0" dirty="0">
+                <a:solidFill>
+                  <a:srgbClr val="404040"/>
+                </a:solidFill>
+                <a:effectLst/>
+                <a:latin typeface="Lato"/>
+              </a:rPr>
+              <a:t>ansible-playbook -</a:t>
+            </a:r>
+            <a:r>
+              <a:rPr lang="en-US" b="0" i="0" dirty="0" err="1">
+                <a:solidFill>
+                  <a:srgbClr val="404040"/>
+                </a:solidFill>
+                <a:effectLst/>
+                <a:latin typeface="Lato"/>
+              </a:rPr>
+              <a:t>i</a:t>
+            </a:r>
+            <a:r>
+              <a:rPr lang="en-US" b="0" i="0" dirty="0">
+                <a:solidFill>
+                  <a:srgbClr val="404040"/>
+                </a:solidFill>
+                <a:effectLst/>
+                <a:latin typeface="Lato"/>
+              </a:rPr>
+              <a:t> ansible-hosts-children </a:t>
+            </a:r>
+            <a:r>
+              <a:rPr lang="en-US" b="0" i="0" dirty="0" err="1">
+                <a:solidFill>
+                  <a:srgbClr val="404040"/>
+                </a:solidFill>
+                <a:effectLst/>
+                <a:latin typeface="Lato"/>
+              </a:rPr>
+              <a:t>snmp_config.yml</a:t>
+            </a:r>
+            <a:r>
+              <a:rPr lang="en-US" b="0" i="0" dirty="0">
+                <a:solidFill>
+                  <a:srgbClr val="404040"/>
+                </a:solidFill>
+                <a:effectLst/>
+                <a:latin typeface="Lato"/>
+              </a:rPr>
+              <a:t> -</a:t>
+            </a:r>
+            <a:r>
+              <a:rPr lang="en-US" b="0" i="0" dirty="0" err="1">
+                <a:solidFill>
+                  <a:srgbClr val="404040"/>
+                </a:solidFill>
+                <a:effectLst/>
+                <a:latin typeface="Lato"/>
+              </a:rPr>
+              <a:t>vvv</a:t>
+            </a:r>
+            <a:endParaRPr lang="en-US" b="0" i="0" dirty="0">
+              <a:solidFill>
+                <a:srgbClr val="404040"/>
+              </a:solidFill>
+              <a:effectLst/>
+              <a:latin typeface="Lato"/>
+            </a:endParaRPr>
+          </a:p>
+          <a:p>
+            <a:r>
+              <a:rPr lang="en-US" b="0" i="0" dirty="0">
+                <a:solidFill>
+                  <a:srgbClr val="404040"/>
+                </a:solidFill>
+                <a:effectLst/>
+                <a:latin typeface="Lato"/>
+              </a:rPr>
+              <a:t>TEMPLATES/snmp_acl_nxos.j2</a:t>
+            </a:r>
+          </a:p>
+          <a:p>
+            <a:endParaRPr lang="en-US" b="0" i="0" dirty="0">
+              <a:solidFill>
+                <a:srgbClr val="404040"/>
+              </a:solidFill>
+              <a:effectLst/>
+              <a:latin typeface="Lato"/>
+            </a:endParaRPr>
+          </a:p>
+          <a:p>
+            <a:r>
               <a:rPr lang="en-US" b="0" i="0" dirty="0">
                 <a:solidFill>
                   <a:srgbClr val="404040"/>
@@ -4912,6 +4061,10 @@
             </a:r>
           </a:p>
           <a:p>
+            <a:r>
+              <a:rPr lang="sv-SE" dirty="0"/>
+              <a:t>vim group_vars/site_b/vars_site_b.yml</a:t>
+            </a:r>
             <a:endParaRPr lang="nb-NO" dirty="0"/>
           </a:p>
           <a:p>
@@ -5634,6 +4787,9 @@
               <a:rPr lang="nb-NO" dirty="0" err="1"/>
               <a:t>changed</a:t>
             </a:r>
+            <a:endParaRPr lang="nb-NO" dirty="0"/>
+          </a:p>
+          <a:p>
             <a:endParaRPr lang="nb-NO" dirty="0"/>
           </a:p>
         </p:txBody>
@@ -5664,7 +4820,7 @@
     </p:spTree>
     <p:extLst>
       <p:ext uri="{BB962C8B-B14F-4D97-AF65-F5344CB8AC3E}">
-        <p14:creationId xmlns:p14="http://schemas.microsoft.com/office/powerpoint/2010/main" val="2084380750"/>
+        <p14:creationId xmlns:p14="http://schemas.microsoft.com/office/powerpoint/2010/main" val="1902660134"/>
       </p:ext>
     </p:extLst>
   </p:cSld>
@@ -5718,68 +4874,6 @@
           <a:bodyPr/>
           <a:lstStyle/>
           <a:p>
-            <a:r>
-              <a:rPr lang="nb-NO" dirty="0" err="1"/>
-              <a:t>ansible-vault</a:t>
-            </a:r>
-            <a:r>
-              <a:rPr lang="nb-NO" dirty="0"/>
-              <a:t> </a:t>
-            </a:r>
-            <a:r>
-              <a:rPr lang="nb-NO" dirty="0" err="1"/>
-              <a:t>encrypt</a:t>
-            </a:r>
-            <a:r>
-              <a:rPr lang="nb-NO" dirty="0"/>
-              <a:t> </a:t>
-            </a:r>
-            <a:r>
-              <a:rPr lang="nb-NO" dirty="0" err="1"/>
-              <a:t>ansible</a:t>
-            </a:r>
-            <a:r>
-              <a:rPr lang="nb-NO" dirty="0"/>
-              <a:t>-hosts-</a:t>
-            </a:r>
-            <a:r>
-              <a:rPr lang="nb-NO" dirty="0" err="1"/>
-              <a:t>nxapi</a:t>
-            </a:r>
-            <a:endParaRPr lang="nb-NO" dirty="0"/>
-          </a:p>
-          <a:p>
-            <a:r>
-              <a:rPr lang="nb-NO" dirty="0" err="1"/>
-              <a:t>ansible-vault</a:t>
-            </a:r>
-            <a:r>
-              <a:rPr lang="nb-NO" dirty="0"/>
-              <a:t> </a:t>
-            </a:r>
-            <a:r>
-              <a:rPr lang="nb-NO" dirty="0" err="1"/>
-              <a:t>edit</a:t>
-            </a:r>
-            <a:r>
-              <a:rPr lang="nb-NO" dirty="0"/>
-              <a:t> </a:t>
-            </a:r>
-            <a:r>
-              <a:rPr lang="nb-NO" dirty="0" err="1"/>
-              <a:t>ansible</a:t>
-            </a:r>
-            <a:r>
-              <a:rPr lang="nb-NO" dirty="0"/>
-              <a:t>-hosts-</a:t>
-            </a:r>
-            <a:r>
-              <a:rPr lang="nb-NO" dirty="0" err="1"/>
-              <a:t>nxapi</a:t>
-            </a:r>
-            <a:endParaRPr lang="nb-NO" dirty="0"/>
-          </a:p>
-          <a:p>
             <a:pPr marL="0" marR="0" lvl="0" indent="0" algn="l" defTabSz="914400" rtl="0" eaLnBrk="1" fontAlgn="auto" latinLnBrk="0" hangingPunct="1">
               <a:lnSpc>
                 <a:spcPct val="100000"/>
@@ -5799,31 +4893,7 @@
             </a:pPr>
             <a:r>
               <a:rPr lang="nb-NO" dirty="0" err="1"/>
-              <a:t>ansible-vault</a:t>
-            </a:r>
-            <a:r>
-              <a:rPr lang="nb-NO" dirty="0"/>
-              <a:t> </a:t>
-            </a:r>
-            <a:r>
-              <a:rPr lang="nb-NO" dirty="0" err="1"/>
-              <a:t>view</a:t>
-            </a:r>
-            <a:r>
-              <a:rPr lang="nb-NO" dirty="0"/>
-              <a:t> </a:t>
-            </a:r>
-            <a:r>
-              <a:rPr lang="nb-NO" dirty="0" err="1"/>
-              <a:t>ansible</a:t>
-            </a:r>
-            <a:r>
-              <a:rPr lang="nb-NO" dirty="0"/>
-              <a:t>-hosts-</a:t>
-            </a:r>
-            <a:r>
-              <a:rPr lang="nb-NO" dirty="0" err="1"/>
-              <a:t>nxapi</a:t>
+              <a:t>ntp_nxos.yml</a:t>
             </a:r>
             <a:endParaRPr lang="nb-NO" dirty="0"/>
           </a:p>
@@ -5846,40 +4916,34 @@
               <a:defRPr/>
             </a:pPr>
             <a:r>
-              <a:rPr lang="nb-NO" dirty="0" err="1"/>
-              <a:t>ansible-vault</a:t>
-            </a:r>
-            <a:r>
-              <a:rPr lang="nb-NO" dirty="0"/>
-              <a:t> </a:t>
-            </a:r>
-            <a:r>
-              <a:rPr lang="nb-NO" dirty="0" err="1"/>
-              <a:t>encrypt_string</a:t>
-            </a:r>
-            <a:r>
-              <a:rPr lang="nb-NO" dirty="0"/>
-              <a:t> 'Atealab123' --</a:t>
-            </a:r>
-            <a:r>
-              <a:rPr lang="nb-NO" dirty="0" err="1"/>
-              <a:t>name</a:t>
-            </a:r>
-            <a:r>
-              <a:rPr lang="nb-NO" dirty="0"/>
-              <a:t> '</a:t>
-            </a:r>
-            <a:r>
-              <a:rPr lang="nb-NO" dirty="0" err="1"/>
-              <a:t>ansible_password</a:t>
-            </a:r>
-            <a:r>
-              <a:rPr lang="nb-NO" dirty="0"/>
-              <a:t>'</a:t>
+              <a:rPr lang="nb-NO" dirty="0"/>
+              <a:t>TEMPLATES/ntp_servers_nxos.j2</a:t>
             </a:r>
           </a:p>
           <a:p>
             <a:endParaRPr lang="nb-NO" dirty="0"/>
+          </a:p>
+          <a:p>
+            <a:r>
+              <a:rPr lang="nb-NO" dirty="0"/>
+              <a:t>Legg til ekstra </a:t>
+            </a:r>
+            <a:r>
+              <a:rPr lang="nb-NO" dirty="0" err="1"/>
+              <a:t>ntp</a:t>
+            </a:r>
+            <a:r>
+              <a:rPr lang="nb-NO" dirty="0"/>
+              <a:t> server på en switch og kjør </a:t>
+            </a:r>
+            <a:r>
+              <a:rPr lang="nb-NO" dirty="0" err="1"/>
+              <a:t>playbook</a:t>
+            </a:r>
+            <a:r>
+              <a:rPr lang="nb-NO" dirty="0"/>
+              <a:t> igjen</a:t>
+            </a:r>
           </a:p>
         </p:txBody>
       </p:sp>
@@ -5909,7 +4973,7 @@
     </p:spTree>
     <p:extLst>
       <p:ext uri="{BB962C8B-B14F-4D97-AF65-F5344CB8AC3E}">
-        <p14:creationId xmlns:p14="http://schemas.microsoft.com/office/powerpoint/2010/main" val="4061438778"/>
+        <p14:creationId xmlns:p14="http://schemas.microsoft.com/office/powerpoint/2010/main" val="2084380750"/>
       </p:ext>
     </p:extLst>
   </p:cSld>
@@ -5963,102 +5027,130 @@
           <a:bodyPr/>
           <a:lstStyle/>
           <a:p>
-            <a:r>
-              <a:rPr lang="fr-FR" dirty="0"/>
-              <a:t>ansible-</a:t>
-            </a:r>
-            <a:r>
-              <a:rPr lang="fr-FR" dirty="0" err="1"/>
-              <a:t>galaxy</a:t>
-            </a:r>
-            <a:r>
-              <a:rPr lang="fr-FR" dirty="0"/>
-              <a:t> </a:t>
-            </a:r>
-            <a:r>
-              <a:rPr lang="fr-FR" dirty="0" err="1"/>
-              <a:t>install</a:t>
-            </a:r>
-            <a:r>
-              <a:rPr lang="fr-FR" dirty="0"/>
-              <a:t> -r </a:t>
-            </a:r>
-            <a:r>
-              <a:rPr lang="fr-FR" dirty="0" err="1"/>
-              <a:t>roles</a:t>
-            </a:r>
-            <a:r>
-              <a:rPr lang="fr-FR" dirty="0"/>
-              <a:t>/</a:t>
-            </a:r>
-            <a:r>
-              <a:rPr lang="fr-FR" dirty="0" err="1"/>
-              <a:t>requirements.yml</a:t>
-            </a:r>
-            <a:endParaRPr lang="fr-FR" dirty="0"/>
-          </a:p>
-          <a:p>
-            <a:r>
-              <a:rPr lang="fr-FR" dirty="0"/>
-              <a:t>ansible-</a:t>
-            </a:r>
-            <a:r>
-              <a:rPr lang="fr-FR" dirty="0" err="1"/>
-              <a:t>playbook</a:t>
-            </a:r>
-            <a:r>
-              <a:rPr lang="fr-FR" dirty="0"/>
-              <a:t> </a:t>
-            </a:r>
-            <a:r>
-              <a:rPr lang="fr-FR" dirty="0" err="1"/>
-              <a:t>roles</a:t>
-            </a:r>
-            <a:r>
-              <a:rPr lang="fr-FR" dirty="0"/>
-              <a:t>/</a:t>
-            </a:r>
-            <a:r>
-              <a:rPr lang="fr-FR" dirty="0" err="1"/>
-              <a:t>install-awx.yml</a:t>
-            </a:r>
-            <a:r>
-              <a:rPr lang="fr-FR" dirty="0"/>
-              <a:t> -K</a:t>
-            </a:r>
-          </a:p>
-          <a:p>
-            <a:r>
-              <a:rPr lang="fr-FR" dirty="0" err="1"/>
-              <a:t>sudo</a:t>
-            </a:r>
-            <a:r>
-              <a:rPr lang="fr-FR" dirty="0"/>
-              <a:t> firewall-cmd --zone=public --</a:t>
-            </a:r>
-            <a:r>
-              <a:rPr lang="fr-FR" dirty="0" err="1"/>
-              <a:t>add-masquerade</a:t>
-            </a:r>
-            <a:r>
-              <a:rPr lang="fr-FR" dirty="0"/>
-              <a:t> –permanent</a:t>
-            </a:r>
-          </a:p>
-          <a:p>
-            <a:r>
-              <a:rPr lang="fr-FR" dirty="0" err="1"/>
-              <a:t>sudo</a:t>
-            </a:r>
-            <a:r>
-              <a:rPr lang="fr-FR" dirty="0"/>
-              <a:t> firewall-cmd --</a:t>
-            </a:r>
-            <a:r>
-              <a:rPr lang="fr-FR" dirty="0" err="1"/>
-              <a:t>reload</a:t>
+            <a:pPr marL="0" marR="0" lvl="0" indent="0" algn="l" defTabSz="914400" rtl="0" eaLnBrk="1" fontAlgn="auto" latinLnBrk="0" hangingPunct="1">
+              <a:lnSpc>
+                <a:spcPct val="100000"/>
+              </a:lnSpc>
+              <a:spcBef>
+                <a:spcPts val="0"/>
+              </a:spcBef>
+              <a:spcAft>
+                <a:spcPts val="0"/>
+              </a:spcAft>
+              <a:buClrTx/>
+              <a:buSzTx/>
+              <a:buFontTx/>
+              <a:buNone/>
+              <a:tabLst/>
+              <a:defRPr/>
+            </a:pPr>
+            <a:r>
+              <a:rPr lang="nb-NO" dirty="0" err="1"/>
+              <a:t>trunk_config.yml</a:t>
             </a:r>
             <a:endParaRPr lang="nb-NO" dirty="0"/>
+          </a:p>
+          <a:p>
+            <a:pPr marL="0" marR="0" lvl="0" indent="0" algn="l" defTabSz="914400" rtl="0" eaLnBrk="1" fontAlgn="auto" latinLnBrk="0" hangingPunct="1">
+              <a:lnSpc>
+                <a:spcPct val="100000"/>
+              </a:lnSpc>
+              <a:spcBef>
+                <a:spcPts val="0"/>
+              </a:spcBef>
+              <a:spcAft>
+                <a:spcPts val="0"/>
+              </a:spcAft>
+              <a:buClrTx/>
+              <a:buSzTx/>
+              <a:buFontTx/>
+              <a:buNone/>
+              <a:tabLst/>
+              <a:defRPr/>
+            </a:pPr>
+            <a:endParaRPr lang="nb-NO" dirty="0"/>
+          </a:p>
+          <a:p>
+            <a:pPr marL="0" marR="0" lvl="0" indent="0" algn="l" defTabSz="914400" rtl="0" eaLnBrk="1" fontAlgn="auto" latinLnBrk="0" hangingPunct="1">
+              <a:lnSpc>
+                <a:spcPct val="100000"/>
+              </a:lnSpc>
+              <a:spcBef>
+                <a:spcPts val="0"/>
+              </a:spcBef>
+              <a:spcAft>
+                <a:spcPts val="0"/>
+              </a:spcAft>
+              <a:buClrTx/>
+              <a:buSzTx/>
+              <a:buFontTx/>
+              <a:buNone/>
+              <a:tabLst/>
+              <a:defRPr/>
+            </a:pPr>
+            <a:r>
+              <a:rPr lang="nb-NO" dirty="0"/>
+              <a:t>nxos_l2_interface blir erstattet av nxos_l2_interfaces, men nxos_l2_interfaces mangler «</a:t>
+            </a:r>
+            <a:r>
+              <a:rPr lang="nb-NO" dirty="0" err="1"/>
+              <a:t>switchport</a:t>
+            </a:r>
+            <a:r>
+              <a:rPr lang="nb-NO" dirty="0"/>
+              <a:t> mode»</a:t>
+            </a:r>
+          </a:p>
+          <a:p>
+            <a:pPr marL="0" marR="0" lvl="0" indent="0" algn="l" defTabSz="914400" rtl="0" eaLnBrk="1" fontAlgn="auto" latinLnBrk="0" hangingPunct="1">
+              <a:lnSpc>
+                <a:spcPct val="100000"/>
+              </a:lnSpc>
+              <a:spcBef>
+                <a:spcPts val="0"/>
+              </a:spcBef>
+              <a:spcAft>
+                <a:spcPts val="0"/>
+              </a:spcAft>
+              <a:buClrTx/>
+              <a:buSzTx/>
+              <a:buFontTx/>
+              <a:buNone/>
+              <a:tabLst/>
+              <a:defRPr/>
+            </a:pPr>
+            <a:r>
+              <a:rPr lang="nb-NO" dirty="0" err="1"/>
+              <a:t>nxos_linkagg</a:t>
+            </a:r>
+            <a:r>
+              <a:rPr lang="nb-NO" dirty="0"/>
+              <a:t> blir erstattet av </a:t>
+            </a:r>
+            <a:r>
+              <a:rPr lang="nb-NO" dirty="0" err="1"/>
+              <a:t>nxos_lag_interfaces</a:t>
+            </a:r>
+            <a:r>
+              <a:rPr lang="nb-NO" dirty="0"/>
+              <a:t>, men </a:t>
+            </a:r>
+            <a:r>
+              <a:rPr lang="nb-NO" dirty="0" err="1"/>
+              <a:t>nxos_lag_interfaces</a:t>
+            </a:r>
+            <a:r>
+              <a:rPr lang="nb-NO" dirty="0"/>
+              <a:t> takler ikke </a:t>
+            </a:r>
+            <a:r>
+              <a:rPr lang="nb-NO" dirty="0" err="1"/>
+              <a:t>idempotency</a:t>
+            </a:r>
+            <a:r>
+              <a:rPr lang="nb-NO" dirty="0"/>
+              <a:t> enda</a:t>
+            </a:r>
           </a:p>
         </p:txBody>
       </p:sp>
@@ -6088,7 +5180,823 @@
     </p:spTree>
     <p:extLst>
       <p:ext uri="{BB962C8B-B14F-4D97-AF65-F5344CB8AC3E}">
-        <p14:creationId xmlns:p14="http://schemas.microsoft.com/office/powerpoint/2010/main" val="2992734055"/>
+        <p14:creationId xmlns:p14="http://schemas.microsoft.com/office/powerpoint/2010/main" val="4205442810"/>
+      </p:ext>
+    </p:extLst>
+  </p:cSld>
+  <p:clrMapOvr>
+    <a:masterClrMapping/>
+  </p:clrMapOvr>
+</p:notes>
+</file>
+
+<file path=ppt/notesSlides/notesSlide28.xml><?xml version="1.0" encoding="utf-8"?>
+<p:notes xmlns:a="http://schemas.openxmlformats.org/drawingml/2006/main" xmlns:r="http://schemas.openxmlformats.org/officeDocument/2006/relationships" xmlns:p="http://schemas.openxmlformats.org/presentationml/2006/main">
+  <p:cSld>
+    <p:spTree>
+      <p:nvGrpSpPr>
+        <p:cNvPr id="1" name=""/>
+        <p:cNvGrpSpPr/>
+        <p:nvPr/>
+      </p:nvGrpSpPr>
+      <p:grpSpPr>
+        <a:xfrm>
+          <a:off x="0" y="0"/>
+          <a:ext cx="0" cy="0"/>
+          <a:chOff x="0" y="0"/>
+          <a:chExt cx="0" cy="0"/>
+        </a:xfrm>
+      </p:grpSpPr>
+      <p:sp>
+        <p:nvSpPr>
+          <p:cNvPr id="2" name="Slide Image Placeholder 1"/>
+          <p:cNvSpPr>
+            <a:spLocks noGrp="1" noRot="1" noChangeAspect="1"/>
+          </p:cNvSpPr>
+          <p:nvPr>
+            <p:ph type="sldImg"/>
+          </p:nvPr>
+        </p:nvSpPr>
+        <p:spPr/>
+      </p:sp>
+      <p:sp>
+        <p:nvSpPr>
+          <p:cNvPr id="3" name="Notes Placeholder 2"/>
+          <p:cNvSpPr>
+            <a:spLocks noGrp="1"/>
+          </p:cNvSpPr>
+          <p:nvPr>
+            <p:ph type="body" idx="1"/>
+          </p:nvPr>
+        </p:nvSpPr>
+        <p:spPr/>
+        <p:txBody>
+          <a:bodyPr/>
+          <a:lstStyle/>
+          <a:p>
+            <a:pPr marL="0" marR="0" lvl="0" indent="0" algn="l" defTabSz="914400" rtl="0" eaLnBrk="1" fontAlgn="auto" latinLnBrk="0" hangingPunct="1">
+              <a:lnSpc>
+                <a:spcPct val="100000"/>
+              </a:lnSpc>
+              <a:spcBef>
+                <a:spcPts val="0"/>
+              </a:spcBef>
+              <a:spcAft>
+                <a:spcPts val="0"/>
+              </a:spcAft>
+              <a:buClrTx/>
+              <a:buSzTx/>
+              <a:buFontTx/>
+              <a:buNone/>
+              <a:tabLst/>
+              <a:defRPr/>
+            </a:pPr>
+            <a:r>
+              <a:rPr lang="nb-NO" dirty="0" err="1"/>
+              <a:t>neighbor_vlan.yml</a:t>
+            </a:r>
+            <a:endParaRPr lang="nb-NO" dirty="0"/>
+          </a:p>
+          <a:p>
+            <a:pPr marL="0" marR="0" lvl="0" indent="0" algn="l" defTabSz="914400" rtl="0" eaLnBrk="1" fontAlgn="auto" latinLnBrk="0" hangingPunct="1">
+              <a:lnSpc>
+                <a:spcPct val="100000"/>
+              </a:lnSpc>
+              <a:spcBef>
+                <a:spcPts val="0"/>
+              </a:spcBef>
+              <a:spcAft>
+                <a:spcPts val="0"/>
+              </a:spcAft>
+              <a:buClrTx/>
+              <a:buSzTx/>
+              <a:buFontTx/>
+              <a:buNone/>
+              <a:tabLst/>
+              <a:defRPr/>
+            </a:pPr>
+            <a:endParaRPr lang="nb-NO" dirty="0"/>
+          </a:p>
+          <a:p>
+            <a:pPr marL="0" marR="0" lvl="0" indent="0" algn="l" defTabSz="914400" rtl="0" eaLnBrk="1" fontAlgn="auto" latinLnBrk="0" hangingPunct="1">
+              <a:lnSpc>
+                <a:spcPct val="100000"/>
+              </a:lnSpc>
+              <a:spcBef>
+                <a:spcPts val="0"/>
+              </a:spcBef>
+              <a:spcAft>
+                <a:spcPts val="0"/>
+              </a:spcAft>
+              <a:buClrTx/>
+              <a:buSzTx/>
+              <a:buFontTx/>
+              <a:buNone/>
+              <a:tabLst/>
+              <a:defRPr/>
+            </a:pPr>
+            <a:r>
+              <a:rPr lang="nb-NO" dirty="0" err="1"/>
+              <a:t>gather_facts</a:t>
+            </a:r>
+            <a:r>
+              <a:rPr lang="nb-NO" dirty="0"/>
+              <a:t> inneholder «</a:t>
+            </a:r>
+            <a:r>
+              <a:rPr lang="nb-NO" dirty="0" err="1"/>
+              <a:t>net_neighbors</a:t>
+            </a:r>
+            <a:r>
+              <a:rPr lang="nb-NO" dirty="0"/>
+              <a:t>», men vi ønsker å vite «</a:t>
+            </a:r>
+            <a:r>
+              <a:rPr lang="nb-NO" dirty="0" err="1"/>
+              <a:t>capabilities</a:t>
+            </a:r>
+            <a:r>
+              <a:rPr lang="nb-NO" dirty="0"/>
+              <a:t>» fra show </a:t>
+            </a:r>
+            <a:r>
+              <a:rPr lang="nb-NO" dirty="0" err="1"/>
+              <a:t>cdp</a:t>
+            </a:r>
+            <a:r>
+              <a:rPr lang="nb-NO" dirty="0"/>
+              <a:t> </a:t>
+            </a:r>
+            <a:r>
+              <a:rPr lang="nb-NO" dirty="0" err="1"/>
+              <a:t>neighbors</a:t>
+            </a:r>
+            <a:r>
+              <a:rPr lang="nb-NO" dirty="0"/>
+              <a:t> </a:t>
+            </a:r>
+            <a:r>
+              <a:rPr lang="nb-NO" dirty="0" err="1"/>
+              <a:t>detail</a:t>
+            </a:r>
+            <a:endParaRPr lang="nb-NO" dirty="0"/>
+          </a:p>
+          <a:p>
+            <a:pPr marL="0" marR="0" lvl="0" indent="0" algn="l" defTabSz="914400" rtl="0" eaLnBrk="1" fontAlgn="auto" latinLnBrk="0" hangingPunct="1">
+              <a:lnSpc>
+                <a:spcPct val="100000"/>
+              </a:lnSpc>
+              <a:spcBef>
+                <a:spcPts val="0"/>
+              </a:spcBef>
+              <a:spcAft>
+                <a:spcPts val="0"/>
+              </a:spcAft>
+              <a:buClrTx/>
+              <a:buSzTx/>
+              <a:buFontTx/>
+              <a:buNone/>
+              <a:tabLst/>
+              <a:defRPr/>
+            </a:pPr>
+            <a:endParaRPr lang="nb-NO" dirty="0"/>
+          </a:p>
+          <a:p>
+            <a:pPr marL="0" marR="0" lvl="0" indent="0" algn="l" defTabSz="914400" rtl="0" eaLnBrk="1" fontAlgn="auto" latinLnBrk="0" hangingPunct="1">
+              <a:lnSpc>
+                <a:spcPct val="100000"/>
+              </a:lnSpc>
+              <a:spcBef>
+                <a:spcPts val="0"/>
+              </a:spcBef>
+              <a:spcAft>
+                <a:spcPts val="0"/>
+              </a:spcAft>
+              <a:buClrTx/>
+              <a:buSzTx/>
+              <a:buFontTx/>
+              <a:buNone/>
+              <a:tabLst/>
+              <a:defRPr/>
+            </a:pPr>
+            <a:r>
+              <a:rPr lang="nb-NO" dirty="0"/>
+              <a:t>Lag en ny port-</a:t>
+            </a:r>
+            <a:r>
+              <a:rPr lang="nb-NO" dirty="0" err="1"/>
+              <a:t>channel</a:t>
+            </a:r>
+            <a:r>
+              <a:rPr lang="nb-NO" dirty="0"/>
+              <a:t> på NXOS1 for å illustrere at den ikke blir med</a:t>
+            </a:r>
+          </a:p>
+          <a:p>
+            <a:pPr algn="l">
+              <a:buFont typeface="+mj-lt"/>
+              <a:buNone/>
+            </a:pPr>
+            <a:endParaRPr lang="nb-NO" b="0" i="0" dirty="0">
+              <a:solidFill>
+                <a:schemeClr val="tx1"/>
+              </a:solidFill>
+              <a:effectLst/>
+              <a:latin typeface="+mn-lt"/>
+            </a:endParaRPr>
+          </a:p>
+          <a:p>
+            <a:pPr algn="l">
+              <a:buFont typeface="+mj-lt"/>
+              <a:buNone/>
+            </a:pPr>
+            <a:r>
+              <a:rPr lang="en-US" b="0" i="0" dirty="0" err="1">
+                <a:solidFill>
+                  <a:srgbClr val="E2E8F0"/>
+                </a:solidFill>
+                <a:effectLst/>
+                <a:latin typeface="Roboto Mono"/>
+              </a:rPr>
+              <a:t>sudo</a:t>
+            </a:r>
+            <a:r>
+              <a:rPr lang="en-US" b="0" i="0" dirty="0">
+                <a:solidFill>
+                  <a:srgbClr val="E2E8F0"/>
+                </a:solidFill>
+                <a:effectLst/>
+                <a:latin typeface="Roboto Mono"/>
+              </a:rPr>
+              <a:t> </a:t>
+            </a:r>
+            <a:r>
+              <a:rPr lang="en-US" b="0" i="0" dirty="0" err="1">
+                <a:solidFill>
+                  <a:srgbClr val="E2E8F0"/>
+                </a:solidFill>
+                <a:effectLst/>
+                <a:latin typeface="Roboto Mono"/>
+              </a:rPr>
+              <a:t>dnf</a:t>
+            </a:r>
+            <a:r>
+              <a:rPr lang="en-US" b="0" i="0" dirty="0">
+                <a:solidFill>
+                  <a:srgbClr val="E2E8F0"/>
+                </a:solidFill>
+                <a:effectLst/>
+                <a:latin typeface="Roboto Mono"/>
+              </a:rPr>
+              <a:t> group install "Development Tools</a:t>
+            </a:r>
+          </a:p>
+          <a:p>
+            <a:pPr algn="l">
+              <a:buFont typeface="+mj-lt"/>
+              <a:buNone/>
+            </a:pPr>
+            <a:r>
+              <a:rPr lang="en-US" b="0" i="0" dirty="0" err="1">
+                <a:solidFill>
+                  <a:srgbClr val="E2E8F0"/>
+                </a:solidFill>
+                <a:effectLst/>
+                <a:latin typeface="Roboto Mono"/>
+              </a:rPr>
+              <a:t>sudo</a:t>
+            </a:r>
+            <a:r>
+              <a:rPr lang="en-US" b="0" i="0" dirty="0">
+                <a:solidFill>
+                  <a:srgbClr val="E2E8F0"/>
+                </a:solidFill>
+                <a:effectLst/>
+                <a:latin typeface="Roboto Mono"/>
+              </a:rPr>
+              <a:t> </a:t>
+            </a:r>
+            <a:r>
+              <a:rPr lang="en-US" b="0" i="0" dirty="0" err="1">
+                <a:solidFill>
+                  <a:srgbClr val="E2E8F0"/>
+                </a:solidFill>
+                <a:effectLst/>
+                <a:latin typeface="Roboto Mono"/>
+              </a:rPr>
+              <a:t>dnf</a:t>
+            </a:r>
+            <a:r>
+              <a:rPr lang="en-US" b="0" i="0" dirty="0">
+                <a:solidFill>
+                  <a:srgbClr val="E2E8F0"/>
+                </a:solidFill>
+                <a:effectLst/>
+                <a:latin typeface="Roboto Mono"/>
+              </a:rPr>
+              <a:t> install python36-devel</a:t>
+            </a:r>
+            <a:endParaRPr lang="nb-NO" b="0" i="0" dirty="0">
+              <a:solidFill>
+                <a:schemeClr val="tx1"/>
+              </a:solidFill>
+              <a:effectLst/>
+              <a:latin typeface="+mn-lt"/>
+            </a:endParaRPr>
+          </a:p>
+          <a:p>
+            <a:pPr algn="l">
+              <a:buFont typeface="+mj-lt"/>
+              <a:buNone/>
+            </a:pPr>
+            <a:r>
+              <a:rPr lang="nb-NO" b="0" i="0" dirty="0">
+                <a:solidFill>
+                  <a:schemeClr val="tx1"/>
+                </a:solidFill>
+                <a:effectLst/>
+                <a:latin typeface="+mn-lt"/>
+              </a:rPr>
+              <a:t>python3 -m </a:t>
+            </a:r>
+            <a:r>
+              <a:rPr lang="nb-NO" b="0" i="0" dirty="0">
+                <a:solidFill>
+                  <a:srgbClr val="24292E"/>
+                </a:solidFill>
+                <a:effectLst/>
+                <a:latin typeface="-apple-system"/>
+              </a:rPr>
+              <a:t>pip </a:t>
+            </a:r>
+            <a:r>
+              <a:rPr lang="nb-NO" b="0" i="0" dirty="0" err="1">
+                <a:solidFill>
+                  <a:srgbClr val="24292E"/>
+                </a:solidFill>
+                <a:effectLst/>
+                <a:latin typeface="-apple-system"/>
+              </a:rPr>
+              <a:t>install</a:t>
+            </a:r>
+            <a:r>
+              <a:rPr lang="nb-NO" b="0" i="0" dirty="0">
+                <a:solidFill>
+                  <a:srgbClr val="24292E"/>
+                </a:solidFill>
+                <a:effectLst/>
+                <a:latin typeface="-apple-system"/>
+              </a:rPr>
+              <a:t> </a:t>
+            </a:r>
+            <a:r>
+              <a:rPr lang="nb-NO" b="0" i="0" dirty="0" err="1">
+                <a:solidFill>
+                  <a:srgbClr val="24292E"/>
+                </a:solidFill>
+                <a:effectLst/>
+                <a:latin typeface="-apple-system"/>
+              </a:rPr>
+              <a:t>genie</a:t>
+            </a:r>
+            <a:r>
+              <a:rPr lang="nb-NO" b="0" i="0" dirty="0">
+                <a:solidFill>
+                  <a:srgbClr val="24292E"/>
+                </a:solidFill>
+                <a:effectLst/>
+                <a:latin typeface="-apple-system"/>
+              </a:rPr>
+              <a:t> </a:t>
+            </a:r>
+            <a:r>
+              <a:rPr lang="nb-NO" b="0" i="0" dirty="0" err="1">
+                <a:solidFill>
+                  <a:srgbClr val="24292E"/>
+                </a:solidFill>
+                <a:effectLst/>
+                <a:latin typeface="-apple-system"/>
+              </a:rPr>
+              <a:t>pyats</a:t>
+            </a:r>
+            <a:r>
+              <a:rPr lang="nb-NO" b="0" i="0" dirty="0">
+                <a:solidFill>
+                  <a:srgbClr val="24292E"/>
+                </a:solidFill>
+                <a:effectLst/>
+                <a:latin typeface="-apple-system"/>
+              </a:rPr>
+              <a:t> --</a:t>
+            </a:r>
+            <a:r>
+              <a:rPr lang="nb-NO" b="0" i="0" dirty="0" err="1">
+                <a:solidFill>
+                  <a:srgbClr val="24292E"/>
+                </a:solidFill>
+                <a:effectLst/>
+                <a:latin typeface="-apple-system"/>
+              </a:rPr>
+              <a:t>user</a:t>
+            </a:r>
+            <a:endParaRPr lang="nb-NO" b="0" i="0" dirty="0">
+              <a:solidFill>
+                <a:srgbClr val="24292E"/>
+              </a:solidFill>
+              <a:effectLst/>
+              <a:latin typeface="-apple-system"/>
+            </a:endParaRPr>
+          </a:p>
+          <a:p>
+            <a:pPr algn="l">
+              <a:buFont typeface="+mj-lt"/>
+              <a:buNone/>
+            </a:pPr>
+            <a:r>
+              <a:rPr lang="nb-NO" b="0" i="0" dirty="0" err="1">
+                <a:solidFill>
+                  <a:srgbClr val="24292E"/>
+                </a:solidFill>
+                <a:effectLst/>
+                <a:latin typeface="SFMono-Regular"/>
+              </a:rPr>
+              <a:t>ansible-galaxy</a:t>
+            </a:r>
+            <a:r>
+              <a:rPr lang="nb-NO" b="0" i="0" dirty="0">
+                <a:solidFill>
+                  <a:srgbClr val="24292E"/>
+                </a:solidFill>
+                <a:effectLst/>
+                <a:latin typeface="SFMono-Regular"/>
+              </a:rPr>
+              <a:t> </a:t>
+            </a:r>
+            <a:r>
+              <a:rPr lang="nb-NO" b="0" i="0" dirty="0" err="1">
+                <a:solidFill>
+                  <a:srgbClr val="24292E"/>
+                </a:solidFill>
+                <a:effectLst/>
+                <a:latin typeface="SFMono-Regular"/>
+              </a:rPr>
+              <a:t>install</a:t>
+            </a:r>
+            <a:r>
+              <a:rPr lang="nb-NO" b="0" i="0" dirty="0">
+                <a:solidFill>
+                  <a:srgbClr val="24292E"/>
+                </a:solidFill>
+                <a:effectLst/>
+                <a:latin typeface="SFMono-Regular"/>
+              </a:rPr>
+              <a:t> clay584.parse_genie</a:t>
+            </a:r>
+            <a:endParaRPr lang="nb-NO" b="0" i="0" dirty="0">
+              <a:solidFill>
+                <a:srgbClr val="24292E"/>
+              </a:solidFill>
+              <a:effectLst/>
+              <a:latin typeface="-apple-system"/>
+            </a:endParaRPr>
+          </a:p>
+          <a:p>
+            <a:endParaRPr lang="nb-NO" dirty="0"/>
+          </a:p>
+        </p:txBody>
+      </p:sp>
+      <p:sp>
+        <p:nvSpPr>
+          <p:cNvPr id="4" name="Slide Number Placeholder 3"/>
+          <p:cNvSpPr>
+            <a:spLocks noGrp="1"/>
+          </p:cNvSpPr>
+          <p:nvPr>
+            <p:ph type="sldNum" sz="quarter" idx="5"/>
+          </p:nvPr>
+        </p:nvSpPr>
+        <p:spPr/>
+        <p:txBody>
+          <a:bodyPr/>
+          <a:lstStyle/>
+          <a:p>
+            <a:fld id="{3E72E711-34EA-4ED1-992E-A79C5D60A060}" type="slidenum">
+              <a:rPr lang="en-GB" smtClean="0"/>
+              <a:t>29</a:t>
+            </a:fld>
+            <a:endParaRPr lang="en-GB" dirty="0"/>
+          </a:p>
+        </p:txBody>
+      </p:sp>
+    </p:spTree>
+    <p:extLst>
+      <p:ext uri="{BB962C8B-B14F-4D97-AF65-F5344CB8AC3E}">
+        <p14:creationId xmlns:p14="http://schemas.microsoft.com/office/powerpoint/2010/main" val="2146134627"/>
+      </p:ext>
+    </p:extLst>
+  </p:cSld>
+  <p:clrMapOvr>
+    <a:masterClrMapping/>
+  </p:clrMapOvr>
+</p:notes>
+</file>
+
+<file path=ppt/notesSlides/notesSlide29.xml><?xml version="1.0" encoding="utf-8"?>
+<p:notes xmlns:a="http://schemas.openxmlformats.org/drawingml/2006/main" xmlns:r="http://schemas.openxmlformats.org/officeDocument/2006/relationships" xmlns:p="http://schemas.openxmlformats.org/presentationml/2006/main">
+  <p:cSld>
+    <p:spTree>
+      <p:nvGrpSpPr>
+        <p:cNvPr id="1" name=""/>
+        <p:cNvGrpSpPr/>
+        <p:nvPr/>
+      </p:nvGrpSpPr>
+      <p:grpSpPr>
+        <a:xfrm>
+          <a:off x="0" y="0"/>
+          <a:ext cx="0" cy="0"/>
+          <a:chOff x="0" y="0"/>
+          <a:chExt cx="0" cy="0"/>
+        </a:xfrm>
+      </p:grpSpPr>
+      <p:sp>
+        <p:nvSpPr>
+          <p:cNvPr id="2" name="Slide Image Placeholder 1"/>
+          <p:cNvSpPr>
+            <a:spLocks noGrp="1" noRot="1" noChangeAspect="1"/>
+          </p:cNvSpPr>
+          <p:nvPr>
+            <p:ph type="sldImg"/>
+          </p:nvPr>
+        </p:nvSpPr>
+        <p:spPr/>
+      </p:sp>
+      <p:sp>
+        <p:nvSpPr>
+          <p:cNvPr id="3" name="Notes Placeholder 2"/>
+          <p:cNvSpPr>
+            <a:spLocks noGrp="1"/>
+          </p:cNvSpPr>
+          <p:nvPr>
+            <p:ph type="body" idx="1"/>
+          </p:nvPr>
+        </p:nvSpPr>
+        <p:spPr/>
+        <p:txBody>
+          <a:bodyPr/>
+          <a:lstStyle/>
+          <a:p>
+            <a:r>
+              <a:rPr lang="nb-NO" dirty="0" err="1"/>
+              <a:t>ansible-vault</a:t>
+            </a:r>
+            <a:r>
+              <a:rPr lang="nb-NO" dirty="0"/>
+              <a:t> </a:t>
+            </a:r>
+            <a:r>
+              <a:rPr lang="nb-NO" dirty="0" err="1"/>
+              <a:t>encrypt</a:t>
+            </a:r>
+            <a:r>
+              <a:rPr lang="nb-NO" dirty="0"/>
+              <a:t> </a:t>
+            </a:r>
+            <a:r>
+              <a:rPr lang="nb-NO" dirty="0" err="1"/>
+              <a:t>ansible</a:t>
+            </a:r>
+            <a:r>
+              <a:rPr lang="nb-NO" dirty="0"/>
+              <a:t>-hosts-</a:t>
+            </a:r>
+            <a:r>
+              <a:rPr lang="nb-NO" dirty="0" err="1"/>
+              <a:t>nxapi</a:t>
+            </a:r>
+            <a:endParaRPr lang="nb-NO" dirty="0"/>
+          </a:p>
+          <a:p>
+            <a:r>
+              <a:rPr lang="nb-NO" dirty="0" err="1"/>
+              <a:t>ansible-vault</a:t>
+            </a:r>
+            <a:r>
+              <a:rPr lang="nb-NO" dirty="0"/>
+              <a:t> </a:t>
+            </a:r>
+            <a:r>
+              <a:rPr lang="nb-NO" dirty="0" err="1"/>
+              <a:t>edit</a:t>
+            </a:r>
+            <a:r>
+              <a:rPr lang="nb-NO" dirty="0"/>
+              <a:t> </a:t>
+            </a:r>
+            <a:r>
+              <a:rPr lang="nb-NO" dirty="0" err="1"/>
+              <a:t>ansible</a:t>
+            </a:r>
+            <a:r>
+              <a:rPr lang="nb-NO" dirty="0"/>
+              <a:t>-hosts-</a:t>
+            </a:r>
+            <a:r>
+              <a:rPr lang="nb-NO" dirty="0" err="1"/>
+              <a:t>nxapi</a:t>
+            </a:r>
+            <a:endParaRPr lang="nb-NO" dirty="0"/>
+          </a:p>
+          <a:p>
+            <a:pPr marL="0" marR="0" lvl="0" indent="0" algn="l" defTabSz="914400" rtl="0" eaLnBrk="1" fontAlgn="auto" latinLnBrk="0" hangingPunct="1">
+              <a:lnSpc>
+                <a:spcPct val="100000"/>
+              </a:lnSpc>
+              <a:spcBef>
+                <a:spcPts val="0"/>
+              </a:spcBef>
+              <a:spcAft>
+                <a:spcPts val="0"/>
+              </a:spcAft>
+              <a:buClrTx/>
+              <a:buSzTx/>
+              <a:buFontTx/>
+              <a:buNone/>
+              <a:tabLst/>
+              <a:defRPr/>
+            </a:pPr>
+            <a:r>
+              <a:rPr lang="nb-NO" dirty="0" err="1"/>
+              <a:t>ansible-vault</a:t>
+            </a:r>
+            <a:r>
+              <a:rPr lang="nb-NO" dirty="0"/>
+              <a:t> </a:t>
+            </a:r>
+            <a:r>
+              <a:rPr lang="nb-NO" dirty="0" err="1"/>
+              <a:t>view</a:t>
+            </a:r>
+            <a:r>
+              <a:rPr lang="nb-NO" dirty="0"/>
+              <a:t> </a:t>
+            </a:r>
+            <a:r>
+              <a:rPr lang="nb-NO" dirty="0" err="1"/>
+              <a:t>ansible</a:t>
+            </a:r>
+            <a:r>
+              <a:rPr lang="nb-NO" dirty="0"/>
+              <a:t>-hosts-</a:t>
+            </a:r>
+            <a:r>
+              <a:rPr lang="nb-NO" dirty="0" err="1"/>
+              <a:t>nxapi</a:t>
+            </a:r>
+            <a:endParaRPr lang="nb-NO" dirty="0"/>
+          </a:p>
+          <a:p>
+            <a:pPr marL="0" marR="0" lvl="0" indent="0" algn="l" defTabSz="914400" rtl="0" eaLnBrk="1" fontAlgn="auto" latinLnBrk="0" hangingPunct="1">
+              <a:lnSpc>
+                <a:spcPct val="100000"/>
+              </a:lnSpc>
+              <a:spcBef>
+                <a:spcPts val="0"/>
+              </a:spcBef>
+              <a:spcAft>
+                <a:spcPts val="0"/>
+              </a:spcAft>
+              <a:buClrTx/>
+              <a:buSzTx/>
+              <a:buFontTx/>
+              <a:buNone/>
+              <a:tabLst/>
+              <a:defRPr/>
+            </a:pPr>
+            <a:r>
+              <a:rPr lang="nb-NO" dirty="0" err="1"/>
+              <a:t>ansible-vault</a:t>
+            </a:r>
+            <a:r>
+              <a:rPr lang="nb-NO" dirty="0"/>
+              <a:t> </a:t>
+            </a:r>
+            <a:r>
+              <a:rPr lang="nb-NO" dirty="0" err="1"/>
+              <a:t>encrypt_string</a:t>
+            </a:r>
+            <a:r>
+              <a:rPr lang="nb-NO" dirty="0"/>
+              <a:t> 'Atealab123' --</a:t>
+            </a:r>
+            <a:r>
+              <a:rPr lang="nb-NO" dirty="0" err="1"/>
+              <a:t>name</a:t>
+            </a:r>
+            <a:r>
+              <a:rPr lang="nb-NO" dirty="0"/>
+              <a:t> '</a:t>
+            </a:r>
+            <a:r>
+              <a:rPr lang="nb-NO" dirty="0" err="1"/>
+              <a:t>ansible_password</a:t>
+            </a:r>
+            <a:r>
+              <a:rPr lang="nb-NO" dirty="0"/>
+              <a:t>’</a:t>
+            </a:r>
+          </a:p>
+          <a:p>
+            <a:endParaRPr lang="nb-NO" dirty="0"/>
+          </a:p>
+          <a:p>
+            <a:r>
+              <a:rPr lang="nb-NO" dirty="0"/>
+              <a:t>Vis et eksempel med </a:t>
+            </a:r>
+            <a:r>
+              <a:rPr lang="nb-NO" dirty="0" err="1"/>
+              <a:t>ansible</a:t>
+            </a:r>
+            <a:r>
+              <a:rPr lang="nb-NO" dirty="0"/>
+              <a:t>-host-</a:t>
+            </a:r>
+            <a:r>
+              <a:rPr lang="nb-NO" dirty="0" err="1"/>
+              <a:t>vault</a:t>
+            </a:r>
+            <a:r>
+              <a:rPr lang="nb-NO" dirty="0"/>
+              <a:t> (hvor passord ikke lenger er med), og legg til kryptert </a:t>
+            </a:r>
+            <a:r>
+              <a:rPr lang="nb-NO" dirty="0" err="1"/>
+              <a:t>ansible_password</a:t>
+            </a:r>
+            <a:r>
+              <a:rPr lang="nb-NO" dirty="0"/>
+              <a:t> i </a:t>
+            </a:r>
+            <a:r>
+              <a:rPr lang="nb-NO" dirty="0" err="1"/>
+              <a:t>group_vars</a:t>
+            </a:r>
+            <a:endParaRPr lang="nb-NO" dirty="0"/>
+          </a:p>
+          <a:p>
+            <a:endParaRPr lang="nb-NO" dirty="0"/>
+          </a:p>
+          <a:p>
+            <a:r>
+              <a:rPr lang="nb-NO" dirty="0"/>
+              <a:t>Lag en annet eksempel med en ny «</a:t>
+            </a:r>
+            <a:r>
+              <a:rPr lang="nb-NO" dirty="0" err="1"/>
+              <a:t>creds.yml</a:t>
+            </a:r>
+            <a:r>
+              <a:rPr lang="nb-NO" dirty="0"/>
+              <a:t>» fil i </a:t>
+            </a:r>
+            <a:r>
+              <a:rPr lang="nb-NO" dirty="0" err="1"/>
+              <a:t>group_vars</a:t>
+            </a:r>
+            <a:r>
+              <a:rPr lang="nb-NO" dirty="0"/>
+              <a:t>/all/</a:t>
+            </a:r>
+          </a:p>
+        </p:txBody>
+      </p:sp>
+      <p:sp>
+        <p:nvSpPr>
+          <p:cNvPr id="4" name="Slide Number Placeholder 3"/>
+          <p:cNvSpPr>
+            <a:spLocks noGrp="1"/>
+          </p:cNvSpPr>
+          <p:nvPr>
+            <p:ph type="sldNum" sz="quarter" idx="5"/>
+          </p:nvPr>
+        </p:nvSpPr>
+        <p:spPr/>
+        <p:txBody>
+          <a:bodyPr/>
+          <a:lstStyle/>
+          <a:p>
+            <a:fld id="{3E72E711-34EA-4ED1-992E-A79C5D60A060}" type="slidenum">
+              <a:rPr lang="en-GB" smtClean="0"/>
+              <a:t>30</a:t>
+            </a:fld>
+            <a:endParaRPr lang="en-GB" dirty="0"/>
+          </a:p>
+        </p:txBody>
+      </p:sp>
+    </p:spTree>
+    <p:extLst>
+      <p:ext uri="{BB962C8B-B14F-4D97-AF65-F5344CB8AC3E}">
+        <p14:creationId xmlns:p14="http://schemas.microsoft.com/office/powerpoint/2010/main" val="4061438778"/>
       </p:ext>
     </p:extLst>
   </p:cSld>
@@ -6197,6 +6105,208 @@
     <p:extLst>
       <p:ext uri="{BB962C8B-B14F-4D97-AF65-F5344CB8AC3E}">
         <p14:creationId xmlns:p14="http://schemas.microsoft.com/office/powerpoint/2010/main" val="1618687168"/>
+      </p:ext>
+    </p:extLst>
+  </p:cSld>
+  <p:clrMapOvr>
+    <a:masterClrMapping/>
+  </p:clrMapOvr>
+</p:notes>
+</file>
+
+<file path=ppt/notesSlides/notesSlide30.xml><?xml version="1.0" encoding="utf-8"?>
+<p:notes xmlns:a="http://schemas.openxmlformats.org/drawingml/2006/main" xmlns:r="http://schemas.openxmlformats.org/officeDocument/2006/relationships" xmlns:p="http://schemas.openxmlformats.org/presentationml/2006/main">
+  <p:cSld>
+    <p:spTree>
+      <p:nvGrpSpPr>
+        <p:cNvPr id="1" name=""/>
+        <p:cNvGrpSpPr/>
+        <p:nvPr/>
+      </p:nvGrpSpPr>
+      <p:grpSpPr>
+        <a:xfrm>
+          <a:off x="0" y="0"/>
+          <a:ext cx="0" cy="0"/>
+          <a:chOff x="0" y="0"/>
+          <a:chExt cx="0" cy="0"/>
+        </a:xfrm>
+      </p:grpSpPr>
+      <p:sp>
+        <p:nvSpPr>
+          <p:cNvPr id="2" name="Slide Image Placeholder 1"/>
+          <p:cNvSpPr>
+            <a:spLocks noGrp="1" noRot="1" noChangeAspect="1"/>
+          </p:cNvSpPr>
+          <p:nvPr>
+            <p:ph type="sldImg"/>
+          </p:nvPr>
+        </p:nvSpPr>
+        <p:spPr/>
+      </p:sp>
+      <p:sp>
+        <p:nvSpPr>
+          <p:cNvPr id="3" name="Notes Placeholder 2"/>
+          <p:cNvSpPr>
+            <a:spLocks noGrp="1"/>
+          </p:cNvSpPr>
+          <p:nvPr>
+            <p:ph type="body" idx="1"/>
+          </p:nvPr>
+        </p:nvSpPr>
+        <p:spPr/>
+        <p:txBody>
+          <a:bodyPr/>
+          <a:lstStyle/>
+          <a:p>
+            <a:r>
+              <a:rPr lang="fr-FR" dirty="0"/>
+              <a:t>ansible-</a:t>
+            </a:r>
+            <a:r>
+              <a:rPr lang="fr-FR" dirty="0" err="1"/>
+              <a:t>galaxy</a:t>
+            </a:r>
+            <a:r>
+              <a:rPr lang="fr-FR" dirty="0"/>
+              <a:t> </a:t>
+            </a:r>
+            <a:r>
+              <a:rPr lang="fr-FR" dirty="0" err="1"/>
+              <a:t>install</a:t>
+            </a:r>
+            <a:r>
+              <a:rPr lang="fr-FR" dirty="0"/>
+              <a:t> -r </a:t>
+            </a:r>
+            <a:r>
+              <a:rPr lang="fr-FR" dirty="0" err="1"/>
+              <a:t>roles</a:t>
+            </a:r>
+            <a:r>
+              <a:rPr lang="fr-FR" dirty="0"/>
+              <a:t>/</a:t>
+            </a:r>
+            <a:r>
+              <a:rPr lang="fr-FR" dirty="0" err="1"/>
+              <a:t>requirements.yml</a:t>
+            </a:r>
+            <a:endParaRPr lang="fr-FR" dirty="0"/>
+          </a:p>
+          <a:p>
+            <a:r>
+              <a:rPr lang="fr-FR" dirty="0"/>
+              <a:t>ansible-</a:t>
+            </a:r>
+            <a:r>
+              <a:rPr lang="fr-FR" dirty="0" err="1"/>
+              <a:t>playbook</a:t>
+            </a:r>
+            <a:r>
+              <a:rPr lang="fr-FR" dirty="0"/>
+              <a:t> </a:t>
+            </a:r>
+            <a:r>
+              <a:rPr lang="fr-FR" dirty="0" err="1"/>
+              <a:t>roles</a:t>
+            </a:r>
+            <a:r>
+              <a:rPr lang="fr-FR" dirty="0"/>
+              <a:t>/</a:t>
+            </a:r>
+            <a:r>
+              <a:rPr lang="fr-FR" dirty="0" err="1"/>
+              <a:t>install-awx.yml</a:t>
+            </a:r>
+            <a:r>
+              <a:rPr lang="fr-FR" dirty="0"/>
+              <a:t> -K</a:t>
+            </a:r>
+          </a:p>
+          <a:p>
+            <a:r>
+              <a:rPr lang="fr-FR" dirty="0" err="1"/>
+              <a:t>sudo</a:t>
+            </a:r>
+            <a:r>
+              <a:rPr lang="fr-FR" dirty="0"/>
+              <a:t> firewall-cmd --zone=public --</a:t>
+            </a:r>
+            <a:r>
+              <a:rPr lang="fr-FR" dirty="0" err="1"/>
+              <a:t>add-masquerade</a:t>
+            </a:r>
+            <a:r>
+              <a:rPr lang="fr-FR" dirty="0"/>
+              <a:t> –permanent</a:t>
+            </a:r>
+          </a:p>
+          <a:p>
+            <a:r>
+              <a:rPr lang="fr-FR" dirty="0" err="1"/>
+              <a:t>sudo</a:t>
+            </a:r>
+            <a:r>
+              <a:rPr lang="fr-FR" dirty="0"/>
+              <a:t> firewall-cmd –</a:t>
+            </a:r>
+            <a:r>
+              <a:rPr lang="fr-FR" dirty="0" err="1"/>
+              <a:t>reload</a:t>
+            </a:r>
+            <a:endParaRPr lang="fr-FR" dirty="0"/>
+          </a:p>
+          <a:p>
+            <a:endParaRPr lang="fr-FR" dirty="0"/>
+          </a:p>
+          <a:p>
+            <a:r>
+              <a:rPr lang="nb-NO" dirty="0"/>
+              <a:t>http://192.168.42.100/</a:t>
+            </a:r>
+          </a:p>
+          <a:p>
+            <a:r>
+              <a:rPr lang="nb-NO" dirty="0" err="1"/>
+              <a:t>admin</a:t>
+            </a:r>
+            <a:endParaRPr lang="nb-NO" dirty="0"/>
+          </a:p>
+          <a:p>
+            <a:r>
+              <a:rPr lang="nb-NO" dirty="0" err="1"/>
+              <a:t>password</a:t>
+            </a:r>
+            <a:endParaRPr lang="nb-NO" dirty="0"/>
+          </a:p>
+        </p:txBody>
+      </p:sp>
+      <p:sp>
+        <p:nvSpPr>
+          <p:cNvPr id="4" name="Slide Number Placeholder 3"/>
+          <p:cNvSpPr>
+            <a:spLocks noGrp="1"/>
+          </p:cNvSpPr>
+          <p:nvPr>
+            <p:ph type="sldNum" sz="quarter" idx="5"/>
+          </p:nvPr>
+        </p:nvSpPr>
+        <p:spPr/>
+        <p:txBody>
+          <a:bodyPr/>
+          <a:lstStyle/>
+          <a:p>
+            <a:fld id="{3E72E711-34EA-4ED1-992E-A79C5D60A060}" type="slidenum">
+              <a:rPr lang="en-GB" smtClean="0"/>
+              <a:t>31</a:t>
+            </a:fld>
+            <a:endParaRPr lang="en-GB" dirty="0"/>
+          </a:p>
+        </p:txBody>
+      </p:sp>
+    </p:spTree>
+    <p:extLst>
+      <p:ext uri="{BB962C8B-B14F-4D97-AF65-F5344CB8AC3E}">
+        <p14:creationId xmlns:p14="http://schemas.microsoft.com/office/powerpoint/2010/main" val="2992734055"/>
       </p:ext>
     </p:extLst>
   </p:cSld>
@@ -18703,12 +18813,13 @@
               <a:t>nettverksautomasjon</a:t>
             </a:r>
             <a:br>
-              <a:rPr lang="en-GB" dirty="0"/>
+              <a:rPr lang="en-GB"/>
             </a:br>
             <a:r>
-              <a:rPr lang="en-GB" dirty="0"/>
+              <a:rPr lang="en-GB"/>
               <a:t>del 2</a:t>
             </a:r>
+            <a:endParaRPr lang="en-GB" dirty="0"/>
           </a:p>
         </p:txBody>
       </p:sp>
@@ -18891,7 +19002,14 @@
             </a:r>
             <a:r>
               <a:rPr lang="en-US" dirty="0"/>
-              <a:t>: Ansible </a:t>
+              <a:t>:</a:t>
+            </a:r>
+          </a:p>
+          <a:p>
+            <a:pPr lvl="1"/>
+            <a:r>
+              <a:rPr lang="en-US" dirty="0"/>
+              <a:t>Ansible </a:t>
             </a:r>
             <a:r>
               <a:rPr lang="en-US" dirty="0" err="1"/>
@@ -18940,8 +19058,11 @@
           <a:p>
             <a:r>
               <a:rPr lang="en-US" dirty="0"/>
-              <a:t>Argument “lines”: </a:t>
-            </a:r>
+              <a:t>Argument “lines”:</a:t>
+            </a:r>
+          </a:p>
+          <a:p>
+            <a:pPr lvl="1"/>
             <a:r>
               <a:rPr lang="en-US" dirty="0" err="1"/>
               <a:t>liste</a:t>
@@ -18962,7 +19083,7 @@
           <a:p>
             <a:r>
               <a:rPr lang="en-US" dirty="0"/>
-              <a:t>Handler “</a:t>
+              <a:t>Argument “</a:t>
             </a:r>
             <a:r>
               <a:rPr lang="en-US" dirty="0" err="1"/>
@@ -18970,11 +19091,21 @@
             </a:r>
             <a:r>
               <a:rPr lang="en-US" dirty="0"/>
-              <a:t>”: </a:t>
-            </a:r>
+              <a:t>”:</a:t>
+            </a:r>
+          </a:p>
+          <a:p>
+            <a:pPr lvl="1"/>
+            <a:r>
+              <a:rPr lang="en-US" dirty="0"/>
+              <a:t>changed:</a:t>
+            </a:r>
+          </a:p>
+          <a:p>
+            <a:pPr lvl="2"/>
             <a:r>
               <a:rPr lang="en-US" dirty="0" err="1"/>
-              <a:t>lagrer</a:t>
+              <a:t>Lagrer</a:t>
             </a:r>
             <a:r>
               <a:rPr lang="en-US" dirty="0"/>
@@ -18986,11 +19117,70 @@
             </a:r>
             <a:r>
               <a:rPr lang="en-US" dirty="0"/>
+              <a:t> Ansible har </a:t>
+            </a:r>
+            <a:r>
+              <a:rPr lang="en-US" dirty="0" err="1"/>
+              <a:t>gjort</a:t>
+            </a:r>
+            <a:r>
+              <a:rPr lang="en-US" dirty="0"/>
               <a:t> </a:t>
             </a:r>
             <a:r>
               <a:rPr lang="en-US" dirty="0" err="1"/>
-              <a:t>nødvendig</a:t>
+              <a:t>endringer</a:t>
+            </a:r>
+            <a:endParaRPr lang="en-US" dirty="0"/>
+          </a:p>
+          <a:p>
+            <a:pPr lvl="1"/>
+            <a:r>
+              <a:rPr lang="en-US" dirty="0"/>
+              <a:t>modified:</a:t>
+            </a:r>
+          </a:p>
+          <a:p>
+            <a:pPr lvl="2"/>
+            <a:r>
+              <a:rPr lang="en-US" dirty="0"/>
+              <a:t>Larger config </a:t>
+            </a:r>
+            <a:r>
+              <a:rPr lang="en-US" dirty="0" err="1"/>
+              <a:t>hvis</a:t>
+            </a:r>
+            <a:r>
+              <a:rPr lang="en-US" dirty="0"/>
+              <a:t> running-config </a:t>
+            </a:r>
+            <a:r>
+              <a:rPr lang="en-US" dirty="0" err="1"/>
+              <a:t>ikke</a:t>
+            </a:r>
+            <a:r>
+              <a:rPr lang="en-US" dirty="0"/>
+              <a:t> </a:t>
+            </a:r>
+            <a:r>
+              <a:rPr lang="en-US" dirty="0" err="1"/>
+              <a:t>er</a:t>
+            </a:r>
+            <a:r>
+              <a:rPr lang="en-US" dirty="0"/>
+              <a:t> </a:t>
+            </a:r>
+            <a:r>
+              <a:rPr lang="en-US" dirty="0" err="1"/>
+              <a:t>lik</a:t>
+            </a:r>
+            <a:r>
+              <a:rPr lang="en-US" dirty="0"/>
+              <a:t> startup-</a:t>
+            </a:r>
+            <a:r>
+              <a:rPr lang="en-US" dirty="0" err="1"/>
+              <a:t>confg</a:t>
             </a:r>
             <a:endParaRPr lang="en-US" dirty="0"/>
           </a:p>
@@ -19576,12 +19766,6 @@
             <a:endParaRPr lang="en-US" dirty="0"/>
           </a:p>
           <a:p>
-            <a:endParaRPr lang="en-US" dirty="0"/>
-          </a:p>
-          <a:p>
-            <a:endParaRPr lang="en-US" dirty="0"/>
-          </a:p>
-          <a:p>
             <a:r>
               <a:rPr lang="en-US" dirty="0" err="1"/>
               <a:t>Variabler</a:t>
@@ -19621,6 +19805,159 @@
             <a:r>
               <a:rPr lang="en-US" dirty="0"/>
               <a:t>, under “vars”.</a:t>
+            </a:r>
+          </a:p>
+          <a:p>
+            <a:endParaRPr lang="en-US" dirty="0"/>
+          </a:p>
+          <a:p>
+            <a:r>
+              <a:rPr lang="en-US" dirty="0"/>
+              <a:t>For å </a:t>
+            </a:r>
+            <a:r>
+              <a:rPr lang="en-US" dirty="0" err="1"/>
+              <a:t>hente</a:t>
+            </a:r>
+            <a:r>
+              <a:rPr lang="en-US" dirty="0"/>
+              <a:t> </a:t>
+            </a:r>
+            <a:r>
+              <a:rPr lang="en-US" dirty="0" err="1"/>
+              <a:t>ut</a:t>
+            </a:r>
+            <a:r>
+              <a:rPr lang="en-US" dirty="0"/>
+              <a:t> </a:t>
+            </a:r>
+            <a:r>
+              <a:rPr lang="en-US" dirty="0" err="1"/>
+              <a:t>verdien</a:t>
+            </a:r>
+            <a:r>
+              <a:rPr lang="en-US" dirty="0"/>
+              <a:t> av </a:t>
+            </a:r>
+            <a:r>
+              <a:rPr lang="en-US" dirty="0" err="1"/>
+              <a:t>variabelen</a:t>
+            </a:r>
+            <a:r>
+              <a:rPr lang="en-US" dirty="0"/>
+              <a:t>, </a:t>
+            </a:r>
+            <a:r>
+              <a:rPr lang="en-US" dirty="0" err="1"/>
+              <a:t>må</a:t>
+            </a:r>
+            <a:r>
+              <a:rPr lang="en-US" dirty="0"/>
+              <a:t> Jinja2 syntax </a:t>
+            </a:r>
+            <a:r>
+              <a:rPr lang="en-US" dirty="0" err="1"/>
+              <a:t>brukes</a:t>
+            </a:r>
+            <a:r>
+              <a:rPr lang="en-US" dirty="0"/>
+              <a:t>:</a:t>
+            </a:r>
+          </a:p>
+          <a:p>
+            <a:pPr lvl="1"/>
+            <a:r>
+              <a:rPr lang="en-US" dirty="0"/>
+              <a:t>{{ </a:t>
+            </a:r>
+            <a:r>
+              <a:rPr lang="en-US" dirty="0" err="1"/>
+              <a:t>variabel</a:t>
+            </a:r>
+            <a:r>
+              <a:rPr lang="en-US" dirty="0"/>
+              <a:t> }}</a:t>
+            </a:r>
+          </a:p>
+          <a:p>
+            <a:pPr lvl="1"/>
+            <a:endParaRPr lang="en-US" dirty="0"/>
+          </a:p>
+          <a:p>
+            <a:r>
+              <a:rPr lang="en-US" dirty="0"/>
+              <a:t>Det </a:t>
+            </a:r>
+            <a:r>
+              <a:rPr lang="en-US" dirty="0" err="1"/>
+              <a:t>er</a:t>
+            </a:r>
+            <a:r>
+              <a:rPr lang="en-US" dirty="0"/>
+              <a:t> </a:t>
+            </a:r>
+            <a:r>
+              <a:rPr lang="en-US" dirty="0" err="1"/>
+              <a:t>nødvendig</a:t>
+            </a:r>
+            <a:r>
+              <a:rPr lang="en-US" dirty="0"/>
+              <a:t> med </a:t>
+            </a:r>
+            <a:r>
+              <a:rPr lang="en-US" dirty="0" err="1"/>
+              <a:t>anførselstegn</a:t>
+            </a:r>
+            <a:r>
+              <a:rPr lang="en-US" dirty="0"/>
+              <a:t> </a:t>
+            </a:r>
+            <a:r>
+              <a:rPr lang="en-US" dirty="0" err="1"/>
+              <a:t>rundt</a:t>
+            </a:r>
+            <a:r>
+              <a:rPr lang="en-US" dirty="0"/>
+              <a:t> Jinja2 syntax for at Ansible </a:t>
+            </a:r>
+            <a:r>
+              <a:rPr lang="en-US" dirty="0" err="1"/>
+              <a:t>ikke</a:t>
+            </a:r>
+            <a:r>
+              <a:rPr lang="en-US" dirty="0"/>
+              <a:t> </a:t>
+            </a:r>
+            <a:r>
+              <a:rPr lang="en-US" dirty="0" err="1"/>
+              <a:t>skal</a:t>
+            </a:r>
+            <a:r>
+              <a:rPr lang="en-US" dirty="0"/>
+              <a:t> </a:t>
+            </a:r>
+            <a:r>
+              <a:rPr lang="en-US" dirty="0" err="1"/>
+              <a:t>forveksle</a:t>
+            </a:r>
+            <a:r>
+              <a:rPr lang="en-US" dirty="0"/>
+              <a:t> med dictionary:</a:t>
+            </a:r>
+          </a:p>
+          <a:p>
+            <a:pPr lvl="1"/>
+            <a:r>
+              <a:rPr lang="en-US" dirty="0"/>
+              <a:t>“{{ </a:t>
+            </a:r>
+            <a:r>
+              <a:rPr lang="en-US" dirty="0" err="1"/>
+              <a:t>variabel</a:t>
+            </a:r>
+            <a:r>
+              <a:rPr lang="en-US" dirty="0"/>
+              <a:t> }}”</a:t>
             </a:r>
           </a:p>
         </p:txBody>
@@ -19775,7 +20112,7 @@
         </p:nvSpPr>
         <p:spPr>
           <a:xfrm>
-            <a:off x="6088868" y="3297452"/>
+            <a:off x="6073485" y="3636006"/>
             <a:ext cx="4443524" cy="677108"/>
           </a:xfrm>
           <a:prstGeom prst="rect">
@@ -19842,7 +20179,7 @@
         </p:blipFill>
         <p:spPr>
           <a:xfrm>
-            <a:off x="6151575" y="3636006"/>
+            <a:off x="6103168" y="4041059"/>
             <a:ext cx="5172075" cy="2095500"/>
           </a:xfrm>
           <a:prstGeom prst="rect">
@@ -19864,7 +20201,7 @@
         </p:nvSpPr>
         <p:spPr>
           <a:xfrm>
-            <a:off x="769148" y="3890646"/>
+            <a:off x="771852" y="3636006"/>
             <a:ext cx="4286430" cy="338554"/>
           </a:xfrm>
           <a:prstGeom prst="rect">
@@ -19920,7 +20257,7 @@
         </p:blipFill>
         <p:spPr>
           <a:xfrm>
-            <a:off x="769148" y="4388481"/>
+            <a:off x="806604" y="4041059"/>
             <a:ext cx="2305050" cy="1343025"/>
           </a:xfrm>
           <a:prstGeom prst="rect">
@@ -20211,7 +20548,7 @@
         </p:nvSpPr>
         <p:spPr>
           <a:xfrm>
-            <a:off x="5967395" y="2724500"/>
+            <a:off x="674384" y="3588016"/>
             <a:ext cx="2731517" cy="677108"/>
           </a:xfrm>
           <a:prstGeom prst="rect">
@@ -20266,7 +20603,7 @@
         </p:blipFill>
         <p:spPr>
           <a:xfrm>
-            <a:off x="1271464" y="3202618"/>
+            <a:off x="7072481" y="1489199"/>
             <a:ext cx="3000375" cy="1314450"/>
           </a:xfrm>
           <a:prstGeom prst="rect">
@@ -20391,7 +20728,7 @@
         </p:blipFill>
         <p:spPr>
           <a:xfrm>
-            <a:off x="5986800" y="3240408"/>
+            <a:off x="674384" y="3980595"/>
             <a:ext cx="2266950" cy="447675"/>
           </a:xfrm>
           <a:prstGeom prst="rect">
@@ -20413,7 +20750,7 @@
         </p:nvSpPr>
         <p:spPr>
           <a:xfrm>
-            <a:off x="5967395" y="3974560"/>
+            <a:off x="5986462" y="3584568"/>
             <a:ext cx="4443524" cy="677108"/>
           </a:xfrm>
           <a:prstGeom prst="rect">
@@ -20480,7 +20817,7 @@
         </p:blipFill>
         <p:spPr>
           <a:xfrm>
-            <a:off x="6030102" y="4313114"/>
+            <a:off x="5986462" y="3923122"/>
             <a:ext cx="5172075" cy="2095500"/>
           </a:xfrm>
           <a:prstGeom prst="rect">
@@ -21755,7 +22092,7 @@
     </p:spTree>
     <p:extLst>
       <p:ext uri="{BB962C8B-B14F-4D97-AF65-F5344CB8AC3E}">
-        <p14:creationId xmlns:p14="http://schemas.microsoft.com/office/powerpoint/2010/main" val="1999261251"/>
+        <p14:creationId xmlns:p14="http://schemas.microsoft.com/office/powerpoint/2010/main" val="3858163875"/>
       </p:ext>
     </p:extLst>
   </p:cSld>
@@ -21787,7 +22124,7 @@
           <p:cNvPr id="2" name="Title 1">
             <a:extLst>
               <a:ext uri="{FF2B5EF4-FFF2-40B4-BE49-F238E27FC236}">
-                <a16:creationId xmlns:a16="http://schemas.microsoft.com/office/drawing/2014/main" id="{F18A010B-95C4-417E-AD63-BBC7E3916395}"/>
+                <a16:creationId xmlns:a16="http://schemas.microsoft.com/office/drawing/2014/main" id="{1C6771A0-D1F2-457E-9AE9-09CD342EA342}"/>
               </a:ext>
             </a:extLst>
           </p:cNvPr>
@@ -21804,18 +22141,9 @@
           <a:lstStyle/>
           <a:p>
             <a:r>
-              <a:rPr lang="nb-NO" dirty="0" err="1"/>
-              <a:t>Ansible</a:t>
-            </a:r>
-            <a:r>
-              <a:rPr lang="nb-NO" dirty="0"/>
-              <a:t> </a:t>
-            </a:r>
-            <a:r>
-              <a:rPr lang="nb-NO" dirty="0" err="1"/>
-              <a:t>vault</a:t>
-            </a:r>
-            <a:endParaRPr lang="nb-NO" dirty="0"/>
+              <a:rPr lang="nb-NO" dirty="0"/>
+              <a:t>Demo – NTP konfigurasjon</a:t>
+            </a:r>
           </a:p>
         </p:txBody>
       </p:sp>
@@ -21824,7 +22152,7 @@
           <p:cNvPr id="3" name="Content Placeholder 2">
             <a:extLst>
               <a:ext uri="{FF2B5EF4-FFF2-40B4-BE49-F238E27FC236}">
-                <a16:creationId xmlns:a16="http://schemas.microsoft.com/office/drawing/2014/main" id="{58CD67F7-2CB3-44C6-BD2F-5C844C319248}"/>
+                <a16:creationId xmlns:a16="http://schemas.microsoft.com/office/drawing/2014/main" id="{982C6175-973F-49B6-A266-C1AC4DFF3418}"/>
               </a:ext>
             </a:extLst>
           </p:cNvPr>
@@ -21837,114 +22165,125 @@
         </p:nvSpPr>
         <p:spPr>
           <a:xfrm>
-            <a:off x="291291" y="992287"/>
-            <a:ext cx="5626800" cy="4843479"/>
+            <a:off x="373173" y="992734"/>
+            <a:ext cx="4556349" cy="5650974"/>
           </a:xfrm>
         </p:spPr>
         <p:txBody>
           <a:bodyPr/>
           <a:lstStyle/>
           <a:p>
+            <a:r>
+              <a:rPr lang="nb-NO" dirty="0" err="1"/>
+              <a:t>ntp_servers</a:t>
+            </a:r>
+            <a:r>
+              <a:rPr lang="nb-NO" dirty="0"/>
+              <a:t> er definert i </a:t>
+            </a:r>
+            <a:r>
+              <a:rPr lang="nb-NO" dirty="0" err="1"/>
+              <a:t>group_vars</a:t>
+            </a:r>
+            <a:r>
+              <a:rPr lang="nb-NO" dirty="0"/>
+              <a:t>/all/</a:t>
+            </a:r>
+            <a:r>
+              <a:rPr lang="nb-NO" dirty="0" err="1"/>
+              <a:t>global_default.yml</a:t>
+            </a:r>
             <a:endParaRPr lang="nb-NO" dirty="0"/>
           </a:p>
           <a:p>
             <a:r>
-              <a:rPr lang="nb-NO" dirty="0"/>
-              <a:t>Brukes for å unngå passord i klartekst </a:t>
-            </a:r>
-          </a:p>
-          <a:p>
+              <a:rPr lang="nb-NO" dirty="0" err="1"/>
+              <a:t>timezone</a:t>
+            </a:r>
+            <a:r>
+              <a:rPr lang="nb-NO" dirty="0"/>
+              <a:t> er definert i </a:t>
+            </a:r>
+            <a:r>
+              <a:rPr lang="nb-NO" dirty="0" err="1"/>
+              <a:t>group_vars</a:t>
+            </a:r>
+            <a:r>
+              <a:rPr lang="nb-NO" dirty="0"/>
+              <a:t>/</a:t>
+            </a:r>
+            <a:r>
+              <a:rPr lang="nb-NO" dirty="0" err="1"/>
+              <a:t>nxos</a:t>
+            </a:r>
+            <a:r>
+              <a:rPr lang="nb-NO" dirty="0"/>
+              <a:t>/</a:t>
+            </a:r>
+            <a:r>
+              <a:rPr lang="nb-NO" dirty="0" err="1"/>
+              <a:t>nxos_default.yml</a:t>
+            </a:r>
             <a:endParaRPr lang="nb-NO" dirty="0"/>
           </a:p>
           <a:p>
-            <a:r>
-              <a:rPr lang="nb-NO" dirty="0" err="1"/>
-              <a:t>ansible-vault</a:t>
-            </a:r>
+            <a:pPr marL="122" indent="0">
+              <a:buNone/>
+            </a:pPr>
             <a:endParaRPr lang="nb-NO" dirty="0"/>
           </a:p>
           <a:p>
-            <a:pPr lvl="1"/>
-            <a:r>
-              <a:rPr lang="nb-NO" dirty="0" err="1"/>
-              <a:t>encrypt</a:t>
-            </a:r>
+            <a:pPr marL="122" indent="0">
+              <a:buNone/>
+            </a:pPr>
             <a:endParaRPr lang="nb-NO" dirty="0"/>
           </a:p>
           <a:p>
-            <a:pPr lvl="1"/>
-            <a:r>
-              <a:rPr lang="nb-NO" dirty="0" err="1"/>
-              <a:t>decrypt</a:t>
-            </a:r>
+            <a:pPr marL="122" indent="0">
+              <a:buNone/>
+            </a:pPr>
             <a:endParaRPr lang="nb-NO" dirty="0"/>
           </a:p>
-          <a:p>
-            <a:pPr lvl="1"/>
-            <a:r>
-              <a:rPr lang="nb-NO" dirty="0" err="1"/>
-              <a:t>edit</a:t>
-            </a:r>
-            <a:endParaRPr lang="nb-NO" dirty="0"/>
-          </a:p>
-          <a:p>
-            <a:pPr lvl="1"/>
-            <a:r>
-              <a:rPr lang="nb-NO" dirty="0" err="1"/>
-              <a:t>view</a:t>
-            </a:r>
-            <a:endParaRPr lang="nb-NO" dirty="0"/>
-          </a:p>
-          <a:p>
-            <a:pPr lvl="1"/>
-            <a:r>
-              <a:rPr lang="nb-NO" dirty="0" err="1"/>
-              <a:t>encrypt_string</a:t>
-            </a:r>
-            <a:endParaRPr lang="nb-NO" dirty="0"/>
-          </a:p>
-          <a:p>
-            <a:endParaRPr lang="nb-NO" dirty="0"/>
-          </a:p>
-          <a:p>
-            <a:r>
-              <a:rPr lang="nb-NO" dirty="0"/>
-              <a:t>Kjør </a:t>
-            </a:r>
-            <a:r>
-              <a:rPr lang="nb-NO" dirty="0" err="1"/>
-              <a:t>playbook</a:t>
-            </a:r>
-            <a:r>
-              <a:rPr lang="nb-NO" dirty="0"/>
-              <a:t> med --ask-</a:t>
-            </a:r>
-            <a:r>
-              <a:rPr lang="nb-NO" dirty="0" err="1"/>
-              <a:t>vault</a:t>
-            </a:r>
-            <a:r>
-              <a:rPr lang="nb-NO" dirty="0"/>
-              <a:t>-pass</a:t>
-            </a:r>
+        </p:txBody>
+      </p:sp>
+      <p:sp>
+        <p:nvSpPr>
+          <p:cNvPr id="5" name="Footer Placeholder 4">
+            <a:extLst>
+              <a:ext uri="{FF2B5EF4-FFF2-40B4-BE49-F238E27FC236}">
+                <a16:creationId xmlns:a16="http://schemas.microsoft.com/office/drawing/2014/main" id="{CF780CD4-DA08-4338-8A4A-CD485E1B6175}"/>
+              </a:ext>
+            </a:extLst>
+          </p:cNvPr>
+          <p:cNvSpPr>
+            <a:spLocks noGrp="1"/>
+          </p:cNvSpPr>
+          <p:nvPr>
+            <p:ph type="ftr" sz="quarter" idx="13"/>
+          </p:nvPr>
+        </p:nvSpPr>
+        <p:spPr/>
+        <p:txBody>
+          <a:bodyPr/>
+          <a:lstStyle/>
+          <a:p>
+            <a:endParaRPr lang="da-DK" dirty="0"/>
           </a:p>
         </p:txBody>
       </p:sp>
       <p:pic>
         <p:nvPicPr>
-          <p:cNvPr id="7" name="Content Placeholder 6">
+          <p:cNvPr id="12" name="Picture 11">
             <a:extLst>
               <a:ext uri="{FF2B5EF4-FFF2-40B4-BE49-F238E27FC236}">
-                <a16:creationId xmlns:a16="http://schemas.microsoft.com/office/drawing/2014/main" id="{4BFE7C3B-97C4-4ACD-B0EB-2E7140FD4415}"/>
+                <a16:creationId xmlns:a16="http://schemas.microsoft.com/office/drawing/2014/main" id="{8B7BFCBC-7E7B-4151-85E9-B5B5F09188CC}"/>
               </a:ext>
             </a:extLst>
           </p:cNvPr>
           <p:cNvPicPr>
-            <a:picLocks noGrp="1" noChangeAspect="1"/>
+            <a:picLocks noChangeAspect="1"/>
           </p:cNvPicPr>
-          <p:nvPr>
-            <p:ph sz="quarter" idx="11"/>
-          </p:nvPr>
+          <p:nvPr/>
         </p:nvPicPr>
         <p:blipFill>
           <a:blip r:embed="rId3"/>
@@ -21954,81 +22293,50 @@
         </p:blipFill>
         <p:spPr>
           <a:xfrm>
-            <a:off x="4151784" y="2267725"/>
-            <a:ext cx="7718944" cy="1166695"/>
+            <a:off x="288323" y="2924944"/>
+            <a:ext cx="4332265" cy="2109129"/>
           </a:xfrm>
           <a:prstGeom prst="rect">
             <a:avLst/>
           </a:prstGeom>
         </p:spPr>
       </p:pic>
-      <p:sp>
-        <p:nvSpPr>
-          <p:cNvPr id="5" name="Footer Placeholder 4">
+      <p:pic>
+        <p:nvPicPr>
+          <p:cNvPr id="15" name="Content Placeholder 14">
             <a:extLst>
               <a:ext uri="{FF2B5EF4-FFF2-40B4-BE49-F238E27FC236}">
-                <a16:creationId xmlns:a16="http://schemas.microsoft.com/office/drawing/2014/main" id="{4259A9F2-E087-4AA4-937E-3631A6A5EE35}"/>
+                <a16:creationId xmlns:a16="http://schemas.microsoft.com/office/drawing/2014/main" id="{CDCFABDE-D95A-4387-B4CC-B5BC44024FE2}"/>
               </a:ext>
             </a:extLst>
           </p:cNvPr>
-          <p:cNvSpPr>
-            <a:spLocks noGrp="1"/>
-          </p:cNvSpPr>
-          <p:nvPr>
-            <p:ph type="ftr" sz="quarter" idx="13"/>
-          </p:nvPr>
-        </p:nvSpPr>
-        <p:spPr/>
-        <p:txBody>
-          <a:bodyPr/>
-          <a:lstStyle/>
-          <a:p>
-            <a:endParaRPr lang="da-DK" dirty="0"/>
-          </a:p>
-        </p:txBody>
-      </p:sp>
-      <p:sp>
-        <p:nvSpPr>
-          <p:cNvPr id="6" name="TextBox 5">
-            <a:extLst>
-              <a:ext uri="{FF2B5EF4-FFF2-40B4-BE49-F238E27FC236}">
-                <a16:creationId xmlns:a16="http://schemas.microsoft.com/office/drawing/2014/main" id="{03C85CA4-CD59-4713-B715-BDEA8BBF0B3D}"/>
-              </a:ext>
-            </a:extLst>
-          </p:cNvPr>
-          <p:cNvSpPr txBox="1"/>
-          <p:nvPr/>
-        </p:nvSpPr>
+          <p:cNvPicPr>
+            <a:picLocks noGrp="1" noChangeAspect="1"/>
+          </p:cNvPicPr>
+          <p:nvPr>
+            <p:ph sz="quarter" idx="11"/>
+          </p:nvPr>
+        </p:nvPicPr>
+        <p:blipFill>
+          <a:blip r:embed="rId4"/>
+          <a:stretch>
+            <a:fillRect/>
+          </a:stretch>
+        </p:blipFill>
         <p:spPr>
           <a:xfrm>
-            <a:off x="373174" y="6088437"/>
-            <a:ext cx="5463034" cy="246221"/>
+            <a:off x="5124169" y="855980"/>
+            <a:ext cx="6712231" cy="4517236"/>
           </a:xfrm>
           <a:prstGeom prst="rect">
             <a:avLst/>
           </a:prstGeom>
-          <a:noFill/>
         </p:spPr>
-        <p:txBody>
-          <a:bodyPr wrap="none" lIns="0" tIns="0" rIns="0" bIns="0" rtlCol="0">
-            <a:spAutoFit/>
-          </a:bodyPr>
-          <a:lstStyle/>
-          <a:p>
-            <a:r>
-              <a:rPr lang="nb-NO" sz="1600" dirty="0">
-                <a:hlinkClick r:id="rId4"/>
-              </a:rPr>
-              <a:t>https://docs.ansible.com/ansible/latest/user_guide/vault.html</a:t>
-            </a:r>
-            <a:endParaRPr lang="nb-NO" sz="2200" noProof="0" dirty="0" err="1"/>
-          </a:p>
-        </p:txBody>
-      </p:sp>
+      </p:pic>
     </p:spTree>
     <p:extLst>
       <p:ext uri="{BB962C8B-B14F-4D97-AF65-F5344CB8AC3E}">
-        <p14:creationId xmlns:p14="http://schemas.microsoft.com/office/powerpoint/2010/main" val="283160981"/>
+        <p14:creationId xmlns:p14="http://schemas.microsoft.com/office/powerpoint/2010/main" val="1999261251"/>
       </p:ext>
     </p:extLst>
   </p:cSld>
@@ -22060,6 +22368,1122 @@
           <p:cNvPr id="2" name="Title 1">
             <a:extLst>
               <a:ext uri="{FF2B5EF4-FFF2-40B4-BE49-F238E27FC236}">
+                <a16:creationId xmlns:a16="http://schemas.microsoft.com/office/drawing/2014/main" id="{1C6771A0-D1F2-457E-9AE9-09CD342EA342}"/>
+              </a:ext>
+            </a:extLst>
+          </p:cNvPr>
+          <p:cNvSpPr>
+            <a:spLocks noGrp="1"/>
+          </p:cNvSpPr>
+          <p:nvPr>
+            <p:ph type="title"/>
+          </p:nvPr>
+        </p:nvSpPr>
+        <p:spPr/>
+        <p:txBody>
+          <a:bodyPr/>
+          <a:lstStyle/>
+          <a:p>
+            <a:r>
+              <a:rPr lang="nb-NO" dirty="0"/>
+              <a:t>Demo – trunk </a:t>
+            </a:r>
+            <a:r>
+              <a:rPr lang="nb-NO" dirty="0" err="1"/>
+              <a:t>config</a:t>
+            </a:r>
+            <a:endParaRPr lang="nb-NO" dirty="0"/>
+          </a:p>
+        </p:txBody>
+      </p:sp>
+      <p:sp>
+        <p:nvSpPr>
+          <p:cNvPr id="5" name="Footer Placeholder 4">
+            <a:extLst>
+              <a:ext uri="{FF2B5EF4-FFF2-40B4-BE49-F238E27FC236}">
+                <a16:creationId xmlns:a16="http://schemas.microsoft.com/office/drawing/2014/main" id="{CF780CD4-DA08-4338-8A4A-CD485E1B6175}"/>
+              </a:ext>
+            </a:extLst>
+          </p:cNvPr>
+          <p:cNvSpPr>
+            <a:spLocks noGrp="1"/>
+          </p:cNvSpPr>
+          <p:nvPr>
+            <p:ph type="ftr" sz="quarter" idx="13"/>
+          </p:nvPr>
+        </p:nvSpPr>
+        <p:spPr/>
+        <p:txBody>
+          <a:bodyPr/>
+          <a:lstStyle/>
+          <a:p>
+            <a:endParaRPr lang="da-DK" dirty="0"/>
+          </a:p>
+        </p:txBody>
+      </p:sp>
+      <p:sp>
+        <p:nvSpPr>
+          <p:cNvPr id="6" name="Content Placeholder 5">
+            <a:extLst>
+              <a:ext uri="{FF2B5EF4-FFF2-40B4-BE49-F238E27FC236}">
+                <a16:creationId xmlns:a16="http://schemas.microsoft.com/office/drawing/2014/main" id="{3E6E0B67-DA8A-4E00-8AB0-5CAF83F57C8F}"/>
+              </a:ext>
+            </a:extLst>
+          </p:cNvPr>
+          <p:cNvSpPr>
+            <a:spLocks noGrp="1"/>
+          </p:cNvSpPr>
+          <p:nvPr>
+            <p:ph sz="quarter" idx="10"/>
+          </p:nvPr>
+        </p:nvSpPr>
+        <p:spPr/>
+        <p:txBody>
+          <a:bodyPr/>
+          <a:lstStyle/>
+          <a:p>
+            <a:r>
+              <a:rPr lang="nb-NO" dirty="0"/>
+              <a:t>802.1q trunk på LACP port-</a:t>
+            </a:r>
+            <a:r>
+              <a:rPr lang="nb-NO" dirty="0" err="1"/>
+              <a:t>channel</a:t>
+            </a:r>
+            <a:r>
+              <a:rPr lang="nb-NO" dirty="0"/>
+              <a:t> mellom   NXOS1 og NXOS2</a:t>
+            </a:r>
+          </a:p>
+          <a:p>
+            <a:r>
+              <a:rPr lang="nb-NO" dirty="0"/>
+              <a:t>802.1q trunk på link mellom NXOS3 og NXOS4</a:t>
+            </a:r>
+          </a:p>
+          <a:p>
+            <a:endParaRPr lang="nb-NO" dirty="0"/>
+          </a:p>
+          <a:p>
+            <a:r>
+              <a:rPr lang="nb-NO" dirty="0"/>
+              <a:t>Denne gangen bruker vi innebygde </a:t>
+            </a:r>
+            <a:r>
+              <a:rPr lang="nb-NO" dirty="0" err="1"/>
+              <a:t>Ansible</a:t>
+            </a:r>
+            <a:r>
+              <a:rPr lang="nb-NO" dirty="0"/>
+              <a:t> moduler:</a:t>
+            </a:r>
+          </a:p>
+          <a:p>
+            <a:pPr lvl="1"/>
+            <a:r>
+              <a:rPr lang="nb-NO" dirty="0" err="1"/>
+              <a:t>nxos_linkagg</a:t>
+            </a:r>
+            <a:endParaRPr lang="nb-NO" dirty="0"/>
+          </a:p>
+          <a:p>
+            <a:pPr lvl="1"/>
+            <a:r>
+              <a:rPr lang="nb-NO" dirty="0"/>
+              <a:t>nxos_l2_interface</a:t>
+            </a:r>
+          </a:p>
+          <a:p>
+            <a:pPr lvl="1"/>
+            <a:endParaRPr lang="nb-NO" dirty="0"/>
+          </a:p>
+          <a:p>
+            <a:r>
+              <a:rPr lang="nb-NO" dirty="0" err="1"/>
+              <a:t>Ansible</a:t>
+            </a:r>
+            <a:r>
+              <a:rPr lang="nb-NO" dirty="0"/>
+              <a:t> 2.10 flytter moduler til </a:t>
+            </a:r>
+            <a:r>
+              <a:rPr lang="nb-NO" dirty="0" err="1"/>
+              <a:t>collections</a:t>
+            </a:r>
+            <a:endParaRPr lang="nb-NO" dirty="0"/>
+          </a:p>
+          <a:p>
+            <a:pPr lvl="1"/>
+            <a:r>
+              <a:rPr lang="nb-NO" dirty="0" err="1"/>
+              <a:t>ansible-galaxy</a:t>
+            </a:r>
+            <a:r>
+              <a:rPr lang="nb-NO" dirty="0"/>
+              <a:t> </a:t>
+            </a:r>
+            <a:r>
+              <a:rPr lang="nb-NO" dirty="0" err="1"/>
+              <a:t>collection</a:t>
+            </a:r>
+            <a:r>
+              <a:rPr lang="nb-NO" dirty="0"/>
+              <a:t> </a:t>
+            </a:r>
+            <a:r>
+              <a:rPr lang="nb-NO" dirty="0" err="1"/>
+              <a:t>install</a:t>
+            </a:r>
+            <a:r>
+              <a:rPr lang="nb-NO" dirty="0"/>
+              <a:t> </a:t>
+            </a:r>
+            <a:r>
+              <a:rPr lang="nb-NO" dirty="0" err="1"/>
+              <a:t>cisco.nxos</a:t>
+            </a:r>
+            <a:endParaRPr lang="nb-NO" dirty="0"/>
+          </a:p>
+          <a:p>
+            <a:endParaRPr lang="nb-NO" dirty="0"/>
+          </a:p>
+        </p:txBody>
+      </p:sp>
+      <p:sp>
+        <p:nvSpPr>
+          <p:cNvPr id="8" name="Content Placeholder 7">
+            <a:extLst>
+              <a:ext uri="{FF2B5EF4-FFF2-40B4-BE49-F238E27FC236}">
+                <a16:creationId xmlns:a16="http://schemas.microsoft.com/office/drawing/2014/main" id="{5F9DF04C-B0AC-40B6-86CC-EC373F9C1803}"/>
+              </a:ext>
+            </a:extLst>
+          </p:cNvPr>
+          <p:cNvSpPr>
+            <a:spLocks noGrp="1"/>
+          </p:cNvSpPr>
+          <p:nvPr>
+            <p:ph sz="quarter" idx="11"/>
+          </p:nvPr>
+        </p:nvSpPr>
+        <p:spPr>
+          <a:xfrm>
+            <a:off x="6210000" y="985839"/>
+            <a:ext cx="5626800" cy="4387378"/>
+          </a:xfrm>
+        </p:spPr>
+        <p:txBody>
+          <a:bodyPr/>
+          <a:lstStyle/>
+          <a:p>
+            <a:endParaRPr lang="nb-NO" dirty="0"/>
+          </a:p>
+        </p:txBody>
+      </p:sp>
+      <p:pic>
+        <p:nvPicPr>
+          <p:cNvPr id="13" name="Content Placeholder 7">
+            <a:extLst>
+              <a:ext uri="{FF2B5EF4-FFF2-40B4-BE49-F238E27FC236}">
+                <a16:creationId xmlns:a16="http://schemas.microsoft.com/office/drawing/2014/main" id="{F4CEB0D5-70E2-412E-B176-0A17CFC893A5}"/>
+              </a:ext>
+            </a:extLst>
+          </p:cNvPr>
+          <p:cNvPicPr>
+            <a:picLocks noChangeAspect="1"/>
+          </p:cNvPicPr>
+          <p:nvPr/>
+        </p:nvPicPr>
+        <p:blipFill>
+          <a:blip r:embed="rId3"/>
+          <a:stretch>
+            <a:fillRect/>
+          </a:stretch>
+        </p:blipFill>
+        <p:spPr>
+          <a:xfrm>
+            <a:off x="6323012" y="2050256"/>
+            <a:ext cx="5400675" cy="2714625"/>
+          </a:xfrm>
+          <a:prstGeom prst="rect">
+            <a:avLst/>
+          </a:prstGeom>
+        </p:spPr>
+      </p:pic>
+      <p:sp>
+        <p:nvSpPr>
+          <p:cNvPr id="14" name="TextBox 13">
+            <a:extLst>
+              <a:ext uri="{FF2B5EF4-FFF2-40B4-BE49-F238E27FC236}">
+                <a16:creationId xmlns:a16="http://schemas.microsoft.com/office/drawing/2014/main" id="{2A9B91A9-CB2D-434F-B726-7F0CC4E5C22E}"/>
+              </a:ext>
+            </a:extLst>
+          </p:cNvPr>
+          <p:cNvSpPr txBox="1"/>
+          <p:nvPr/>
+        </p:nvSpPr>
+        <p:spPr>
+          <a:xfrm>
+            <a:off x="373174" y="5536364"/>
+            <a:ext cx="10698016" cy="1631216"/>
+          </a:xfrm>
+          <a:prstGeom prst="rect">
+            <a:avLst/>
+          </a:prstGeom>
+          <a:noFill/>
+        </p:spPr>
+        <p:txBody>
+          <a:bodyPr wrap="square">
+            <a:spAutoFit/>
+          </a:bodyPr>
+          <a:lstStyle/>
+          <a:p>
+            <a:r>
+              <a:rPr lang="nb-NO" sz="2000" dirty="0">
+                <a:hlinkClick r:id="rId4"/>
+              </a:rPr>
+              <a:t>https://docs.ansible.com/ansible/2.9/modules/list_of_network_modules.html#</a:t>
+            </a:r>
+            <a:endParaRPr lang="nb-NO" sz="2000" dirty="0"/>
+          </a:p>
+          <a:p>
+            <a:r>
+              <a:rPr lang="nb-NO" sz="2000" dirty="0">
+                <a:hlinkClick r:id="rId5"/>
+              </a:rPr>
+              <a:t>https://docs.ansible.com/ansible/latest/porting_guides/porting_guide_2.10.html</a:t>
+            </a:r>
+            <a:endParaRPr lang="nb-NO" sz="2000" dirty="0"/>
+          </a:p>
+          <a:p>
+            <a:r>
+              <a:rPr lang="nb-NO" sz="2000" dirty="0">
+                <a:hlinkClick r:id="rId6"/>
+              </a:rPr>
+              <a:t>https://docs.ansible.com/ansible/latest/collections/index.html</a:t>
+            </a:r>
+            <a:endParaRPr lang="nb-NO" sz="2000" dirty="0"/>
+          </a:p>
+          <a:p>
+            <a:endParaRPr lang="nb-NO" sz="2000" dirty="0"/>
+          </a:p>
+          <a:p>
+            <a:endParaRPr lang="nb-NO" sz="2000" dirty="0"/>
+          </a:p>
+        </p:txBody>
+      </p:sp>
+    </p:spTree>
+    <p:extLst>
+      <p:ext uri="{BB962C8B-B14F-4D97-AF65-F5344CB8AC3E}">
+        <p14:creationId xmlns:p14="http://schemas.microsoft.com/office/powerpoint/2010/main" val="1880178735"/>
+      </p:ext>
+    </p:extLst>
+  </p:cSld>
+  <p:clrMapOvr>
+    <a:masterClrMapping/>
+  </p:clrMapOvr>
+</p:sld>
+</file>
+
+<file path=ppt/slides/slide29.xml><?xml version="1.0" encoding="utf-8"?>
+<p:sld xmlns:a="http://schemas.openxmlformats.org/drawingml/2006/main" xmlns:r="http://schemas.openxmlformats.org/officeDocument/2006/relationships" xmlns:p="http://schemas.openxmlformats.org/presentationml/2006/main">
+  <p:cSld>
+    <p:spTree>
+      <p:nvGrpSpPr>
+        <p:cNvPr id="1" name=""/>
+        <p:cNvGrpSpPr/>
+        <p:nvPr/>
+      </p:nvGrpSpPr>
+      <p:grpSpPr>
+        <a:xfrm>
+          <a:off x="0" y="0"/>
+          <a:ext cx="0" cy="0"/>
+          <a:chOff x="0" y="0"/>
+          <a:chExt cx="0" cy="0"/>
+        </a:xfrm>
+      </p:grpSpPr>
+      <p:sp>
+        <p:nvSpPr>
+          <p:cNvPr id="2" name="Title 1">
+            <a:extLst>
+              <a:ext uri="{FF2B5EF4-FFF2-40B4-BE49-F238E27FC236}">
+                <a16:creationId xmlns:a16="http://schemas.microsoft.com/office/drawing/2014/main" id="{1C6771A0-D1F2-457E-9AE9-09CD342EA342}"/>
+              </a:ext>
+            </a:extLst>
+          </p:cNvPr>
+          <p:cNvSpPr>
+            <a:spLocks noGrp="1"/>
+          </p:cNvSpPr>
+          <p:nvPr>
+            <p:ph type="title"/>
+          </p:nvPr>
+        </p:nvSpPr>
+        <p:spPr/>
+        <p:txBody>
+          <a:bodyPr/>
+          <a:lstStyle/>
+          <a:p>
+            <a:r>
+              <a:rPr lang="nb-NO" dirty="0"/>
+              <a:t>Demo – data </a:t>
+            </a:r>
+            <a:r>
+              <a:rPr lang="nb-NO" dirty="0" err="1"/>
+              <a:t>parsing</a:t>
+            </a:r>
+            <a:r>
+              <a:rPr lang="nb-NO" dirty="0"/>
+              <a:t> og </a:t>
+            </a:r>
+            <a:r>
+              <a:rPr lang="nb-NO" dirty="0" err="1"/>
+              <a:t>vlan</a:t>
+            </a:r>
+            <a:r>
+              <a:rPr lang="nb-NO" dirty="0"/>
+              <a:t> </a:t>
+            </a:r>
+            <a:r>
+              <a:rPr lang="nb-NO" dirty="0" err="1"/>
+              <a:t>config</a:t>
+            </a:r>
+            <a:endParaRPr lang="nb-NO" dirty="0"/>
+          </a:p>
+        </p:txBody>
+      </p:sp>
+      <p:sp>
+        <p:nvSpPr>
+          <p:cNvPr id="5" name="Footer Placeholder 4">
+            <a:extLst>
+              <a:ext uri="{FF2B5EF4-FFF2-40B4-BE49-F238E27FC236}">
+                <a16:creationId xmlns:a16="http://schemas.microsoft.com/office/drawing/2014/main" id="{CF780CD4-DA08-4338-8A4A-CD485E1B6175}"/>
+              </a:ext>
+            </a:extLst>
+          </p:cNvPr>
+          <p:cNvSpPr>
+            <a:spLocks noGrp="1"/>
+          </p:cNvSpPr>
+          <p:nvPr>
+            <p:ph type="ftr" sz="quarter" idx="13"/>
+          </p:nvPr>
+        </p:nvSpPr>
+        <p:spPr/>
+        <p:txBody>
+          <a:bodyPr/>
+          <a:lstStyle/>
+          <a:p>
+            <a:endParaRPr lang="da-DK" dirty="0"/>
+          </a:p>
+        </p:txBody>
+      </p:sp>
+      <p:sp>
+        <p:nvSpPr>
+          <p:cNvPr id="6" name="Content Placeholder 5">
+            <a:extLst>
+              <a:ext uri="{FF2B5EF4-FFF2-40B4-BE49-F238E27FC236}">
+                <a16:creationId xmlns:a16="http://schemas.microsoft.com/office/drawing/2014/main" id="{3E6E0B67-DA8A-4E00-8AB0-5CAF83F57C8F}"/>
+              </a:ext>
+            </a:extLst>
+          </p:cNvPr>
+          <p:cNvSpPr>
+            <a:spLocks noGrp="1"/>
+          </p:cNvSpPr>
+          <p:nvPr>
+            <p:ph sz="quarter" idx="10"/>
+          </p:nvPr>
+        </p:nvSpPr>
+        <p:spPr/>
+        <p:txBody>
+          <a:bodyPr/>
+          <a:lstStyle/>
+          <a:p>
+            <a:r>
+              <a:rPr lang="nb-NO" dirty="0" err="1"/>
+              <a:t>Playbook</a:t>
+            </a:r>
+            <a:r>
+              <a:rPr lang="nb-NO" dirty="0"/>
+              <a:t> som finner porter som er har switcher som CDP naboer, og legger til nytt </a:t>
+            </a:r>
+            <a:r>
+              <a:rPr lang="nb-NO" dirty="0" err="1"/>
+              <a:t>vlan</a:t>
+            </a:r>
+            <a:r>
+              <a:rPr lang="nb-NO" dirty="0"/>
+              <a:t> på trunk</a:t>
+            </a:r>
+          </a:p>
+          <a:p>
+            <a:endParaRPr lang="nb-NO" dirty="0"/>
+          </a:p>
+          <a:p>
+            <a:r>
+              <a:rPr lang="nb-NO" dirty="0" err="1"/>
+              <a:t>Parse</a:t>
+            </a:r>
+            <a:r>
+              <a:rPr lang="nb-NO" dirty="0"/>
+              <a:t> </a:t>
+            </a:r>
+            <a:r>
+              <a:rPr lang="nb-NO" dirty="0" err="1"/>
+              <a:t>genie</a:t>
+            </a:r>
+            <a:r>
+              <a:rPr lang="nb-NO" dirty="0"/>
+              <a:t> </a:t>
+            </a:r>
+            <a:r>
+              <a:rPr lang="nb-NO" dirty="0" err="1"/>
+              <a:t>role</a:t>
+            </a:r>
+            <a:r>
+              <a:rPr lang="nb-NO" dirty="0"/>
+              <a:t> konverterer ustrukturert output fra nettverksenheter til strukturert data</a:t>
+            </a:r>
+          </a:p>
+          <a:p>
+            <a:endParaRPr lang="nb-NO" dirty="0"/>
+          </a:p>
+          <a:p>
+            <a:r>
+              <a:rPr lang="nb-NO" dirty="0"/>
+              <a:t>dict2items filter</a:t>
+            </a:r>
+          </a:p>
+          <a:p>
+            <a:pPr lvl="1"/>
+            <a:r>
+              <a:rPr lang="nb-NO" dirty="0"/>
+              <a:t>Gjør om elementer fra en </a:t>
+            </a:r>
+            <a:r>
+              <a:rPr lang="nb-NO" dirty="0" err="1"/>
+              <a:t>dictionary</a:t>
+            </a:r>
+            <a:r>
+              <a:rPr lang="nb-NO" dirty="0"/>
+              <a:t> til en liste som </a:t>
+            </a:r>
+            <a:r>
+              <a:rPr lang="nb-NO" dirty="0" err="1"/>
+              <a:t>Ansible</a:t>
+            </a:r>
+            <a:r>
+              <a:rPr lang="nb-NO" dirty="0"/>
+              <a:t> kan loope gjennom</a:t>
+            </a:r>
+          </a:p>
+          <a:p>
+            <a:endParaRPr lang="nb-NO" dirty="0"/>
+          </a:p>
+        </p:txBody>
+      </p:sp>
+      <p:sp>
+        <p:nvSpPr>
+          <p:cNvPr id="8" name="Content Placeholder 7">
+            <a:extLst>
+              <a:ext uri="{FF2B5EF4-FFF2-40B4-BE49-F238E27FC236}">
+                <a16:creationId xmlns:a16="http://schemas.microsoft.com/office/drawing/2014/main" id="{5F9DF04C-B0AC-40B6-86CC-EC373F9C1803}"/>
+              </a:ext>
+            </a:extLst>
+          </p:cNvPr>
+          <p:cNvSpPr>
+            <a:spLocks noGrp="1"/>
+          </p:cNvSpPr>
+          <p:nvPr>
+            <p:ph sz="quarter" idx="11"/>
+          </p:nvPr>
+        </p:nvSpPr>
+        <p:spPr>
+          <a:xfrm>
+            <a:off x="6210000" y="985839"/>
+            <a:ext cx="5626800" cy="4387378"/>
+          </a:xfrm>
+        </p:spPr>
+        <p:txBody>
+          <a:bodyPr/>
+          <a:lstStyle/>
+          <a:p>
+            <a:endParaRPr lang="nb-NO" dirty="0"/>
+          </a:p>
+        </p:txBody>
+      </p:sp>
+      <p:pic>
+        <p:nvPicPr>
+          <p:cNvPr id="13" name="Content Placeholder 7">
+            <a:extLst>
+              <a:ext uri="{FF2B5EF4-FFF2-40B4-BE49-F238E27FC236}">
+                <a16:creationId xmlns:a16="http://schemas.microsoft.com/office/drawing/2014/main" id="{F4CEB0D5-70E2-412E-B176-0A17CFC893A5}"/>
+              </a:ext>
+            </a:extLst>
+          </p:cNvPr>
+          <p:cNvPicPr>
+            <a:picLocks noChangeAspect="1"/>
+          </p:cNvPicPr>
+          <p:nvPr/>
+        </p:nvPicPr>
+        <p:blipFill>
+          <a:blip r:embed="rId3"/>
+          <a:stretch>
+            <a:fillRect/>
+          </a:stretch>
+        </p:blipFill>
+        <p:spPr>
+          <a:xfrm>
+            <a:off x="6323012" y="2050256"/>
+            <a:ext cx="5400675" cy="2714625"/>
+          </a:xfrm>
+          <a:prstGeom prst="rect">
+            <a:avLst/>
+          </a:prstGeom>
+        </p:spPr>
+      </p:pic>
+      <p:sp>
+        <p:nvSpPr>
+          <p:cNvPr id="14" name="TextBox 13">
+            <a:extLst>
+              <a:ext uri="{FF2B5EF4-FFF2-40B4-BE49-F238E27FC236}">
+                <a16:creationId xmlns:a16="http://schemas.microsoft.com/office/drawing/2014/main" id="{2A9B91A9-CB2D-434F-B726-7F0CC4E5C22E}"/>
+              </a:ext>
+            </a:extLst>
+          </p:cNvPr>
+          <p:cNvSpPr txBox="1"/>
+          <p:nvPr/>
+        </p:nvSpPr>
+        <p:spPr>
+          <a:xfrm>
+            <a:off x="373174" y="5536364"/>
+            <a:ext cx="10698016" cy="1015663"/>
+          </a:xfrm>
+          <a:prstGeom prst="rect">
+            <a:avLst/>
+          </a:prstGeom>
+          <a:noFill/>
+        </p:spPr>
+        <p:txBody>
+          <a:bodyPr wrap="square">
+            <a:spAutoFit/>
+          </a:bodyPr>
+          <a:lstStyle/>
+          <a:p>
+            <a:endParaRPr lang="nb-NO" sz="2000" dirty="0">
+              <a:hlinkClick r:id="rId4"/>
+            </a:endParaRPr>
+          </a:p>
+          <a:p>
+            <a:r>
+              <a:rPr lang="nb-NO" sz="2000" dirty="0">
+                <a:hlinkClick r:id="rId4"/>
+              </a:rPr>
+              <a:t>https://github.com/clay584/parse_genie</a:t>
+            </a:r>
+            <a:endParaRPr lang="nb-NO" sz="2000" dirty="0"/>
+          </a:p>
+          <a:p>
+            <a:endParaRPr lang="nb-NO" sz="2000" dirty="0"/>
+          </a:p>
+        </p:txBody>
+      </p:sp>
+    </p:spTree>
+    <p:extLst>
+      <p:ext uri="{BB962C8B-B14F-4D97-AF65-F5344CB8AC3E}">
+        <p14:creationId xmlns:p14="http://schemas.microsoft.com/office/powerpoint/2010/main" val="4083938546"/>
+      </p:ext>
+    </p:extLst>
+  </p:cSld>
+  <p:clrMapOvr>
+    <a:masterClrMapping/>
+  </p:clrMapOvr>
+</p:sld>
+</file>
+
+<file path=ppt/slides/slide3.xml><?xml version="1.0" encoding="utf-8"?>
+<p:sld xmlns:a="http://schemas.openxmlformats.org/drawingml/2006/main" xmlns:r="http://schemas.openxmlformats.org/officeDocument/2006/relationships" xmlns:p="http://schemas.openxmlformats.org/presentationml/2006/main">
+  <p:cSld>
+    <p:spTree>
+      <p:nvGrpSpPr>
+        <p:cNvPr id="1" name=""/>
+        <p:cNvGrpSpPr/>
+        <p:nvPr/>
+      </p:nvGrpSpPr>
+      <p:grpSpPr>
+        <a:xfrm>
+          <a:off x="0" y="0"/>
+          <a:ext cx="0" cy="0"/>
+          <a:chOff x="0" y="0"/>
+          <a:chExt cx="0" cy="0"/>
+        </a:xfrm>
+      </p:grpSpPr>
+      <p:sp>
+        <p:nvSpPr>
+          <p:cNvPr id="2" name="Title 1"/>
+          <p:cNvSpPr>
+            <a:spLocks noGrp="1"/>
+          </p:cNvSpPr>
+          <p:nvPr>
+            <p:ph type="title"/>
+          </p:nvPr>
+        </p:nvSpPr>
+        <p:spPr/>
+        <p:txBody>
+          <a:bodyPr/>
+          <a:lstStyle/>
+          <a:p>
+            <a:r>
+              <a:rPr lang="nb-NO" dirty="0"/>
+              <a:t>Hvorfor bruke </a:t>
+            </a:r>
+            <a:r>
+              <a:rPr lang="nb-NO" dirty="0" err="1"/>
+              <a:t>Ansible</a:t>
+            </a:r>
+            <a:r>
+              <a:rPr lang="nb-NO" dirty="0"/>
+              <a:t> til å automatisere nettverk?</a:t>
+            </a:r>
+            <a:endParaRPr lang="en-GB" dirty="0"/>
+          </a:p>
+        </p:txBody>
+      </p:sp>
+      <p:sp>
+        <p:nvSpPr>
+          <p:cNvPr id="3" name="Content Placeholder 2"/>
+          <p:cNvSpPr>
+            <a:spLocks noGrp="1"/>
+          </p:cNvSpPr>
+          <p:nvPr>
+            <p:ph sz="quarter" idx="10"/>
+          </p:nvPr>
+        </p:nvSpPr>
+        <p:spPr/>
+        <p:txBody>
+          <a:bodyPr/>
+          <a:lstStyle/>
+          <a:p>
+            <a:r>
+              <a:rPr lang="nb-NO" dirty="0" err="1"/>
+              <a:t>Ansible</a:t>
+            </a:r>
+            <a:r>
+              <a:rPr lang="nb-NO" dirty="0"/>
+              <a:t> er populært blant nettverkingeniører, gir mulighet for gjenbruk av kode</a:t>
+            </a:r>
+          </a:p>
+          <a:p>
+            <a:endParaRPr lang="nb-NO" dirty="0"/>
+          </a:p>
+          <a:p>
+            <a:r>
+              <a:rPr lang="nb-NO" dirty="0" err="1"/>
+              <a:t>Ansible</a:t>
+            </a:r>
+            <a:r>
+              <a:rPr lang="nb-NO" dirty="0"/>
+              <a:t> er skrevet i YAML, som er enkelt å lære og bruke</a:t>
+            </a:r>
+          </a:p>
+          <a:p>
+            <a:endParaRPr lang="nb-NO" dirty="0"/>
+          </a:p>
+          <a:p>
+            <a:r>
+              <a:rPr lang="nb-NO" dirty="0" err="1"/>
+              <a:t>Compliance</a:t>
+            </a:r>
+            <a:r>
+              <a:rPr lang="nb-NO" dirty="0"/>
+              <a:t>, </a:t>
+            </a:r>
+            <a:r>
+              <a:rPr lang="nb-NO" dirty="0" err="1"/>
+              <a:t>standarisering</a:t>
+            </a:r>
+            <a:endParaRPr lang="nb-NO" dirty="0"/>
+          </a:p>
+          <a:p>
+            <a:endParaRPr lang="nb-NO" dirty="0"/>
+          </a:p>
+          <a:p>
+            <a:r>
+              <a:rPr lang="nb-NO" dirty="0"/>
+              <a:t>YAML er kode, og koden kan leve i en "</a:t>
+            </a:r>
+            <a:r>
+              <a:rPr lang="nb-NO" dirty="0" err="1"/>
+              <a:t>repository</a:t>
+            </a:r>
+            <a:r>
+              <a:rPr lang="nb-NO" dirty="0"/>
+              <a:t>" som GIT, det gir mange muligheter</a:t>
+            </a:r>
+          </a:p>
+          <a:p>
+            <a:endParaRPr lang="nb-NO" dirty="0"/>
+          </a:p>
+          <a:p>
+            <a:r>
+              <a:rPr lang="nb-NO" dirty="0"/>
+              <a:t>GUI = AWX - kan brukes med </a:t>
+            </a:r>
+            <a:r>
+              <a:rPr lang="nb-NO" dirty="0" err="1"/>
+              <a:t>dynamic</a:t>
+            </a:r>
+            <a:r>
+              <a:rPr lang="nb-NO" dirty="0"/>
+              <a:t> </a:t>
+            </a:r>
+            <a:r>
+              <a:rPr lang="nb-NO" dirty="0" err="1"/>
+              <a:t>inventory</a:t>
+            </a:r>
+            <a:r>
+              <a:rPr lang="nb-NO" dirty="0"/>
+              <a:t>, støtter RBAC og har et API</a:t>
+            </a:r>
+          </a:p>
+          <a:p>
+            <a:endParaRPr lang="en-GB" dirty="0"/>
+          </a:p>
+          <a:p>
+            <a:endParaRPr lang="en-GB" dirty="0"/>
+          </a:p>
+          <a:p>
+            <a:endParaRPr lang="en-GB" dirty="0"/>
+          </a:p>
+        </p:txBody>
+      </p:sp>
+      <p:sp>
+        <p:nvSpPr>
+          <p:cNvPr id="4" name="Footer Placeholder 3"/>
+          <p:cNvSpPr>
+            <a:spLocks noGrp="1"/>
+          </p:cNvSpPr>
+          <p:nvPr>
+            <p:ph type="ftr" sz="quarter" idx="12"/>
+          </p:nvPr>
+        </p:nvSpPr>
+        <p:spPr/>
+        <p:txBody>
+          <a:bodyPr/>
+          <a:lstStyle/>
+          <a:p>
+            <a:endParaRPr lang="da-DK" dirty="0"/>
+          </a:p>
+        </p:txBody>
+      </p:sp>
+    </p:spTree>
+    <p:custDataLst>
+      <p:tags r:id="rId1"/>
+    </p:custDataLst>
+    <p:extLst>
+      <p:ext uri="{BB962C8B-B14F-4D97-AF65-F5344CB8AC3E}">
+        <p14:creationId xmlns:p14="http://schemas.microsoft.com/office/powerpoint/2010/main" val="2191568964"/>
+      </p:ext>
+    </p:extLst>
+  </p:cSld>
+  <p:clrMapOvr>
+    <a:masterClrMapping/>
+  </p:clrMapOvr>
+</p:sld>
+</file>
+
+<file path=ppt/slides/slide30.xml><?xml version="1.0" encoding="utf-8"?>
+<p:sld xmlns:a="http://schemas.openxmlformats.org/drawingml/2006/main" xmlns:r="http://schemas.openxmlformats.org/officeDocument/2006/relationships" xmlns:p="http://schemas.openxmlformats.org/presentationml/2006/main">
+  <p:cSld>
+    <p:spTree>
+      <p:nvGrpSpPr>
+        <p:cNvPr id="1" name=""/>
+        <p:cNvGrpSpPr/>
+        <p:nvPr/>
+      </p:nvGrpSpPr>
+      <p:grpSpPr>
+        <a:xfrm>
+          <a:off x="0" y="0"/>
+          <a:ext cx="0" cy="0"/>
+          <a:chOff x="0" y="0"/>
+          <a:chExt cx="0" cy="0"/>
+        </a:xfrm>
+      </p:grpSpPr>
+      <p:sp>
+        <p:nvSpPr>
+          <p:cNvPr id="2" name="Title 1">
+            <a:extLst>
+              <a:ext uri="{FF2B5EF4-FFF2-40B4-BE49-F238E27FC236}">
+                <a16:creationId xmlns:a16="http://schemas.microsoft.com/office/drawing/2014/main" id="{F18A010B-95C4-417E-AD63-BBC7E3916395}"/>
+              </a:ext>
+            </a:extLst>
+          </p:cNvPr>
+          <p:cNvSpPr>
+            <a:spLocks noGrp="1"/>
+          </p:cNvSpPr>
+          <p:nvPr>
+            <p:ph type="title"/>
+          </p:nvPr>
+        </p:nvSpPr>
+        <p:spPr/>
+        <p:txBody>
+          <a:bodyPr/>
+          <a:lstStyle/>
+          <a:p>
+            <a:r>
+              <a:rPr lang="nb-NO" dirty="0" err="1"/>
+              <a:t>Ansible</a:t>
+            </a:r>
+            <a:r>
+              <a:rPr lang="nb-NO" dirty="0"/>
+              <a:t> </a:t>
+            </a:r>
+            <a:r>
+              <a:rPr lang="nb-NO" dirty="0" err="1"/>
+              <a:t>vault</a:t>
+            </a:r>
+            <a:endParaRPr lang="nb-NO" dirty="0"/>
+          </a:p>
+        </p:txBody>
+      </p:sp>
+      <p:sp>
+        <p:nvSpPr>
+          <p:cNvPr id="3" name="Content Placeholder 2">
+            <a:extLst>
+              <a:ext uri="{FF2B5EF4-FFF2-40B4-BE49-F238E27FC236}">
+                <a16:creationId xmlns:a16="http://schemas.microsoft.com/office/drawing/2014/main" id="{58CD67F7-2CB3-44C6-BD2F-5C844C319248}"/>
+              </a:ext>
+            </a:extLst>
+          </p:cNvPr>
+          <p:cNvSpPr>
+            <a:spLocks noGrp="1"/>
+          </p:cNvSpPr>
+          <p:nvPr>
+            <p:ph sz="quarter" idx="10"/>
+          </p:nvPr>
+        </p:nvSpPr>
+        <p:spPr>
+          <a:xfrm>
+            <a:off x="291291" y="992287"/>
+            <a:ext cx="5626800" cy="4843479"/>
+          </a:xfrm>
+        </p:spPr>
+        <p:txBody>
+          <a:bodyPr/>
+          <a:lstStyle/>
+          <a:p>
+            <a:endParaRPr lang="nb-NO" dirty="0"/>
+          </a:p>
+          <a:p>
+            <a:r>
+              <a:rPr lang="nb-NO" dirty="0"/>
+              <a:t>Brukes for å unngå passord i klartekst </a:t>
+            </a:r>
+          </a:p>
+          <a:p>
+            <a:endParaRPr lang="nb-NO" dirty="0"/>
+          </a:p>
+          <a:p>
+            <a:r>
+              <a:rPr lang="nb-NO" dirty="0" err="1"/>
+              <a:t>ansible-vault</a:t>
+            </a:r>
+            <a:endParaRPr lang="nb-NO" dirty="0"/>
+          </a:p>
+          <a:p>
+            <a:pPr lvl="1"/>
+            <a:r>
+              <a:rPr lang="nb-NO" dirty="0" err="1"/>
+              <a:t>encrypt</a:t>
+            </a:r>
+            <a:endParaRPr lang="nb-NO" dirty="0"/>
+          </a:p>
+          <a:p>
+            <a:pPr lvl="1"/>
+            <a:r>
+              <a:rPr lang="nb-NO" dirty="0" err="1"/>
+              <a:t>decrypt</a:t>
+            </a:r>
+            <a:endParaRPr lang="nb-NO" dirty="0"/>
+          </a:p>
+          <a:p>
+            <a:pPr lvl="1"/>
+            <a:r>
+              <a:rPr lang="nb-NO" dirty="0" err="1"/>
+              <a:t>edit</a:t>
+            </a:r>
+            <a:endParaRPr lang="nb-NO" dirty="0"/>
+          </a:p>
+          <a:p>
+            <a:pPr lvl="1"/>
+            <a:r>
+              <a:rPr lang="nb-NO" dirty="0" err="1"/>
+              <a:t>view</a:t>
+            </a:r>
+            <a:endParaRPr lang="nb-NO" dirty="0"/>
+          </a:p>
+          <a:p>
+            <a:pPr lvl="1"/>
+            <a:r>
+              <a:rPr lang="nb-NO" dirty="0" err="1"/>
+              <a:t>encrypt_string</a:t>
+            </a:r>
+            <a:endParaRPr lang="nb-NO" dirty="0"/>
+          </a:p>
+          <a:p>
+            <a:endParaRPr lang="nb-NO" dirty="0"/>
+          </a:p>
+          <a:p>
+            <a:r>
+              <a:rPr lang="nb-NO" dirty="0"/>
+              <a:t>Kjør </a:t>
+            </a:r>
+            <a:r>
+              <a:rPr lang="nb-NO" dirty="0" err="1"/>
+              <a:t>playbook</a:t>
+            </a:r>
+            <a:r>
+              <a:rPr lang="nb-NO" dirty="0"/>
+              <a:t> med --ask-</a:t>
+            </a:r>
+            <a:r>
+              <a:rPr lang="nb-NO" dirty="0" err="1"/>
+              <a:t>vault</a:t>
+            </a:r>
+            <a:r>
+              <a:rPr lang="nb-NO" dirty="0"/>
+              <a:t>-pass</a:t>
+            </a:r>
+          </a:p>
+        </p:txBody>
+      </p:sp>
+      <p:pic>
+        <p:nvPicPr>
+          <p:cNvPr id="7" name="Content Placeholder 6">
+            <a:extLst>
+              <a:ext uri="{FF2B5EF4-FFF2-40B4-BE49-F238E27FC236}">
+                <a16:creationId xmlns:a16="http://schemas.microsoft.com/office/drawing/2014/main" id="{4BFE7C3B-97C4-4ACD-B0EB-2E7140FD4415}"/>
+              </a:ext>
+            </a:extLst>
+          </p:cNvPr>
+          <p:cNvPicPr>
+            <a:picLocks noGrp="1" noChangeAspect="1"/>
+          </p:cNvPicPr>
+          <p:nvPr>
+            <p:ph sz="quarter" idx="11"/>
+          </p:nvPr>
+        </p:nvPicPr>
+        <p:blipFill>
+          <a:blip r:embed="rId3"/>
+          <a:stretch>
+            <a:fillRect/>
+          </a:stretch>
+        </p:blipFill>
+        <p:spPr>
+          <a:xfrm>
+            <a:off x="4151784" y="2267725"/>
+            <a:ext cx="7718944" cy="1166695"/>
+          </a:xfrm>
+          <a:prstGeom prst="rect">
+            <a:avLst/>
+          </a:prstGeom>
+        </p:spPr>
+      </p:pic>
+      <p:sp>
+        <p:nvSpPr>
+          <p:cNvPr id="5" name="Footer Placeholder 4">
+            <a:extLst>
+              <a:ext uri="{FF2B5EF4-FFF2-40B4-BE49-F238E27FC236}">
+                <a16:creationId xmlns:a16="http://schemas.microsoft.com/office/drawing/2014/main" id="{4259A9F2-E087-4AA4-937E-3631A6A5EE35}"/>
+              </a:ext>
+            </a:extLst>
+          </p:cNvPr>
+          <p:cNvSpPr>
+            <a:spLocks noGrp="1"/>
+          </p:cNvSpPr>
+          <p:nvPr>
+            <p:ph type="ftr" sz="quarter" idx="13"/>
+          </p:nvPr>
+        </p:nvSpPr>
+        <p:spPr/>
+        <p:txBody>
+          <a:bodyPr/>
+          <a:lstStyle/>
+          <a:p>
+            <a:endParaRPr lang="da-DK" dirty="0"/>
+          </a:p>
+        </p:txBody>
+      </p:sp>
+      <p:sp>
+        <p:nvSpPr>
+          <p:cNvPr id="6" name="TextBox 5">
+            <a:extLst>
+              <a:ext uri="{FF2B5EF4-FFF2-40B4-BE49-F238E27FC236}">
+                <a16:creationId xmlns:a16="http://schemas.microsoft.com/office/drawing/2014/main" id="{03C85CA4-CD59-4713-B715-BDEA8BBF0B3D}"/>
+              </a:ext>
+            </a:extLst>
+          </p:cNvPr>
+          <p:cNvSpPr txBox="1"/>
+          <p:nvPr/>
+        </p:nvSpPr>
+        <p:spPr>
+          <a:xfrm>
+            <a:off x="373174" y="6088437"/>
+            <a:ext cx="5463034" cy="246221"/>
+          </a:xfrm>
+          <a:prstGeom prst="rect">
+            <a:avLst/>
+          </a:prstGeom>
+          <a:noFill/>
+        </p:spPr>
+        <p:txBody>
+          <a:bodyPr wrap="none" lIns="0" tIns="0" rIns="0" bIns="0" rtlCol="0">
+            <a:spAutoFit/>
+          </a:bodyPr>
+          <a:lstStyle/>
+          <a:p>
+            <a:r>
+              <a:rPr lang="nb-NO" sz="1600" dirty="0">
+                <a:hlinkClick r:id="rId4"/>
+              </a:rPr>
+              <a:t>https://docs.ansible.com/ansible/latest/user_guide/vault.html</a:t>
+            </a:r>
+            <a:endParaRPr lang="nb-NO" sz="2200" noProof="0" dirty="0" err="1"/>
+          </a:p>
+        </p:txBody>
+      </p:sp>
+    </p:spTree>
+    <p:extLst>
+      <p:ext uri="{BB962C8B-B14F-4D97-AF65-F5344CB8AC3E}">
+        <p14:creationId xmlns:p14="http://schemas.microsoft.com/office/powerpoint/2010/main" val="283160981"/>
+      </p:ext>
+    </p:extLst>
+  </p:cSld>
+  <p:clrMapOvr>
+    <a:masterClrMapping/>
+  </p:clrMapOvr>
+</p:sld>
+</file>
+
+<file path=ppt/slides/slide31.xml><?xml version="1.0" encoding="utf-8"?>
+<p:sld xmlns:a="http://schemas.openxmlformats.org/drawingml/2006/main" xmlns:r="http://schemas.openxmlformats.org/officeDocument/2006/relationships" xmlns:p="http://schemas.openxmlformats.org/presentationml/2006/main">
+  <p:cSld>
+    <p:spTree>
+      <p:nvGrpSpPr>
+        <p:cNvPr id="1" name=""/>
+        <p:cNvGrpSpPr/>
+        <p:nvPr/>
+      </p:nvGrpSpPr>
+      <p:grpSpPr>
+        <a:xfrm>
+          <a:off x="0" y="0"/>
+          <a:ext cx="0" cy="0"/>
+          <a:chOff x="0" y="0"/>
+          <a:chExt cx="0" cy="0"/>
+        </a:xfrm>
+      </p:grpSpPr>
+      <p:sp>
+        <p:nvSpPr>
+          <p:cNvPr id="2" name="Title 1">
+            <a:extLst>
+              <a:ext uri="{FF2B5EF4-FFF2-40B4-BE49-F238E27FC236}">
                 <a16:creationId xmlns:a16="http://schemas.microsoft.com/office/drawing/2014/main" id="{C454D83B-45DF-44A9-912A-586061F2654B}"/>
               </a:ext>
             </a:extLst>
@@ -22182,7 +23606,7 @@
               <a:rPr lang="nb-NO" dirty="0">
                 <a:hlinkClick r:id="rId3"/>
               </a:rPr>
-              <a:t>https://gitub.com/geerlingguy/ansible-role-awx</a:t>
+              <a:t>https://github.com/geerlingguy/ansible-role-awx</a:t>
             </a:r>
             <a:endParaRPr lang="nb-NO" dirty="0"/>
           </a:p>
@@ -22298,197 +23722,6 @@
     <p:extLst>
       <p:ext uri="{BB962C8B-B14F-4D97-AF65-F5344CB8AC3E}">
         <p14:creationId xmlns:p14="http://schemas.microsoft.com/office/powerpoint/2010/main" val="3550766391"/>
-      </p:ext>
-    </p:extLst>
-  </p:cSld>
-  <p:clrMapOvr>
-    <a:masterClrMapping/>
-  </p:clrMapOvr>
-</p:sld>
-</file>
-
-<file path=ppt/slides/slide3.xml><?xml version="1.0" encoding="utf-8"?>
-<p:sld xmlns:a="http://schemas.openxmlformats.org/drawingml/2006/main" xmlns:r="http://schemas.openxmlformats.org/officeDocument/2006/relationships" xmlns:p="http://schemas.openxmlformats.org/presentationml/2006/main">
-  <p:cSld>
-    <p:spTree>
-      <p:nvGrpSpPr>
-        <p:cNvPr id="1" name=""/>
-        <p:cNvGrpSpPr/>
-        <p:nvPr/>
-      </p:nvGrpSpPr>
-      <p:grpSpPr>
-        <a:xfrm>
-          <a:off x="0" y="0"/>
-          <a:ext cx="0" cy="0"/>
-          <a:chOff x="0" y="0"/>
-          <a:chExt cx="0" cy="0"/>
-        </a:xfrm>
-      </p:grpSpPr>
-      <p:sp>
-        <p:nvSpPr>
-          <p:cNvPr id="2" name="Title 1"/>
-          <p:cNvSpPr>
-            <a:spLocks noGrp="1"/>
-          </p:cNvSpPr>
-          <p:nvPr>
-            <p:ph type="title"/>
-          </p:nvPr>
-        </p:nvSpPr>
-        <p:spPr/>
-        <p:txBody>
-          <a:bodyPr/>
-          <a:lstStyle/>
-          <a:p>
-            <a:r>
-              <a:rPr lang="nb-NO" dirty="0"/>
-              <a:t>Hvorfor bruke </a:t>
-            </a:r>
-            <a:r>
-              <a:rPr lang="nb-NO" dirty="0" err="1"/>
-              <a:t>Ansible</a:t>
-            </a:r>
-            <a:r>
-              <a:rPr lang="nb-NO" dirty="0"/>
-              <a:t> til å automatisere nettverk?</a:t>
-            </a:r>
-            <a:endParaRPr lang="en-GB" dirty="0"/>
-          </a:p>
-        </p:txBody>
-      </p:sp>
-      <p:sp>
-        <p:nvSpPr>
-          <p:cNvPr id="3" name="Content Placeholder 2"/>
-          <p:cNvSpPr>
-            <a:spLocks noGrp="1"/>
-          </p:cNvSpPr>
-          <p:nvPr>
-            <p:ph sz="quarter" idx="10"/>
-          </p:nvPr>
-        </p:nvSpPr>
-        <p:spPr/>
-        <p:txBody>
-          <a:bodyPr/>
-          <a:lstStyle/>
-          <a:p>
-            <a:r>
-              <a:rPr lang="nb-NO" dirty="0" err="1"/>
-              <a:t>Ansible</a:t>
-            </a:r>
-            <a:r>
-              <a:rPr lang="nb-NO" dirty="0"/>
-              <a:t> er populært blant nettverkingeniører, gir mulighet for gjenbruk av kode</a:t>
-            </a:r>
-          </a:p>
-          <a:p>
-            <a:endParaRPr lang="nb-NO" dirty="0"/>
-          </a:p>
-          <a:p>
-            <a:r>
-              <a:rPr lang="nb-NO" dirty="0" err="1"/>
-              <a:t>Ansible</a:t>
-            </a:r>
-            <a:r>
-              <a:rPr lang="nb-NO" dirty="0"/>
-              <a:t> er skrevet i YAML, som er enkelt å lære og bruke</a:t>
-            </a:r>
-          </a:p>
-          <a:p>
-            <a:endParaRPr lang="nb-NO" dirty="0"/>
-          </a:p>
-          <a:p>
-            <a:r>
-              <a:rPr lang="nb-NO" dirty="0" err="1"/>
-              <a:t>Compliance</a:t>
-            </a:r>
-            <a:r>
-              <a:rPr lang="nb-NO" dirty="0"/>
-              <a:t>, </a:t>
-            </a:r>
-            <a:r>
-              <a:rPr lang="nb-NO" dirty="0" err="1"/>
-              <a:t>standarisering</a:t>
-            </a:r>
-            <a:endParaRPr lang="nb-NO" dirty="0"/>
-          </a:p>
-          <a:p>
-            <a:endParaRPr lang="nb-NO" dirty="0"/>
-          </a:p>
-          <a:p>
-            <a:r>
-              <a:rPr lang="nb-NO" dirty="0"/>
-              <a:t>YAML er kode, og koden kan leve i en "</a:t>
-            </a:r>
-            <a:r>
-              <a:rPr lang="nb-NO" dirty="0" err="1"/>
-              <a:t>repository</a:t>
-            </a:r>
-            <a:r>
-              <a:rPr lang="nb-NO" dirty="0"/>
-              <a:t>" som GIT, det gir mange muligheter</a:t>
-            </a:r>
-          </a:p>
-          <a:p>
-            <a:endParaRPr lang="nb-NO" dirty="0"/>
-          </a:p>
-          <a:p>
-            <a:r>
-              <a:rPr lang="nb-NO" dirty="0"/>
-              <a:t>GUI = AWX - kan brukes med </a:t>
-            </a:r>
-            <a:r>
-              <a:rPr lang="nb-NO" dirty="0" err="1"/>
-              <a:t>dynamic</a:t>
-            </a:r>
-            <a:r>
-              <a:rPr lang="nb-NO" dirty="0"/>
-              <a:t> </a:t>
-            </a:r>
-            <a:r>
-              <a:rPr lang="nb-NO" dirty="0" err="1"/>
-              <a:t>inventory</a:t>
-            </a:r>
-            <a:r>
-              <a:rPr lang="nb-NO" dirty="0"/>
-              <a:t>, støtter RBAC og har et API</a:t>
-            </a:r>
-          </a:p>
-          <a:p>
-            <a:endParaRPr lang="en-GB" dirty="0"/>
-          </a:p>
-          <a:p>
-            <a:endParaRPr lang="en-GB" dirty="0"/>
-          </a:p>
-          <a:p>
-            <a:endParaRPr lang="en-GB" dirty="0"/>
-          </a:p>
-        </p:txBody>
-      </p:sp>
-      <p:sp>
-        <p:nvSpPr>
-          <p:cNvPr id="4" name="Footer Placeholder 3"/>
-          <p:cNvSpPr>
-            <a:spLocks noGrp="1"/>
-          </p:cNvSpPr>
-          <p:nvPr>
-            <p:ph type="ftr" sz="quarter" idx="12"/>
-          </p:nvPr>
-        </p:nvSpPr>
-        <p:spPr/>
-        <p:txBody>
-          <a:bodyPr/>
-          <a:lstStyle/>
-          <a:p>
-            <a:endParaRPr lang="da-DK" dirty="0"/>
-          </a:p>
-        </p:txBody>
-      </p:sp>
-    </p:spTree>
-    <p:custDataLst>
-      <p:tags r:id="rId1"/>
-    </p:custDataLst>
-    <p:extLst>
-      <p:ext uri="{BB962C8B-B14F-4D97-AF65-F5344CB8AC3E}">
-        <p14:creationId xmlns:p14="http://schemas.microsoft.com/office/powerpoint/2010/main" val="2191568964"/>
       </p:ext>
     </p:extLst>
   </p:cSld>
